--- a/slides/2025-05-14_Meeting.pptx
+++ b/slides/2025-05-14_Meeting.pptx
@@ -5,7 +5,7 @@
     <p:sldMasterId id="2147483660" r:id="rId1"/>
   </p:sldMasterIdLst>
   <p:notesMasterIdLst>
-    <p:notesMasterId r:id="rId10"/>
+    <p:notesMasterId r:id="rId11"/>
   </p:notesMasterIdLst>
   <p:sldIdLst>
     <p:sldId id="256" r:id="rId2"/>
@@ -16,6 +16,7 @@
     <p:sldId id="266" r:id="rId7"/>
     <p:sldId id="267" r:id="rId8"/>
     <p:sldId id="268" r:id="rId9"/>
+    <p:sldId id="269" r:id="rId10"/>
   </p:sldIdLst>
   <p:sldSz cx="9144000" cy="6858000" type="screen4x3"/>
   <p:notesSz cx="6858000" cy="9144000"/>
@@ -204,7 +205,7 @@
           <a:p>
             <a:fld id="{0D4DC8D2-E98E-4A2E-881A-E72301017346}" type="datetimeFigureOut">
               <a:rPr kumimoji="1" lang="ja-JP" altLang="en-US" smtClean="0"/>
-              <a:t>2025/5/13</a:t>
+              <a:t>2025/5/14</a:t>
             </a:fld>
             <a:endParaRPr kumimoji="1" lang="ja-JP" altLang="en-US"/>
           </a:p>
@@ -2948,7 +2949,7 @@
                 <a:ea typeface="MS PGothic" panose="020B0600070205080204" pitchFamily="34" charset="-128"/>
                 <a:cs typeface="Arial" panose="020B0604020202020204" pitchFamily="34" charset="0"/>
               </a:rPr>
-              <a:t>Observations on polyhedral graphs under 6 types of </a:t>
+              <a:t>Observations on polyhedral graphs under 7 types of </a:t>
             </a:r>
             <a:r>
               <a:rPr kumimoji="1" lang="en-US" altLang="ja-JP" sz="2400" spc="-30" dirty="0" err="1">
@@ -2970,7 +2971,7 @@
                 <a:ea typeface="MS PGothic" panose="020B0600070205080204" pitchFamily="34" charset="-128"/>
                 <a:cs typeface="Arial" panose="020B0604020202020204" pitchFamily="34" charset="0"/>
               </a:rPr>
-              <a:t> options (not including combination ones yet).</a:t>
+              <a:t> options (including 1 combination type)</a:t>
             </a:r>
             <a:endParaRPr kumimoji="1" lang="ja-JP" altLang="en-US" sz="2400" spc="-30" dirty="0">
               <a:solidFill>
@@ -3122,8 +3123,8 @@
           </a:p>
         </p:txBody>
       </p:sp>
-      <mc:AlternateContent xmlns:mc="http://schemas.openxmlformats.org/markup-compatibility/2006">
-        <mc:Choice xmlns:a14="http://schemas.microsoft.com/office/drawing/2010/main" Requires="a14">
+      <mc:AlternateContent xmlns:mc="http://schemas.openxmlformats.org/markup-compatibility/2006" xmlns:a14="http://schemas.microsoft.com/office/drawing/2010/main">
+        <mc:Choice Requires="a14">
           <p:graphicFrame>
             <p:nvGraphicFramePr>
               <p:cNvPr id="5" name="コンテンツ プレースホルダー 16">
@@ -4845,7 +4846,7 @@
             </a:graphic>
           </p:graphicFrame>
         </mc:Choice>
-        <mc:Fallback>
+        <mc:Fallback xmlns="">
           <p:graphicFrame>
             <p:nvGraphicFramePr>
               <p:cNvPr id="5" name="コンテンツ プレースホルダー 16">
@@ -6155,8 +6156,8 @@
           </p:graphicFrame>
         </mc:Fallback>
       </mc:AlternateContent>
-      <mc:AlternateContent xmlns:mc="http://schemas.openxmlformats.org/markup-compatibility/2006">
-        <mc:Choice xmlns:a14="http://schemas.microsoft.com/office/drawing/2010/main" Requires="a14">
+      <mc:AlternateContent xmlns:mc="http://schemas.openxmlformats.org/markup-compatibility/2006" xmlns:a14="http://schemas.microsoft.com/office/drawing/2010/main">
+        <mc:Choice Requires="a14">
           <p:sp>
             <p:nvSpPr>
               <p:cNvPr id="6" name="正方形/長方形 5">
@@ -6284,7 +6285,7 @@
             </p:txBody>
           </p:sp>
         </mc:Choice>
-        <mc:Fallback>
+        <mc:Fallback xmlns="">
           <p:sp>
             <p:nvSpPr>
               <p:cNvPr id="6" name="正方形/長方形 5">
@@ -6520,8 +6521,8 @@
           </a:p>
         </p:txBody>
       </p:sp>
-      <mc:AlternateContent xmlns:mc="http://schemas.openxmlformats.org/markup-compatibility/2006">
-        <mc:Choice xmlns:a14="http://schemas.microsoft.com/office/drawing/2010/main" Requires="a14">
+      <mc:AlternateContent xmlns:mc="http://schemas.openxmlformats.org/markup-compatibility/2006" xmlns:a14="http://schemas.microsoft.com/office/drawing/2010/main">
+        <mc:Choice Requires="a14">
           <p:sp>
             <p:nvSpPr>
               <p:cNvPr id="13" name="コンテンツ プレースホルダー 2">
@@ -6635,7 +6636,7 @@
             </p:txBody>
           </p:sp>
         </mc:Choice>
-        <mc:Fallback>
+        <mc:Fallback xmlns="">
           <p:sp>
             <p:nvSpPr>
               <p:cNvPr id="13" name="コンテンツ プレースホルダー 2">
@@ -6774,8 +6775,8 @@
           </a:p>
         </p:txBody>
       </p:sp>
-      <mc:AlternateContent xmlns:mc="http://schemas.openxmlformats.org/markup-compatibility/2006">
-        <mc:Choice xmlns:a14="http://schemas.microsoft.com/office/drawing/2010/main" Requires="a14">
+      <mc:AlternateContent xmlns:mc="http://schemas.openxmlformats.org/markup-compatibility/2006" xmlns:a14="http://schemas.microsoft.com/office/drawing/2010/main">
+        <mc:Choice Requires="a14">
           <p:graphicFrame>
             <p:nvGraphicFramePr>
               <p:cNvPr id="5" name="コンテンツ プレースホルダー 16">
@@ -8649,7 +8650,7 @@
             </a:graphic>
           </p:graphicFrame>
         </mc:Choice>
-        <mc:Fallback>
+        <mc:Fallback xmlns="">
           <p:graphicFrame>
             <p:nvGraphicFramePr>
               <p:cNvPr id="5" name="コンテンツ プレースホルダー 16">
@@ -10499,8 +10500,8 @@
           </a:p>
         </p:txBody>
       </p:sp>
-      <mc:AlternateContent xmlns:mc="http://schemas.openxmlformats.org/markup-compatibility/2006">
-        <mc:Choice xmlns:a14="http://schemas.microsoft.com/office/drawing/2010/main" Requires="a14">
+      <mc:AlternateContent xmlns:mc="http://schemas.openxmlformats.org/markup-compatibility/2006" xmlns:a14="http://schemas.microsoft.com/office/drawing/2010/main">
+        <mc:Choice Requires="a14">
           <p:graphicFrame>
             <p:nvGraphicFramePr>
               <p:cNvPr id="5" name="コンテンツ プレースホルダー 16">
@@ -12070,7 +12071,7 @@
             </a:graphic>
           </p:graphicFrame>
         </mc:Choice>
-        <mc:Fallback>
+        <mc:Fallback xmlns="">
           <p:graphicFrame>
             <p:nvGraphicFramePr>
               <p:cNvPr id="5" name="コンテンツ プレースホルダー 16">
@@ -13267,8 +13268,8 @@
           </p:graphicFrame>
         </mc:Fallback>
       </mc:AlternateContent>
-      <mc:AlternateContent xmlns:mc="http://schemas.openxmlformats.org/markup-compatibility/2006">
-        <mc:Choice xmlns:a14="http://schemas.microsoft.com/office/drawing/2010/main" Requires="a14">
+      <mc:AlternateContent xmlns:mc="http://schemas.openxmlformats.org/markup-compatibility/2006" xmlns:a14="http://schemas.microsoft.com/office/drawing/2010/main">
+        <mc:Choice Requires="a14">
           <p:sp>
             <p:nvSpPr>
               <p:cNvPr id="6" name="正方形/長方形 5">
@@ -13396,7 +13397,7 @@
             </p:txBody>
           </p:sp>
         </mc:Choice>
-        <mc:Fallback>
+        <mc:Fallback xmlns="">
           <p:sp>
             <p:nvSpPr>
               <p:cNvPr id="6" name="正方形/長方形 5">
@@ -13632,8 +13633,8 @@
           </a:p>
         </p:txBody>
       </p:sp>
-      <mc:AlternateContent xmlns:mc="http://schemas.openxmlformats.org/markup-compatibility/2006">
-        <mc:Choice xmlns:a14="http://schemas.microsoft.com/office/drawing/2010/main" Requires="a14">
+      <mc:AlternateContent xmlns:mc="http://schemas.openxmlformats.org/markup-compatibility/2006" xmlns:a14="http://schemas.microsoft.com/office/drawing/2010/main">
+        <mc:Choice Requires="a14">
           <p:sp>
             <p:nvSpPr>
               <p:cNvPr id="13" name="コンテンツ プレースホルダー 2">
@@ -13743,7 +13744,7 @@
             </p:txBody>
           </p:sp>
         </mc:Choice>
-        <mc:Fallback>
+        <mc:Fallback xmlns="">
           <p:sp>
             <p:nvSpPr>
               <p:cNvPr id="13" name="コンテンツ プレースホルダー 2">
@@ -13882,8 +13883,8 @@
           </a:p>
         </p:txBody>
       </p:sp>
-      <mc:AlternateContent xmlns:mc="http://schemas.openxmlformats.org/markup-compatibility/2006">
-        <mc:Choice xmlns:a14="http://schemas.microsoft.com/office/drawing/2010/main" Requires="a14">
+      <mc:AlternateContent xmlns:mc="http://schemas.openxmlformats.org/markup-compatibility/2006" xmlns:a14="http://schemas.microsoft.com/office/drawing/2010/main">
+        <mc:Choice Requires="a14">
           <p:graphicFrame>
             <p:nvGraphicFramePr>
               <p:cNvPr id="5" name="コンテンツ プレースホルダー 16">
@@ -15446,7 +15447,7 @@
             </a:graphic>
           </p:graphicFrame>
         </mc:Choice>
-        <mc:Fallback>
+        <mc:Fallback xmlns="">
           <p:graphicFrame>
             <p:nvGraphicFramePr>
               <p:cNvPr id="5" name="コンテンツ プレースホルダー 16">
@@ -17071,8 +17072,8 @@
           </a:p>
         </p:txBody>
       </p:sp>
-      <mc:AlternateContent xmlns:mc="http://schemas.openxmlformats.org/markup-compatibility/2006">
-        <mc:Choice xmlns:a14="http://schemas.microsoft.com/office/drawing/2010/main" Requires="a14">
+      <mc:AlternateContent xmlns:mc="http://schemas.openxmlformats.org/markup-compatibility/2006" xmlns:a14="http://schemas.microsoft.com/office/drawing/2010/main">
+        <mc:Choice Requires="a14">
           <p:graphicFrame>
             <p:nvGraphicFramePr>
               <p:cNvPr id="5" name="コンテンツ プレースホルダー 16">
@@ -18179,7 +18180,7 @@
             </a:graphic>
           </p:graphicFrame>
         </mc:Choice>
-        <mc:Fallback>
+        <mc:Fallback xmlns="">
           <p:graphicFrame>
             <p:nvGraphicFramePr>
               <p:cNvPr id="5" name="コンテンツ プレースホルダー 16">
@@ -19037,8 +19038,8 @@
           </p:graphicFrame>
         </mc:Fallback>
       </mc:AlternateContent>
-      <mc:AlternateContent xmlns:mc="http://schemas.openxmlformats.org/markup-compatibility/2006">
-        <mc:Choice xmlns:a14="http://schemas.microsoft.com/office/drawing/2010/main" Requires="a14">
+      <mc:AlternateContent xmlns:mc="http://schemas.openxmlformats.org/markup-compatibility/2006" xmlns:a14="http://schemas.microsoft.com/office/drawing/2010/main">
+        <mc:Choice Requires="a14">
           <p:sp>
             <p:nvSpPr>
               <p:cNvPr id="6" name="正方形/長方形 5">
@@ -19166,7 +19167,7 @@
             </p:txBody>
           </p:sp>
         </mc:Choice>
-        <mc:Fallback>
+        <mc:Fallback xmlns="">
           <p:sp>
             <p:nvSpPr>
               <p:cNvPr id="6" name="正方形/長方形 5">
@@ -19555,8 +19556,8 @@
           </a:p>
         </p:txBody>
       </p:sp>
-      <mc:AlternateContent xmlns:mc="http://schemas.openxmlformats.org/markup-compatibility/2006">
-        <mc:Choice xmlns:a14="http://schemas.microsoft.com/office/drawing/2010/main" Requires="a14">
+      <mc:AlternateContent xmlns:mc="http://schemas.openxmlformats.org/markup-compatibility/2006" xmlns:a14="http://schemas.microsoft.com/office/drawing/2010/main">
+        <mc:Choice Requires="a14">
           <p:graphicFrame>
             <p:nvGraphicFramePr>
               <p:cNvPr id="5" name="コンテンツ プレースホルダー 16">
@@ -21281,7 +21282,7 @@
             </a:graphic>
           </p:graphicFrame>
         </mc:Choice>
-        <mc:Fallback>
+        <mc:Fallback xmlns="">
           <p:graphicFrame>
             <p:nvGraphicFramePr>
               <p:cNvPr id="5" name="コンテンツ プレースホルダー 16">
@@ -22907,8 +22908,8 @@
           </a:p>
         </p:txBody>
       </p:sp>
-      <mc:AlternateContent xmlns:mc="http://schemas.openxmlformats.org/markup-compatibility/2006">
-        <mc:Choice xmlns:a14="http://schemas.microsoft.com/office/drawing/2010/main" Requires="a14">
+      <mc:AlternateContent xmlns:mc="http://schemas.openxmlformats.org/markup-compatibility/2006" xmlns:a14="http://schemas.microsoft.com/office/drawing/2010/main">
+        <mc:Choice Requires="a14">
           <p:sp>
             <p:nvSpPr>
               <p:cNvPr id="3" name="正方形/長方形 2">
@@ -23018,7 +23019,7 @@
             </p:txBody>
           </p:sp>
         </mc:Choice>
-        <mc:Fallback>
+        <mc:Fallback xmlns="">
           <p:sp>
             <p:nvSpPr>
               <p:cNvPr id="3" name="正方形/長方形 2">
@@ -23118,6 +23119,9571 @@
     <p:extLst>
       <p:ext uri="{BB962C8B-B14F-4D97-AF65-F5344CB8AC3E}">
         <p14:creationId xmlns:p14="http://schemas.microsoft.com/office/powerpoint/2010/main" val="2794725207"/>
+      </p:ext>
+    </p:extLst>
+  </p:cSld>
+  <p:clrMapOvr>
+    <a:masterClrMapping/>
+  </p:clrMapOvr>
+</p:sld>
+</file>
+
+<file path=ppt/slides/slide9.xml><?xml version="1.0" encoding="utf-8"?>
+<p:sld xmlns:a="http://schemas.openxmlformats.org/drawingml/2006/main" xmlns:r="http://schemas.openxmlformats.org/officeDocument/2006/relationships" xmlns:p="http://schemas.openxmlformats.org/presentationml/2006/main">
+  <p:cSld>
+    <p:spTree>
+      <p:nvGrpSpPr>
+        <p:cNvPr id="1" name="">
+          <a:extLst>
+            <a:ext uri="{FF2B5EF4-FFF2-40B4-BE49-F238E27FC236}">
+              <a16:creationId xmlns:a16="http://schemas.microsoft.com/office/drawing/2014/main" id="{9976735C-23F5-30A2-4375-44086DE3D2F4}"/>
+            </a:ext>
+          </a:extLst>
+        </p:cNvPr>
+        <p:cNvGrpSpPr/>
+        <p:nvPr/>
+      </p:nvGrpSpPr>
+      <p:grpSpPr>
+        <a:xfrm>
+          <a:off x="0" y="0"/>
+          <a:ext cx="0" cy="0"/>
+          <a:chOff x="0" y="0"/>
+          <a:chExt cx="0" cy="0"/>
+        </a:xfrm>
+      </p:grpSpPr>
+      <p:sp>
+        <p:nvSpPr>
+          <p:cNvPr id="2" name="タイトル 1">
+            <a:extLst>
+              <a:ext uri="{FF2B5EF4-FFF2-40B4-BE49-F238E27FC236}">
+                <a16:creationId xmlns:a16="http://schemas.microsoft.com/office/drawing/2014/main" id="{282769BA-08C1-DD75-6116-7C648550FAFB}"/>
+              </a:ext>
+            </a:extLst>
+          </p:cNvPr>
+          <p:cNvSpPr>
+            <a:spLocks noGrp="1"/>
+          </p:cNvSpPr>
+          <p:nvPr>
+            <p:ph type="title"/>
+          </p:nvPr>
+        </p:nvSpPr>
+        <p:spPr/>
+        <p:txBody>
+          <a:bodyPr/>
+          <a:lstStyle/>
+          <a:p>
+            <a:r>
+              <a:rPr lang="en-US" altLang="ja-JP" dirty="0"/>
+              <a:t>7. + Claw-free + K4-free</a:t>
+            </a:r>
+            <a:endParaRPr kumimoji="1" lang="ja-JP" altLang="en-US"/>
+          </a:p>
+        </p:txBody>
+      </p:sp>
+      <p:sp>
+        <p:nvSpPr>
+          <p:cNvPr id="4" name="スライド番号プレースホルダー 3">
+            <a:extLst>
+              <a:ext uri="{FF2B5EF4-FFF2-40B4-BE49-F238E27FC236}">
+                <a16:creationId xmlns:a16="http://schemas.microsoft.com/office/drawing/2014/main" id="{1B1AA746-0EB8-9FFC-3606-5E1652E8C352}"/>
+              </a:ext>
+            </a:extLst>
+          </p:cNvPr>
+          <p:cNvSpPr>
+            <a:spLocks noGrp="1"/>
+          </p:cNvSpPr>
+          <p:nvPr>
+            <p:ph type="sldNum" sz="quarter" idx="4"/>
+          </p:nvPr>
+        </p:nvSpPr>
+        <p:spPr/>
+        <p:txBody>
+          <a:bodyPr/>
+          <a:lstStyle/>
+          <a:p>
+            <a:fld id="{E025A48F-C8C6-4749-8D6D-B241B2D2F01E}" type="slidenum">
+              <a:rPr kumimoji="1" lang="ja-JP" altLang="en-US" smtClean="0"/>
+              <a:pPr/>
+              <a:t>9</a:t>
+            </a:fld>
+            <a:endParaRPr kumimoji="1" lang="ja-JP" altLang="en-US" dirty="0"/>
+          </a:p>
+        </p:txBody>
+      </p:sp>
+      <mc:AlternateContent xmlns:mc="http://schemas.openxmlformats.org/markup-compatibility/2006">
+        <mc:Choice xmlns:a14="http://schemas.microsoft.com/office/drawing/2010/main" Requires="a14">
+          <p:graphicFrame>
+            <p:nvGraphicFramePr>
+              <p:cNvPr id="5" name="コンテンツ プレースホルダー 16">
+                <a:extLst>
+                  <a:ext uri="{FF2B5EF4-FFF2-40B4-BE49-F238E27FC236}">
+                    <a16:creationId xmlns:a16="http://schemas.microsoft.com/office/drawing/2014/main" id="{A014F262-7F91-3A04-1D66-F7AAE7573D3D}"/>
+                  </a:ext>
+                </a:extLst>
+              </p:cNvPr>
+              <p:cNvGraphicFramePr>
+                <a:graphicFrameLocks/>
+              </p:cNvGraphicFramePr>
+              <p:nvPr>
+                <p:extLst>
+                  <p:ext uri="{D42A27DB-BD31-4B8C-83A1-F6EECF244321}">
+                    <p14:modId xmlns:p14="http://schemas.microsoft.com/office/powerpoint/2010/main" val="1558018449"/>
+                  </p:ext>
+                </p:extLst>
+              </p:nvPr>
+            </p:nvGraphicFramePr>
+            <p:xfrm>
+              <a:off x="506341" y="2300583"/>
+              <a:ext cx="1791089" cy="3114480"/>
+            </p:xfrm>
+            <a:graphic>
+              <a:graphicData uri="http://schemas.openxmlformats.org/drawingml/2006/table">
+                <a:tbl>
+                  <a:tblPr firstRow="1" bandRow="1">
+                    <a:tableStyleId>{5C22544A-7EE6-4342-B048-85BDC9FD1C3A}</a:tableStyleId>
+                  </a:tblPr>
+                  <a:tblGrid>
+                    <a:gridCol w="401661">
+                      <a:extLst>
+                        <a:ext uri="{9D8B030D-6E8A-4147-A177-3AD203B41FA5}">
+                          <a16:colId xmlns:a16="http://schemas.microsoft.com/office/drawing/2014/main" val="215306376"/>
+                        </a:ext>
+                      </a:extLst>
+                    </a:gridCol>
+                    <a:gridCol w="1389428">
+                      <a:extLst>
+                        <a:ext uri="{9D8B030D-6E8A-4147-A177-3AD203B41FA5}">
+                          <a16:colId xmlns:a16="http://schemas.microsoft.com/office/drawing/2014/main" val="879464118"/>
+                        </a:ext>
+                      </a:extLst>
+                    </a:gridCol>
+                  </a:tblGrid>
+                  <a:tr h="257019">
+                    <a:tc>
+                      <a:txBody>
+                        <a:bodyPr/>
+                        <a:lstStyle/>
+                        <a:p>
+                          <a:pPr algn="ctr"/>
+                          <a14:m>
+                            <m:oMathPara xmlns:m="http://schemas.openxmlformats.org/officeDocument/2006/math">
+                              <m:oMathParaPr>
+                                <m:jc m:val="centerGroup"/>
+                              </m:oMathParaPr>
+                              <m:oMath xmlns:m="http://schemas.openxmlformats.org/officeDocument/2006/math">
+                                <m:r>
+                                  <a:rPr kumimoji="1" lang="en-US" altLang="ja-JP" sz="2000" b="1" i="1" dirty="0" smtClean="0">
+                                    <a:solidFill>
+                                      <a:schemeClr val="tx1"/>
+                                    </a:solidFill>
+                                    <a:latin typeface="Cambria Math" panose="02040503050406030204" pitchFamily="18" charset="0"/>
+                                    <a:cs typeface="Arial" panose="020B0604020202020204" pitchFamily="34" charset="0"/>
+                                  </a:rPr>
+                                  <m:t>𝒏</m:t>
+                                </m:r>
+                              </m:oMath>
+                            </m:oMathPara>
+                          </a14:m>
+                          <a:endParaRPr kumimoji="1" lang="ja-JP" altLang="en-US" sz="2000" b="1">
+                            <a:solidFill>
+                              <a:schemeClr val="tx1"/>
+                            </a:solidFill>
+                            <a:latin typeface="Arial" panose="020B0604020202020204" pitchFamily="34" charset="0"/>
+                            <a:cs typeface="Arial" panose="020B0604020202020204" pitchFamily="34" charset="0"/>
+                          </a:endParaRPr>
+                        </a:p>
+                      </a:txBody>
+                      <a:tcPr marL="81720" marR="10800" marT="18000" marB="18000">
+                        <a:lnL w="19050" cap="flat" cmpd="sng" algn="ctr">
+                          <a:solidFill>
+                            <a:schemeClr val="tx1"/>
+                          </a:solidFill>
+                          <a:prstDash val="solid"/>
+                          <a:round/>
+                          <a:headEnd type="none" w="med" len="med"/>
+                          <a:tailEnd type="none" w="med" len="med"/>
+                        </a:lnL>
+                        <a:lnR w="19050" cap="flat" cmpd="sng" algn="ctr">
+                          <a:solidFill>
+                            <a:schemeClr val="tx1"/>
+                          </a:solidFill>
+                          <a:prstDash val="solid"/>
+                          <a:round/>
+                          <a:headEnd type="none" w="med" len="med"/>
+                          <a:tailEnd type="none" w="med" len="med"/>
+                        </a:lnR>
+                        <a:lnT w="19050" cap="flat" cmpd="sng" algn="ctr">
+                          <a:solidFill>
+                            <a:schemeClr val="tx1"/>
+                          </a:solidFill>
+                          <a:prstDash val="solid"/>
+                          <a:round/>
+                          <a:headEnd type="none" w="med" len="med"/>
+                          <a:tailEnd type="none" w="med" len="med"/>
+                        </a:lnT>
+                        <a:lnB w="19050" cap="flat" cmpd="sng" algn="ctr">
+                          <a:solidFill>
+                            <a:schemeClr val="tx1"/>
+                          </a:solidFill>
+                          <a:prstDash val="solid"/>
+                          <a:round/>
+                          <a:headEnd type="none" w="med" len="med"/>
+                          <a:tailEnd type="none" w="med" len="med"/>
+                        </a:lnB>
+                        <a:solidFill>
+                          <a:schemeClr val="accent2"/>
+                        </a:solidFill>
+                      </a:tcPr>
+                    </a:tc>
+                    <a:tc>
+                      <a:txBody>
+                        <a:bodyPr/>
+                        <a:lstStyle/>
+                        <a:p>
+                          <a:pPr algn="ctr"/>
+                          <a:r>
+                            <a:rPr kumimoji="1" lang="en-US" altLang="ja-JP" sz="2000" b="1" dirty="0">
+                              <a:solidFill>
+                                <a:schemeClr val="tx1"/>
+                              </a:solidFill>
+                              <a:latin typeface="Arial" panose="020B0604020202020204" pitchFamily="34" charset="0"/>
+                              <a:cs typeface="Arial" panose="020B0604020202020204" pitchFamily="34" charset="0"/>
+                            </a:rPr>
+                            <a:t># graph</a:t>
+                          </a:r>
+                          <a:endParaRPr kumimoji="1" lang="ja-JP" altLang="en-US" sz="2000" b="1">
+                            <a:solidFill>
+                              <a:schemeClr val="tx1"/>
+                            </a:solidFill>
+                            <a:latin typeface="Arial" panose="020B0604020202020204" pitchFamily="34" charset="0"/>
+                            <a:cs typeface="Arial" panose="020B0604020202020204" pitchFamily="34" charset="0"/>
+                          </a:endParaRPr>
+                        </a:p>
+                      </a:txBody>
+                      <a:tcPr marL="45720" marR="46800" marT="18000" marB="18000">
+                        <a:lnL w="19050" cap="flat" cmpd="sng" algn="ctr">
+                          <a:solidFill>
+                            <a:schemeClr val="tx1"/>
+                          </a:solidFill>
+                          <a:prstDash val="solid"/>
+                          <a:round/>
+                          <a:headEnd type="none" w="med" len="med"/>
+                          <a:tailEnd type="none" w="med" len="med"/>
+                        </a:lnL>
+                        <a:lnR w="19050" cap="flat" cmpd="sng" algn="ctr">
+                          <a:solidFill>
+                            <a:schemeClr val="tx1"/>
+                          </a:solidFill>
+                          <a:prstDash val="solid"/>
+                          <a:round/>
+                          <a:headEnd type="none" w="med" len="med"/>
+                          <a:tailEnd type="none" w="med" len="med"/>
+                        </a:lnR>
+                        <a:lnT w="19050" cap="flat" cmpd="sng" algn="ctr">
+                          <a:solidFill>
+                            <a:schemeClr val="tx1"/>
+                          </a:solidFill>
+                          <a:prstDash val="solid"/>
+                          <a:round/>
+                          <a:headEnd type="none" w="med" len="med"/>
+                          <a:tailEnd type="none" w="med" len="med"/>
+                        </a:lnT>
+                        <a:lnB w="19050" cap="flat" cmpd="sng" algn="ctr">
+                          <a:solidFill>
+                            <a:schemeClr val="tx1"/>
+                          </a:solidFill>
+                          <a:prstDash val="solid"/>
+                          <a:round/>
+                          <a:headEnd type="none" w="med" len="med"/>
+                          <a:tailEnd type="none" w="med" len="med"/>
+                        </a:lnB>
+                        <a:solidFill>
+                          <a:schemeClr val="accent2"/>
+                        </a:solidFill>
+                      </a:tcPr>
+                    </a:tc>
+                    <a:extLst>
+                      <a:ext uri="{0D108BD9-81ED-4DB2-BD59-A6C34878D82A}">
+                        <a16:rowId xmlns:a16="http://schemas.microsoft.com/office/drawing/2014/main" val="3359987910"/>
+                      </a:ext>
+                    </a:extLst>
+                  </a:tr>
+                  <a:tr h="257019">
+                    <a:tc>
+                      <a:txBody>
+                        <a:bodyPr/>
+                        <a:lstStyle/>
+                        <a:p>
+                          <a:pPr algn="r"/>
+                          <a14:m>
+                            <m:oMath xmlns:m="http://schemas.openxmlformats.org/officeDocument/2006/math">
+                              <m:r>
+                                <a:rPr kumimoji="1" lang="en-US" altLang="ja-JP" sz="2000" b="0" i="1" dirty="0" smtClean="0">
+                                  <a:solidFill>
+                                    <a:schemeClr val="tx1"/>
+                                  </a:solidFill>
+                                  <a:latin typeface="Cambria Math" panose="02040503050406030204" pitchFamily="18" charset="0"/>
+                                  <a:cs typeface="Arial" panose="020B0604020202020204" pitchFamily="34" charset="0"/>
+                                </a:rPr>
+                                <m:t>4</m:t>
+                              </m:r>
+                            </m:oMath>
+                          </a14:m>
+                          <a:r>
+                            <a:rPr kumimoji="1" lang="en-US" altLang="ja-JP" sz="2000" b="0" dirty="0">
+                              <a:solidFill>
+                                <a:schemeClr val="tx1"/>
+                              </a:solidFill>
+                              <a:latin typeface="Arial" panose="020B0604020202020204" pitchFamily="34" charset="0"/>
+                              <a:cs typeface="Arial" panose="020B0604020202020204" pitchFamily="34" charset="0"/>
+                            </a:rPr>
+                            <a:t> </a:t>
+                          </a:r>
+                        </a:p>
+                      </a:txBody>
+                      <a:tcPr marL="45720" marR="45720">
+                        <a:lnL w="19050" cap="flat" cmpd="sng" algn="ctr">
+                          <a:solidFill>
+                            <a:schemeClr val="tx1"/>
+                          </a:solidFill>
+                          <a:prstDash val="solid"/>
+                          <a:round/>
+                          <a:headEnd type="none" w="med" len="med"/>
+                          <a:tailEnd type="none" w="med" len="med"/>
+                        </a:lnL>
+                        <a:lnR w="19050" cap="flat" cmpd="sng" algn="ctr">
+                          <a:solidFill>
+                            <a:schemeClr val="tx1"/>
+                          </a:solidFill>
+                          <a:prstDash val="solid"/>
+                          <a:round/>
+                          <a:headEnd type="none" w="med" len="med"/>
+                          <a:tailEnd type="none" w="med" len="med"/>
+                        </a:lnR>
+                        <a:lnT w="19050" cap="flat" cmpd="sng" algn="ctr">
+                          <a:solidFill>
+                            <a:schemeClr val="tx1"/>
+                          </a:solidFill>
+                          <a:prstDash val="solid"/>
+                          <a:round/>
+                          <a:headEnd type="none" w="med" len="med"/>
+                          <a:tailEnd type="none" w="med" len="med"/>
+                        </a:lnT>
+                        <a:lnB w="19050" cap="flat" cmpd="sng" algn="ctr">
+                          <a:solidFill>
+                            <a:schemeClr val="tx1"/>
+                          </a:solidFill>
+                          <a:prstDash val="solid"/>
+                          <a:round/>
+                          <a:headEnd type="none" w="med" len="med"/>
+                          <a:tailEnd type="none" w="med" len="med"/>
+                        </a:lnB>
+                        <a:solidFill>
+                          <a:schemeClr val="bg1"/>
+                        </a:solidFill>
+                      </a:tcPr>
+                    </a:tc>
+                    <a:tc>
+                      <a:txBody>
+                        <a:bodyPr/>
+                        <a:lstStyle/>
+                        <a:p>
+                          <a:pPr algn="r"/>
+                          <a14:m>
+                            <m:oMath xmlns:m="http://schemas.openxmlformats.org/officeDocument/2006/math">
+                              <m:r>
+                                <a:rPr lang="en-US" altLang="ja-JP" sz="2000" i="1" smtClean="0">
+                                  <a:latin typeface="Cambria Math" panose="02040503050406030204" pitchFamily="18" charset="0"/>
+                                </a:rPr>
+                                <m:t>0</m:t>
+                              </m:r>
+                            </m:oMath>
+                          </a14:m>
+                          <a:r>
+                            <a:rPr lang="en-US" altLang="ja-JP" sz="2000" dirty="0"/>
+                            <a:t> </a:t>
+                          </a:r>
+                        </a:p>
+                      </a:txBody>
+                      <a:tcPr anchor="ctr">
+                        <a:lnL w="19050" cap="flat" cmpd="sng" algn="ctr">
+                          <a:solidFill>
+                            <a:schemeClr val="tx1"/>
+                          </a:solidFill>
+                          <a:prstDash val="solid"/>
+                          <a:round/>
+                          <a:headEnd type="none" w="med" len="med"/>
+                          <a:tailEnd type="none" w="med" len="med"/>
+                        </a:lnL>
+                        <a:lnR w="19050" cap="flat" cmpd="sng" algn="ctr">
+                          <a:solidFill>
+                            <a:schemeClr val="tx1"/>
+                          </a:solidFill>
+                          <a:prstDash val="solid"/>
+                          <a:round/>
+                          <a:headEnd type="none" w="med" len="med"/>
+                          <a:tailEnd type="none" w="med" len="med"/>
+                        </a:lnR>
+                        <a:lnT w="19050" cap="flat" cmpd="sng" algn="ctr">
+                          <a:solidFill>
+                            <a:schemeClr val="tx1"/>
+                          </a:solidFill>
+                          <a:prstDash val="solid"/>
+                          <a:round/>
+                          <a:headEnd type="none" w="med" len="med"/>
+                          <a:tailEnd type="none" w="med" len="med"/>
+                        </a:lnT>
+                        <a:lnB w="19050" cap="flat" cmpd="sng" algn="ctr">
+                          <a:solidFill>
+                            <a:schemeClr val="tx1"/>
+                          </a:solidFill>
+                          <a:prstDash val="solid"/>
+                          <a:round/>
+                          <a:headEnd type="none" w="med" len="med"/>
+                          <a:tailEnd type="none" w="med" len="med"/>
+                        </a:lnB>
+                        <a:solidFill>
+                          <a:schemeClr val="bg1"/>
+                        </a:solidFill>
+                      </a:tcPr>
+                    </a:tc>
+                    <a:extLst>
+                      <a:ext uri="{0D108BD9-81ED-4DB2-BD59-A6C34878D82A}">
+                        <a16:rowId xmlns:a16="http://schemas.microsoft.com/office/drawing/2014/main" val="364840804"/>
+                      </a:ext>
+                    </a:extLst>
+                  </a:tr>
+                  <a:tr h="257019">
+                    <a:tc>
+                      <a:txBody>
+                        <a:bodyPr/>
+                        <a:lstStyle/>
+                        <a:p>
+                          <a:pPr algn="r"/>
+                          <a14:m>
+                            <m:oMath xmlns:m="http://schemas.openxmlformats.org/officeDocument/2006/math">
+                              <m:r>
+                                <a:rPr kumimoji="1" lang="en-US" altLang="ja-JP" sz="2000" b="0" i="1" dirty="0" smtClean="0">
+                                  <a:solidFill>
+                                    <a:schemeClr val="tx1"/>
+                                  </a:solidFill>
+                                  <a:latin typeface="Cambria Math" panose="02040503050406030204" pitchFamily="18" charset="0"/>
+                                  <a:cs typeface="Arial" panose="020B0604020202020204" pitchFamily="34" charset="0"/>
+                                </a:rPr>
+                                <m:t>5</m:t>
+                              </m:r>
+                            </m:oMath>
+                          </a14:m>
+                          <a:r>
+                            <a:rPr kumimoji="1" lang="en-US" altLang="ja-JP" sz="2000" b="0" dirty="0">
+                              <a:solidFill>
+                                <a:schemeClr val="tx1"/>
+                              </a:solidFill>
+                              <a:latin typeface="Arial" panose="020B0604020202020204" pitchFamily="34" charset="0"/>
+                              <a:cs typeface="Arial" panose="020B0604020202020204" pitchFamily="34" charset="0"/>
+                            </a:rPr>
+                            <a:t> </a:t>
+                          </a:r>
+                          <a:endParaRPr kumimoji="1" lang="ja-JP" altLang="en-US" sz="2000" b="0">
+                            <a:solidFill>
+                              <a:schemeClr val="tx1"/>
+                            </a:solidFill>
+                            <a:latin typeface="Arial" panose="020B0604020202020204" pitchFamily="34" charset="0"/>
+                            <a:cs typeface="Arial" panose="020B0604020202020204" pitchFamily="34" charset="0"/>
+                          </a:endParaRPr>
+                        </a:p>
+                      </a:txBody>
+                      <a:tcPr marL="45720" marR="45720">
+                        <a:lnL w="19050" cap="flat" cmpd="sng" algn="ctr">
+                          <a:solidFill>
+                            <a:schemeClr val="tx1"/>
+                          </a:solidFill>
+                          <a:prstDash val="solid"/>
+                          <a:round/>
+                          <a:headEnd type="none" w="med" len="med"/>
+                          <a:tailEnd type="none" w="med" len="med"/>
+                        </a:lnL>
+                        <a:lnR w="19050" cap="flat" cmpd="sng" algn="ctr">
+                          <a:solidFill>
+                            <a:schemeClr val="tx1"/>
+                          </a:solidFill>
+                          <a:prstDash val="solid"/>
+                          <a:round/>
+                          <a:headEnd type="none" w="med" len="med"/>
+                          <a:tailEnd type="none" w="med" len="med"/>
+                        </a:lnR>
+                        <a:lnT w="19050" cap="flat" cmpd="sng" algn="ctr">
+                          <a:solidFill>
+                            <a:schemeClr val="tx1"/>
+                          </a:solidFill>
+                          <a:prstDash val="solid"/>
+                          <a:round/>
+                          <a:headEnd type="none" w="med" len="med"/>
+                          <a:tailEnd type="none" w="med" len="med"/>
+                        </a:lnT>
+                        <a:lnB w="19050" cap="flat" cmpd="sng" algn="ctr">
+                          <a:solidFill>
+                            <a:schemeClr val="tx1"/>
+                          </a:solidFill>
+                          <a:prstDash val="solid"/>
+                          <a:round/>
+                          <a:headEnd type="none" w="med" len="med"/>
+                          <a:tailEnd type="none" w="med" len="med"/>
+                        </a:lnB>
+                        <a:solidFill>
+                          <a:schemeClr val="bg1"/>
+                        </a:solidFill>
+                      </a:tcPr>
+                    </a:tc>
+                    <a:tc>
+                      <a:txBody>
+                        <a:bodyPr/>
+                        <a:lstStyle/>
+                        <a:p>
+                          <a:pPr algn="r"/>
+                          <a14:m>
+                            <m:oMath xmlns:m="http://schemas.openxmlformats.org/officeDocument/2006/math">
+                              <m:r>
+                                <a:rPr lang="en-US" altLang="ja-JP" sz="2000" i="1" smtClean="0">
+                                  <a:latin typeface="Cambria Math" panose="02040503050406030204" pitchFamily="18" charset="0"/>
+                                </a:rPr>
+                                <m:t>1</m:t>
+                              </m:r>
+                            </m:oMath>
+                          </a14:m>
+                          <a:r>
+                            <a:rPr lang="en-US" altLang="ja-JP" sz="2000" dirty="0"/>
+                            <a:t> </a:t>
+                          </a:r>
+                        </a:p>
+                      </a:txBody>
+                      <a:tcPr anchor="ctr">
+                        <a:lnL w="19050" cap="flat" cmpd="sng" algn="ctr">
+                          <a:solidFill>
+                            <a:schemeClr val="tx1"/>
+                          </a:solidFill>
+                          <a:prstDash val="solid"/>
+                          <a:round/>
+                          <a:headEnd type="none" w="med" len="med"/>
+                          <a:tailEnd type="none" w="med" len="med"/>
+                        </a:lnL>
+                        <a:lnR w="19050" cap="flat" cmpd="sng" algn="ctr">
+                          <a:solidFill>
+                            <a:schemeClr val="tx1"/>
+                          </a:solidFill>
+                          <a:prstDash val="solid"/>
+                          <a:round/>
+                          <a:headEnd type="none" w="med" len="med"/>
+                          <a:tailEnd type="none" w="med" len="med"/>
+                        </a:lnR>
+                        <a:lnT w="19050" cap="flat" cmpd="sng" algn="ctr">
+                          <a:solidFill>
+                            <a:schemeClr val="tx1"/>
+                          </a:solidFill>
+                          <a:prstDash val="solid"/>
+                          <a:round/>
+                          <a:headEnd type="none" w="med" len="med"/>
+                          <a:tailEnd type="none" w="med" len="med"/>
+                        </a:lnT>
+                        <a:lnB w="19050" cap="flat" cmpd="sng" algn="ctr">
+                          <a:solidFill>
+                            <a:schemeClr val="tx1"/>
+                          </a:solidFill>
+                          <a:prstDash val="solid"/>
+                          <a:round/>
+                          <a:headEnd type="none" w="med" len="med"/>
+                          <a:tailEnd type="none" w="med" len="med"/>
+                        </a:lnB>
+                        <a:solidFill>
+                          <a:schemeClr val="bg1"/>
+                        </a:solidFill>
+                      </a:tcPr>
+                    </a:tc>
+                    <a:extLst>
+                      <a:ext uri="{0D108BD9-81ED-4DB2-BD59-A6C34878D82A}">
+                        <a16:rowId xmlns:a16="http://schemas.microsoft.com/office/drawing/2014/main" val="3525191963"/>
+                      </a:ext>
+                    </a:extLst>
+                  </a:tr>
+                  <a:tr h="257019">
+                    <a:tc>
+                      <a:txBody>
+                        <a:bodyPr/>
+                        <a:lstStyle/>
+                        <a:p>
+                          <a:pPr algn="r"/>
+                          <a14:m>
+                            <m:oMath xmlns:m="http://schemas.openxmlformats.org/officeDocument/2006/math">
+                              <m:r>
+                                <a:rPr kumimoji="1" lang="en-US" altLang="ja-JP" sz="2000" b="0" i="1" dirty="0" smtClean="0">
+                                  <a:solidFill>
+                                    <a:schemeClr val="tx1"/>
+                                  </a:solidFill>
+                                  <a:latin typeface="Cambria Math" panose="02040503050406030204" pitchFamily="18" charset="0"/>
+                                  <a:cs typeface="Arial" panose="020B0604020202020204" pitchFamily="34" charset="0"/>
+                                </a:rPr>
+                                <m:t>6</m:t>
+                              </m:r>
+                            </m:oMath>
+                          </a14:m>
+                          <a:r>
+                            <a:rPr kumimoji="1" lang="en-US" altLang="ja-JP" sz="2000" b="0" dirty="0">
+                              <a:solidFill>
+                                <a:schemeClr val="tx1"/>
+                              </a:solidFill>
+                              <a:latin typeface="Arial" panose="020B0604020202020204" pitchFamily="34" charset="0"/>
+                              <a:cs typeface="Arial" panose="020B0604020202020204" pitchFamily="34" charset="0"/>
+                            </a:rPr>
+                            <a:t> </a:t>
+                          </a:r>
+                          <a:endParaRPr kumimoji="1" lang="ja-JP" altLang="en-US" sz="2000" b="0">
+                            <a:solidFill>
+                              <a:schemeClr val="tx1"/>
+                            </a:solidFill>
+                            <a:latin typeface="Arial" panose="020B0604020202020204" pitchFamily="34" charset="0"/>
+                            <a:cs typeface="Arial" panose="020B0604020202020204" pitchFamily="34" charset="0"/>
+                          </a:endParaRPr>
+                        </a:p>
+                      </a:txBody>
+                      <a:tcPr marL="45720" marR="45720">
+                        <a:lnL w="19050" cap="flat" cmpd="sng" algn="ctr">
+                          <a:solidFill>
+                            <a:schemeClr val="tx1"/>
+                          </a:solidFill>
+                          <a:prstDash val="solid"/>
+                          <a:round/>
+                          <a:headEnd type="none" w="med" len="med"/>
+                          <a:tailEnd type="none" w="med" len="med"/>
+                        </a:lnL>
+                        <a:lnR w="19050" cap="flat" cmpd="sng" algn="ctr">
+                          <a:solidFill>
+                            <a:schemeClr val="tx1"/>
+                          </a:solidFill>
+                          <a:prstDash val="solid"/>
+                          <a:round/>
+                          <a:headEnd type="none" w="med" len="med"/>
+                          <a:tailEnd type="none" w="med" len="med"/>
+                        </a:lnR>
+                        <a:lnT w="19050" cap="flat" cmpd="sng" algn="ctr">
+                          <a:solidFill>
+                            <a:schemeClr val="tx1"/>
+                          </a:solidFill>
+                          <a:prstDash val="solid"/>
+                          <a:round/>
+                          <a:headEnd type="none" w="med" len="med"/>
+                          <a:tailEnd type="none" w="med" len="med"/>
+                        </a:lnT>
+                        <a:lnB w="19050" cap="flat" cmpd="sng" algn="ctr">
+                          <a:solidFill>
+                            <a:schemeClr val="tx1"/>
+                          </a:solidFill>
+                          <a:prstDash val="solid"/>
+                          <a:round/>
+                          <a:headEnd type="none" w="med" len="med"/>
+                          <a:tailEnd type="none" w="med" len="med"/>
+                        </a:lnB>
+                        <a:solidFill>
+                          <a:schemeClr val="bg1"/>
+                        </a:solidFill>
+                      </a:tcPr>
+                    </a:tc>
+                    <a:tc>
+                      <a:txBody>
+                        <a:bodyPr/>
+                        <a:lstStyle/>
+                        <a:p>
+                          <a:pPr algn="r"/>
+                          <a14:m>
+                            <m:oMath xmlns:m="http://schemas.openxmlformats.org/officeDocument/2006/math">
+                              <m:r>
+                                <a:rPr lang="en-US" altLang="ja-JP" sz="2000" i="1" smtClean="0">
+                                  <a:latin typeface="Cambria Math" panose="02040503050406030204" pitchFamily="18" charset="0"/>
+                                </a:rPr>
+                                <m:t>5</m:t>
+                              </m:r>
+                            </m:oMath>
+                          </a14:m>
+                          <a:r>
+                            <a:rPr lang="en-US" altLang="ja-JP" sz="2000" dirty="0"/>
+                            <a:t> </a:t>
+                          </a:r>
+                        </a:p>
+                      </a:txBody>
+                      <a:tcPr anchor="ctr">
+                        <a:lnL w="19050" cap="flat" cmpd="sng" algn="ctr">
+                          <a:solidFill>
+                            <a:schemeClr val="tx1"/>
+                          </a:solidFill>
+                          <a:prstDash val="solid"/>
+                          <a:round/>
+                          <a:headEnd type="none" w="med" len="med"/>
+                          <a:tailEnd type="none" w="med" len="med"/>
+                        </a:lnL>
+                        <a:lnR w="19050" cap="flat" cmpd="sng" algn="ctr">
+                          <a:solidFill>
+                            <a:schemeClr val="tx1"/>
+                          </a:solidFill>
+                          <a:prstDash val="solid"/>
+                          <a:round/>
+                          <a:headEnd type="none" w="med" len="med"/>
+                          <a:tailEnd type="none" w="med" len="med"/>
+                        </a:lnR>
+                        <a:lnT w="19050" cap="flat" cmpd="sng" algn="ctr">
+                          <a:solidFill>
+                            <a:schemeClr val="tx1"/>
+                          </a:solidFill>
+                          <a:prstDash val="solid"/>
+                          <a:round/>
+                          <a:headEnd type="none" w="med" len="med"/>
+                          <a:tailEnd type="none" w="med" len="med"/>
+                        </a:lnT>
+                        <a:lnB w="19050" cap="flat" cmpd="sng" algn="ctr">
+                          <a:solidFill>
+                            <a:schemeClr val="tx1"/>
+                          </a:solidFill>
+                          <a:prstDash val="solid"/>
+                          <a:round/>
+                          <a:headEnd type="none" w="med" len="med"/>
+                          <a:tailEnd type="none" w="med" len="med"/>
+                        </a:lnB>
+                        <a:solidFill>
+                          <a:schemeClr val="bg1"/>
+                        </a:solidFill>
+                      </a:tcPr>
+                    </a:tc>
+                    <a:extLst>
+                      <a:ext uri="{0D108BD9-81ED-4DB2-BD59-A6C34878D82A}">
+                        <a16:rowId xmlns:a16="http://schemas.microsoft.com/office/drawing/2014/main" val="3569909037"/>
+                      </a:ext>
+                    </a:extLst>
+                  </a:tr>
+                  <a:tr h="257019">
+                    <a:tc>
+                      <a:txBody>
+                        <a:bodyPr/>
+                        <a:lstStyle/>
+                        <a:p>
+                          <a:pPr algn="r"/>
+                          <a14:m>
+                            <m:oMath xmlns:m="http://schemas.openxmlformats.org/officeDocument/2006/math">
+                              <m:r>
+                                <a:rPr kumimoji="1" lang="en-US" altLang="ja-JP" sz="2000" b="0" i="1" dirty="0" smtClean="0">
+                                  <a:solidFill>
+                                    <a:schemeClr val="tx1"/>
+                                  </a:solidFill>
+                                  <a:latin typeface="Cambria Math" panose="02040503050406030204" pitchFamily="18" charset="0"/>
+                                  <a:cs typeface="Arial" panose="020B0604020202020204" pitchFamily="34" charset="0"/>
+                                </a:rPr>
+                                <m:t>7</m:t>
+                              </m:r>
+                            </m:oMath>
+                          </a14:m>
+                          <a:r>
+                            <a:rPr kumimoji="1" lang="en-US" altLang="ja-JP" sz="2000" b="0" dirty="0">
+                              <a:solidFill>
+                                <a:schemeClr val="tx1"/>
+                              </a:solidFill>
+                              <a:latin typeface="Arial" panose="020B0604020202020204" pitchFamily="34" charset="0"/>
+                              <a:cs typeface="Arial" panose="020B0604020202020204" pitchFamily="34" charset="0"/>
+                            </a:rPr>
+                            <a:t> </a:t>
+                          </a:r>
+                          <a:endParaRPr kumimoji="1" lang="ja-JP" altLang="en-US" sz="2000" b="0">
+                            <a:solidFill>
+                              <a:schemeClr val="tx1"/>
+                            </a:solidFill>
+                            <a:latin typeface="Arial" panose="020B0604020202020204" pitchFamily="34" charset="0"/>
+                            <a:cs typeface="Arial" panose="020B0604020202020204" pitchFamily="34" charset="0"/>
+                          </a:endParaRPr>
+                        </a:p>
+                      </a:txBody>
+                      <a:tcPr marL="45720" marR="45720">
+                        <a:lnL w="19050" cap="flat" cmpd="sng" algn="ctr">
+                          <a:solidFill>
+                            <a:schemeClr val="tx1"/>
+                          </a:solidFill>
+                          <a:prstDash val="solid"/>
+                          <a:round/>
+                          <a:headEnd type="none" w="med" len="med"/>
+                          <a:tailEnd type="none" w="med" len="med"/>
+                        </a:lnL>
+                        <a:lnR w="19050" cap="flat" cmpd="sng" algn="ctr">
+                          <a:solidFill>
+                            <a:schemeClr val="tx1"/>
+                          </a:solidFill>
+                          <a:prstDash val="solid"/>
+                          <a:round/>
+                          <a:headEnd type="none" w="med" len="med"/>
+                          <a:tailEnd type="none" w="med" len="med"/>
+                        </a:lnR>
+                        <a:lnT w="19050" cap="flat" cmpd="sng" algn="ctr">
+                          <a:solidFill>
+                            <a:schemeClr val="tx1"/>
+                          </a:solidFill>
+                          <a:prstDash val="solid"/>
+                          <a:round/>
+                          <a:headEnd type="none" w="med" len="med"/>
+                          <a:tailEnd type="none" w="med" len="med"/>
+                        </a:lnT>
+                        <a:lnB w="19050" cap="flat" cmpd="sng" algn="ctr">
+                          <a:solidFill>
+                            <a:schemeClr val="tx1"/>
+                          </a:solidFill>
+                          <a:prstDash val="solid"/>
+                          <a:round/>
+                          <a:headEnd type="none" w="med" len="med"/>
+                          <a:tailEnd type="none" w="med" len="med"/>
+                        </a:lnB>
+                        <a:solidFill>
+                          <a:schemeClr val="bg1"/>
+                        </a:solidFill>
+                      </a:tcPr>
+                    </a:tc>
+                    <a:tc>
+                      <a:txBody>
+                        <a:bodyPr/>
+                        <a:lstStyle/>
+                        <a:p>
+                          <a:pPr algn="r"/>
+                          <a14:m>
+                            <m:oMath xmlns:m="http://schemas.openxmlformats.org/officeDocument/2006/math">
+                              <m:r>
+                                <a:rPr lang="en-US" altLang="ja-JP" sz="2000" i="1" smtClean="0">
+                                  <a:latin typeface="Cambria Math" panose="02040503050406030204" pitchFamily="18" charset="0"/>
+                                </a:rPr>
+                                <m:t>6</m:t>
+                              </m:r>
+                            </m:oMath>
+                          </a14:m>
+                          <a:r>
+                            <a:rPr lang="en-US" altLang="ja-JP" sz="2000" dirty="0"/>
+                            <a:t> </a:t>
+                          </a:r>
+                        </a:p>
+                      </a:txBody>
+                      <a:tcPr anchor="ctr">
+                        <a:lnL w="19050" cap="flat" cmpd="sng" algn="ctr">
+                          <a:solidFill>
+                            <a:schemeClr val="tx1"/>
+                          </a:solidFill>
+                          <a:prstDash val="solid"/>
+                          <a:round/>
+                          <a:headEnd type="none" w="med" len="med"/>
+                          <a:tailEnd type="none" w="med" len="med"/>
+                        </a:lnL>
+                        <a:lnR w="19050" cap="flat" cmpd="sng" algn="ctr">
+                          <a:solidFill>
+                            <a:schemeClr val="tx1"/>
+                          </a:solidFill>
+                          <a:prstDash val="solid"/>
+                          <a:round/>
+                          <a:headEnd type="none" w="med" len="med"/>
+                          <a:tailEnd type="none" w="med" len="med"/>
+                        </a:lnR>
+                        <a:lnT w="19050" cap="flat" cmpd="sng" algn="ctr">
+                          <a:solidFill>
+                            <a:schemeClr val="tx1"/>
+                          </a:solidFill>
+                          <a:prstDash val="solid"/>
+                          <a:round/>
+                          <a:headEnd type="none" w="med" len="med"/>
+                          <a:tailEnd type="none" w="med" len="med"/>
+                        </a:lnT>
+                        <a:lnB w="19050" cap="flat" cmpd="sng" algn="ctr">
+                          <a:solidFill>
+                            <a:schemeClr val="tx1"/>
+                          </a:solidFill>
+                          <a:prstDash val="solid"/>
+                          <a:round/>
+                          <a:headEnd type="none" w="med" len="med"/>
+                          <a:tailEnd type="none" w="med" len="med"/>
+                        </a:lnB>
+                        <a:solidFill>
+                          <a:schemeClr val="bg1"/>
+                        </a:solidFill>
+                      </a:tcPr>
+                    </a:tc>
+                    <a:extLst>
+                      <a:ext uri="{0D108BD9-81ED-4DB2-BD59-A6C34878D82A}">
+                        <a16:rowId xmlns:a16="http://schemas.microsoft.com/office/drawing/2014/main" val="3327895223"/>
+                      </a:ext>
+                    </a:extLst>
+                  </a:tr>
+                  <a:tr h="257019">
+                    <a:tc>
+                      <a:txBody>
+                        <a:bodyPr/>
+                        <a:lstStyle/>
+                        <a:p>
+                          <a:pPr algn="r"/>
+                          <a14:m>
+                            <m:oMath xmlns:m="http://schemas.openxmlformats.org/officeDocument/2006/math">
+                              <m:r>
+                                <a:rPr kumimoji="1" lang="en-US" altLang="ja-JP" sz="2000" b="0" i="1" dirty="0" smtClean="0">
+                                  <a:solidFill>
+                                    <a:schemeClr val="tx1"/>
+                                  </a:solidFill>
+                                  <a:latin typeface="Cambria Math" panose="02040503050406030204" pitchFamily="18" charset="0"/>
+                                  <a:cs typeface="Arial" panose="020B0604020202020204" pitchFamily="34" charset="0"/>
+                                </a:rPr>
+                                <m:t>8</m:t>
+                              </m:r>
+                            </m:oMath>
+                          </a14:m>
+                          <a:r>
+                            <a:rPr kumimoji="1" lang="en-US" altLang="ja-JP" sz="2000" b="0" dirty="0">
+                              <a:solidFill>
+                                <a:srgbClr val="FF0000"/>
+                              </a:solidFill>
+                              <a:latin typeface="Arial" panose="020B0604020202020204" pitchFamily="34" charset="0"/>
+                              <a:cs typeface="Arial" panose="020B0604020202020204" pitchFamily="34" charset="0"/>
+                            </a:rPr>
+                            <a:t> </a:t>
+                          </a:r>
+                          <a:endParaRPr kumimoji="1" lang="ja-JP" altLang="en-US" sz="2000" b="0">
+                            <a:solidFill>
+                              <a:srgbClr val="FF0000"/>
+                            </a:solidFill>
+                            <a:latin typeface="Arial" panose="020B0604020202020204" pitchFamily="34" charset="0"/>
+                            <a:cs typeface="Arial" panose="020B0604020202020204" pitchFamily="34" charset="0"/>
+                          </a:endParaRPr>
+                        </a:p>
+                      </a:txBody>
+                      <a:tcPr marL="45720" marR="45720">
+                        <a:lnL w="19050" cap="flat" cmpd="sng" algn="ctr">
+                          <a:solidFill>
+                            <a:schemeClr val="tx1"/>
+                          </a:solidFill>
+                          <a:prstDash val="solid"/>
+                          <a:round/>
+                          <a:headEnd type="none" w="med" len="med"/>
+                          <a:tailEnd type="none" w="med" len="med"/>
+                        </a:lnL>
+                        <a:lnR w="19050" cap="flat" cmpd="sng" algn="ctr">
+                          <a:solidFill>
+                            <a:schemeClr val="tx1"/>
+                          </a:solidFill>
+                          <a:prstDash val="solid"/>
+                          <a:round/>
+                          <a:headEnd type="none" w="med" len="med"/>
+                          <a:tailEnd type="none" w="med" len="med"/>
+                        </a:lnR>
+                        <a:lnT w="19050" cap="flat" cmpd="sng" algn="ctr">
+                          <a:solidFill>
+                            <a:schemeClr val="tx1"/>
+                          </a:solidFill>
+                          <a:prstDash val="solid"/>
+                          <a:round/>
+                          <a:headEnd type="none" w="med" len="med"/>
+                          <a:tailEnd type="none" w="med" len="med"/>
+                        </a:lnT>
+                        <a:lnB w="19050" cap="flat" cmpd="sng" algn="ctr">
+                          <a:solidFill>
+                            <a:schemeClr val="tx1"/>
+                          </a:solidFill>
+                          <a:prstDash val="solid"/>
+                          <a:round/>
+                          <a:headEnd type="none" w="med" len="med"/>
+                          <a:tailEnd type="none" w="med" len="med"/>
+                        </a:lnB>
+                        <a:solidFill>
+                          <a:schemeClr val="bg1"/>
+                        </a:solidFill>
+                      </a:tcPr>
+                    </a:tc>
+                    <a:tc>
+                      <a:txBody>
+                        <a:bodyPr/>
+                        <a:lstStyle/>
+                        <a:p>
+                          <a:pPr algn="r"/>
+                          <a14:m>
+                            <m:oMath xmlns:m="http://schemas.openxmlformats.org/officeDocument/2006/math">
+                              <m:r>
+                                <a:rPr lang="en-US" altLang="ja-JP" sz="2000" i="1" smtClean="0">
+                                  <a:latin typeface="Cambria Math" panose="02040503050406030204" pitchFamily="18" charset="0"/>
+                                </a:rPr>
+                                <m:t>10</m:t>
+                              </m:r>
+                            </m:oMath>
+                          </a14:m>
+                          <a:r>
+                            <a:rPr lang="en-US" altLang="ja-JP" sz="2000" dirty="0"/>
+                            <a:t> </a:t>
+                          </a:r>
+                        </a:p>
+                      </a:txBody>
+                      <a:tcPr anchor="ctr">
+                        <a:lnL w="19050" cap="flat" cmpd="sng" algn="ctr">
+                          <a:solidFill>
+                            <a:schemeClr val="tx1"/>
+                          </a:solidFill>
+                          <a:prstDash val="solid"/>
+                          <a:round/>
+                          <a:headEnd type="none" w="med" len="med"/>
+                          <a:tailEnd type="none" w="med" len="med"/>
+                        </a:lnL>
+                        <a:lnR w="19050" cap="flat" cmpd="sng" algn="ctr">
+                          <a:solidFill>
+                            <a:schemeClr val="tx1"/>
+                          </a:solidFill>
+                          <a:prstDash val="solid"/>
+                          <a:round/>
+                          <a:headEnd type="none" w="med" len="med"/>
+                          <a:tailEnd type="none" w="med" len="med"/>
+                        </a:lnR>
+                        <a:lnT w="19050" cap="flat" cmpd="sng" algn="ctr">
+                          <a:solidFill>
+                            <a:schemeClr val="tx1"/>
+                          </a:solidFill>
+                          <a:prstDash val="solid"/>
+                          <a:round/>
+                          <a:headEnd type="none" w="med" len="med"/>
+                          <a:tailEnd type="none" w="med" len="med"/>
+                        </a:lnT>
+                        <a:lnB w="19050" cap="flat" cmpd="sng" algn="ctr">
+                          <a:solidFill>
+                            <a:schemeClr val="tx1"/>
+                          </a:solidFill>
+                          <a:prstDash val="solid"/>
+                          <a:round/>
+                          <a:headEnd type="none" w="med" len="med"/>
+                          <a:tailEnd type="none" w="med" len="med"/>
+                        </a:lnB>
+                        <a:solidFill>
+                          <a:schemeClr val="bg1"/>
+                        </a:solidFill>
+                      </a:tcPr>
+                    </a:tc>
+                    <a:extLst>
+                      <a:ext uri="{0D108BD9-81ED-4DB2-BD59-A6C34878D82A}">
+                        <a16:rowId xmlns:a16="http://schemas.microsoft.com/office/drawing/2014/main" val="472790633"/>
+                      </a:ext>
+                    </a:extLst>
+                  </a:tr>
+                  <a:tr h="257019">
+                    <a:tc>
+                      <a:txBody>
+                        <a:bodyPr/>
+                        <a:lstStyle/>
+                        <a:p>
+                          <a:pPr algn="r"/>
+                          <a14:m>
+                            <m:oMath xmlns:m="http://schemas.openxmlformats.org/officeDocument/2006/math">
+                              <m:r>
+                                <a:rPr kumimoji="1" lang="en-US" altLang="ja-JP" sz="2000" b="0" i="1" dirty="0" smtClean="0">
+                                  <a:solidFill>
+                                    <a:schemeClr val="tx1"/>
+                                  </a:solidFill>
+                                  <a:latin typeface="Cambria Math" panose="02040503050406030204" pitchFamily="18" charset="0"/>
+                                  <a:cs typeface="Arial" panose="020B0604020202020204" pitchFamily="34" charset="0"/>
+                                </a:rPr>
+                                <m:t>9</m:t>
+                              </m:r>
+                            </m:oMath>
+                          </a14:m>
+                          <a:r>
+                            <a:rPr kumimoji="1" lang="en-US" altLang="ja-JP" sz="2000" b="0" dirty="0">
+                              <a:solidFill>
+                                <a:schemeClr val="tx1"/>
+                              </a:solidFill>
+                              <a:latin typeface="Arial" panose="020B0604020202020204" pitchFamily="34" charset="0"/>
+                              <a:cs typeface="Arial" panose="020B0604020202020204" pitchFamily="34" charset="0"/>
+                            </a:rPr>
+                            <a:t> </a:t>
+                          </a:r>
+                          <a:endParaRPr kumimoji="1" lang="ja-JP" altLang="en-US" sz="2000" b="0">
+                            <a:solidFill>
+                              <a:schemeClr val="tx1"/>
+                            </a:solidFill>
+                            <a:latin typeface="Arial" panose="020B0604020202020204" pitchFamily="34" charset="0"/>
+                            <a:cs typeface="Arial" panose="020B0604020202020204" pitchFamily="34" charset="0"/>
+                          </a:endParaRPr>
+                        </a:p>
+                      </a:txBody>
+                      <a:tcPr marL="45720" marR="45720">
+                        <a:lnL w="19050" cap="flat" cmpd="sng" algn="ctr">
+                          <a:solidFill>
+                            <a:schemeClr val="tx1"/>
+                          </a:solidFill>
+                          <a:prstDash val="solid"/>
+                          <a:round/>
+                          <a:headEnd type="none" w="med" len="med"/>
+                          <a:tailEnd type="none" w="med" len="med"/>
+                        </a:lnL>
+                        <a:lnR w="19050" cap="flat" cmpd="sng" algn="ctr">
+                          <a:solidFill>
+                            <a:schemeClr val="tx1"/>
+                          </a:solidFill>
+                          <a:prstDash val="solid"/>
+                          <a:round/>
+                          <a:headEnd type="none" w="med" len="med"/>
+                          <a:tailEnd type="none" w="med" len="med"/>
+                        </a:lnR>
+                        <a:lnT w="19050" cap="flat" cmpd="sng" algn="ctr">
+                          <a:solidFill>
+                            <a:schemeClr val="tx1"/>
+                          </a:solidFill>
+                          <a:prstDash val="solid"/>
+                          <a:round/>
+                          <a:headEnd type="none" w="med" len="med"/>
+                          <a:tailEnd type="none" w="med" len="med"/>
+                        </a:lnT>
+                        <a:lnB w="19050" cap="flat" cmpd="sng" algn="ctr">
+                          <a:solidFill>
+                            <a:schemeClr val="tx1"/>
+                          </a:solidFill>
+                          <a:prstDash val="solid"/>
+                          <a:round/>
+                          <a:headEnd type="none" w="med" len="med"/>
+                          <a:tailEnd type="none" w="med" len="med"/>
+                        </a:lnB>
+                        <a:solidFill>
+                          <a:schemeClr val="bg1"/>
+                        </a:solidFill>
+                      </a:tcPr>
+                    </a:tc>
+                    <a:tc>
+                      <a:txBody>
+                        <a:bodyPr/>
+                        <a:lstStyle/>
+                        <a:p>
+                          <a:pPr algn="r"/>
+                          <a14:m>
+                            <m:oMath xmlns:m="http://schemas.openxmlformats.org/officeDocument/2006/math">
+                              <m:r>
+                                <a:rPr lang="en-US" altLang="ja-JP" sz="2000" i="1" smtClean="0">
+                                  <a:latin typeface="Cambria Math" panose="02040503050406030204" pitchFamily="18" charset="0"/>
+                                </a:rPr>
+                                <m:t>11</m:t>
+                              </m:r>
+                            </m:oMath>
+                          </a14:m>
+                          <a:r>
+                            <a:rPr lang="en-US" altLang="ja-JP" sz="2000" dirty="0"/>
+                            <a:t> </a:t>
+                          </a:r>
+                        </a:p>
+                      </a:txBody>
+                      <a:tcPr anchor="ctr">
+                        <a:lnL w="19050" cap="flat" cmpd="sng" algn="ctr">
+                          <a:solidFill>
+                            <a:schemeClr val="tx1"/>
+                          </a:solidFill>
+                          <a:prstDash val="solid"/>
+                          <a:round/>
+                          <a:headEnd type="none" w="med" len="med"/>
+                          <a:tailEnd type="none" w="med" len="med"/>
+                        </a:lnL>
+                        <a:lnR w="19050" cap="flat" cmpd="sng" algn="ctr">
+                          <a:solidFill>
+                            <a:schemeClr val="tx1"/>
+                          </a:solidFill>
+                          <a:prstDash val="solid"/>
+                          <a:round/>
+                          <a:headEnd type="none" w="med" len="med"/>
+                          <a:tailEnd type="none" w="med" len="med"/>
+                        </a:lnR>
+                        <a:lnT w="19050" cap="flat" cmpd="sng" algn="ctr">
+                          <a:solidFill>
+                            <a:schemeClr val="tx1"/>
+                          </a:solidFill>
+                          <a:prstDash val="solid"/>
+                          <a:round/>
+                          <a:headEnd type="none" w="med" len="med"/>
+                          <a:tailEnd type="none" w="med" len="med"/>
+                        </a:lnT>
+                        <a:lnB w="19050" cap="flat" cmpd="sng" algn="ctr">
+                          <a:solidFill>
+                            <a:schemeClr val="tx1"/>
+                          </a:solidFill>
+                          <a:prstDash val="solid"/>
+                          <a:round/>
+                          <a:headEnd type="none" w="med" len="med"/>
+                          <a:tailEnd type="none" w="med" len="med"/>
+                        </a:lnB>
+                        <a:solidFill>
+                          <a:schemeClr val="bg1"/>
+                        </a:solidFill>
+                      </a:tcPr>
+                    </a:tc>
+                    <a:extLst>
+                      <a:ext uri="{0D108BD9-81ED-4DB2-BD59-A6C34878D82A}">
+                        <a16:rowId xmlns:a16="http://schemas.microsoft.com/office/drawing/2014/main" val="706877952"/>
+                      </a:ext>
+                    </a:extLst>
+                  </a:tr>
+                  <a:tr h="257019">
+                    <a:tc>
+                      <a:txBody>
+                        <a:bodyPr/>
+                        <a:lstStyle/>
+                        <a:p>
+                          <a:pPr algn="r"/>
+                          <a14:m>
+                            <m:oMath xmlns:m="http://schemas.openxmlformats.org/officeDocument/2006/math">
+                              <m:r>
+                                <a:rPr kumimoji="1" lang="en-US" altLang="ja-JP" sz="2000" b="0" i="1" dirty="0" smtClean="0">
+                                  <a:solidFill>
+                                    <a:schemeClr val="tx1"/>
+                                  </a:solidFill>
+                                  <a:latin typeface="Cambria Math" panose="02040503050406030204" pitchFamily="18" charset="0"/>
+                                  <a:cs typeface="Arial" panose="020B0604020202020204" pitchFamily="34" charset="0"/>
+                                </a:rPr>
+                                <m:t>10</m:t>
+                              </m:r>
+                            </m:oMath>
+                          </a14:m>
+                          <a:r>
+                            <a:rPr kumimoji="1" lang="en-US" altLang="ja-JP" sz="2000" b="0" dirty="0">
+                              <a:solidFill>
+                                <a:schemeClr val="tx1"/>
+                              </a:solidFill>
+                              <a:latin typeface="Arial" panose="020B0604020202020204" pitchFamily="34" charset="0"/>
+                              <a:cs typeface="Arial" panose="020B0604020202020204" pitchFamily="34" charset="0"/>
+                            </a:rPr>
+                            <a:t> </a:t>
+                          </a:r>
+                          <a:endParaRPr kumimoji="1" lang="ja-JP" altLang="en-US" sz="2000" b="0">
+                            <a:solidFill>
+                              <a:schemeClr val="tx1"/>
+                            </a:solidFill>
+                            <a:latin typeface="Arial" panose="020B0604020202020204" pitchFamily="34" charset="0"/>
+                            <a:cs typeface="Arial" panose="020B0604020202020204" pitchFamily="34" charset="0"/>
+                          </a:endParaRPr>
+                        </a:p>
+                      </a:txBody>
+                      <a:tcPr marL="45720" marR="45720">
+                        <a:lnL w="19050" cap="flat" cmpd="sng" algn="ctr">
+                          <a:solidFill>
+                            <a:schemeClr val="tx1"/>
+                          </a:solidFill>
+                          <a:prstDash val="solid"/>
+                          <a:round/>
+                          <a:headEnd type="none" w="med" len="med"/>
+                          <a:tailEnd type="none" w="med" len="med"/>
+                        </a:lnL>
+                        <a:lnR w="19050" cap="flat" cmpd="sng" algn="ctr">
+                          <a:solidFill>
+                            <a:schemeClr val="tx1"/>
+                          </a:solidFill>
+                          <a:prstDash val="solid"/>
+                          <a:round/>
+                          <a:headEnd type="none" w="med" len="med"/>
+                          <a:tailEnd type="none" w="med" len="med"/>
+                        </a:lnR>
+                        <a:lnT w="19050" cap="flat" cmpd="sng" algn="ctr">
+                          <a:solidFill>
+                            <a:schemeClr val="tx1"/>
+                          </a:solidFill>
+                          <a:prstDash val="solid"/>
+                          <a:round/>
+                          <a:headEnd type="none" w="med" len="med"/>
+                          <a:tailEnd type="none" w="med" len="med"/>
+                        </a:lnT>
+                        <a:lnB w="19050" cap="flat" cmpd="sng" algn="ctr">
+                          <a:solidFill>
+                            <a:schemeClr val="tx1"/>
+                          </a:solidFill>
+                          <a:prstDash val="solid"/>
+                          <a:round/>
+                          <a:headEnd type="none" w="med" len="med"/>
+                          <a:tailEnd type="none" w="med" len="med"/>
+                        </a:lnB>
+                        <a:solidFill>
+                          <a:schemeClr val="bg1"/>
+                        </a:solidFill>
+                      </a:tcPr>
+                    </a:tc>
+                    <a:tc>
+                      <a:txBody>
+                        <a:bodyPr/>
+                        <a:lstStyle/>
+                        <a:p>
+                          <a:pPr algn="r"/>
+                          <a14:m>
+                            <m:oMath xmlns:m="http://schemas.openxmlformats.org/officeDocument/2006/math">
+                              <m:r>
+                                <a:rPr lang="en-US" altLang="ja-JP" sz="2000" i="1" dirty="0" smtClean="0">
+                                  <a:latin typeface="Cambria Math" panose="02040503050406030204" pitchFamily="18" charset="0"/>
+                                </a:rPr>
+                                <m:t>10</m:t>
+                              </m:r>
+                            </m:oMath>
+                          </a14:m>
+                          <a:r>
+                            <a:rPr lang="en-US" altLang="ja-JP" sz="2000" dirty="0"/>
+                            <a:t> </a:t>
+                          </a:r>
+                        </a:p>
+                      </a:txBody>
+                      <a:tcPr anchor="ctr">
+                        <a:lnL w="19050" cap="flat" cmpd="sng" algn="ctr">
+                          <a:solidFill>
+                            <a:schemeClr val="tx1"/>
+                          </a:solidFill>
+                          <a:prstDash val="solid"/>
+                          <a:round/>
+                          <a:headEnd type="none" w="med" len="med"/>
+                          <a:tailEnd type="none" w="med" len="med"/>
+                        </a:lnL>
+                        <a:lnR w="19050" cap="flat" cmpd="sng" algn="ctr">
+                          <a:solidFill>
+                            <a:schemeClr val="tx1"/>
+                          </a:solidFill>
+                          <a:prstDash val="solid"/>
+                          <a:round/>
+                          <a:headEnd type="none" w="med" len="med"/>
+                          <a:tailEnd type="none" w="med" len="med"/>
+                        </a:lnR>
+                        <a:lnT w="19050" cap="flat" cmpd="sng" algn="ctr">
+                          <a:solidFill>
+                            <a:schemeClr val="tx1"/>
+                          </a:solidFill>
+                          <a:prstDash val="solid"/>
+                          <a:round/>
+                          <a:headEnd type="none" w="med" len="med"/>
+                          <a:tailEnd type="none" w="med" len="med"/>
+                        </a:lnT>
+                        <a:lnB w="19050" cap="flat" cmpd="sng" algn="ctr">
+                          <a:solidFill>
+                            <a:schemeClr val="tx1"/>
+                          </a:solidFill>
+                          <a:prstDash val="solid"/>
+                          <a:round/>
+                          <a:headEnd type="none" w="med" len="med"/>
+                          <a:tailEnd type="none" w="med" len="med"/>
+                        </a:lnB>
+                        <a:solidFill>
+                          <a:schemeClr val="bg1"/>
+                        </a:solidFill>
+                      </a:tcPr>
+                    </a:tc>
+                    <a:extLst>
+                      <a:ext uri="{0D108BD9-81ED-4DB2-BD59-A6C34878D82A}">
+                        <a16:rowId xmlns:a16="http://schemas.microsoft.com/office/drawing/2014/main" val="3250368543"/>
+                      </a:ext>
+                    </a:extLst>
+                  </a:tr>
+                </a:tbl>
+              </a:graphicData>
+            </a:graphic>
+          </p:graphicFrame>
+        </mc:Choice>
+        <mc:Fallback>
+          <p:graphicFrame>
+            <p:nvGraphicFramePr>
+              <p:cNvPr id="5" name="コンテンツ プレースホルダー 16">
+                <a:extLst>
+                  <a:ext uri="{FF2B5EF4-FFF2-40B4-BE49-F238E27FC236}">
+                    <a16:creationId xmlns:a16="http://schemas.microsoft.com/office/drawing/2014/main" id="{A014F262-7F91-3A04-1D66-F7AAE7573D3D}"/>
+                  </a:ext>
+                </a:extLst>
+              </p:cNvPr>
+              <p:cNvGraphicFramePr>
+                <a:graphicFrameLocks/>
+              </p:cNvGraphicFramePr>
+              <p:nvPr>
+                <p:extLst>
+                  <p:ext uri="{D42A27DB-BD31-4B8C-83A1-F6EECF244321}">
+                    <p14:modId xmlns:p14="http://schemas.microsoft.com/office/powerpoint/2010/main" val="1558018449"/>
+                  </p:ext>
+                </p:extLst>
+              </p:nvPr>
+            </p:nvGraphicFramePr>
+            <p:xfrm>
+              <a:off x="506341" y="2300583"/>
+              <a:ext cx="1791089" cy="3114480"/>
+            </p:xfrm>
+            <a:graphic>
+              <a:graphicData uri="http://schemas.openxmlformats.org/drawingml/2006/table">
+                <a:tbl>
+                  <a:tblPr firstRow="1" bandRow="1">
+                    <a:tableStyleId>{5C22544A-7EE6-4342-B048-85BDC9FD1C3A}</a:tableStyleId>
+                  </a:tblPr>
+                  <a:tblGrid>
+                    <a:gridCol w="401661">
+                      <a:extLst>
+                        <a:ext uri="{9D8B030D-6E8A-4147-A177-3AD203B41FA5}">
+                          <a16:colId xmlns:a16="http://schemas.microsoft.com/office/drawing/2014/main" val="215306376"/>
+                        </a:ext>
+                      </a:extLst>
+                    </a:gridCol>
+                    <a:gridCol w="1389428">
+                      <a:extLst>
+                        <a:ext uri="{9D8B030D-6E8A-4147-A177-3AD203B41FA5}">
+                          <a16:colId xmlns:a16="http://schemas.microsoft.com/office/drawing/2014/main" val="879464118"/>
+                        </a:ext>
+                      </a:extLst>
+                    </a:gridCol>
+                  </a:tblGrid>
+                  <a:tr h="340800">
+                    <a:tc>
+                      <a:txBody>
+                        <a:bodyPr/>
+                        <a:lstStyle/>
+                        <a:p>
+                          <a:endParaRPr lang="ja-JP"/>
+                        </a:p>
+                      </a:txBody>
+                      <a:tcPr marL="81720" marR="10800" marT="18000" marB="18000">
+                        <a:lnL w="19050" cap="flat" cmpd="sng" algn="ctr">
+                          <a:solidFill>
+                            <a:schemeClr val="tx1"/>
+                          </a:solidFill>
+                          <a:prstDash val="solid"/>
+                          <a:round/>
+                          <a:headEnd type="none" w="med" len="med"/>
+                          <a:tailEnd type="none" w="med" len="med"/>
+                        </a:lnL>
+                        <a:lnR w="19050" cap="flat" cmpd="sng" algn="ctr">
+                          <a:solidFill>
+                            <a:schemeClr val="tx1"/>
+                          </a:solidFill>
+                          <a:prstDash val="solid"/>
+                          <a:round/>
+                          <a:headEnd type="none" w="med" len="med"/>
+                          <a:tailEnd type="none" w="med" len="med"/>
+                        </a:lnR>
+                        <a:lnT w="19050" cap="flat" cmpd="sng" algn="ctr">
+                          <a:solidFill>
+                            <a:schemeClr val="tx1"/>
+                          </a:solidFill>
+                          <a:prstDash val="solid"/>
+                          <a:round/>
+                          <a:headEnd type="none" w="med" len="med"/>
+                          <a:tailEnd type="none" w="med" len="med"/>
+                        </a:lnT>
+                        <a:lnB w="19050" cap="flat" cmpd="sng" algn="ctr">
+                          <a:solidFill>
+                            <a:schemeClr val="tx1"/>
+                          </a:solidFill>
+                          <a:prstDash val="solid"/>
+                          <a:round/>
+                          <a:headEnd type="none" w="med" len="med"/>
+                          <a:tailEnd type="none" w="med" len="med"/>
+                        </a:lnB>
+                        <a:blipFill>
+                          <a:blip r:embed="rId2"/>
+                          <a:stretch>
+                            <a:fillRect l="-3125" t="-18519" r="-350000" b="-818519"/>
+                          </a:stretch>
+                        </a:blipFill>
+                      </a:tcPr>
+                    </a:tc>
+                    <a:tc>
+                      <a:txBody>
+                        <a:bodyPr/>
+                        <a:lstStyle/>
+                        <a:p>
+                          <a:pPr algn="ctr"/>
+                          <a:r>
+                            <a:rPr kumimoji="1" lang="en-US" altLang="ja-JP" sz="2000" b="1" dirty="0">
+                              <a:solidFill>
+                                <a:schemeClr val="tx1"/>
+                              </a:solidFill>
+                              <a:latin typeface="Arial" panose="020B0604020202020204" pitchFamily="34" charset="0"/>
+                              <a:cs typeface="Arial" panose="020B0604020202020204" pitchFamily="34" charset="0"/>
+                            </a:rPr>
+                            <a:t># graph</a:t>
+                          </a:r>
+                          <a:endParaRPr kumimoji="1" lang="ja-JP" altLang="en-US" sz="2000" b="1">
+                            <a:solidFill>
+                              <a:schemeClr val="tx1"/>
+                            </a:solidFill>
+                            <a:latin typeface="Arial" panose="020B0604020202020204" pitchFamily="34" charset="0"/>
+                            <a:cs typeface="Arial" panose="020B0604020202020204" pitchFamily="34" charset="0"/>
+                          </a:endParaRPr>
+                        </a:p>
+                      </a:txBody>
+                      <a:tcPr marL="45720" marR="46800" marT="18000" marB="18000">
+                        <a:lnL w="19050" cap="flat" cmpd="sng" algn="ctr">
+                          <a:solidFill>
+                            <a:schemeClr val="tx1"/>
+                          </a:solidFill>
+                          <a:prstDash val="solid"/>
+                          <a:round/>
+                          <a:headEnd type="none" w="med" len="med"/>
+                          <a:tailEnd type="none" w="med" len="med"/>
+                        </a:lnL>
+                        <a:lnR w="19050" cap="flat" cmpd="sng" algn="ctr">
+                          <a:solidFill>
+                            <a:schemeClr val="tx1"/>
+                          </a:solidFill>
+                          <a:prstDash val="solid"/>
+                          <a:round/>
+                          <a:headEnd type="none" w="med" len="med"/>
+                          <a:tailEnd type="none" w="med" len="med"/>
+                        </a:lnR>
+                        <a:lnT w="19050" cap="flat" cmpd="sng" algn="ctr">
+                          <a:solidFill>
+                            <a:schemeClr val="tx1"/>
+                          </a:solidFill>
+                          <a:prstDash val="solid"/>
+                          <a:round/>
+                          <a:headEnd type="none" w="med" len="med"/>
+                          <a:tailEnd type="none" w="med" len="med"/>
+                        </a:lnT>
+                        <a:lnB w="19050" cap="flat" cmpd="sng" algn="ctr">
+                          <a:solidFill>
+                            <a:schemeClr val="tx1"/>
+                          </a:solidFill>
+                          <a:prstDash val="solid"/>
+                          <a:round/>
+                          <a:headEnd type="none" w="med" len="med"/>
+                          <a:tailEnd type="none" w="med" len="med"/>
+                        </a:lnB>
+                        <a:solidFill>
+                          <a:schemeClr val="accent2"/>
+                        </a:solidFill>
+                      </a:tcPr>
+                    </a:tc>
+                    <a:extLst>
+                      <a:ext uri="{0D108BD9-81ED-4DB2-BD59-A6C34878D82A}">
+                        <a16:rowId xmlns:a16="http://schemas.microsoft.com/office/drawing/2014/main" val="3359987910"/>
+                      </a:ext>
+                    </a:extLst>
+                  </a:tr>
+                  <a:tr h="396240">
+                    <a:tc>
+                      <a:txBody>
+                        <a:bodyPr/>
+                        <a:lstStyle/>
+                        <a:p>
+                          <a:endParaRPr lang="ja-JP"/>
+                        </a:p>
+                      </a:txBody>
+                      <a:tcPr marL="45720" marR="45720">
+                        <a:lnL w="19050" cap="flat" cmpd="sng" algn="ctr">
+                          <a:solidFill>
+                            <a:schemeClr val="tx1"/>
+                          </a:solidFill>
+                          <a:prstDash val="solid"/>
+                          <a:round/>
+                          <a:headEnd type="none" w="med" len="med"/>
+                          <a:tailEnd type="none" w="med" len="med"/>
+                        </a:lnL>
+                        <a:lnR w="19050" cap="flat" cmpd="sng" algn="ctr">
+                          <a:solidFill>
+                            <a:schemeClr val="tx1"/>
+                          </a:solidFill>
+                          <a:prstDash val="solid"/>
+                          <a:round/>
+                          <a:headEnd type="none" w="med" len="med"/>
+                          <a:tailEnd type="none" w="med" len="med"/>
+                        </a:lnR>
+                        <a:lnT w="19050" cap="flat" cmpd="sng" algn="ctr">
+                          <a:solidFill>
+                            <a:schemeClr val="tx1"/>
+                          </a:solidFill>
+                          <a:prstDash val="solid"/>
+                          <a:round/>
+                          <a:headEnd type="none" w="med" len="med"/>
+                          <a:tailEnd type="none" w="med" len="med"/>
+                        </a:lnT>
+                        <a:lnB w="19050" cap="flat" cmpd="sng" algn="ctr">
+                          <a:solidFill>
+                            <a:schemeClr val="tx1"/>
+                          </a:solidFill>
+                          <a:prstDash val="solid"/>
+                          <a:round/>
+                          <a:headEnd type="none" w="med" len="med"/>
+                          <a:tailEnd type="none" w="med" len="med"/>
+                        </a:lnB>
+                        <a:blipFill>
+                          <a:blip r:embed="rId2"/>
+                          <a:stretch>
+                            <a:fillRect l="-3125" t="-103226" r="-350000" b="-612903"/>
+                          </a:stretch>
+                        </a:blipFill>
+                      </a:tcPr>
+                    </a:tc>
+                    <a:tc>
+                      <a:txBody>
+                        <a:bodyPr/>
+                        <a:lstStyle/>
+                        <a:p>
+                          <a:endParaRPr lang="ja-JP"/>
+                        </a:p>
+                      </a:txBody>
+                      <a:tcPr anchor="ctr">
+                        <a:lnL w="19050" cap="flat" cmpd="sng" algn="ctr">
+                          <a:solidFill>
+                            <a:schemeClr val="tx1"/>
+                          </a:solidFill>
+                          <a:prstDash val="solid"/>
+                          <a:round/>
+                          <a:headEnd type="none" w="med" len="med"/>
+                          <a:tailEnd type="none" w="med" len="med"/>
+                        </a:lnL>
+                        <a:lnR w="19050" cap="flat" cmpd="sng" algn="ctr">
+                          <a:solidFill>
+                            <a:schemeClr val="tx1"/>
+                          </a:solidFill>
+                          <a:prstDash val="solid"/>
+                          <a:round/>
+                          <a:headEnd type="none" w="med" len="med"/>
+                          <a:tailEnd type="none" w="med" len="med"/>
+                        </a:lnR>
+                        <a:lnT w="19050" cap="flat" cmpd="sng" algn="ctr">
+                          <a:solidFill>
+                            <a:schemeClr val="tx1"/>
+                          </a:solidFill>
+                          <a:prstDash val="solid"/>
+                          <a:round/>
+                          <a:headEnd type="none" w="med" len="med"/>
+                          <a:tailEnd type="none" w="med" len="med"/>
+                        </a:lnT>
+                        <a:lnB w="19050" cap="flat" cmpd="sng" algn="ctr">
+                          <a:solidFill>
+                            <a:schemeClr val="tx1"/>
+                          </a:solidFill>
+                          <a:prstDash val="solid"/>
+                          <a:round/>
+                          <a:headEnd type="none" w="med" len="med"/>
+                          <a:tailEnd type="none" w="med" len="med"/>
+                        </a:lnB>
+                        <a:blipFill>
+                          <a:blip r:embed="rId2"/>
+                          <a:stretch>
+                            <a:fillRect l="-30000" t="-103226" r="-1818" b="-612903"/>
+                          </a:stretch>
+                        </a:blipFill>
+                      </a:tcPr>
+                    </a:tc>
+                    <a:extLst>
+                      <a:ext uri="{0D108BD9-81ED-4DB2-BD59-A6C34878D82A}">
+                        <a16:rowId xmlns:a16="http://schemas.microsoft.com/office/drawing/2014/main" val="364840804"/>
+                      </a:ext>
+                    </a:extLst>
+                  </a:tr>
+                  <a:tr h="396240">
+                    <a:tc>
+                      <a:txBody>
+                        <a:bodyPr/>
+                        <a:lstStyle/>
+                        <a:p>
+                          <a:endParaRPr lang="ja-JP"/>
+                        </a:p>
+                      </a:txBody>
+                      <a:tcPr marL="45720" marR="45720">
+                        <a:lnL w="19050" cap="flat" cmpd="sng" algn="ctr">
+                          <a:solidFill>
+                            <a:schemeClr val="tx1"/>
+                          </a:solidFill>
+                          <a:prstDash val="solid"/>
+                          <a:round/>
+                          <a:headEnd type="none" w="med" len="med"/>
+                          <a:tailEnd type="none" w="med" len="med"/>
+                        </a:lnL>
+                        <a:lnR w="19050" cap="flat" cmpd="sng" algn="ctr">
+                          <a:solidFill>
+                            <a:schemeClr val="tx1"/>
+                          </a:solidFill>
+                          <a:prstDash val="solid"/>
+                          <a:round/>
+                          <a:headEnd type="none" w="med" len="med"/>
+                          <a:tailEnd type="none" w="med" len="med"/>
+                        </a:lnR>
+                        <a:lnT w="19050" cap="flat" cmpd="sng" algn="ctr">
+                          <a:solidFill>
+                            <a:schemeClr val="tx1"/>
+                          </a:solidFill>
+                          <a:prstDash val="solid"/>
+                          <a:round/>
+                          <a:headEnd type="none" w="med" len="med"/>
+                          <a:tailEnd type="none" w="med" len="med"/>
+                        </a:lnT>
+                        <a:lnB w="19050" cap="flat" cmpd="sng" algn="ctr">
+                          <a:solidFill>
+                            <a:schemeClr val="tx1"/>
+                          </a:solidFill>
+                          <a:prstDash val="solid"/>
+                          <a:round/>
+                          <a:headEnd type="none" w="med" len="med"/>
+                          <a:tailEnd type="none" w="med" len="med"/>
+                        </a:lnB>
+                        <a:blipFill>
+                          <a:blip r:embed="rId2"/>
+                          <a:stretch>
+                            <a:fillRect l="-3125" t="-196875" r="-350000" b="-493750"/>
+                          </a:stretch>
+                        </a:blipFill>
+                      </a:tcPr>
+                    </a:tc>
+                    <a:tc>
+                      <a:txBody>
+                        <a:bodyPr/>
+                        <a:lstStyle/>
+                        <a:p>
+                          <a:endParaRPr lang="ja-JP"/>
+                        </a:p>
+                      </a:txBody>
+                      <a:tcPr anchor="ctr">
+                        <a:lnL w="19050" cap="flat" cmpd="sng" algn="ctr">
+                          <a:solidFill>
+                            <a:schemeClr val="tx1"/>
+                          </a:solidFill>
+                          <a:prstDash val="solid"/>
+                          <a:round/>
+                          <a:headEnd type="none" w="med" len="med"/>
+                          <a:tailEnd type="none" w="med" len="med"/>
+                        </a:lnL>
+                        <a:lnR w="19050" cap="flat" cmpd="sng" algn="ctr">
+                          <a:solidFill>
+                            <a:schemeClr val="tx1"/>
+                          </a:solidFill>
+                          <a:prstDash val="solid"/>
+                          <a:round/>
+                          <a:headEnd type="none" w="med" len="med"/>
+                          <a:tailEnd type="none" w="med" len="med"/>
+                        </a:lnR>
+                        <a:lnT w="19050" cap="flat" cmpd="sng" algn="ctr">
+                          <a:solidFill>
+                            <a:schemeClr val="tx1"/>
+                          </a:solidFill>
+                          <a:prstDash val="solid"/>
+                          <a:round/>
+                          <a:headEnd type="none" w="med" len="med"/>
+                          <a:tailEnd type="none" w="med" len="med"/>
+                        </a:lnT>
+                        <a:lnB w="19050" cap="flat" cmpd="sng" algn="ctr">
+                          <a:solidFill>
+                            <a:schemeClr val="tx1"/>
+                          </a:solidFill>
+                          <a:prstDash val="solid"/>
+                          <a:round/>
+                          <a:headEnd type="none" w="med" len="med"/>
+                          <a:tailEnd type="none" w="med" len="med"/>
+                        </a:lnB>
+                        <a:blipFill>
+                          <a:blip r:embed="rId2"/>
+                          <a:stretch>
+                            <a:fillRect l="-30000" t="-196875" r="-1818" b="-493750"/>
+                          </a:stretch>
+                        </a:blipFill>
+                      </a:tcPr>
+                    </a:tc>
+                    <a:extLst>
+                      <a:ext uri="{0D108BD9-81ED-4DB2-BD59-A6C34878D82A}">
+                        <a16:rowId xmlns:a16="http://schemas.microsoft.com/office/drawing/2014/main" val="3525191963"/>
+                      </a:ext>
+                    </a:extLst>
+                  </a:tr>
+                  <a:tr h="396240">
+                    <a:tc>
+                      <a:txBody>
+                        <a:bodyPr/>
+                        <a:lstStyle/>
+                        <a:p>
+                          <a:endParaRPr lang="ja-JP"/>
+                        </a:p>
+                      </a:txBody>
+                      <a:tcPr marL="45720" marR="45720">
+                        <a:lnL w="19050" cap="flat" cmpd="sng" algn="ctr">
+                          <a:solidFill>
+                            <a:schemeClr val="tx1"/>
+                          </a:solidFill>
+                          <a:prstDash val="solid"/>
+                          <a:round/>
+                          <a:headEnd type="none" w="med" len="med"/>
+                          <a:tailEnd type="none" w="med" len="med"/>
+                        </a:lnL>
+                        <a:lnR w="19050" cap="flat" cmpd="sng" algn="ctr">
+                          <a:solidFill>
+                            <a:schemeClr val="tx1"/>
+                          </a:solidFill>
+                          <a:prstDash val="solid"/>
+                          <a:round/>
+                          <a:headEnd type="none" w="med" len="med"/>
+                          <a:tailEnd type="none" w="med" len="med"/>
+                        </a:lnR>
+                        <a:lnT w="19050" cap="flat" cmpd="sng" algn="ctr">
+                          <a:solidFill>
+                            <a:schemeClr val="tx1"/>
+                          </a:solidFill>
+                          <a:prstDash val="solid"/>
+                          <a:round/>
+                          <a:headEnd type="none" w="med" len="med"/>
+                          <a:tailEnd type="none" w="med" len="med"/>
+                        </a:lnT>
+                        <a:lnB w="19050" cap="flat" cmpd="sng" algn="ctr">
+                          <a:solidFill>
+                            <a:schemeClr val="tx1"/>
+                          </a:solidFill>
+                          <a:prstDash val="solid"/>
+                          <a:round/>
+                          <a:headEnd type="none" w="med" len="med"/>
+                          <a:tailEnd type="none" w="med" len="med"/>
+                        </a:lnB>
+                        <a:blipFill>
+                          <a:blip r:embed="rId2"/>
+                          <a:stretch>
+                            <a:fillRect l="-3125" t="-306452" r="-350000" b="-409677"/>
+                          </a:stretch>
+                        </a:blipFill>
+                      </a:tcPr>
+                    </a:tc>
+                    <a:tc>
+                      <a:txBody>
+                        <a:bodyPr/>
+                        <a:lstStyle/>
+                        <a:p>
+                          <a:endParaRPr lang="ja-JP"/>
+                        </a:p>
+                      </a:txBody>
+                      <a:tcPr anchor="ctr">
+                        <a:lnL w="19050" cap="flat" cmpd="sng" algn="ctr">
+                          <a:solidFill>
+                            <a:schemeClr val="tx1"/>
+                          </a:solidFill>
+                          <a:prstDash val="solid"/>
+                          <a:round/>
+                          <a:headEnd type="none" w="med" len="med"/>
+                          <a:tailEnd type="none" w="med" len="med"/>
+                        </a:lnL>
+                        <a:lnR w="19050" cap="flat" cmpd="sng" algn="ctr">
+                          <a:solidFill>
+                            <a:schemeClr val="tx1"/>
+                          </a:solidFill>
+                          <a:prstDash val="solid"/>
+                          <a:round/>
+                          <a:headEnd type="none" w="med" len="med"/>
+                          <a:tailEnd type="none" w="med" len="med"/>
+                        </a:lnR>
+                        <a:lnT w="19050" cap="flat" cmpd="sng" algn="ctr">
+                          <a:solidFill>
+                            <a:schemeClr val="tx1"/>
+                          </a:solidFill>
+                          <a:prstDash val="solid"/>
+                          <a:round/>
+                          <a:headEnd type="none" w="med" len="med"/>
+                          <a:tailEnd type="none" w="med" len="med"/>
+                        </a:lnT>
+                        <a:lnB w="19050" cap="flat" cmpd="sng" algn="ctr">
+                          <a:solidFill>
+                            <a:schemeClr val="tx1"/>
+                          </a:solidFill>
+                          <a:prstDash val="solid"/>
+                          <a:round/>
+                          <a:headEnd type="none" w="med" len="med"/>
+                          <a:tailEnd type="none" w="med" len="med"/>
+                        </a:lnB>
+                        <a:blipFill>
+                          <a:blip r:embed="rId2"/>
+                          <a:stretch>
+                            <a:fillRect l="-30000" t="-306452" r="-1818" b="-409677"/>
+                          </a:stretch>
+                        </a:blipFill>
+                      </a:tcPr>
+                    </a:tc>
+                    <a:extLst>
+                      <a:ext uri="{0D108BD9-81ED-4DB2-BD59-A6C34878D82A}">
+                        <a16:rowId xmlns:a16="http://schemas.microsoft.com/office/drawing/2014/main" val="3569909037"/>
+                      </a:ext>
+                    </a:extLst>
+                  </a:tr>
+                  <a:tr h="396240">
+                    <a:tc>
+                      <a:txBody>
+                        <a:bodyPr/>
+                        <a:lstStyle/>
+                        <a:p>
+                          <a:endParaRPr lang="ja-JP"/>
+                        </a:p>
+                      </a:txBody>
+                      <a:tcPr marL="45720" marR="45720">
+                        <a:lnL w="19050" cap="flat" cmpd="sng" algn="ctr">
+                          <a:solidFill>
+                            <a:schemeClr val="tx1"/>
+                          </a:solidFill>
+                          <a:prstDash val="solid"/>
+                          <a:round/>
+                          <a:headEnd type="none" w="med" len="med"/>
+                          <a:tailEnd type="none" w="med" len="med"/>
+                        </a:lnL>
+                        <a:lnR w="19050" cap="flat" cmpd="sng" algn="ctr">
+                          <a:solidFill>
+                            <a:schemeClr val="tx1"/>
+                          </a:solidFill>
+                          <a:prstDash val="solid"/>
+                          <a:round/>
+                          <a:headEnd type="none" w="med" len="med"/>
+                          <a:tailEnd type="none" w="med" len="med"/>
+                        </a:lnR>
+                        <a:lnT w="19050" cap="flat" cmpd="sng" algn="ctr">
+                          <a:solidFill>
+                            <a:schemeClr val="tx1"/>
+                          </a:solidFill>
+                          <a:prstDash val="solid"/>
+                          <a:round/>
+                          <a:headEnd type="none" w="med" len="med"/>
+                          <a:tailEnd type="none" w="med" len="med"/>
+                        </a:lnT>
+                        <a:lnB w="19050" cap="flat" cmpd="sng" algn="ctr">
+                          <a:solidFill>
+                            <a:schemeClr val="tx1"/>
+                          </a:solidFill>
+                          <a:prstDash val="solid"/>
+                          <a:round/>
+                          <a:headEnd type="none" w="med" len="med"/>
+                          <a:tailEnd type="none" w="med" len="med"/>
+                        </a:lnB>
+                        <a:blipFill>
+                          <a:blip r:embed="rId2"/>
+                          <a:stretch>
+                            <a:fillRect l="-3125" t="-406452" r="-350000" b="-309677"/>
+                          </a:stretch>
+                        </a:blipFill>
+                      </a:tcPr>
+                    </a:tc>
+                    <a:tc>
+                      <a:txBody>
+                        <a:bodyPr/>
+                        <a:lstStyle/>
+                        <a:p>
+                          <a:endParaRPr lang="ja-JP"/>
+                        </a:p>
+                      </a:txBody>
+                      <a:tcPr anchor="ctr">
+                        <a:lnL w="19050" cap="flat" cmpd="sng" algn="ctr">
+                          <a:solidFill>
+                            <a:schemeClr val="tx1"/>
+                          </a:solidFill>
+                          <a:prstDash val="solid"/>
+                          <a:round/>
+                          <a:headEnd type="none" w="med" len="med"/>
+                          <a:tailEnd type="none" w="med" len="med"/>
+                        </a:lnL>
+                        <a:lnR w="19050" cap="flat" cmpd="sng" algn="ctr">
+                          <a:solidFill>
+                            <a:schemeClr val="tx1"/>
+                          </a:solidFill>
+                          <a:prstDash val="solid"/>
+                          <a:round/>
+                          <a:headEnd type="none" w="med" len="med"/>
+                          <a:tailEnd type="none" w="med" len="med"/>
+                        </a:lnR>
+                        <a:lnT w="19050" cap="flat" cmpd="sng" algn="ctr">
+                          <a:solidFill>
+                            <a:schemeClr val="tx1"/>
+                          </a:solidFill>
+                          <a:prstDash val="solid"/>
+                          <a:round/>
+                          <a:headEnd type="none" w="med" len="med"/>
+                          <a:tailEnd type="none" w="med" len="med"/>
+                        </a:lnT>
+                        <a:lnB w="19050" cap="flat" cmpd="sng" algn="ctr">
+                          <a:solidFill>
+                            <a:schemeClr val="tx1"/>
+                          </a:solidFill>
+                          <a:prstDash val="solid"/>
+                          <a:round/>
+                          <a:headEnd type="none" w="med" len="med"/>
+                          <a:tailEnd type="none" w="med" len="med"/>
+                        </a:lnB>
+                        <a:blipFill>
+                          <a:blip r:embed="rId2"/>
+                          <a:stretch>
+                            <a:fillRect l="-30000" t="-406452" r="-1818" b="-309677"/>
+                          </a:stretch>
+                        </a:blipFill>
+                      </a:tcPr>
+                    </a:tc>
+                    <a:extLst>
+                      <a:ext uri="{0D108BD9-81ED-4DB2-BD59-A6C34878D82A}">
+                        <a16:rowId xmlns:a16="http://schemas.microsoft.com/office/drawing/2014/main" val="3327895223"/>
+                      </a:ext>
+                    </a:extLst>
+                  </a:tr>
+                  <a:tr h="396240">
+                    <a:tc>
+                      <a:txBody>
+                        <a:bodyPr/>
+                        <a:lstStyle/>
+                        <a:p>
+                          <a:endParaRPr lang="ja-JP"/>
+                        </a:p>
+                      </a:txBody>
+                      <a:tcPr marL="45720" marR="45720">
+                        <a:lnL w="19050" cap="flat" cmpd="sng" algn="ctr">
+                          <a:solidFill>
+                            <a:schemeClr val="tx1"/>
+                          </a:solidFill>
+                          <a:prstDash val="solid"/>
+                          <a:round/>
+                          <a:headEnd type="none" w="med" len="med"/>
+                          <a:tailEnd type="none" w="med" len="med"/>
+                        </a:lnL>
+                        <a:lnR w="19050" cap="flat" cmpd="sng" algn="ctr">
+                          <a:solidFill>
+                            <a:schemeClr val="tx1"/>
+                          </a:solidFill>
+                          <a:prstDash val="solid"/>
+                          <a:round/>
+                          <a:headEnd type="none" w="med" len="med"/>
+                          <a:tailEnd type="none" w="med" len="med"/>
+                        </a:lnR>
+                        <a:lnT w="19050" cap="flat" cmpd="sng" algn="ctr">
+                          <a:solidFill>
+                            <a:schemeClr val="tx1"/>
+                          </a:solidFill>
+                          <a:prstDash val="solid"/>
+                          <a:round/>
+                          <a:headEnd type="none" w="med" len="med"/>
+                          <a:tailEnd type="none" w="med" len="med"/>
+                        </a:lnT>
+                        <a:lnB w="19050" cap="flat" cmpd="sng" algn="ctr">
+                          <a:solidFill>
+                            <a:schemeClr val="tx1"/>
+                          </a:solidFill>
+                          <a:prstDash val="solid"/>
+                          <a:round/>
+                          <a:headEnd type="none" w="med" len="med"/>
+                          <a:tailEnd type="none" w="med" len="med"/>
+                        </a:lnB>
+                        <a:blipFill>
+                          <a:blip r:embed="rId2"/>
+                          <a:stretch>
+                            <a:fillRect l="-3125" t="-506452" r="-350000" b="-209677"/>
+                          </a:stretch>
+                        </a:blipFill>
+                      </a:tcPr>
+                    </a:tc>
+                    <a:tc>
+                      <a:txBody>
+                        <a:bodyPr/>
+                        <a:lstStyle/>
+                        <a:p>
+                          <a:endParaRPr lang="ja-JP"/>
+                        </a:p>
+                      </a:txBody>
+                      <a:tcPr anchor="ctr">
+                        <a:lnL w="19050" cap="flat" cmpd="sng" algn="ctr">
+                          <a:solidFill>
+                            <a:schemeClr val="tx1"/>
+                          </a:solidFill>
+                          <a:prstDash val="solid"/>
+                          <a:round/>
+                          <a:headEnd type="none" w="med" len="med"/>
+                          <a:tailEnd type="none" w="med" len="med"/>
+                        </a:lnL>
+                        <a:lnR w="19050" cap="flat" cmpd="sng" algn="ctr">
+                          <a:solidFill>
+                            <a:schemeClr val="tx1"/>
+                          </a:solidFill>
+                          <a:prstDash val="solid"/>
+                          <a:round/>
+                          <a:headEnd type="none" w="med" len="med"/>
+                          <a:tailEnd type="none" w="med" len="med"/>
+                        </a:lnR>
+                        <a:lnT w="19050" cap="flat" cmpd="sng" algn="ctr">
+                          <a:solidFill>
+                            <a:schemeClr val="tx1"/>
+                          </a:solidFill>
+                          <a:prstDash val="solid"/>
+                          <a:round/>
+                          <a:headEnd type="none" w="med" len="med"/>
+                          <a:tailEnd type="none" w="med" len="med"/>
+                        </a:lnT>
+                        <a:lnB w="19050" cap="flat" cmpd="sng" algn="ctr">
+                          <a:solidFill>
+                            <a:schemeClr val="tx1"/>
+                          </a:solidFill>
+                          <a:prstDash val="solid"/>
+                          <a:round/>
+                          <a:headEnd type="none" w="med" len="med"/>
+                          <a:tailEnd type="none" w="med" len="med"/>
+                        </a:lnB>
+                        <a:blipFill>
+                          <a:blip r:embed="rId2"/>
+                          <a:stretch>
+                            <a:fillRect l="-30000" t="-506452" r="-1818" b="-209677"/>
+                          </a:stretch>
+                        </a:blipFill>
+                      </a:tcPr>
+                    </a:tc>
+                    <a:extLst>
+                      <a:ext uri="{0D108BD9-81ED-4DB2-BD59-A6C34878D82A}">
+                        <a16:rowId xmlns:a16="http://schemas.microsoft.com/office/drawing/2014/main" val="472790633"/>
+                      </a:ext>
+                    </a:extLst>
+                  </a:tr>
+                  <a:tr h="396240">
+                    <a:tc>
+                      <a:txBody>
+                        <a:bodyPr/>
+                        <a:lstStyle/>
+                        <a:p>
+                          <a:endParaRPr lang="ja-JP"/>
+                        </a:p>
+                      </a:txBody>
+                      <a:tcPr marL="45720" marR="45720">
+                        <a:lnL w="19050" cap="flat" cmpd="sng" algn="ctr">
+                          <a:solidFill>
+                            <a:schemeClr val="tx1"/>
+                          </a:solidFill>
+                          <a:prstDash val="solid"/>
+                          <a:round/>
+                          <a:headEnd type="none" w="med" len="med"/>
+                          <a:tailEnd type="none" w="med" len="med"/>
+                        </a:lnL>
+                        <a:lnR w="19050" cap="flat" cmpd="sng" algn="ctr">
+                          <a:solidFill>
+                            <a:schemeClr val="tx1"/>
+                          </a:solidFill>
+                          <a:prstDash val="solid"/>
+                          <a:round/>
+                          <a:headEnd type="none" w="med" len="med"/>
+                          <a:tailEnd type="none" w="med" len="med"/>
+                        </a:lnR>
+                        <a:lnT w="19050" cap="flat" cmpd="sng" algn="ctr">
+                          <a:solidFill>
+                            <a:schemeClr val="tx1"/>
+                          </a:solidFill>
+                          <a:prstDash val="solid"/>
+                          <a:round/>
+                          <a:headEnd type="none" w="med" len="med"/>
+                          <a:tailEnd type="none" w="med" len="med"/>
+                        </a:lnT>
+                        <a:lnB w="19050" cap="flat" cmpd="sng" algn="ctr">
+                          <a:solidFill>
+                            <a:schemeClr val="tx1"/>
+                          </a:solidFill>
+                          <a:prstDash val="solid"/>
+                          <a:round/>
+                          <a:headEnd type="none" w="med" len="med"/>
+                          <a:tailEnd type="none" w="med" len="med"/>
+                        </a:lnB>
+                        <a:blipFill>
+                          <a:blip r:embed="rId2"/>
+                          <a:stretch>
+                            <a:fillRect l="-3125" t="-587500" r="-350000" b="-103125"/>
+                          </a:stretch>
+                        </a:blipFill>
+                      </a:tcPr>
+                    </a:tc>
+                    <a:tc>
+                      <a:txBody>
+                        <a:bodyPr/>
+                        <a:lstStyle/>
+                        <a:p>
+                          <a:endParaRPr lang="ja-JP"/>
+                        </a:p>
+                      </a:txBody>
+                      <a:tcPr anchor="ctr">
+                        <a:lnL w="19050" cap="flat" cmpd="sng" algn="ctr">
+                          <a:solidFill>
+                            <a:schemeClr val="tx1"/>
+                          </a:solidFill>
+                          <a:prstDash val="solid"/>
+                          <a:round/>
+                          <a:headEnd type="none" w="med" len="med"/>
+                          <a:tailEnd type="none" w="med" len="med"/>
+                        </a:lnL>
+                        <a:lnR w="19050" cap="flat" cmpd="sng" algn="ctr">
+                          <a:solidFill>
+                            <a:schemeClr val="tx1"/>
+                          </a:solidFill>
+                          <a:prstDash val="solid"/>
+                          <a:round/>
+                          <a:headEnd type="none" w="med" len="med"/>
+                          <a:tailEnd type="none" w="med" len="med"/>
+                        </a:lnR>
+                        <a:lnT w="19050" cap="flat" cmpd="sng" algn="ctr">
+                          <a:solidFill>
+                            <a:schemeClr val="tx1"/>
+                          </a:solidFill>
+                          <a:prstDash val="solid"/>
+                          <a:round/>
+                          <a:headEnd type="none" w="med" len="med"/>
+                          <a:tailEnd type="none" w="med" len="med"/>
+                        </a:lnT>
+                        <a:lnB w="19050" cap="flat" cmpd="sng" algn="ctr">
+                          <a:solidFill>
+                            <a:schemeClr val="tx1"/>
+                          </a:solidFill>
+                          <a:prstDash val="solid"/>
+                          <a:round/>
+                          <a:headEnd type="none" w="med" len="med"/>
+                          <a:tailEnd type="none" w="med" len="med"/>
+                        </a:lnB>
+                        <a:blipFill>
+                          <a:blip r:embed="rId2"/>
+                          <a:stretch>
+                            <a:fillRect l="-30000" t="-587500" r="-1818" b="-103125"/>
+                          </a:stretch>
+                        </a:blipFill>
+                      </a:tcPr>
+                    </a:tc>
+                    <a:extLst>
+                      <a:ext uri="{0D108BD9-81ED-4DB2-BD59-A6C34878D82A}">
+                        <a16:rowId xmlns:a16="http://schemas.microsoft.com/office/drawing/2014/main" val="706877952"/>
+                      </a:ext>
+                    </a:extLst>
+                  </a:tr>
+                  <a:tr h="396240">
+                    <a:tc>
+                      <a:txBody>
+                        <a:bodyPr/>
+                        <a:lstStyle/>
+                        <a:p>
+                          <a:endParaRPr lang="ja-JP"/>
+                        </a:p>
+                      </a:txBody>
+                      <a:tcPr marL="45720" marR="45720">
+                        <a:lnL w="19050" cap="flat" cmpd="sng" algn="ctr">
+                          <a:solidFill>
+                            <a:schemeClr val="tx1"/>
+                          </a:solidFill>
+                          <a:prstDash val="solid"/>
+                          <a:round/>
+                          <a:headEnd type="none" w="med" len="med"/>
+                          <a:tailEnd type="none" w="med" len="med"/>
+                        </a:lnL>
+                        <a:lnR w="19050" cap="flat" cmpd="sng" algn="ctr">
+                          <a:solidFill>
+                            <a:schemeClr val="tx1"/>
+                          </a:solidFill>
+                          <a:prstDash val="solid"/>
+                          <a:round/>
+                          <a:headEnd type="none" w="med" len="med"/>
+                          <a:tailEnd type="none" w="med" len="med"/>
+                        </a:lnR>
+                        <a:lnT w="19050" cap="flat" cmpd="sng" algn="ctr">
+                          <a:solidFill>
+                            <a:schemeClr val="tx1"/>
+                          </a:solidFill>
+                          <a:prstDash val="solid"/>
+                          <a:round/>
+                          <a:headEnd type="none" w="med" len="med"/>
+                          <a:tailEnd type="none" w="med" len="med"/>
+                        </a:lnT>
+                        <a:lnB w="19050" cap="flat" cmpd="sng" algn="ctr">
+                          <a:solidFill>
+                            <a:schemeClr val="tx1"/>
+                          </a:solidFill>
+                          <a:prstDash val="solid"/>
+                          <a:round/>
+                          <a:headEnd type="none" w="med" len="med"/>
+                          <a:tailEnd type="none" w="med" len="med"/>
+                        </a:lnB>
+                        <a:blipFill>
+                          <a:blip r:embed="rId2"/>
+                          <a:stretch>
+                            <a:fillRect l="-3125" t="-709677" r="-350000" b="-6452"/>
+                          </a:stretch>
+                        </a:blipFill>
+                      </a:tcPr>
+                    </a:tc>
+                    <a:tc>
+                      <a:txBody>
+                        <a:bodyPr/>
+                        <a:lstStyle/>
+                        <a:p>
+                          <a:endParaRPr lang="ja-JP"/>
+                        </a:p>
+                      </a:txBody>
+                      <a:tcPr anchor="ctr">
+                        <a:lnL w="19050" cap="flat" cmpd="sng" algn="ctr">
+                          <a:solidFill>
+                            <a:schemeClr val="tx1"/>
+                          </a:solidFill>
+                          <a:prstDash val="solid"/>
+                          <a:round/>
+                          <a:headEnd type="none" w="med" len="med"/>
+                          <a:tailEnd type="none" w="med" len="med"/>
+                        </a:lnL>
+                        <a:lnR w="19050" cap="flat" cmpd="sng" algn="ctr">
+                          <a:solidFill>
+                            <a:schemeClr val="tx1"/>
+                          </a:solidFill>
+                          <a:prstDash val="solid"/>
+                          <a:round/>
+                          <a:headEnd type="none" w="med" len="med"/>
+                          <a:tailEnd type="none" w="med" len="med"/>
+                        </a:lnR>
+                        <a:lnT w="19050" cap="flat" cmpd="sng" algn="ctr">
+                          <a:solidFill>
+                            <a:schemeClr val="tx1"/>
+                          </a:solidFill>
+                          <a:prstDash val="solid"/>
+                          <a:round/>
+                          <a:headEnd type="none" w="med" len="med"/>
+                          <a:tailEnd type="none" w="med" len="med"/>
+                        </a:lnT>
+                        <a:lnB w="19050" cap="flat" cmpd="sng" algn="ctr">
+                          <a:solidFill>
+                            <a:schemeClr val="tx1"/>
+                          </a:solidFill>
+                          <a:prstDash val="solid"/>
+                          <a:round/>
+                          <a:headEnd type="none" w="med" len="med"/>
+                          <a:tailEnd type="none" w="med" len="med"/>
+                        </a:lnB>
+                        <a:blipFill>
+                          <a:blip r:embed="rId2"/>
+                          <a:stretch>
+                            <a:fillRect l="-30000" t="-709677" r="-1818" b="-6452"/>
+                          </a:stretch>
+                        </a:blipFill>
+                      </a:tcPr>
+                    </a:tc>
+                    <a:extLst>
+                      <a:ext uri="{0D108BD9-81ED-4DB2-BD59-A6C34878D82A}">
+                        <a16:rowId xmlns:a16="http://schemas.microsoft.com/office/drawing/2014/main" val="3250368543"/>
+                      </a:ext>
+                    </a:extLst>
+                  </a:tr>
+                </a:tbl>
+              </a:graphicData>
+            </a:graphic>
+          </p:graphicFrame>
+        </mc:Fallback>
+      </mc:AlternateContent>
+      <p:sp>
+        <p:nvSpPr>
+          <p:cNvPr id="12" name="テキスト ボックス 11">
+            <a:extLst>
+              <a:ext uri="{FF2B5EF4-FFF2-40B4-BE49-F238E27FC236}">
+                <a16:creationId xmlns:a16="http://schemas.microsoft.com/office/drawing/2014/main" id="{AD280D64-A34A-6132-1E2F-F3F71F5CD6CD}"/>
+              </a:ext>
+            </a:extLst>
+          </p:cNvPr>
+          <p:cNvSpPr txBox="1"/>
+          <p:nvPr/>
+        </p:nvSpPr>
+        <p:spPr>
+          <a:xfrm>
+            <a:off x="205667" y="1254879"/>
+            <a:ext cx="8823087" cy="461665"/>
+          </a:xfrm>
+          <a:prstGeom prst="rect">
+            <a:avLst/>
+          </a:prstGeom>
+          <a:solidFill>
+            <a:schemeClr val="tx1"/>
+          </a:solidFill>
+        </p:spPr>
+        <p:txBody>
+          <a:bodyPr wrap="square" anchor="ctr">
+            <a:noAutofit/>
+          </a:bodyPr>
+          <a:lstStyle/>
+          <a:p>
+            <a:r>
+              <a:rPr lang="en-US" altLang="ja-JP" b="0" dirty="0">
+                <a:solidFill>
+                  <a:srgbClr val="DCDCAA"/>
+                </a:solidFill>
+                <a:effectLst/>
+                <a:latin typeface="Menlo" panose="020B0609030804020204" pitchFamily="49" charset="0"/>
+              </a:rPr>
+              <a:t>$</a:t>
+            </a:r>
+            <a:r>
+              <a:rPr lang="en-US" altLang="ja-JP" b="0" dirty="0">
+                <a:solidFill>
+                  <a:srgbClr val="FFFFFF"/>
+                </a:solidFill>
+                <a:effectLst/>
+                <a:latin typeface="Menlo" panose="020B0609030804020204" pitchFamily="49" charset="0"/>
+              </a:rPr>
+              <a:t> </a:t>
+            </a:r>
+            <a:r>
+              <a:rPr lang="en-US" altLang="ja-JP" b="0" dirty="0" err="1">
+                <a:solidFill>
+                  <a:srgbClr val="DCDCAA"/>
+                </a:solidFill>
+                <a:effectLst/>
+                <a:latin typeface="Menlo" panose="020B0609030804020204" pitchFamily="49" charset="0"/>
+              </a:rPr>
+              <a:t>geng</a:t>
+            </a:r>
+            <a:r>
+              <a:rPr lang="en-US" altLang="ja-JP" b="0" dirty="0">
+                <a:solidFill>
+                  <a:srgbClr val="FFFFFF"/>
+                </a:solidFill>
+                <a:effectLst/>
+                <a:latin typeface="Menlo" panose="020B0609030804020204" pitchFamily="49" charset="0"/>
+              </a:rPr>
+              <a:t> </a:t>
+            </a:r>
+            <a:r>
+              <a:rPr lang="en-US" altLang="ja-JP" b="0" dirty="0">
+                <a:solidFill>
+                  <a:srgbClr val="CE9178"/>
+                </a:solidFill>
+                <a:effectLst/>
+                <a:latin typeface="Menlo" panose="020B0609030804020204" pitchFamily="49" charset="0"/>
+              </a:rPr>
+              <a:t>–c</a:t>
+            </a:r>
+            <a:r>
+              <a:rPr lang="en-US" altLang="ja-JP" b="0" dirty="0">
+                <a:solidFill>
+                  <a:srgbClr val="FFFFFF"/>
+                </a:solidFill>
+                <a:effectLst/>
+                <a:latin typeface="Menlo" panose="020B0609030804020204" pitchFamily="49" charset="0"/>
+              </a:rPr>
+              <a:t> </a:t>
+            </a:r>
+            <a:r>
+              <a:rPr lang="en-US" altLang="ja-JP" b="0" dirty="0">
+                <a:solidFill>
+                  <a:srgbClr val="CE9178"/>
+                </a:solidFill>
+                <a:effectLst/>
+                <a:latin typeface="Menlo" panose="020B0609030804020204" pitchFamily="49" charset="0"/>
+              </a:rPr>
+              <a:t>-dx –k -F</a:t>
+            </a:r>
+            <a:r>
+              <a:rPr lang="en-US" altLang="ja-JP" b="0" dirty="0">
+                <a:solidFill>
+                  <a:srgbClr val="FFFFFF"/>
+                </a:solidFill>
+                <a:effectLst/>
+                <a:latin typeface="Menlo" panose="020B0609030804020204" pitchFamily="49" charset="0"/>
+              </a:rPr>
+              <a:t> </a:t>
+            </a:r>
+            <a:r>
+              <a:rPr lang="en-US" altLang="ja-JP" b="0" dirty="0">
+                <a:solidFill>
+                  <a:srgbClr val="7CA668"/>
+                </a:solidFill>
+                <a:effectLst/>
+                <a:latin typeface="Menlo" panose="020B0609030804020204" pitchFamily="49" charset="0"/>
+              </a:rPr>
+              <a:t> # Output: drawing/xfkd3cpt/ or xfkd4cpt/</a:t>
+            </a:r>
+            <a:endParaRPr lang="en-US" altLang="ja-JP" b="0" dirty="0">
+              <a:solidFill>
+                <a:srgbClr val="FFFFFF"/>
+              </a:solidFill>
+              <a:effectLst/>
+              <a:latin typeface="Menlo" panose="020B0609030804020204" pitchFamily="49" charset="0"/>
+            </a:endParaRPr>
+          </a:p>
+        </p:txBody>
+      </p:sp>
+      <mc:AlternateContent xmlns:mc="http://schemas.openxmlformats.org/markup-compatibility/2006">
+        <mc:Choice xmlns:a14="http://schemas.microsoft.com/office/drawing/2010/main" Requires="a14">
+          <p:graphicFrame>
+            <p:nvGraphicFramePr>
+              <p:cNvPr id="14" name="コンテンツ プレースホルダー 16">
+                <a:extLst>
+                  <a:ext uri="{FF2B5EF4-FFF2-40B4-BE49-F238E27FC236}">
+                    <a16:creationId xmlns:a16="http://schemas.microsoft.com/office/drawing/2014/main" id="{BA96E59D-BB16-21EF-CB4D-05452E33AD12}"/>
+                  </a:ext>
+                </a:extLst>
+              </p:cNvPr>
+              <p:cNvGraphicFramePr>
+                <a:graphicFrameLocks/>
+              </p:cNvGraphicFramePr>
+              <p:nvPr>
+                <p:extLst>
+                  <p:ext uri="{D42A27DB-BD31-4B8C-83A1-F6EECF244321}">
+                    <p14:modId xmlns:p14="http://schemas.microsoft.com/office/powerpoint/2010/main" val="4104325836"/>
+                  </p:ext>
+                </p:extLst>
+              </p:nvPr>
+            </p:nvGraphicFramePr>
+            <p:xfrm>
+              <a:off x="2464681" y="2300583"/>
+              <a:ext cx="1791089" cy="3114480"/>
+            </p:xfrm>
+            <a:graphic>
+              <a:graphicData uri="http://schemas.openxmlformats.org/drawingml/2006/table">
+                <a:tbl>
+                  <a:tblPr firstRow="1" bandRow="1">
+                    <a:tableStyleId>{5C22544A-7EE6-4342-B048-85BDC9FD1C3A}</a:tableStyleId>
+                  </a:tblPr>
+                  <a:tblGrid>
+                    <a:gridCol w="401661">
+                      <a:extLst>
+                        <a:ext uri="{9D8B030D-6E8A-4147-A177-3AD203B41FA5}">
+                          <a16:colId xmlns:a16="http://schemas.microsoft.com/office/drawing/2014/main" val="215306376"/>
+                        </a:ext>
+                      </a:extLst>
+                    </a:gridCol>
+                    <a:gridCol w="1389428">
+                      <a:extLst>
+                        <a:ext uri="{9D8B030D-6E8A-4147-A177-3AD203B41FA5}">
+                          <a16:colId xmlns:a16="http://schemas.microsoft.com/office/drawing/2014/main" val="879464118"/>
+                        </a:ext>
+                      </a:extLst>
+                    </a:gridCol>
+                  </a:tblGrid>
+                  <a:tr h="257019">
+                    <a:tc>
+                      <a:txBody>
+                        <a:bodyPr/>
+                        <a:lstStyle/>
+                        <a:p>
+                          <a:pPr algn="ctr"/>
+                          <a14:m>
+                            <m:oMathPara xmlns:m="http://schemas.openxmlformats.org/officeDocument/2006/math">
+                              <m:oMathParaPr>
+                                <m:jc m:val="centerGroup"/>
+                              </m:oMathParaPr>
+                              <m:oMath xmlns:m="http://schemas.openxmlformats.org/officeDocument/2006/math">
+                                <m:r>
+                                  <a:rPr kumimoji="1" lang="en-US" altLang="ja-JP" sz="2000" b="1" i="1" dirty="0" smtClean="0">
+                                    <a:solidFill>
+                                      <a:schemeClr val="tx1"/>
+                                    </a:solidFill>
+                                    <a:latin typeface="Cambria Math" panose="02040503050406030204" pitchFamily="18" charset="0"/>
+                                    <a:cs typeface="Arial" panose="020B0604020202020204" pitchFamily="34" charset="0"/>
+                                  </a:rPr>
+                                  <m:t>𝒏</m:t>
+                                </m:r>
+                              </m:oMath>
+                            </m:oMathPara>
+                          </a14:m>
+                          <a:endParaRPr kumimoji="1" lang="ja-JP" altLang="en-US" sz="2000" b="1">
+                            <a:solidFill>
+                              <a:schemeClr val="tx1"/>
+                            </a:solidFill>
+                            <a:latin typeface="Arial" panose="020B0604020202020204" pitchFamily="34" charset="0"/>
+                            <a:cs typeface="Arial" panose="020B0604020202020204" pitchFamily="34" charset="0"/>
+                          </a:endParaRPr>
+                        </a:p>
+                      </a:txBody>
+                      <a:tcPr marL="81720" marR="10800" marT="18000" marB="18000">
+                        <a:lnL w="19050" cap="flat" cmpd="sng" algn="ctr">
+                          <a:solidFill>
+                            <a:schemeClr val="tx1"/>
+                          </a:solidFill>
+                          <a:prstDash val="solid"/>
+                          <a:round/>
+                          <a:headEnd type="none" w="med" len="med"/>
+                          <a:tailEnd type="none" w="med" len="med"/>
+                        </a:lnL>
+                        <a:lnR w="19050" cap="flat" cmpd="sng" algn="ctr">
+                          <a:solidFill>
+                            <a:schemeClr val="tx1"/>
+                          </a:solidFill>
+                          <a:prstDash val="solid"/>
+                          <a:round/>
+                          <a:headEnd type="none" w="med" len="med"/>
+                          <a:tailEnd type="none" w="med" len="med"/>
+                        </a:lnR>
+                        <a:lnT w="19050" cap="flat" cmpd="sng" algn="ctr">
+                          <a:solidFill>
+                            <a:schemeClr val="tx1"/>
+                          </a:solidFill>
+                          <a:prstDash val="solid"/>
+                          <a:round/>
+                          <a:headEnd type="none" w="med" len="med"/>
+                          <a:tailEnd type="none" w="med" len="med"/>
+                        </a:lnT>
+                        <a:lnB w="19050" cap="flat" cmpd="sng" algn="ctr">
+                          <a:solidFill>
+                            <a:schemeClr val="tx1"/>
+                          </a:solidFill>
+                          <a:prstDash val="solid"/>
+                          <a:round/>
+                          <a:headEnd type="none" w="med" len="med"/>
+                          <a:tailEnd type="none" w="med" len="med"/>
+                        </a:lnB>
+                        <a:solidFill>
+                          <a:schemeClr val="accent2"/>
+                        </a:solidFill>
+                      </a:tcPr>
+                    </a:tc>
+                    <a:tc>
+                      <a:txBody>
+                        <a:bodyPr/>
+                        <a:lstStyle/>
+                        <a:p>
+                          <a:pPr algn="ctr"/>
+                          <a:r>
+                            <a:rPr kumimoji="1" lang="en-US" altLang="ja-JP" sz="2000" b="1" dirty="0">
+                              <a:solidFill>
+                                <a:schemeClr val="tx1"/>
+                              </a:solidFill>
+                              <a:latin typeface="Arial" panose="020B0604020202020204" pitchFamily="34" charset="0"/>
+                              <a:cs typeface="Arial" panose="020B0604020202020204" pitchFamily="34" charset="0"/>
+                            </a:rPr>
+                            <a:t># graph</a:t>
+                          </a:r>
+                          <a:endParaRPr kumimoji="1" lang="ja-JP" altLang="en-US" sz="2000" b="1">
+                            <a:solidFill>
+                              <a:schemeClr val="tx1"/>
+                            </a:solidFill>
+                            <a:latin typeface="Arial" panose="020B0604020202020204" pitchFamily="34" charset="0"/>
+                            <a:cs typeface="Arial" panose="020B0604020202020204" pitchFamily="34" charset="0"/>
+                          </a:endParaRPr>
+                        </a:p>
+                      </a:txBody>
+                      <a:tcPr marL="45720" marR="46800" marT="18000" marB="18000">
+                        <a:lnL w="19050" cap="flat" cmpd="sng" algn="ctr">
+                          <a:solidFill>
+                            <a:schemeClr val="tx1"/>
+                          </a:solidFill>
+                          <a:prstDash val="solid"/>
+                          <a:round/>
+                          <a:headEnd type="none" w="med" len="med"/>
+                          <a:tailEnd type="none" w="med" len="med"/>
+                        </a:lnL>
+                        <a:lnR w="19050" cap="flat" cmpd="sng" algn="ctr">
+                          <a:solidFill>
+                            <a:schemeClr val="tx1"/>
+                          </a:solidFill>
+                          <a:prstDash val="solid"/>
+                          <a:round/>
+                          <a:headEnd type="none" w="med" len="med"/>
+                          <a:tailEnd type="none" w="med" len="med"/>
+                        </a:lnR>
+                        <a:lnT w="19050" cap="flat" cmpd="sng" algn="ctr">
+                          <a:solidFill>
+                            <a:schemeClr val="tx1"/>
+                          </a:solidFill>
+                          <a:prstDash val="solid"/>
+                          <a:round/>
+                          <a:headEnd type="none" w="med" len="med"/>
+                          <a:tailEnd type="none" w="med" len="med"/>
+                        </a:lnT>
+                        <a:lnB w="19050" cap="flat" cmpd="sng" algn="ctr">
+                          <a:solidFill>
+                            <a:schemeClr val="tx1"/>
+                          </a:solidFill>
+                          <a:prstDash val="solid"/>
+                          <a:round/>
+                          <a:headEnd type="none" w="med" len="med"/>
+                          <a:tailEnd type="none" w="med" len="med"/>
+                        </a:lnB>
+                        <a:solidFill>
+                          <a:schemeClr val="accent2"/>
+                        </a:solidFill>
+                      </a:tcPr>
+                    </a:tc>
+                    <a:extLst>
+                      <a:ext uri="{0D108BD9-81ED-4DB2-BD59-A6C34878D82A}">
+                        <a16:rowId xmlns:a16="http://schemas.microsoft.com/office/drawing/2014/main" val="3359987910"/>
+                      </a:ext>
+                    </a:extLst>
+                  </a:tr>
+                  <a:tr h="257019">
+                    <a:tc>
+                      <a:txBody>
+                        <a:bodyPr/>
+                        <a:lstStyle/>
+                        <a:p>
+                          <a:pPr algn="r"/>
+                          <a14:m>
+                            <m:oMath xmlns:m="http://schemas.openxmlformats.org/officeDocument/2006/math">
+                              <m:r>
+                                <a:rPr kumimoji="1" lang="en-US" altLang="ja-JP" sz="2000" b="0" i="1" dirty="0" smtClean="0">
+                                  <a:solidFill>
+                                    <a:schemeClr val="tx1"/>
+                                  </a:solidFill>
+                                  <a:latin typeface="Cambria Math" panose="02040503050406030204" pitchFamily="18" charset="0"/>
+                                  <a:cs typeface="Arial" panose="020B0604020202020204" pitchFamily="34" charset="0"/>
+                                </a:rPr>
+                                <m:t>11</m:t>
+                              </m:r>
+                            </m:oMath>
+                          </a14:m>
+                          <a:r>
+                            <a:rPr kumimoji="1" lang="en-US" altLang="ja-JP" sz="2000" b="0" dirty="0">
+                              <a:solidFill>
+                                <a:schemeClr val="tx1"/>
+                              </a:solidFill>
+                              <a:latin typeface="Arial" panose="020B0604020202020204" pitchFamily="34" charset="0"/>
+                              <a:cs typeface="Arial" panose="020B0604020202020204" pitchFamily="34" charset="0"/>
+                            </a:rPr>
+                            <a:t> </a:t>
+                          </a:r>
+                        </a:p>
+                      </a:txBody>
+                      <a:tcPr marL="45720" marR="45720">
+                        <a:lnL w="19050" cap="flat" cmpd="sng" algn="ctr">
+                          <a:solidFill>
+                            <a:schemeClr val="tx1"/>
+                          </a:solidFill>
+                          <a:prstDash val="solid"/>
+                          <a:round/>
+                          <a:headEnd type="none" w="med" len="med"/>
+                          <a:tailEnd type="none" w="med" len="med"/>
+                        </a:lnL>
+                        <a:lnR w="19050" cap="flat" cmpd="sng" algn="ctr">
+                          <a:solidFill>
+                            <a:schemeClr val="tx1"/>
+                          </a:solidFill>
+                          <a:prstDash val="solid"/>
+                          <a:round/>
+                          <a:headEnd type="none" w="med" len="med"/>
+                          <a:tailEnd type="none" w="med" len="med"/>
+                        </a:lnR>
+                        <a:lnT w="19050" cap="flat" cmpd="sng" algn="ctr">
+                          <a:solidFill>
+                            <a:schemeClr val="tx1"/>
+                          </a:solidFill>
+                          <a:prstDash val="solid"/>
+                          <a:round/>
+                          <a:headEnd type="none" w="med" len="med"/>
+                          <a:tailEnd type="none" w="med" len="med"/>
+                        </a:lnT>
+                        <a:lnB w="19050" cap="flat" cmpd="sng" algn="ctr">
+                          <a:solidFill>
+                            <a:schemeClr val="tx1"/>
+                          </a:solidFill>
+                          <a:prstDash val="solid"/>
+                          <a:round/>
+                          <a:headEnd type="none" w="med" len="med"/>
+                          <a:tailEnd type="none" w="med" len="med"/>
+                        </a:lnB>
+                        <a:solidFill>
+                          <a:schemeClr val="bg1"/>
+                        </a:solidFill>
+                      </a:tcPr>
+                    </a:tc>
+                    <a:tc>
+                      <a:txBody>
+                        <a:bodyPr/>
+                        <a:lstStyle/>
+                        <a:p>
+                          <a:pPr algn="r"/>
+                          <a14:m>
+                            <m:oMath xmlns:m="http://schemas.openxmlformats.org/officeDocument/2006/math">
+                              <m:r>
+                                <a:rPr lang="en-US" altLang="ja-JP" sz="2000" i="1" dirty="0" smtClean="0">
+                                  <a:latin typeface="Cambria Math" panose="02040503050406030204" pitchFamily="18" charset="0"/>
+                                </a:rPr>
+                                <m:t>10</m:t>
+                              </m:r>
+                            </m:oMath>
+                          </a14:m>
+                          <a:r>
+                            <a:rPr lang="en-US" altLang="ja-JP" sz="2000" dirty="0"/>
+                            <a:t> </a:t>
+                          </a:r>
+                        </a:p>
+                      </a:txBody>
+                      <a:tcPr anchor="ctr">
+                        <a:lnL w="19050" cap="flat" cmpd="sng" algn="ctr">
+                          <a:solidFill>
+                            <a:schemeClr val="tx1"/>
+                          </a:solidFill>
+                          <a:prstDash val="solid"/>
+                          <a:round/>
+                          <a:headEnd type="none" w="med" len="med"/>
+                          <a:tailEnd type="none" w="med" len="med"/>
+                        </a:lnL>
+                        <a:lnR w="19050" cap="flat" cmpd="sng" algn="ctr">
+                          <a:solidFill>
+                            <a:schemeClr val="tx1"/>
+                          </a:solidFill>
+                          <a:prstDash val="solid"/>
+                          <a:round/>
+                          <a:headEnd type="none" w="med" len="med"/>
+                          <a:tailEnd type="none" w="med" len="med"/>
+                        </a:lnR>
+                        <a:lnT w="19050" cap="flat" cmpd="sng" algn="ctr">
+                          <a:solidFill>
+                            <a:schemeClr val="tx1"/>
+                          </a:solidFill>
+                          <a:prstDash val="solid"/>
+                          <a:round/>
+                          <a:headEnd type="none" w="med" len="med"/>
+                          <a:tailEnd type="none" w="med" len="med"/>
+                        </a:lnT>
+                        <a:lnB w="19050" cap="flat" cmpd="sng" algn="ctr">
+                          <a:solidFill>
+                            <a:schemeClr val="tx1"/>
+                          </a:solidFill>
+                          <a:prstDash val="solid"/>
+                          <a:round/>
+                          <a:headEnd type="none" w="med" len="med"/>
+                          <a:tailEnd type="none" w="med" len="med"/>
+                        </a:lnB>
+                        <a:solidFill>
+                          <a:schemeClr val="bg1"/>
+                        </a:solidFill>
+                      </a:tcPr>
+                    </a:tc>
+                    <a:extLst>
+                      <a:ext uri="{0D108BD9-81ED-4DB2-BD59-A6C34878D82A}">
+                        <a16:rowId xmlns:a16="http://schemas.microsoft.com/office/drawing/2014/main" val="364840804"/>
+                      </a:ext>
+                    </a:extLst>
+                  </a:tr>
+                  <a:tr h="257019">
+                    <a:tc>
+                      <a:txBody>
+                        <a:bodyPr/>
+                        <a:lstStyle/>
+                        <a:p>
+                          <a:pPr algn="r"/>
+                          <a14:m>
+                            <m:oMath xmlns:m="http://schemas.openxmlformats.org/officeDocument/2006/math">
+                              <m:r>
+                                <a:rPr kumimoji="1" lang="en-US" altLang="ja-JP" sz="2000" b="0" i="1" dirty="0" smtClean="0">
+                                  <a:solidFill>
+                                    <a:schemeClr val="tx1"/>
+                                  </a:solidFill>
+                                  <a:latin typeface="Cambria Math" panose="02040503050406030204" pitchFamily="18" charset="0"/>
+                                  <a:cs typeface="Arial" panose="020B0604020202020204" pitchFamily="34" charset="0"/>
+                                </a:rPr>
+                                <m:t>12</m:t>
+                              </m:r>
+                            </m:oMath>
+                          </a14:m>
+                          <a:r>
+                            <a:rPr kumimoji="1" lang="en-US" altLang="ja-JP" sz="2000" b="0" dirty="0">
+                              <a:solidFill>
+                                <a:schemeClr val="tx1"/>
+                              </a:solidFill>
+                              <a:latin typeface="Arial" panose="020B0604020202020204" pitchFamily="34" charset="0"/>
+                              <a:cs typeface="Arial" panose="020B0604020202020204" pitchFamily="34" charset="0"/>
+                            </a:rPr>
+                            <a:t> </a:t>
+                          </a:r>
+                          <a:endParaRPr kumimoji="1" lang="ja-JP" altLang="en-US" sz="2000" b="0">
+                            <a:solidFill>
+                              <a:schemeClr val="tx1"/>
+                            </a:solidFill>
+                            <a:latin typeface="Arial" panose="020B0604020202020204" pitchFamily="34" charset="0"/>
+                            <a:cs typeface="Arial" panose="020B0604020202020204" pitchFamily="34" charset="0"/>
+                          </a:endParaRPr>
+                        </a:p>
+                      </a:txBody>
+                      <a:tcPr marL="45720" marR="45720">
+                        <a:lnL w="19050" cap="flat" cmpd="sng" algn="ctr">
+                          <a:solidFill>
+                            <a:schemeClr val="tx1"/>
+                          </a:solidFill>
+                          <a:prstDash val="solid"/>
+                          <a:round/>
+                          <a:headEnd type="none" w="med" len="med"/>
+                          <a:tailEnd type="none" w="med" len="med"/>
+                        </a:lnL>
+                        <a:lnR w="19050" cap="flat" cmpd="sng" algn="ctr">
+                          <a:solidFill>
+                            <a:schemeClr val="tx1"/>
+                          </a:solidFill>
+                          <a:prstDash val="solid"/>
+                          <a:round/>
+                          <a:headEnd type="none" w="med" len="med"/>
+                          <a:tailEnd type="none" w="med" len="med"/>
+                        </a:lnR>
+                        <a:lnT w="19050" cap="flat" cmpd="sng" algn="ctr">
+                          <a:solidFill>
+                            <a:schemeClr val="tx1"/>
+                          </a:solidFill>
+                          <a:prstDash val="solid"/>
+                          <a:round/>
+                          <a:headEnd type="none" w="med" len="med"/>
+                          <a:tailEnd type="none" w="med" len="med"/>
+                        </a:lnT>
+                        <a:lnB w="19050" cap="flat" cmpd="sng" algn="ctr">
+                          <a:solidFill>
+                            <a:schemeClr val="tx1"/>
+                          </a:solidFill>
+                          <a:prstDash val="solid"/>
+                          <a:round/>
+                          <a:headEnd type="none" w="med" len="med"/>
+                          <a:tailEnd type="none" w="med" len="med"/>
+                        </a:lnB>
+                        <a:solidFill>
+                          <a:schemeClr val="bg1"/>
+                        </a:solidFill>
+                      </a:tcPr>
+                    </a:tc>
+                    <a:tc>
+                      <a:txBody>
+                        <a:bodyPr/>
+                        <a:lstStyle/>
+                        <a:p>
+                          <a:pPr algn="r"/>
+                          <a14:m>
+                            <m:oMath xmlns:m="http://schemas.openxmlformats.org/officeDocument/2006/math">
+                              <m:r>
+                                <a:rPr lang="en-US" altLang="ja-JP" sz="2000" i="1" dirty="0" smtClean="0">
+                                  <a:latin typeface="Cambria Math" panose="02040503050406030204" pitchFamily="18" charset="0"/>
+                                </a:rPr>
+                                <m:t>19</m:t>
+                              </m:r>
+                            </m:oMath>
+                          </a14:m>
+                          <a:r>
+                            <a:rPr lang="en-US" altLang="ja-JP" sz="2000" dirty="0"/>
+                            <a:t> </a:t>
+                          </a:r>
+                        </a:p>
+                      </a:txBody>
+                      <a:tcPr anchor="ctr">
+                        <a:lnL w="19050" cap="flat" cmpd="sng" algn="ctr">
+                          <a:solidFill>
+                            <a:schemeClr val="tx1"/>
+                          </a:solidFill>
+                          <a:prstDash val="solid"/>
+                          <a:round/>
+                          <a:headEnd type="none" w="med" len="med"/>
+                          <a:tailEnd type="none" w="med" len="med"/>
+                        </a:lnL>
+                        <a:lnR w="19050" cap="flat" cmpd="sng" algn="ctr">
+                          <a:solidFill>
+                            <a:schemeClr val="tx1"/>
+                          </a:solidFill>
+                          <a:prstDash val="solid"/>
+                          <a:round/>
+                          <a:headEnd type="none" w="med" len="med"/>
+                          <a:tailEnd type="none" w="med" len="med"/>
+                        </a:lnR>
+                        <a:lnT w="19050" cap="flat" cmpd="sng" algn="ctr">
+                          <a:solidFill>
+                            <a:schemeClr val="tx1"/>
+                          </a:solidFill>
+                          <a:prstDash val="solid"/>
+                          <a:round/>
+                          <a:headEnd type="none" w="med" len="med"/>
+                          <a:tailEnd type="none" w="med" len="med"/>
+                        </a:lnT>
+                        <a:lnB w="19050" cap="flat" cmpd="sng" algn="ctr">
+                          <a:solidFill>
+                            <a:schemeClr val="tx1"/>
+                          </a:solidFill>
+                          <a:prstDash val="solid"/>
+                          <a:round/>
+                          <a:headEnd type="none" w="med" len="med"/>
+                          <a:tailEnd type="none" w="med" len="med"/>
+                        </a:lnB>
+                        <a:solidFill>
+                          <a:schemeClr val="bg1"/>
+                        </a:solidFill>
+                      </a:tcPr>
+                    </a:tc>
+                    <a:extLst>
+                      <a:ext uri="{0D108BD9-81ED-4DB2-BD59-A6C34878D82A}">
+                        <a16:rowId xmlns:a16="http://schemas.microsoft.com/office/drawing/2014/main" val="3525191963"/>
+                      </a:ext>
+                    </a:extLst>
+                  </a:tr>
+                  <a:tr h="257019">
+                    <a:tc>
+                      <a:txBody>
+                        <a:bodyPr/>
+                        <a:lstStyle/>
+                        <a:p>
+                          <a:pPr algn="r"/>
+                          <a14:m>
+                            <m:oMath xmlns:m="http://schemas.openxmlformats.org/officeDocument/2006/math">
+                              <m:r>
+                                <a:rPr kumimoji="1" lang="en-US" altLang="ja-JP" sz="2000" b="0" i="1" dirty="0" smtClean="0">
+                                  <a:solidFill>
+                                    <a:schemeClr val="tx1"/>
+                                  </a:solidFill>
+                                  <a:latin typeface="Cambria Math" panose="02040503050406030204" pitchFamily="18" charset="0"/>
+                                  <a:cs typeface="Arial" panose="020B0604020202020204" pitchFamily="34" charset="0"/>
+                                </a:rPr>
+                                <m:t>13</m:t>
+                              </m:r>
+                            </m:oMath>
+                          </a14:m>
+                          <a:r>
+                            <a:rPr kumimoji="1" lang="en-US" altLang="ja-JP" sz="2000" b="0" dirty="0">
+                              <a:solidFill>
+                                <a:schemeClr val="tx1"/>
+                              </a:solidFill>
+                              <a:latin typeface="Arial" panose="020B0604020202020204" pitchFamily="34" charset="0"/>
+                              <a:cs typeface="Arial" panose="020B0604020202020204" pitchFamily="34" charset="0"/>
+                            </a:rPr>
+                            <a:t> </a:t>
+                          </a:r>
+                          <a:endParaRPr kumimoji="1" lang="ja-JP" altLang="en-US" sz="2000" b="0">
+                            <a:solidFill>
+                              <a:schemeClr val="tx1"/>
+                            </a:solidFill>
+                            <a:latin typeface="Arial" panose="020B0604020202020204" pitchFamily="34" charset="0"/>
+                            <a:cs typeface="Arial" panose="020B0604020202020204" pitchFamily="34" charset="0"/>
+                          </a:endParaRPr>
+                        </a:p>
+                      </a:txBody>
+                      <a:tcPr marL="45720" marR="45720">
+                        <a:lnL w="19050" cap="flat" cmpd="sng" algn="ctr">
+                          <a:solidFill>
+                            <a:schemeClr val="tx1"/>
+                          </a:solidFill>
+                          <a:prstDash val="solid"/>
+                          <a:round/>
+                          <a:headEnd type="none" w="med" len="med"/>
+                          <a:tailEnd type="none" w="med" len="med"/>
+                        </a:lnL>
+                        <a:lnR w="19050" cap="flat" cmpd="sng" algn="ctr">
+                          <a:solidFill>
+                            <a:schemeClr val="tx1"/>
+                          </a:solidFill>
+                          <a:prstDash val="solid"/>
+                          <a:round/>
+                          <a:headEnd type="none" w="med" len="med"/>
+                          <a:tailEnd type="none" w="med" len="med"/>
+                        </a:lnR>
+                        <a:lnT w="19050" cap="flat" cmpd="sng" algn="ctr">
+                          <a:solidFill>
+                            <a:schemeClr val="tx1"/>
+                          </a:solidFill>
+                          <a:prstDash val="solid"/>
+                          <a:round/>
+                          <a:headEnd type="none" w="med" len="med"/>
+                          <a:tailEnd type="none" w="med" len="med"/>
+                        </a:lnT>
+                        <a:lnB w="19050" cap="flat" cmpd="sng" algn="ctr">
+                          <a:solidFill>
+                            <a:schemeClr val="tx1"/>
+                          </a:solidFill>
+                          <a:prstDash val="solid"/>
+                          <a:round/>
+                          <a:headEnd type="none" w="med" len="med"/>
+                          <a:tailEnd type="none" w="med" len="med"/>
+                        </a:lnB>
+                        <a:solidFill>
+                          <a:schemeClr val="bg1"/>
+                        </a:solidFill>
+                      </a:tcPr>
+                    </a:tc>
+                    <a:tc>
+                      <a:txBody>
+                        <a:bodyPr/>
+                        <a:lstStyle/>
+                        <a:p>
+                          <a:pPr algn="r"/>
+                          <a14:m>
+                            <m:oMath xmlns:m="http://schemas.openxmlformats.org/officeDocument/2006/math">
+                              <m:r>
+                                <a:rPr lang="en-US" altLang="ja-JP" sz="2000" i="1" dirty="0" smtClean="0">
+                                  <a:latin typeface="Cambria Math" panose="02040503050406030204" pitchFamily="18" charset="0"/>
+                                </a:rPr>
+                                <m:t>24</m:t>
+                              </m:r>
+                            </m:oMath>
+                          </a14:m>
+                          <a:r>
+                            <a:rPr lang="en-US" altLang="ja-JP" sz="2000" dirty="0"/>
+                            <a:t> </a:t>
+                          </a:r>
+                        </a:p>
+                      </a:txBody>
+                      <a:tcPr anchor="ctr">
+                        <a:lnL w="19050" cap="flat" cmpd="sng" algn="ctr">
+                          <a:solidFill>
+                            <a:schemeClr val="tx1"/>
+                          </a:solidFill>
+                          <a:prstDash val="solid"/>
+                          <a:round/>
+                          <a:headEnd type="none" w="med" len="med"/>
+                          <a:tailEnd type="none" w="med" len="med"/>
+                        </a:lnL>
+                        <a:lnR w="19050" cap="flat" cmpd="sng" algn="ctr">
+                          <a:solidFill>
+                            <a:schemeClr val="tx1"/>
+                          </a:solidFill>
+                          <a:prstDash val="solid"/>
+                          <a:round/>
+                          <a:headEnd type="none" w="med" len="med"/>
+                          <a:tailEnd type="none" w="med" len="med"/>
+                        </a:lnR>
+                        <a:lnT w="19050" cap="flat" cmpd="sng" algn="ctr">
+                          <a:solidFill>
+                            <a:schemeClr val="tx1"/>
+                          </a:solidFill>
+                          <a:prstDash val="solid"/>
+                          <a:round/>
+                          <a:headEnd type="none" w="med" len="med"/>
+                          <a:tailEnd type="none" w="med" len="med"/>
+                        </a:lnT>
+                        <a:lnB w="19050" cap="flat" cmpd="sng" algn="ctr">
+                          <a:solidFill>
+                            <a:schemeClr val="tx1"/>
+                          </a:solidFill>
+                          <a:prstDash val="solid"/>
+                          <a:round/>
+                          <a:headEnd type="none" w="med" len="med"/>
+                          <a:tailEnd type="none" w="med" len="med"/>
+                        </a:lnB>
+                        <a:solidFill>
+                          <a:schemeClr val="bg1"/>
+                        </a:solidFill>
+                      </a:tcPr>
+                    </a:tc>
+                    <a:extLst>
+                      <a:ext uri="{0D108BD9-81ED-4DB2-BD59-A6C34878D82A}">
+                        <a16:rowId xmlns:a16="http://schemas.microsoft.com/office/drawing/2014/main" val="3569909037"/>
+                      </a:ext>
+                    </a:extLst>
+                  </a:tr>
+                  <a:tr h="257019">
+                    <a:tc>
+                      <a:txBody>
+                        <a:bodyPr/>
+                        <a:lstStyle/>
+                        <a:p>
+                          <a:pPr algn="r"/>
+                          <a14:m>
+                            <m:oMath xmlns:m="http://schemas.openxmlformats.org/officeDocument/2006/math">
+                              <m:r>
+                                <a:rPr kumimoji="1" lang="en-US" altLang="ja-JP" sz="2000" b="0" i="1" dirty="0" smtClean="0">
+                                  <a:solidFill>
+                                    <a:schemeClr val="tx1"/>
+                                  </a:solidFill>
+                                  <a:latin typeface="Cambria Math" panose="02040503050406030204" pitchFamily="18" charset="0"/>
+                                  <a:cs typeface="Arial" panose="020B0604020202020204" pitchFamily="34" charset="0"/>
+                                </a:rPr>
+                                <m:t>14</m:t>
+                              </m:r>
+                            </m:oMath>
+                          </a14:m>
+                          <a:r>
+                            <a:rPr kumimoji="1" lang="en-US" altLang="ja-JP" sz="2000" b="0" dirty="0">
+                              <a:solidFill>
+                                <a:schemeClr val="tx1"/>
+                              </a:solidFill>
+                              <a:latin typeface="Arial" panose="020B0604020202020204" pitchFamily="34" charset="0"/>
+                              <a:cs typeface="Arial" panose="020B0604020202020204" pitchFamily="34" charset="0"/>
+                            </a:rPr>
+                            <a:t> </a:t>
+                          </a:r>
+                          <a:endParaRPr kumimoji="1" lang="ja-JP" altLang="en-US" sz="2000" b="0">
+                            <a:solidFill>
+                              <a:schemeClr val="tx1"/>
+                            </a:solidFill>
+                            <a:latin typeface="Arial" panose="020B0604020202020204" pitchFamily="34" charset="0"/>
+                            <a:cs typeface="Arial" panose="020B0604020202020204" pitchFamily="34" charset="0"/>
+                          </a:endParaRPr>
+                        </a:p>
+                      </a:txBody>
+                      <a:tcPr marL="45720" marR="45720">
+                        <a:lnL w="19050" cap="flat" cmpd="sng" algn="ctr">
+                          <a:solidFill>
+                            <a:schemeClr val="tx1"/>
+                          </a:solidFill>
+                          <a:prstDash val="solid"/>
+                          <a:round/>
+                          <a:headEnd type="none" w="med" len="med"/>
+                          <a:tailEnd type="none" w="med" len="med"/>
+                        </a:lnL>
+                        <a:lnR w="19050" cap="flat" cmpd="sng" algn="ctr">
+                          <a:solidFill>
+                            <a:schemeClr val="tx1"/>
+                          </a:solidFill>
+                          <a:prstDash val="solid"/>
+                          <a:round/>
+                          <a:headEnd type="none" w="med" len="med"/>
+                          <a:tailEnd type="none" w="med" len="med"/>
+                        </a:lnR>
+                        <a:lnT w="19050" cap="flat" cmpd="sng" algn="ctr">
+                          <a:solidFill>
+                            <a:schemeClr val="tx1"/>
+                          </a:solidFill>
+                          <a:prstDash val="solid"/>
+                          <a:round/>
+                          <a:headEnd type="none" w="med" len="med"/>
+                          <a:tailEnd type="none" w="med" len="med"/>
+                        </a:lnT>
+                        <a:lnB w="19050" cap="flat" cmpd="sng" algn="ctr">
+                          <a:solidFill>
+                            <a:schemeClr val="tx1"/>
+                          </a:solidFill>
+                          <a:prstDash val="solid"/>
+                          <a:round/>
+                          <a:headEnd type="none" w="med" len="med"/>
+                          <a:tailEnd type="none" w="med" len="med"/>
+                        </a:lnB>
+                        <a:solidFill>
+                          <a:schemeClr val="bg1"/>
+                        </a:solidFill>
+                      </a:tcPr>
+                    </a:tc>
+                    <a:tc>
+                      <a:txBody>
+                        <a:bodyPr/>
+                        <a:lstStyle/>
+                        <a:p>
+                          <a:pPr algn="r"/>
+                          <a14:m>
+                            <m:oMath xmlns:m="http://schemas.openxmlformats.org/officeDocument/2006/math">
+                              <m:r>
+                                <a:rPr lang="en-US" altLang="ja-JP" sz="2000" i="1" dirty="0" smtClean="0">
+                                  <a:latin typeface="Cambria Math" panose="02040503050406030204" pitchFamily="18" charset="0"/>
+                                </a:rPr>
+                                <m:t>45</m:t>
+                              </m:r>
+                            </m:oMath>
+                          </a14:m>
+                          <a:r>
+                            <a:rPr lang="en-US" altLang="ja-JP" sz="2000" dirty="0"/>
+                            <a:t> </a:t>
+                          </a:r>
+                        </a:p>
+                      </a:txBody>
+                      <a:tcPr anchor="ctr">
+                        <a:lnL w="19050" cap="flat" cmpd="sng" algn="ctr">
+                          <a:solidFill>
+                            <a:schemeClr val="tx1"/>
+                          </a:solidFill>
+                          <a:prstDash val="solid"/>
+                          <a:round/>
+                          <a:headEnd type="none" w="med" len="med"/>
+                          <a:tailEnd type="none" w="med" len="med"/>
+                        </a:lnL>
+                        <a:lnR w="19050" cap="flat" cmpd="sng" algn="ctr">
+                          <a:solidFill>
+                            <a:schemeClr val="tx1"/>
+                          </a:solidFill>
+                          <a:prstDash val="solid"/>
+                          <a:round/>
+                          <a:headEnd type="none" w="med" len="med"/>
+                          <a:tailEnd type="none" w="med" len="med"/>
+                        </a:lnR>
+                        <a:lnT w="19050" cap="flat" cmpd="sng" algn="ctr">
+                          <a:solidFill>
+                            <a:schemeClr val="tx1"/>
+                          </a:solidFill>
+                          <a:prstDash val="solid"/>
+                          <a:round/>
+                          <a:headEnd type="none" w="med" len="med"/>
+                          <a:tailEnd type="none" w="med" len="med"/>
+                        </a:lnT>
+                        <a:lnB w="19050" cap="flat" cmpd="sng" algn="ctr">
+                          <a:solidFill>
+                            <a:schemeClr val="tx1"/>
+                          </a:solidFill>
+                          <a:prstDash val="solid"/>
+                          <a:round/>
+                          <a:headEnd type="none" w="med" len="med"/>
+                          <a:tailEnd type="none" w="med" len="med"/>
+                        </a:lnB>
+                        <a:solidFill>
+                          <a:schemeClr val="bg1"/>
+                        </a:solidFill>
+                      </a:tcPr>
+                    </a:tc>
+                    <a:extLst>
+                      <a:ext uri="{0D108BD9-81ED-4DB2-BD59-A6C34878D82A}">
+                        <a16:rowId xmlns:a16="http://schemas.microsoft.com/office/drawing/2014/main" val="3327895223"/>
+                      </a:ext>
+                    </a:extLst>
+                  </a:tr>
+                  <a:tr h="257019">
+                    <a:tc>
+                      <a:txBody>
+                        <a:bodyPr/>
+                        <a:lstStyle/>
+                        <a:p>
+                          <a:pPr algn="r"/>
+                          <a14:m>
+                            <m:oMath xmlns:m="http://schemas.openxmlformats.org/officeDocument/2006/math">
+                              <m:r>
+                                <a:rPr kumimoji="1" lang="en-US" altLang="ja-JP" sz="2000" b="0" i="1" dirty="0" smtClean="0">
+                                  <a:solidFill>
+                                    <a:schemeClr val="tx1"/>
+                                  </a:solidFill>
+                                  <a:latin typeface="Cambria Math" panose="02040503050406030204" pitchFamily="18" charset="0"/>
+                                  <a:cs typeface="Arial" panose="020B0604020202020204" pitchFamily="34" charset="0"/>
+                                </a:rPr>
+                                <m:t>15</m:t>
+                              </m:r>
+                            </m:oMath>
+                          </a14:m>
+                          <a:r>
+                            <a:rPr kumimoji="1" lang="en-US" altLang="ja-JP" sz="2000" b="0" dirty="0">
+                              <a:solidFill>
+                                <a:schemeClr val="tx1"/>
+                              </a:solidFill>
+                              <a:latin typeface="Arial" panose="020B0604020202020204" pitchFamily="34" charset="0"/>
+                              <a:cs typeface="Arial" panose="020B0604020202020204" pitchFamily="34" charset="0"/>
+                            </a:rPr>
+                            <a:t> </a:t>
+                          </a:r>
+                          <a:endParaRPr kumimoji="1" lang="ja-JP" altLang="en-US" sz="2000" b="0">
+                            <a:solidFill>
+                              <a:schemeClr val="tx1"/>
+                            </a:solidFill>
+                            <a:latin typeface="Arial" panose="020B0604020202020204" pitchFamily="34" charset="0"/>
+                            <a:cs typeface="Arial" panose="020B0604020202020204" pitchFamily="34" charset="0"/>
+                          </a:endParaRPr>
+                        </a:p>
+                      </a:txBody>
+                      <a:tcPr marL="45720" marR="45720">
+                        <a:lnL w="19050" cap="flat" cmpd="sng" algn="ctr">
+                          <a:solidFill>
+                            <a:schemeClr val="tx1"/>
+                          </a:solidFill>
+                          <a:prstDash val="solid"/>
+                          <a:round/>
+                          <a:headEnd type="none" w="med" len="med"/>
+                          <a:tailEnd type="none" w="med" len="med"/>
+                        </a:lnL>
+                        <a:lnR w="19050" cap="flat" cmpd="sng" algn="ctr">
+                          <a:solidFill>
+                            <a:schemeClr val="tx1"/>
+                          </a:solidFill>
+                          <a:prstDash val="solid"/>
+                          <a:round/>
+                          <a:headEnd type="none" w="med" len="med"/>
+                          <a:tailEnd type="none" w="med" len="med"/>
+                        </a:lnR>
+                        <a:lnT w="19050" cap="flat" cmpd="sng" algn="ctr">
+                          <a:solidFill>
+                            <a:schemeClr val="tx1"/>
+                          </a:solidFill>
+                          <a:prstDash val="solid"/>
+                          <a:round/>
+                          <a:headEnd type="none" w="med" len="med"/>
+                          <a:tailEnd type="none" w="med" len="med"/>
+                        </a:lnT>
+                        <a:lnB w="19050" cap="flat" cmpd="sng" algn="ctr">
+                          <a:solidFill>
+                            <a:schemeClr val="tx1"/>
+                          </a:solidFill>
+                          <a:prstDash val="solid"/>
+                          <a:round/>
+                          <a:headEnd type="none" w="med" len="med"/>
+                          <a:tailEnd type="none" w="med" len="med"/>
+                        </a:lnB>
+                        <a:solidFill>
+                          <a:schemeClr val="bg1"/>
+                        </a:solidFill>
+                      </a:tcPr>
+                    </a:tc>
+                    <a:tc>
+                      <a:txBody>
+                        <a:bodyPr/>
+                        <a:lstStyle/>
+                        <a:p>
+                          <a:pPr algn="r"/>
+                          <a14:m>
+                            <m:oMath xmlns:m="http://schemas.openxmlformats.org/officeDocument/2006/math">
+                              <m:r>
+                                <a:rPr lang="en-US" altLang="ja-JP" sz="2000" i="1" dirty="0" smtClean="0">
+                                  <a:latin typeface="Cambria Math" panose="02040503050406030204" pitchFamily="18" charset="0"/>
+                                </a:rPr>
+                                <m:t>93</m:t>
+                              </m:r>
+                            </m:oMath>
+                          </a14:m>
+                          <a:r>
+                            <a:rPr lang="en-US" altLang="ja-JP" sz="2000" dirty="0"/>
+                            <a:t> </a:t>
+                          </a:r>
+                        </a:p>
+                      </a:txBody>
+                      <a:tcPr anchor="ctr">
+                        <a:lnL w="19050" cap="flat" cmpd="sng" algn="ctr">
+                          <a:solidFill>
+                            <a:schemeClr val="tx1"/>
+                          </a:solidFill>
+                          <a:prstDash val="solid"/>
+                          <a:round/>
+                          <a:headEnd type="none" w="med" len="med"/>
+                          <a:tailEnd type="none" w="med" len="med"/>
+                        </a:lnL>
+                        <a:lnR w="19050" cap="flat" cmpd="sng" algn="ctr">
+                          <a:solidFill>
+                            <a:schemeClr val="tx1"/>
+                          </a:solidFill>
+                          <a:prstDash val="solid"/>
+                          <a:round/>
+                          <a:headEnd type="none" w="med" len="med"/>
+                          <a:tailEnd type="none" w="med" len="med"/>
+                        </a:lnR>
+                        <a:lnT w="19050" cap="flat" cmpd="sng" algn="ctr">
+                          <a:solidFill>
+                            <a:schemeClr val="tx1"/>
+                          </a:solidFill>
+                          <a:prstDash val="solid"/>
+                          <a:round/>
+                          <a:headEnd type="none" w="med" len="med"/>
+                          <a:tailEnd type="none" w="med" len="med"/>
+                        </a:lnT>
+                        <a:lnB w="19050" cap="flat" cmpd="sng" algn="ctr">
+                          <a:solidFill>
+                            <a:schemeClr val="tx1"/>
+                          </a:solidFill>
+                          <a:prstDash val="solid"/>
+                          <a:round/>
+                          <a:headEnd type="none" w="med" len="med"/>
+                          <a:tailEnd type="none" w="med" len="med"/>
+                        </a:lnB>
+                        <a:solidFill>
+                          <a:schemeClr val="bg1"/>
+                        </a:solidFill>
+                      </a:tcPr>
+                    </a:tc>
+                    <a:extLst>
+                      <a:ext uri="{0D108BD9-81ED-4DB2-BD59-A6C34878D82A}">
+                        <a16:rowId xmlns:a16="http://schemas.microsoft.com/office/drawing/2014/main" val="472790633"/>
+                      </a:ext>
+                    </a:extLst>
+                  </a:tr>
+                  <a:tr h="257019">
+                    <a:tc>
+                      <a:txBody>
+                        <a:bodyPr/>
+                        <a:lstStyle/>
+                        <a:p>
+                          <a:pPr algn="r"/>
+                          <a14:m>
+                            <m:oMath xmlns:m="http://schemas.openxmlformats.org/officeDocument/2006/math">
+                              <m:r>
+                                <a:rPr kumimoji="1" lang="en-US" altLang="ja-JP" sz="2000" b="0" i="1" dirty="0" smtClean="0">
+                                  <a:solidFill>
+                                    <a:schemeClr val="tx1"/>
+                                  </a:solidFill>
+                                  <a:latin typeface="Cambria Math" panose="02040503050406030204" pitchFamily="18" charset="0"/>
+                                  <a:cs typeface="Arial" panose="020B0604020202020204" pitchFamily="34" charset="0"/>
+                                </a:rPr>
+                                <m:t>16</m:t>
+                              </m:r>
+                            </m:oMath>
+                          </a14:m>
+                          <a:r>
+                            <a:rPr kumimoji="1" lang="en-US" altLang="ja-JP" sz="2000" b="0" dirty="0">
+                              <a:solidFill>
+                                <a:schemeClr val="tx1"/>
+                              </a:solidFill>
+                              <a:latin typeface="Arial" panose="020B0604020202020204" pitchFamily="34" charset="0"/>
+                              <a:cs typeface="Arial" panose="020B0604020202020204" pitchFamily="34" charset="0"/>
+                            </a:rPr>
+                            <a:t> </a:t>
+                          </a:r>
+                          <a:endParaRPr kumimoji="1" lang="ja-JP" altLang="en-US" sz="2000" b="0">
+                            <a:solidFill>
+                              <a:schemeClr val="tx1"/>
+                            </a:solidFill>
+                            <a:latin typeface="Arial" panose="020B0604020202020204" pitchFamily="34" charset="0"/>
+                            <a:cs typeface="Arial" panose="020B0604020202020204" pitchFamily="34" charset="0"/>
+                          </a:endParaRPr>
+                        </a:p>
+                      </a:txBody>
+                      <a:tcPr marL="45720" marR="45720">
+                        <a:lnL w="19050" cap="flat" cmpd="sng" algn="ctr">
+                          <a:solidFill>
+                            <a:schemeClr val="tx1"/>
+                          </a:solidFill>
+                          <a:prstDash val="solid"/>
+                          <a:round/>
+                          <a:headEnd type="none" w="med" len="med"/>
+                          <a:tailEnd type="none" w="med" len="med"/>
+                        </a:lnL>
+                        <a:lnR w="19050" cap="flat" cmpd="sng" algn="ctr">
+                          <a:solidFill>
+                            <a:schemeClr val="tx1"/>
+                          </a:solidFill>
+                          <a:prstDash val="solid"/>
+                          <a:round/>
+                          <a:headEnd type="none" w="med" len="med"/>
+                          <a:tailEnd type="none" w="med" len="med"/>
+                        </a:lnR>
+                        <a:lnT w="19050" cap="flat" cmpd="sng" algn="ctr">
+                          <a:solidFill>
+                            <a:schemeClr val="tx1"/>
+                          </a:solidFill>
+                          <a:prstDash val="solid"/>
+                          <a:round/>
+                          <a:headEnd type="none" w="med" len="med"/>
+                          <a:tailEnd type="none" w="med" len="med"/>
+                        </a:lnT>
+                        <a:lnB w="19050" cap="flat" cmpd="sng" algn="ctr">
+                          <a:solidFill>
+                            <a:schemeClr val="tx1"/>
+                          </a:solidFill>
+                          <a:prstDash val="solid"/>
+                          <a:round/>
+                          <a:headEnd type="none" w="med" len="med"/>
+                          <a:tailEnd type="none" w="med" len="med"/>
+                        </a:lnB>
+                        <a:solidFill>
+                          <a:schemeClr val="bg1"/>
+                        </a:solidFill>
+                      </a:tcPr>
+                    </a:tc>
+                    <a:tc>
+                      <a:txBody>
+                        <a:bodyPr/>
+                        <a:lstStyle/>
+                        <a:p>
+                          <a:endParaRPr lang="en-US" altLang="ja-JP" dirty="0"/>
+                        </a:p>
+                      </a:txBody>
+                      <a:tcPr anchor="ctr">
+                        <a:lnL w="19050" cap="flat" cmpd="sng" algn="ctr">
+                          <a:solidFill>
+                            <a:schemeClr val="tx1"/>
+                          </a:solidFill>
+                          <a:prstDash val="solid"/>
+                          <a:round/>
+                          <a:headEnd type="none" w="med" len="med"/>
+                          <a:tailEnd type="none" w="med" len="med"/>
+                        </a:lnL>
+                        <a:lnR w="19050" cap="flat" cmpd="sng" algn="ctr">
+                          <a:solidFill>
+                            <a:schemeClr val="tx1"/>
+                          </a:solidFill>
+                          <a:prstDash val="solid"/>
+                          <a:round/>
+                          <a:headEnd type="none" w="med" len="med"/>
+                          <a:tailEnd type="none" w="med" len="med"/>
+                        </a:lnR>
+                        <a:lnT w="19050" cap="flat" cmpd="sng" algn="ctr">
+                          <a:solidFill>
+                            <a:schemeClr val="tx1"/>
+                          </a:solidFill>
+                          <a:prstDash val="solid"/>
+                          <a:round/>
+                          <a:headEnd type="none" w="med" len="med"/>
+                          <a:tailEnd type="none" w="med" len="med"/>
+                        </a:lnT>
+                        <a:lnB w="19050" cap="flat" cmpd="sng" algn="ctr">
+                          <a:solidFill>
+                            <a:schemeClr val="tx1"/>
+                          </a:solidFill>
+                          <a:prstDash val="solid"/>
+                          <a:round/>
+                          <a:headEnd type="none" w="med" len="med"/>
+                          <a:tailEnd type="none" w="med" len="med"/>
+                        </a:lnB>
+                        <a:solidFill>
+                          <a:schemeClr val="bg1"/>
+                        </a:solidFill>
+                      </a:tcPr>
+                    </a:tc>
+                    <a:extLst>
+                      <a:ext uri="{0D108BD9-81ED-4DB2-BD59-A6C34878D82A}">
+                        <a16:rowId xmlns:a16="http://schemas.microsoft.com/office/drawing/2014/main" val="706877952"/>
+                      </a:ext>
+                    </a:extLst>
+                  </a:tr>
+                  <a:tr h="257019">
+                    <a:tc>
+                      <a:txBody>
+                        <a:bodyPr/>
+                        <a:lstStyle/>
+                        <a:p>
+                          <a:pPr algn="r"/>
+                          <a14:m>
+                            <m:oMath xmlns:m="http://schemas.openxmlformats.org/officeDocument/2006/math">
+                              <m:r>
+                                <a:rPr kumimoji="1" lang="en-US" altLang="ja-JP" sz="2000" b="0" i="1" dirty="0" smtClean="0">
+                                  <a:solidFill>
+                                    <a:schemeClr val="tx1"/>
+                                  </a:solidFill>
+                                  <a:latin typeface="Cambria Math" panose="02040503050406030204" pitchFamily="18" charset="0"/>
+                                  <a:cs typeface="Arial" panose="020B0604020202020204" pitchFamily="34" charset="0"/>
+                                </a:rPr>
+                                <m:t>17</m:t>
+                              </m:r>
+                            </m:oMath>
+                          </a14:m>
+                          <a:r>
+                            <a:rPr kumimoji="1" lang="en-US" altLang="ja-JP" sz="2000" b="0" dirty="0">
+                              <a:solidFill>
+                                <a:schemeClr val="tx1"/>
+                              </a:solidFill>
+                              <a:latin typeface="Arial" panose="020B0604020202020204" pitchFamily="34" charset="0"/>
+                              <a:cs typeface="Arial" panose="020B0604020202020204" pitchFamily="34" charset="0"/>
+                            </a:rPr>
+                            <a:t> </a:t>
+                          </a:r>
+                          <a:endParaRPr kumimoji="1" lang="ja-JP" altLang="en-US" sz="2000" b="0">
+                            <a:solidFill>
+                              <a:schemeClr val="tx1"/>
+                            </a:solidFill>
+                            <a:latin typeface="Arial" panose="020B0604020202020204" pitchFamily="34" charset="0"/>
+                            <a:cs typeface="Arial" panose="020B0604020202020204" pitchFamily="34" charset="0"/>
+                          </a:endParaRPr>
+                        </a:p>
+                      </a:txBody>
+                      <a:tcPr marL="45720" marR="45720">
+                        <a:lnL w="19050" cap="flat" cmpd="sng" algn="ctr">
+                          <a:solidFill>
+                            <a:schemeClr val="tx1"/>
+                          </a:solidFill>
+                          <a:prstDash val="solid"/>
+                          <a:round/>
+                          <a:headEnd type="none" w="med" len="med"/>
+                          <a:tailEnd type="none" w="med" len="med"/>
+                        </a:lnL>
+                        <a:lnR w="19050" cap="flat" cmpd="sng" algn="ctr">
+                          <a:solidFill>
+                            <a:schemeClr val="tx1"/>
+                          </a:solidFill>
+                          <a:prstDash val="solid"/>
+                          <a:round/>
+                          <a:headEnd type="none" w="med" len="med"/>
+                          <a:tailEnd type="none" w="med" len="med"/>
+                        </a:lnR>
+                        <a:lnT w="19050" cap="flat" cmpd="sng" algn="ctr">
+                          <a:solidFill>
+                            <a:schemeClr val="tx1"/>
+                          </a:solidFill>
+                          <a:prstDash val="solid"/>
+                          <a:round/>
+                          <a:headEnd type="none" w="med" len="med"/>
+                          <a:tailEnd type="none" w="med" len="med"/>
+                        </a:lnT>
+                        <a:lnB w="19050" cap="flat" cmpd="sng" algn="ctr">
+                          <a:solidFill>
+                            <a:schemeClr val="tx1"/>
+                          </a:solidFill>
+                          <a:prstDash val="solid"/>
+                          <a:round/>
+                          <a:headEnd type="none" w="med" len="med"/>
+                          <a:tailEnd type="none" w="med" len="med"/>
+                        </a:lnB>
+                        <a:solidFill>
+                          <a:schemeClr val="bg1"/>
+                        </a:solidFill>
+                      </a:tcPr>
+                    </a:tc>
+                    <a:tc>
+                      <a:txBody>
+                        <a:bodyPr/>
+                        <a:lstStyle/>
+                        <a:p>
+                          <a:pPr algn="r"/>
+                          <a:endParaRPr lang="en-US" altLang="ja-JP" sz="2000" dirty="0">
+                            <a:solidFill>
+                              <a:schemeClr val="tx1"/>
+                            </a:solidFill>
+                          </a:endParaRPr>
+                        </a:p>
+                      </a:txBody>
+                      <a:tcPr anchor="ctr">
+                        <a:lnL w="19050" cap="flat" cmpd="sng" algn="ctr">
+                          <a:solidFill>
+                            <a:schemeClr val="tx1"/>
+                          </a:solidFill>
+                          <a:prstDash val="solid"/>
+                          <a:round/>
+                          <a:headEnd type="none" w="med" len="med"/>
+                          <a:tailEnd type="none" w="med" len="med"/>
+                        </a:lnL>
+                        <a:lnR w="19050" cap="flat" cmpd="sng" algn="ctr">
+                          <a:solidFill>
+                            <a:schemeClr val="tx1"/>
+                          </a:solidFill>
+                          <a:prstDash val="solid"/>
+                          <a:round/>
+                          <a:headEnd type="none" w="med" len="med"/>
+                          <a:tailEnd type="none" w="med" len="med"/>
+                        </a:lnR>
+                        <a:lnT w="19050" cap="flat" cmpd="sng" algn="ctr">
+                          <a:solidFill>
+                            <a:schemeClr val="tx1"/>
+                          </a:solidFill>
+                          <a:prstDash val="solid"/>
+                          <a:round/>
+                          <a:headEnd type="none" w="med" len="med"/>
+                          <a:tailEnd type="none" w="med" len="med"/>
+                        </a:lnT>
+                        <a:lnB w="19050" cap="flat" cmpd="sng" algn="ctr">
+                          <a:solidFill>
+                            <a:schemeClr val="tx1"/>
+                          </a:solidFill>
+                          <a:prstDash val="solid"/>
+                          <a:round/>
+                          <a:headEnd type="none" w="med" len="med"/>
+                          <a:tailEnd type="none" w="med" len="med"/>
+                        </a:lnB>
+                        <a:solidFill>
+                          <a:schemeClr val="bg1"/>
+                        </a:solidFill>
+                      </a:tcPr>
+                    </a:tc>
+                    <a:extLst>
+                      <a:ext uri="{0D108BD9-81ED-4DB2-BD59-A6C34878D82A}">
+                        <a16:rowId xmlns:a16="http://schemas.microsoft.com/office/drawing/2014/main" val="3250368543"/>
+                      </a:ext>
+                    </a:extLst>
+                  </a:tr>
+                </a:tbl>
+              </a:graphicData>
+            </a:graphic>
+          </p:graphicFrame>
+        </mc:Choice>
+        <mc:Fallback>
+          <p:graphicFrame>
+            <p:nvGraphicFramePr>
+              <p:cNvPr id="14" name="コンテンツ プレースホルダー 16">
+                <a:extLst>
+                  <a:ext uri="{FF2B5EF4-FFF2-40B4-BE49-F238E27FC236}">
+                    <a16:creationId xmlns:a16="http://schemas.microsoft.com/office/drawing/2014/main" id="{BA96E59D-BB16-21EF-CB4D-05452E33AD12}"/>
+                  </a:ext>
+                </a:extLst>
+              </p:cNvPr>
+              <p:cNvGraphicFramePr>
+                <a:graphicFrameLocks/>
+              </p:cNvGraphicFramePr>
+              <p:nvPr>
+                <p:extLst>
+                  <p:ext uri="{D42A27DB-BD31-4B8C-83A1-F6EECF244321}">
+                    <p14:modId xmlns:p14="http://schemas.microsoft.com/office/powerpoint/2010/main" val="4104325836"/>
+                  </p:ext>
+                </p:extLst>
+              </p:nvPr>
+            </p:nvGraphicFramePr>
+            <p:xfrm>
+              <a:off x="2464681" y="2300583"/>
+              <a:ext cx="1791089" cy="3114480"/>
+            </p:xfrm>
+            <a:graphic>
+              <a:graphicData uri="http://schemas.openxmlformats.org/drawingml/2006/table">
+                <a:tbl>
+                  <a:tblPr firstRow="1" bandRow="1">
+                    <a:tableStyleId>{5C22544A-7EE6-4342-B048-85BDC9FD1C3A}</a:tableStyleId>
+                  </a:tblPr>
+                  <a:tblGrid>
+                    <a:gridCol w="401661">
+                      <a:extLst>
+                        <a:ext uri="{9D8B030D-6E8A-4147-A177-3AD203B41FA5}">
+                          <a16:colId xmlns:a16="http://schemas.microsoft.com/office/drawing/2014/main" val="215306376"/>
+                        </a:ext>
+                      </a:extLst>
+                    </a:gridCol>
+                    <a:gridCol w="1389428">
+                      <a:extLst>
+                        <a:ext uri="{9D8B030D-6E8A-4147-A177-3AD203B41FA5}">
+                          <a16:colId xmlns:a16="http://schemas.microsoft.com/office/drawing/2014/main" val="879464118"/>
+                        </a:ext>
+                      </a:extLst>
+                    </a:gridCol>
+                  </a:tblGrid>
+                  <a:tr h="340800">
+                    <a:tc>
+                      <a:txBody>
+                        <a:bodyPr/>
+                        <a:lstStyle/>
+                        <a:p>
+                          <a:endParaRPr lang="ja-JP"/>
+                        </a:p>
+                      </a:txBody>
+                      <a:tcPr marL="81720" marR="10800" marT="18000" marB="18000">
+                        <a:lnL w="19050" cap="flat" cmpd="sng" algn="ctr">
+                          <a:solidFill>
+                            <a:schemeClr val="tx1"/>
+                          </a:solidFill>
+                          <a:prstDash val="solid"/>
+                          <a:round/>
+                          <a:headEnd type="none" w="med" len="med"/>
+                          <a:tailEnd type="none" w="med" len="med"/>
+                        </a:lnL>
+                        <a:lnR w="19050" cap="flat" cmpd="sng" algn="ctr">
+                          <a:solidFill>
+                            <a:schemeClr val="tx1"/>
+                          </a:solidFill>
+                          <a:prstDash val="solid"/>
+                          <a:round/>
+                          <a:headEnd type="none" w="med" len="med"/>
+                          <a:tailEnd type="none" w="med" len="med"/>
+                        </a:lnR>
+                        <a:lnT w="19050" cap="flat" cmpd="sng" algn="ctr">
+                          <a:solidFill>
+                            <a:schemeClr val="tx1"/>
+                          </a:solidFill>
+                          <a:prstDash val="solid"/>
+                          <a:round/>
+                          <a:headEnd type="none" w="med" len="med"/>
+                          <a:tailEnd type="none" w="med" len="med"/>
+                        </a:lnT>
+                        <a:lnB w="19050" cap="flat" cmpd="sng" algn="ctr">
+                          <a:solidFill>
+                            <a:schemeClr val="tx1"/>
+                          </a:solidFill>
+                          <a:prstDash val="solid"/>
+                          <a:round/>
+                          <a:headEnd type="none" w="med" len="med"/>
+                          <a:tailEnd type="none" w="med" len="med"/>
+                        </a:lnB>
+                        <a:blipFill>
+                          <a:blip r:embed="rId3"/>
+                          <a:stretch>
+                            <a:fillRect l="-6250" t="-18519" r="-346875" b="-818519"/>
+                          </a:stretch>
+                        </a:blipFill>
+                      </a:tcPr>
+                    </a:tc>
+                    <a:tc>
+                      <a:txBody>
+                        <a:bodyPr/>
+                        <a:lstStyle/>
+                        <a:p>
+                          <a:pPr algn="ctr"/>
+                          <a:r>
+                            <a:rPr kumimoji="1" lang="en-US" altLang="ja-JP" sz="2000" b="1" dirty="0">
+                              <a:solidFill>
+                                <a:schemeClr val="tx1"/>
+                              </a:solidFill>
+                              <a:latin typeface="Arial" panose="020B0604020202020204" pitchFamily="34" charset="0"/>
+                              <a:cs typeface="Arial" panose="020B0604020202020204" pitchFamily="34" charset="0"/>
+                            </a:rPr>
+                            <a:t># graph</a:t>
+                          </a:r>
+                          <a:endParaRPr kumimoji="1" lang="ja-JP" altLang="en-US" sz="2000" b="1">
+                            <a:solidFill>
+                              <a:schemeClr val="tx1"/>
+                            </a:solidFill>
+                            <a:latin typeface="Arial" panose="020B0604020202020204" pitchFamily="34" charset="0"/>
+                            <a:cs typeface="Arial" panose="020B0604020202020204" pitchFamily="34" charset="0"/>
+                          </a:endParaRPr>
+                        </a:p>
+                      </a:txBody>
+                      <a:tcPr marL="45720" marR="46800" marT="18000" marB="18000">
+                        <a:lnL w="19050" cap="flat" cmpd="sng" algn="ctr">
+                          <a:solidFill>
+                            <a:schemeClr val="tx1"/>
+                          </a:solidFill>
+                          <a:prstDash val="solid"/>
+                          <a:round/>
+                          <a:headEnd type="none" w="med" len="med"/>
+                          <a:tailEnd type="none" w="med" len="med"/>
+                        </a:lnL>
+                        <a:lnR w="19050" cap="flat" cmpd="sng" algn="ctr">
+                          <a:solidFill>
+                            <a:schemeClr val="tx1"/>
+                          </a:solidFill>
+                          <a:prstDash val="solid"/>
+                          <a:round/>
+                          <a:headEnd type="none" w="med" len="med"/>
+                          <a:tailEnd type="none" w="med" len="med"/>
+                        </a:lnR>
+                        <a:lnT w="19050" cap="flat" cmpd="sng" algn="ctr">
+                          <a:solidFill>
+                            <a:schemeClr val="tx1"/>
+                          </a:solidFill>
+                          <a:prstDash val="solid"/>
+                          <a:round/>
+                          <a:headEnd type="none" w="med" len="med"/>
+                          <a:tailEnd type="none" w="med" len="med"/>
+                        </a:lnT>
+                        <a:lnB w="19050" cap="flat" cmpd="sng" algn="ctr">
+                          <a:solidFill>
+                            <a:schemeClr val="tx1"/>
+                          </a:solidFill>
+                          <a:prstDash val="solid"/>
+                          <a:round/>
+                          <a:headEnd type="none" w="med" len="med"/>
+                          <a:tailEnd type="none" w="med" len="med"/>
+                        </a:lnB>
+                        <a:solidFill>
+                          <a:schemeClr val="accent2"/>
+                        </a:solidFill>
+                      </a:tcPr>
+                    </a:tc>
+                    <a:extLst>
+                      <a:ext uri="{0D108BD9-81ED-4DB2-BD59-A6C34878D82A}">
+                        <a16:rowId xmlns:a16="http://schemas.microsoft.com/office/drawing/2014/main" val="3359987910"/>
+                      </a:ext>
+                    </a:extLst>
+                  </a:tr>
+                  <a:tr h="396240">
+                    <a:tc>
+                      <a:txBody>
+                        <a:bodyPr/>
+                        <a:lstStyle/>
+                        <a:p>
+                          <a:endParaRPr lang="ja-JP"/>
+                        </a:p>
+                      </a:txBody>
+                      <a:tcPr marL="45720" marR="45720">
+                        <a:lnL w="19050" cap="flat" cmpd="sng" algn="ctr">
+                          <a:solidFill>
+                            <a:schemeClr val="tx1"/>
+                          </a:solidFill>
+                          <a:prstDash val="solid"/>
+                          <a:round/>
+                          <a:headEnd type="none" w="med" len="med"/>
+                          <a:tailEnd type="none" w="med" len="med"/>
+                        </a:lnL>
+                        <a:lnR w="19050" cap="flat" cmpd="sng" algn="ctr">
+                          <a:solidFill>
+                            <a:schemeClr val="tx1"/>
+                          </a:solidFill>
+                          <a:prstDash val="solid"/>
+                          <a:round/>
+                          <a:headEnd type="none" w="med" len="med"/>
+                          <a:tailEnd type="none" w="med" len="med"/>
+                        </a:lnR>
+                        <a:lnT w="19050" cap="flat" cmpd="sng" algn="ctr">
+                          <a:solidFill>
+                            <a:schemeClr val="tx1"/>
+                          </a:solidFill>
+                          <a:prstDash val="solid"/>
+                          <a:round/>
+                          <a:headEnd type="none" w="med" len="med"/>
+                          <a:tailEnd type="none" w="med" len="med"/>
+                        </a:lnT>
+                        <a:lnB w="19050" cap="flat" cmpd="sng" algn="ctr">
+                          <a:solidFill>
+                            <a:schemeClr val="tx1"/>
+                          </a:solidFill>
+                          <a:prstDash val="solid"/>
+                          <a:round/>
+                          <a:headEnd type="none" w="med" len="med"/>
+                          <a:tailEnd type="none" w="med" len="med"/>
+                        </a:lnB>
+                        <a:blipFill>
+                          <a:blip r:embed="rId3"/>
+                          <a:stretch>
+                            <a:fillRect l="-6250" t="-103226" r="-346875" b="-612903"/>
+                          </a:stretch>
+                        </a:blipFill>
+                      </a:tcPr>
+                    </a:tc>
+                    <a:tc>
+                      <a:txBody>
+                        <a:bodyPr/>
+                        <a:lstStyle/>
+                        <a:p>
+                          <a:endParaRPr lang="ja-JP"/>
+                        </a:p>
+                      </a:txBody>
+                      <a:tcPr anchor="ctr">
+                        <a:lnL w="19050" cap="flat" cmpd="sng" algn="ctr">
+                          <a:solidFill>
+                            <a:schemeClr val="tx1"/>
+                          </a:solidFill>
+                          <a:prstDash val="solid"/>
+                          <a:round/>
+                          <a:headEnd type="none" w="med" len="med"/>
+                          <a:tailEnd type="none" w="med" len="med"/>
+                        </a:lnL>
+                        <a:lnR w="19050" cap="flat" cmpd="sng" algn="ctr">
+                          <a:solidFill>
+                            <a:schemeClr val="tx1"/>
+                          </a:solidFill>
+                          <a:prstDash val="solid"/>
+                          <a:round/>
+                          <a:headEnd type="none" w="med" len="med"/>
+                          <a:tailEnd type="none" w="med" len="med"/>
+                        </a:lnR>
+                        <a:lnT w="19050" cap="flat" cmpd="sng" algn="ctr">
+                          <a:solidFill>
+                            <a:schemeClr val="tx1"/>
+                          </a:solidFill>
+                          <a:prstDash val="solid"/>
+                          <a:round/>
+                          <a:headEnd type="none" w="med" len="med"/>
+                          <a:tailEnd type="none" w="med" len="med"/>
+                        </a:lnT>
+                        <a:lnB w="19050" cap="flat" cmpd="sng" algn="ctr">
+                          <a:solidFill>
+                            <a:schemeClr val="tx1"/>
+                          </a:solidFill>
+                          <a:prstDash val="solid"/>
+                          <a:round/>
+                          <a:headEnd type="none" w="med" len="med"/>
+                          <a:tailEnd type="none" w="med" len="med"/>
+                        </a:lnB>
+                        <a:blipFill>
+                          <a:blip r:embed="rId3"/>
+                          <a:stretch>
+                            <a:fillRect l="-30909" t="-103226" r="-909" b="-612903"/>
+                          </a:stretch>
+                        </a:blipFill>
+                      </a:tcPr>
+                    </a:tc>
+                    <a:extLst>
+                      <a:ext uri="{0D108BD9-81ED-4DB2-BD59-A6C34878D82A}">
+                        <a16:rowId xmlns:a16="http://schemas.microsoft.com/office/drawing/2014/main" val="364840804"/>
+                      </a:ext>
+                    </a:extLst>
+                  </a:tr>
+                  <a:tr h="396240">
+                    <a:tc>
+                      <a:txBody>
+                        <a:bodyPr/>
+                        <a:lstStyle/>
+                        <a:p>
+                          <a:endParaRPr lang="ja-JP"/>
+                        </a:p>
+                      </a:txBody>
+                      <a:tcPr marL="45720" marR="45720">
+                        <a:lnL w="19050" cap="flat" cmpd="sng" algn="ctr">
+                          <a:solidFill>
+                            <a:schemeClr val="tx1"/>
+                          </a:solidFill>
+                          <a:prstDash val="solid"/>
+                          <a:round/>
+                          <a:headEnd type="none" w="med" len="med"/>
+                          <a:tailEnd type="none" w="med" len="med"/>
+                        </a:lnL>
+                        <a:lnR w="19050" cap="flat" cmpd="sng" algn="ctr">
+                          <a:solidFill>
+                            <a:schemeClr val="tx1"/>
+                          </a:solidFill>
+                          <a:prstDash val="solid"/>
+                          <a:round/>
+                          <a:headEnd type="none" w="med" len="med"/>
+                          <a:tailEnd type="none" w="med" len="med"/>
+                        </a:lnR>
+                        <a:lnT w="19050" cap="flat" cmpd="sng" algn="ctr">
+                          <a:solidFill>
+                            <a:schemeClr val="tx1"/>
+                          </a:solidFill>
+                          <a:prstDash val="solid"/>
+                          <a:round/>
+                          <a:headEnd type="none" w="med" len="med"/>
+                          <a:tailEnd type="none" w="med" len="med"/>
+                        </a:lnT>
+                        <a:lnB w="19050" cap="flat" cmpd="sng" algn="ctr">
+                          <a:solidFill>
+                            <a:schemeClr val="tx1"/>
+                          </a:solidFill>
+                          <a:prstDash val="solid"/>
+                          <a:round/>
+                          <a:headEnd type="none" w="med" len="med"/>
+                          <a:tailEnd type="none" w="med" len="med"/>
+                        </a:lnB>
+                        <a:blipFill>
+                          <a:blip r:embed="rId3"/>
+                          <a:stretch>
+                            <a:fillRect l="-6250" t="-196875" r="-346875" b="-493750"/>
+                          </a:stretch>
+                        </a:blipFill>
+                      </a:tcPr>
+                    </a:tc>
+                    <a:tc>
+                      <a:txBody>
+                        <a:bodyPr/>
+                        <a:lstStyle/>
+                        <a:p>
+                          <a:endParaRPr lang="ja-JP"/>
+                        </a:p>
+                      </a:txBody>
+                      <a:tcPr anchor="ctr">
+                        <a:lnL w="19050" cap="flat" cmpd="sng" algn="ctr">
+                          <a:solidFill>
+                            <a:schemeClr val="tx1"/>
+                          </a:solidFill>
+                          <a:prstDash val="solid"/>
+                          <a:round/>
+                          <a:headEnd type="none" w="med" len="med"/>
+                          <a:tailEnd type="none" w="med" len="med"/>
+                        </a:lnL>
+                        <a:lnR w="19050" cap="flat" cmpd="sng" algn="ctr">
+                          <a:solidFill>
+                            <a:schemeClr val="tx1"/>
+                          </a:solidFill>
+                          <a:prstDash val="solid"/>
+                          <a:round/>
+                          <a:headEnd type="none" w="med" len="med"/>
+                          <a:tailEnd type="none" w="med" len="med"/>
+                        </a:lnR>
+                        <a:lnT w="19050" cap="flat" cmpd="sng" algn="ctr">
+                          <a:solidFill>
+                            <a:schemeClr val="tx1"/>
+                          </a:solidFill>
+                          <a:prstDash val="solid"/>
+                          <a:round/>
+                          <a:headEnd type="none" w="med" len="med"/>
+                          <a:tailEnd type="none" w="med" len="med"/>
+                        </a:lnT>
+                        <a:lnB w="19050" cap="flat" cmpd="sng" algn="ctr">
+                          <a:solidFill>
+                            <a:schemeClr val="tx1"/>
+                          </a:solidFill>
+                          <a:prstDash val="solid"/>
+                          <a:round/>
+                          <a:headEnd type="none" w="med" len="med"/>
+                          <a:tailEnd type="none" w="med" len="med"/>
+                        </a:lnB>
+                        <a:blipFill>
+                          <a:blip r:embed="rId3"/>
+                          <a:stretch>
+                            <a:fillRect l="-30909" t="-196875" r="-909" b="-493750"/>
+                          </a:stretch>
+                        </a:blipFill>
+                      </a:tcPr>
+                    </a:tc>
+                    <a:extLst>
+                      <a:ext uri="{0D108BD9-81ED-4DB2-BD59-A6C34878D82A}">
+                        <a16:rowId xmlns:a16="http://schemas.microsoft.com/office/drawing/2014/main" val="3525191963"/>
+                      </a:ext>
+                    </a:extLst>
+                  </a:tr>
+                  <a:tr h="396240">
+                    <a:tc>
+                      <a:txBody>
+                        <a:bodyPr/>
+                        <a:lstStyle/>
+                        <a:p>
+                          <a:endParaRPr lang="ja-JP"/>
+                        </a:p>
+                      </a:txBody>
+                      <a:tcPr marL="45720" marR="45720">
+                        <a:lnL w="19050" cap="flat" cmpd="sng" algn="ctr">
+                          <a:solidFill>
+                            <a:schemeClr val="tx1"/>
+                          </a:solidFill>
+                          <a:prstDash val="solid"/>
+                          <a:round/>
+                          <a:headEnd type="none" w="med" len="med"/>
+                          <a:tailEnd type="none" w="med" len="med"/>
+                        </a:lnL>
+                        <a:lnR w="19050" cap="flat" cmpd="sng" algn="ctr">
+                          <a:solidFill>
+                            <a:schemeClr val="tx1"/>
+                          </a:solidFill>
+                          <a:prstDash val="solid"/>
+                          <a:round/>
+                          <a:headEnd type="none" w="med" len="med"/>
+                          <a:tailEnd type="none" w="med" len="med"/>
+                        </a:lnR>
+                        <a:lnT w="19050" cap="flat" cmpd="sng" algn="ctr">
+                          <a:solidFill>
+                            <a:schemeClr val="tx1"/>
+                          </a:solidFill>
+                          <a:prstDash val="solid"/>
+                          <a:round/>
+                          <a:headEnd type="none" w="med" len="med"/>
+                          <a:tailEnd type="none" w="med" len="med"/>
+                        </a:lnT>
+                        <a:lnB w="19050" cap="flat" cmpd="sng" algn="ctr">
+                          <a:solidFill>
+                            <a:schemeClr val="tx1"/>
+                          </a:solidFill>
+                          <a:prstDash val="solid"/>
+                          <a:round/>
+                          <a:headEnd type="none" w="med" len="med"/>
+                          <a:tailEnd type="none" w="med" len="med"/>
+                        </a:lnB>
+                        <a:blipFill>
+                          <a:blip r:embed="rId3"/>
+                          <a:stretch>
+                            <a:fillRect l="-6250" t="-306452" r="-346875" b="-409677"/>
+                          </a:stretch>
+                        </a:blipFill>
+                      </a:tcPr>
+                    </a:tc>
+                    <a:tc>
+                      <a:txBody>
+                        <a:bodyPr/>
+                        <a:lstStyle/>
+                        <a:p>
+                          <a:endParaRPr lang="ja-JP"/>
+                        </a:p>
+                      </a:txBody>
+                      <a:tcPr anchor="ctr">
+                        <a:lnL w="19050" cap="flat" cmpd="sng" algn="ctr">
+                          <a:solidFill>
+                            <a:schemeClr val="tx1"/>
+                          </a:solidFill>
+                          <a:prstDash val="solid"/>
+                          <a:round/>
+                          <a:headEnd type="none" w="med" len="med"/>
+                          <a:tailEnd type="none" w="med" len="med"/>
+                        </a:lnL>
+                        <a:lnR w="19050" cap="flat" cmpd="sng" algn="ctr">
+                          <a:solidFill>
+                            <a:schemeClr val="tx1"/>
+                          </a:solidFill>
+                          <a:prstDash val="solid"/>
+                          <a:round/>
+                          <a:headEnd type="none" w="med" len="med"/>
+                          <a:tailEnd type="none" w="med" len="med"/>
+                        </a:lnR>
+                        <a:lnT w="19050" cap="flat" cmpd="sng" algn="ctr">
+                          <a:solidFill>
+                            <a:schemeClr val="tx1"/>
+                          </a:solidFill>
+                          <a:prstDash val="solid"/>
+                          <a:round/>
+                          <a:headEnd type="none" w="med" len="med"/>
+                          <a:tailEnd type="none" w="med" len="med"/>
+                        </a:lnT>
+                        <a:lnB w="19050" cap="flat" cmpd="sng" algn="ctr">
+                          <a:solidFill>
+                            <a:schemeClr val="tx1"/>
+                          </a:solidFill>
+                          <a:prstDash val="solid"/>
+                          <a:round/>
+                          <a:headEnd type="none" w="med" len="med"/>
+                          <a:tailEnd type="none" w="med" len="med"/>
+                        </a:lnB>
+                        <a:blipFill>
+                          <a:blip r:embed="rId3"/>
+                          <a:stretch>
+                            <a:fillRect l="-30909" t="-306452" r="-909" b="-409677"/>
+                          </a:stretch>
+                        </a:blipFill>
+                      </a:tcPr>
+                    </a:tc>
+                    <a:extLst>
+                      <a:ext uri="{0D108BD9-81ED-4DB2-BD59-A6C34878D82A}">
+                        <a16:rowId xmlns:a16="http://schemas.microsoft.com/office/drawing/2014/main" val="3569909037"/>
+                      </a:ext>
+                    </a:extLst>
+                  </a:tr>
+                  <a:tr h="396240">
+                    <a:tc>
+                      <a:txBody>
+                        <a:bodyPr/>
+                        <a:lstStyle/>
+                        <a:p>
+                          <a:endParaRPr lang="ja-JP"/>
+                        </a:p>
+                      </a:txBody>
+                      <a:tcPr marL="45720" marR="45720">
+                        <a:lnL w="19050" cap="flat" cmpd="sng" algn="ctr">
+                          <a:solidFill>
+                            <a:schemeClr val="tx1"/>
+                          </a:solidFill>
+                          <a:prstDash val="solid"/>
+                          <a:round/>
+                          <a:headEnd type="none" w="med" len="med"/>
+                          <a:tailEnd type="none" w="med" len="med"/>
+                        </a:lnL>
+                        <a:lnR w="19050" cap="flat" cmpd="sng" algn="ctr">
+                          <a:solidFill>
+                            <a:schemeClr val="tx1"/>
+                          </a:solidFill>
+                          <a:prstDash val="solid"/>
+                          <a:round/>
+                          <a:headEnd type="none" w="med" len="med"/>
+                          <a:tailEnd type="none" w="med" len="med"/>
+                        </a:lnR>
+                        <a:lnT w="19050" cap="flat" cmpd="sng" algn="ctr">
+                          <a:solidFill>
+                            <a:schemeClr val="tx1"/>
+                          </a:solidFill>
+                          <a:prstDash val="solid"/>
+                          <a:round/>
+                          <a:headEnd type="none" w="med" len="med"/>
+                          <a:tailEnd type="none" w="med" len="med"/>
+                        </a:lnT>
+                        <a:lnB w="19050" cap="flat" cmpd="sng" algn="ctr">
+                          <a:solidFill>
+                            <a:schemeClr val="tx1"/>
+                          </a:solidFill>
+                          <a:prstDash val="solid"/>
+                          <a:round/>
+                          <a:headEnd type="none" w="med" len="med"/>
+                          <a:tailEnd type="none" w="med" len="med"/>
+                        </a:lnB>
+                        <a:blipFill>
+                          <a:blip r:embed="rId3"/>
+                          <a:stretch>
+                            <a:fillRect l="-6250" t="-406452" r="-346875" b="-309677"/>
+                          </a:stretch>
+                        </a:blipFill>
+                      </a:tcPr>
+                    </a:tc>
+                    <a:tc>
+                      <a:txBody>
+                        <a:bodyPr/>
+                        <a:lstStyle/>
+                        <a:p>
+                          <a:endParaRPr lang="ja-JP"/>
+                        </a:p>
+                      </a:txBody>
+                      <a:tcPr anchor="ctr">
+                        <a:lnL w="19050" cap="flat" cmpd="sng" algn="ctr">
+                          <a:solidFill>
+                            <a:schemeClr val="tx1"/>
+                          </a:solidFill>
+                          <a:prstDash val="solid"/>
+                          <a:round/>
+                          <a:headEnd type="none" w="med" len="med"/>
+                          <a:tailEnd type="none" w="med" len="med"/>
+                        </a:lnL>
+                        <a:lnR w="19050" cap="flat" cmpd="sng" algn="ctr">
+                          <a:solidFill>
+                            <a:schemeClr val="tx1"/>
+                          </a:solidFill>
+                          <a:prstDash val="solid"/>
+                          <a:round/>
+                          <a:headEnd type="none" w="med" len="med"/>
+                          <a:tailEnd type="none" w="med" len="med"/>
+                        </a:lnR>
+                        <a:lnT w="19050" cap="flat" cmpd="sng" algn="ctr">
+                          <a:solidFill>
+                            <a:schemeClr val="tx1"/>
+                          </a:solidFill>
+                          <a:prstDash val="solid"/>
+                          <a:round/>
+                          <a:headEnd type="none" w="med" len="med"/>
+                          <a:tailEnd type="none" w="med" len="med"/>
+                        </a:lnT>
+                        <a:lnB w="19050" cap="flat" cmpd="sng" algn="ctr">
+                          <a:solidFill>
+                            <a:schemeClr val="tx1"/>
+                          </a:solidFill>
+                          <a:prstDash val="solid"/>
+                          <a:round/>
+                          <a:headEnd type="none" w="med" len="med"/>
+                          <a:tailEnd type="none" w="med" len="med"/>
+                        </a:lnB>
+                        <a:blipFill>
+                          <a:blip r:embed="rId3"/>
+                          <a:stretch>
+                            <a:fillRect l="-30909" t="-406452" r="-909" b="-309677"/>
+                          </a:stretch>
+                        </a:blipFill>
+                      </a:tcPr>
+                    </a:tc>
+                    <a:extLst>
+                      <a:ext uri="{0D108BD9-81ED-4DB2-BD59-A6C34878D82A}">
+                        <a16:rowId xmlns:a16="http://schemas.microsoft.com/office/drawing/2014/main" val="3327895223"/>
+                      </a:ext>
+                    </a:extLst>
+                  </a:tr>
+                  <a:tr h="396240">
+                    <a:tc>
+                      <a:txBody>
+                        <a:bodyPr/>
+                        <a:lstStyle/>
+                        <a:p>
+                          <a:endParaRPr lang="ja-JP"/>
+                        </a:p>
+                      </a:txBody>
+                      <a:tcPr marL="45720" marR="45720">
+                        <a:lnL w="19050" cap="flat" cmpd="sng" algn="ctr">
+                          <a:solidFill>
+                            <a:schemeClr val="tx1"/>
+                          </a:solidFill>
+                          <a:prstDash val="solid"/>
+                          <a:round/>
+                          <a:headEnd type="none" w="med" len="med"/>
+                          <a:tailEnd type="none" w="med" len="med"/>
+                        </a:lnL>
+                        <a:lnR w="19050" cap="flat" cmpd="sng" algn="ctr">
+                          <a:solidFill>
+                            <a:schemeClr val="tx1"/>
+                          </a:solidFill>
+                          <a:prstDash val="solid"/>
+                          <a:round/>
+                          <a:headEnd type="none" w="med" len="med"/>
+                          <a:tailEnd type="none" w="med" len="med"/>
+                        </a:lnR>
+                        <a:lnT w="19050" cap="flat" cmpd="sng" algn="ctr">
+                          <a:solidFill>
+                            <a:schemeClr val="tx1"/>
+                          </a:solidFill>
+                          <a:prstDash val="solid"/>
+                          <a:round/>
+                          <a:headEnd type="none" w="med" len="med"/>
+                          <a:tailEnd type="none" w="med" len="med"/>
+                        </a:lnT>
+                        <a:lnB w="19050" cap="flat" cmpd="sng" algn="ctr">
+                          <a:solidFill>
+                            <a:schemeClr val="tx1"/>
+                          </a:solidFill>
+                          <a:prstDash val="solid"/>
+                          <a:round/>
+                          <a:headEnd type="none" w="med" len="med"/>
+                          <a:tailEnd type="none" w="med" len="med"/>
+                        </a:lnB>
+                        <a:blipFill>
+                          <a:blip r:embed="rId3"/>
+                          <a:stretch>
+                            <a:fillRect l="-6250" t="-506452" r="-346875" b="-209677"/>
+                          </a:stretch>
+                        </a:blipFill>
+                      </a:tcPr>
+                    </a:tc>
+                    <a:tc>
+                      <a:txBody>
+                        <a:bodyPr/>
+                        <a:lstStyle/>
+                        <a:p>
+                          <a:endParaRPr lang="ja-JP"/>
+                        </a:p>
+                      </a:txBody>
+                      <a:tcPr anchor="ctr">
+                        <a:lnL w="19050" cap="flat" cmpd="sng" algn="ctr">
+                          <a:solidFill>
+                            <a:schemeClr val="tx1"/>
+                          </a:solidFill>
+                          <a:prstDash val="solid"/>
+                          <a:round/>
+                          <a:headEnd type="none" w="med" len="med"/>
+                          <a:tailEnd type="none" w="med" len="med"/>
+                        </a:lnL>
+                        <a:lnR w="19050" cap="flat" cmpd="sng" algn="ctr">
+                          <a:solidFill>
+                            <a:schemeClr val="tx1"/>
+                          </a:solidFill>
+                          <a:prstDash val="solid"/>
+                          <a:round/>
+                          <a:headEnd type="none" w="med" len="med"/>
+                          <a:tailEnd type="none" w="med" len="med"/>
+                        </a:lnR>
+                        <a:lnT w="19050" cap="flat" cmpd="sng" algn="ctr">
+                          <a:solidFill>
+                            <a:schemeClr val="tx1"/>
+                          </a:solidFill>
+                          <a:prstDash val="solid"/>
+                          <a:round/>
+                          <a:headEnd type="none" w="med" len="med"/>
+                          <a:tailEnd type="none" w="med" len="med"/>
+                        </a:lnT>
+                        <a:lnB w="19050" cap="flat" cmpd="sng" algn="ctr">
+                          <a:solidFill>
+                            <a:schemeClr val="tx1"/>
+                          </a:solidFill>
+                          <a:prstDash val="solid"/>
+                          <a:round/>
+                          <a:headEnd type="none" w="med" len="med"/>
+                          <a:tailEnd type="none" w="med" len="med"/>
+                        </a:lnB>
+                        <a:blipFill>
+                          <a:blip r:embed="rId3"/>
+                          <a:stretch>
+                            <a:fillRect l="-30909" t="-506452" r="-909" b="-209677"/>
+                          </a:stretch>
+                        </a:blipFill>
+                      </a:tcPr>
+                    </a:tc>
+                    <a:extLst>
+                      <a:ext uri="{0D108BD9-81ED-4DB2-BD59-A6C34878D82A}">
+                        <a16:rowId xmlns:a16="http://schemas.microsoft.com/office/drawing/2014/main" val="472790633"/>
+                      </a:ext>
+                    </a:extLst>
+                  </a:tr>
+                  <a:tr h="396240">
+                    <a:tc>
+                      <a:txBody>
+                        <a:bodyPr/>
+                        <a:lstStyle/>
+                        <a:p>
+                          <a:endParaRPr lang="ja-JP"/>
+                        </a:p>
+                      </a:txBody>
+                      <a:tcPr marL="45720" marR="45720">
+                        <a:lnL w="19050" cap="flat" cmpd="sng" algn="ctr">
+                          <a:solidFill>
+                            <a:schemeClr val="tx1"/>
+                          </a:solidFill>
+                          <a:prstDash val="solid"/>
+                          <a:round/>
+                          <a:headEnd type="none" w="med" len="med"/>
+                          <a:tailEnd type="none" w="med" len="med"/>
+                        </a:lnL>
+                        <a:lnR w="19050" cap="flat" cmpd="sng" algn="ctr">
+                          <a:solidFill>
+                            <a:schemeClr val="tx1"/>
+                          </a:solidFill>
+                          <a:prstDash val="solid"/>
+                          <a:round/>
+                          <a:headEnd type="none" w="med" len="med"/>
+                          <a:tailEnd type="none" w="med" len="med"/>
+                        </a:lnR>
+                        <a:lnT w="19050" cap="flat" cmpd="sng" algn="ctr">
+                          <a:solidFill>
+                            <a:schemeClr val="tx1"/>
+                          </a:solidFill>
+                          <a:prstDash val="solid"/>
+                          <a:round/>
+                          <a:headEnd type="none" w="med" len="med"/>
+                          <a:tailEnd type="none" w="med" len="med"/>
+                        </a:lnT>
+                        <a:lnB w="19050" cap="flat" cmpd="sng" algn="ctr">
+                          <a:solidFill>
+                            <a:schemeClr val="tx1"/>
+                          </a:solidFill>
+                          <a:prstDash val="solid"/>
+                          <a:round/>
+                          <a:headEnd type="none" w="med" len="med"/>
+                          <a:tailEnd type="none" w="med" len="med"/>
+                        </a:lnB>
+                        <a:blipFill>
+                          <a:blip r:embed="rId3"/>
+                          <a:stretch>
+                            <a:fillRect l="-6250" t="-587500" r="-346875" b="-103125"/>
+                          </a:stretch>
+                        </a:blipFill>
+                      </a:tcPr>
+                    </a:tc>
+                    <a:tc>
+                      <a:txBody>
+                        <a:bodyPr/>
+                        <a:lstStyle/>
+                        <a:p>
+                          <a:endParaRPr lang="en-US" altLang="ja-JP" dirty="0"/>
+                        </a:p>
+                      </a:txBody>
+                      <a:tcPr anchor="ctr">
+                        <a:lnL w="19050" cap="flat" cmpd="sng" algn="ctr">
+                          <a:solidFill>
+                            <a:schemeClr val="tx1"/>
+                          </a:solidFill>
+                          <a:prstDash val="solid"/>
+                          <a:round/>
+                          <a:headEnd type="none" w="med" len="med"/>
+                          <a:tailEnd type="none" w="med" len="med"/>
+                        </a:lnL>
+                        <a:lnR w="19050" cap="flat" cmpd="sng" algn="ctr">
+                          <a:solidFill>
+                            <a:schemeClr val="tx1"/>
+                          </a:solidFill>
+                          <a:prstDash val="solid"/>
+                          <a:round/>
+                          <a:headEnd type="none" w="med" len="med"/>
+                          <a:tailEnd type="none" w="med" len="med"/>
+                        </a:lnR>
+                        <a:lnT w="19050" cap="flat" cmpd="sng" algn="ctr">
+                          <a:solidFill>
+                            <a:schemeClr val="tx1"/>
+                          </a:solidFill>
+                          <a:prstDash val="solid"/>
+                          <a:round/>
+                          <a:headEnd type="none" w="med" len="med"/>
+                          <a:tailEnd type="none" w="med" len="med"/>
+                        </a:lnT>
+                        <a:lnB w="19050" cap="flat" cmpd="sng" algn="ctr">
+                          <a:solidFill>
+                            <a:schemeClr val="tx1"/>
+                          </a:solidFill>
+                          <a:prstDash val="solid"/>
+                          <a:round/>
+                          <a:headEnd type="none" w="med" len="med"/>
+                          <a:tailEnd type="none" w="med" len="med"/>
+                        </a:lnB>
+                        <a:solidFill>
+                          <a:schemeClr val="bg1"/>
+                        </a:solidFill>
+                      </a:tcPr>
+                    </a:tc>
+                    <a:extLst>
+                      <a:ext uri="{0D108BD9-81ED-4DB2-BD59-A6C34878D82A}">
+                        <a16:rowId xmlns:a16="http://schemas.microsoft.com/office/drawing/2014/main" val="706877952"/>
+                      </a:ext>
+                    </a:extLst>
+                  </a:tr>
+                  <a:tr h="396240">
+                    <a:tc>
+                      <a:txBody>
+                        <a:bodyPr/>
+                        <a:lstStyle/>
+                        <a:p>
+                          <a:endParaRPr lang="ja-JP"/>
+                        </a:p>
+                      </a:txBody>
+                      <a:tcPr marL="45720" marR="45720">
+                        <a:lnL w="19050" cap="flat" cmpd="sng" algn="ctr">
+                          <a:solidFill>
+                            <a:schemeClr val="tx1"/>
+                          </a:solidFill>
+                          <a:prstDash val="solid"/>
+                          <a:round/>
+                          <a:headEnd type="none" w="med" len="med"/>
+                          <a:tailEnd type="none" w="med" len="med"/>
+                        </a:lnL>
+                        <a:lnR w="19050" cap="flat" cmpd="sng" algn="ctr">
+                          <a:solidFill>
+                            <a:schemeClr val="tx1"/>
+                          </a:solidFill>
+                          <a:prstDash val="solid"/>
+                          <a:round/>
+                          <a:headEnd type="none" w="med" len="med"/>
+                          <a:tailEnd type="none" w="med" len="med"/>
+                        </a:lnR>
+                        <a:lnT w="19050" cap="flat" cmpd="sng" algn="ctr">
+                          <a:solidFill>
+                            <a:schemeClr val="tx1"/>
+                          </a:solidFill>
+                          <a:prstDash val="solid"/>
+                          <a:round/>
+                          <a:headEnd type="none" w="med" len="med"/>
+                          <a:tailEnd type="none" w="med" len="med"/>
+                        </a:lnT>
+                        <a:lnB w="19050" cap="flat" cmpd="sng" algn="ctr">
+                          <a:solidFill>
+                            <a:schemeClr val="tx1"/>
+                          </a:solidFill>
+                          <a:prstDash val="solid"/>
+                          <a:round/>
+                          <a:headEnd type="none" w="med" len="med"/>
+                          <a:tailEnd type="none" w="med" len="med"/>
+                        </a:lnB>
+                        <a:blipFill>
+                          <a:blip r:embed="rId3"/>
+                          <a:stretch>
+                            <a:fillRect l="-6250" t="-709677" r="-346875" b="-6452"/>
+                          </a:stretch>
+                        </a:blipFill>
+                      </a:tcPr>
+                    </a:tc>
+                    <a:tc>
+                      <a:txBody>
+                        <a:bodyPr/>
+                        <a:lstStyle/>
+                        <a:p>
+                          <a:pPr algn="r"/>
+                          <a:endParaRPr lang="en-US" altLang="ja-JP" sz="2000" dirty="0">
+                            <a:solidFill>
+                              <a:schemeClr val="tx1"/>
+                            </a:solidFill>
+                          </a:endParaRPr>
+                        </a:p>
+                      </a:txBody>
+                      <a:tcPr anchor="ctr">
+                        <a:lnL w="19050" cap="flat" cmpd="sng" algn="ctr">
+                          <a:solidFill>
+                            <a:schemeClr val="tx1"/>
+                          </a:solidFill>
+                          <a:prstDash val="solid"/>
+                          <a:round/>
+                          <a:headEnd type="none" w="med" len="med"/>
+                          <a:tailEnd type="none" w="med" len="med"/>
+                        </a:lnL>
+                        <a:lnR w="19050" cap="flat" cmpd="sng" algn="ctr">
+                          <a:solidFill>
+                            <a:schemeClr val="tx1"/>
+                          </a:solidFill>
+                          <a:prstDash val="solid"/>
+                          <a:round/>
+                          <a:headEnd type="none" w="med" len="med"/>
+                          <a:tailEnd type="none" w="med" len="med"/>
+                        </a:lnR>
+                        <a:lnT w="19050" cap="flat" cmpd="sng" algn="ctr">
+                          <a:solidFill>
+                            <a:schemeClr val="tx1"/>
+                          </a:solidFill>
+                          <a:prstDash val="solid"/>
+                          <a:round/>
+                          <a:headEnd type="none" w="med" len="med"/>
+                          <a:tailEnd type="none" w="med" len="med"/>
+                        </a:lnT>
+                        <a:lnB w="19050" cap="flat" cmpd="sng" algn="ctr">
+                          <a:solidFill>
+                            <a:schemeClr val="tx1"/>
+                          </a:solidFill>
+                          <a:prstDash val="solid"/>
+                          <a:round/>
+                          <a:headEnd type="none" w="med" len="med"/>
+                          <a:tailEnd type="none" w="med" len="med"/>
+                        </a:lnB>
+                        <a:solidFill>
+                          <a:schemeClr val="bg1"/>
+                        </a:solidFill>
+                      </a:tcPr>
+                    </a:tc>
+                    <a:extLst>
+                      <a:ext uri="{0D108BD9-81ED-4DB2-BD59-A6C34878D82A}">
+                        <a16:rowId xmlns:a16="http://schemas.microsoft.com/office/drawing/2014/main" val="3250368543"/>
+                      </a:ext>
+                    </a:extLst>
+                  </a:tr>
+                </a:tbl>
+              </a:graphicData>
+            </a:graphic>
+          </p:graphicFrame>
+        </mc:Fallback>
+      </mc:AlternateContent>
+      <mc:AlternateContent xmlns:mc="http://schemas.openxmlformats.org/markup-compatibility/2006">
+        <mc:Choice xmlns:a14="http://schemas.microsoft.com/office/drawing/2010/main" Requires="a14">
+          <p:graphicFrame>
+            <p:nvGraphicFramePr>
+              <p:cNvPr id="18" name="コンテンツ プレースホルダー 16">
+                <a:extLst>
+                  <a:ext uri="{FF2B5EF4-FFF2-40B4-BE49-F238E27FC236}">
+                    <a16:creationId xmlns:a16="http://schemas.microsoft.com/office/drawing/2014/main" id="{19911353-4A90-0D30-ADA5-9DBFF0E1E6A8}"/>
+                  </a:ext>
+                </a:extLst>
+              </p:cNvPr>
+              <p:cNvGraphicFramePr>
+                <a:graphicFrameLocks/>
+              </p:cNvGraphicFramePr>
+              <p:nvPr>
+                <p:extLst>
+                  <p:ext uri="{D42A27DB-BD31-4B8C-83A1-F6EECF244321}">
+                    <p14:modId xmlns:p14="http://schemas.microsoft.com/office/powerpoint/2010/main" val="2624135554"/>
+                  </p:ext>
+                </p:extLst>
+              </p:nvPr>
+            </p:nvGraphicFramePr>
+            <p:xfrm>
+              <a:off x="4903081" y="2300583"/>
+              <a:ext cx="1791089" cy="3114480"/>
+            </p:xfrm>
+            <a:graphic>
+              <a:graphicData uri="http://schemas.openxmlformats.org/drawingml/2006/table">
+                <a:tbl>
+                  <a:tblPr firstRow="1" bandRow="1">
+                    <a:tableStyleId>{5C22544A-7EE6-4342-B048-85BDC9FD1C3A}</a:tableStyleId>
+                  </a:tblPr>
+                  <a:tblGrid>
+                    <a:gridCol w="401661">
+                      <a:extLst>
+                        <a:ext uri="{9D8B030D-6E8A-4147-A177-3AD203B41FA5}">
+                          <a16:colId xmlns:a16="http://schemas.microsoft.com/office/drawing/2014/main" val="215306376"/>
+                        </a:ext>
+                      </a:extLst>
+                    </a:gridCol>
+                    <a:gridCol w="1389428">
+                      <a:extLst>
+                        <a:ext uri="{9D8B030D-6E8A-4147-A177-3AD203B41FA5}">
+                          <a16:colId xmlns:a16="http://schemas.microsoft.com/office/drawing/2014/main" val="879464118"/>
+                        </a:ext>
+                      </a:extLst>
+                    </a:gridCol>
+                  </a:tblGrid>
+                  <a:tr h="257019">
+                    <a:tc>
+                      <a:txBody>
+                        <a:bodyPr/>
+                        <a:lstStyle/>
+                        <a:p>
+                          <a:pPr algn="ctr"/>
+                          <a14:m>
+                            <m:oMathPara xmlns:m="http://schemas.openxmlformats.org/officeDocument/2006/math">
+                              <m:oMathParaPr>
+                                <m:jc m:val="centerGroup"/>
+                              </m:oMathParaPr>
+                              <m:oMath xmlns:m="http://schemas.openxmlformats.org/officeDocument/2006/math">
+                                <m:r>
+                                  <a:rPr kumimoji="1" lang="en-US" altLang="ja-JP" sz="2000" b="1" i="1" dirty="0" smtClean="0">
+                                    <a:solidFill>
+                                      <a:schemeClr val="tx1"/>
+                                    </a:solidFill>
+                                    <a:latin typeface="Cambria Math" panose="02040503050406030204" pitchFamily="18" charset="0"/>
+                                    <a:cs typeface="Arial" panose="020B0604020202020204" pitchFamily="34" charset="0"/>
+                                  </a:rPr>
+                                  <m:t>𝒏</m:t>
+                                </m:r>
+                              </m:oMath>
+                            </m:oMathPara>
+                          </a14:m>
+                          <a:endParaRPr kumimoji="1" lang="ja-JP" altLang="en-US" sz="2000" b="1">
+                            <a:solidFill>
+                              <a:schemeClr val="tx1"/>
+                            </a:solidFill>
+                            <a:latin typeface="Arial" panose="020B0604020202020204" pitchFamily="34" charset="0"/>
+                            <a:cs typeface="Arial" panose="020B0604020202020204" pitchFamily="34" charset="0"/>
+                          </a:endParaRPr>
+                        </a:p>
+                      </a:txBody>
+                      <a:tcPr marL="81720" marR="10800" marT="18000" marB="18000">
+                        <a:lnL w="19050" cap="flat" cmpd="sng" algn="ctr">
+                          <a:solidFill>
+                            <a:schemeClr val="tx1"/>
+                          </a:solidFill>
+                          <a:prstDash val="solid"/>
+                          <a:round/>
+                          <a:headEnd type="none" w="med" len="med"/>
+                          <a:tailEnd type="none" w="med" len="med"/>
+                        </a:lnL>
+                        <a:lnR w="19050" cap="flat" cmpd="sng" algn="ctr">
+                          <a:solidFill>
+                            <a:schemeClr val="tx1"/>
+                          </a:solidFill>
+                          <a:prstDash val="solid"/>
+                          <a:round/>
+                          <a:headEnd type="none" w="med" len="med"/>
+                          <a:tailEnd type="none" w="med" len="med"/>
+                        </a:lnR>
+                        <a:lnT w="19050" cap="flat" cmpd="sng" algn="ctr">
+                          <a:solidFill>
+                            <a:schemeClr val="tx1"/>
+                          </a:solidFill>
+                          <a:prstDash val="solid"/>
+                          <a:round/>
+                          <a:headEnd type="none" w="med" len="med"/>
+                          <a:tailEnd type="none" w="med" len="med"/>
+                        </a:lnT>
+                        <a:lnB w="19050" cap="flat" cmpd="sng" algn="ctr">
+                          <a:solidFill>
+                            <a:schemeClr val="tx1"/>
+                          </a:solidFill>
+                          <a:prstDash val="solid"/>
+                          <a:round/>
+                          <a:headEnd type="none" w="med" len="med"/>
+                          <a:tailEnd type="none" w="med" len="med"/>
+                        </a:lnB>
+                        <a:solidFill>
+                          <a:schemeClr val="accent2"/>
+                        </a:solidFill>
+                      </a:tcPr>
+                    </a:tc>
+                    <a:tc>
+                      <a:txBody>
+                        <a:bodyPr/>
+                        <a:lstStyle/>
+                        <a:p>
+                          <a:pPr algn="ctr"/>
+                          <a:r>
+                            <a:rPr kumimoji="1" lang="en-US" altLang="ja-JP" sz="2000" b="1" dirty="0">
+                              <a:solidFill>
+                                <a:schemeClr val="tx1"/>
+                              </a:solidFill>
+                              <a:latin typeface="Arial" panose="020B0604020202020204" pitchFamily="34" charset="0"/>
+                              <a:cs typeface="Arial" panose="020B0604020202020204" pitchFamily="34" charset="0"/>
+                            </a:rPr>
+                            <a:t># graph</a:t>
+                          </a:r>
+                          <a:endParaRPr kumimoji="1" lang="ja-JP" altLang="en-US" sz="2000" b="1">
+                            <a:solidFill>
+                              <a:schemeClr val="tx1"/>
+                            </a:solidFill>
+                            <a:latin typeface="Arial" panose="020B0604020202020204" pitchFamily="34" charset="0"/>
+                            <a:cs typeface="Arial" panose="020B0604020202020204" pitchFamily="34" charset="0"/>
+                          </a:endParaRPr>
+                        </a:p>
+                      </a:txBody>
+                      <a:tcPr marL="45720" marR="46800" marT="18000" marB="18000">
+                        <a:lnL w="19050" cap="flat" cmpd="sng" algn="ctr">
+                          <a:solidFill>
+                            <a:schemeClr val="tx1"/>
+                          </a:solidFill>
+                          <a:prstDash val="solid"/>
+                          <a:round/>
+                          <a:headEnd type="none" w="med" len="med"/>
+                          <a:tailEnd type="none" w="med" len="med"/>
+                        </a:lnL>
+                        <a:lnR w="19050" cap="flat" cmpd="sng" algn="ctr">
+                          <a:solidFill>
+                            <a:schemeClr val="tx1"/>
+                          </a:solidFill>
+                          <a:prstDash val="solid"/>
+                          <a:round/>
+                          <a:headEnd type="none" w="med" len="med"/>
+                          <a:tailEnd type="none" w="med" len="med"/>
+                        </a:lnR>
+                        <a:lnT w="19050" cap="flat" cmpd="sng" algn="ctr">
+                          <a:solidFill>
+                            <a:schemeClr val="tx1"/>
+                          </a:solidFill>
+                          <a:prstDash val="solid"/>
+                          <a:round/>
+                          <a:headEnd type="none" w="med" len="med"/>
+                          <a:tailEnd type="none" w="med" len="med"/>
+                        </a:lnT>
+                        <a:lnB w="19050" cap="flat" cmpd="sng" algn="ctr">
+                          <a:solidFill>
+                            <a:schemeClr val="tx1"/>
+                          </a:solidFill>
+                          <a:prstDash val="solid"/>
+                          <a:round/>
+                          <a:headEnd type="none" w="med" len="med"/>
+                          <a:tailEnd type="none" w="med" len="med"/>
+                        </a:lnB>
+                        <a:solidFill>
+                          <a:schemeClr val="accent2"/>
+                        </a:solidFill>
+                      </a:tcPr>
+                    </a:tc>
+                    <a:extLst>
+                      <a:ext uri="{0D108BD9-81ED-4DB2-BD59-A6C34878D82A}">
+                        <a16:rowId xmlns:a16="http://schemas.microsoft.com/office/drawing/2014/main" val="3359987910"/>
+                      </a:ext>
+                    </a:extLst>
+                  </a:tr>
+                  <a:tr h="257019">
+                    <a:tc>
+                      <a:txBody>
+                        <a:bodyPr/>
+                        <a:lstStyle/>
+                        <a:p>
+                          <a:pPr algn="r"/>
+                          <a14:m>
+                            <m:oMath xmlns:m="http://schemas.openxmlformats.org/officeDocument/2006/math">
+                              <m:r>
+                                <a:rPr kumimoji="1" lang="en-US" altLang="ja-JP" sz="2000" b="0" i="1" dirty="0" smtClean="0">
+                                  <a:solidFill>
+                                    <a:schemeClr val="tx1"/>
+                                  </a:solidFill>
+                                  <a:latin typeface="Cambria Math" panose="02040503050406030204" pitchFamily="18" charset="0"/>
+                                  <a:cs typeface="Arial" panose="020B0604020202020204" pitchFamily="34" charset="0"/>
+                                </a:rPr>
+                                <m:t>4</m:t>
+                              </m:r>
+                            </m:oMath>
+                          </a14:m>
+                          <a:r>
+                            <a:rPr kumimoji="1" lang="en-US" altLang="ja-JP" sz="2000" b="0" dirty="0">
+                              <a:solidFill>
+                                <a:schemeClr val="tx1"/>
+                              </a:solidFill>
+                              <a:latin typeface="Arial" panose="020B0604020202020204" pitchFamily="34" charset="0"/>
+                              <a:cs typeface="Arial" panose="020B0604020202020204" pitchFamily="34" charset="0"/>
+                            </a:rPr>
+                            <a:t> </a:t>
+                          </a:r>
+                        </a:p>
+                      </a:txBody>
+                      <a:tcPr marL="45720" marR="45720">
+                        <a:lnL w="19050" cap="flat" cmpd="sng" algn="ctr">
+                          <a:solidFill>
+                            <a:schemeClr val="tx1"/>
+                          </a:solidFill>
+                          <a:prstDash val="solid"/>
+                          <a:round/>
+                          <a:headEnd type="none" w="med" len="med"/>
+                          <a:tailEnd type="none" w="med" len="med"/>
+                        </a:lnL>
+                        <a:lnR w="19050" cap="flat" cmpd="sng" algn="ctr">
+                          <a:solidFill>
+                            <a:schemeClr val="tx1"/>
+                          </a:solidFill>
+                          <a:prstDash val="solid"/>
+                          <a:round/>
+                          <a:headEnd type="none" w="med" len="med"/>
+                          <a:tailEnd type="none" w="med" len="med"/>
+                        </a:lnR>
+                        <a:lnT w="19050" cap="flat" cmpd="sng" algn="ctr">
+                          <a:solidFill>
+                            <a:schemeClr val="tx1"/>
+                          </a:solidFill>
+                          <a:prstDash val="solid"/>
+                          <a:round/>
+                          <a:headEnd type="none" w="med" len="med"/>
+                          <a:tailEnd type="none" w="med" len="med"/>
+                        </a:lnT>
+                        <a:lnB w="19050" cap="flat" cmpd="sng" algn="ctr">
+                          <a:solidFill>
+                            <a:schemeClr val="tx1"/>
+                          </a:solidFill>
+                          <a:prstDash val="solid"/>
+                          <a:round/>
+                          <a:headEnd type="none" w="med" len="med"/>
+                          <a:tailEnd type="none" w="med" len="med"/>
+                        </a:lnB>
+                        <a:solidFill>
+                          <a:schemeClr val="bg1"/>
+                        </a:solidFill>
+                      </a:tcPr>
+                    </a:tc>
+                    <a:tc>
+                      <a:txBody>
+                        <a:bodyPr/>
+                        <a:lstStyle/>
+                        <a:p>
+                          <a:pPr algn="r"/>
+                          <a14:m>
+                            <m:oMath xmlns:m="http://schemas.openxmlformats.org/officeDocument/2006/math">
+                              <m:r>
+                                <a:rPr lang="en-US" altLang="ja-JP" sz="2000" i="1" dirty="0" smtClean="0">
+                                  <a:latin typeface="Cambria Math" panose="02040503050406030204" pitchFamily="18" charset="0"/>
+                                </a:rPr>
+                                <m:t>0</m:t>
+                              </m:r>
+                            </m:oMath>
+                          </a14:m>
+                          <a:r>
+                            <a:rPr lang="en-US" altLang="ja-JP" sz="2000" dirty="0"/>
+                            <a:t> </a:t>
+                          </a:r>
+                        </a:p>
+                      </a:txBody>
+                      <a:tcPr anchor="ctr">
+                        <a:lnL w="19050" cap="flat" cmpd="sng" algn="ctr">
+                          <a:solidFill>
+                            <a:schemeClr val="tx1"/>
+                          </a:solidFill>
+                          <a:prstDash val="solid"/>
+                          <a:round/>
+                          <a:headEnd type="none" w="med" len="med"/>
+                          <a:tailEnd type="none" w="med" len="med"/>
+                        </a:lnL>
+                        <a:lnR w="19050" cap="flat" cmpd="sng" algn="ctr">
+                          <a:solidFill>
+                            <a:schemeClr val="tx1"/>
+                          </a:solidFill>
+                          <a:prstDash val="solid"/>
+                          <a:round/>
+                          <a:headEnd type="none" w="med" len="med"/>
+                          <a:tailEnd type="none" w="med" len="med"/>
+                        </a:lnR>
+                        <a:lnT w="19050" cap="flat" cmpd="sng" algn="ctr">
+                          <a:solidFill>
+                            <a:schemeClr val="tx1"/>
+                          </a:solidFill>
+                          <a:prstDash val="solid"/>
+                          <a:round/>
+                          <a:headEnd type="none" w="med" len="med"/>
+                          <a:tailEnd type="none" w="med" len="med"/>
+                        </a:lnT>
+                        <a:lnB w="19050" cap="flat" cmpd="sng" algn="ctr">
+                          <a:solidFill>
+                            <a:schemeClr val="tx1"/>
+                          </a:solidFill>
+                          <a:prstDash val="solid"/>
+                          <a:round/>
+                          <a:headEnd type="none" w="med" len="med"/>
+                          <a:tailEnd type="none" w="med" len="med"/>
+                        </a:lnB>
+                        <a:solidFill>
+                          <a:schemeClr val="bg1"/>
+                        </a:solidFill>
+                      </a:tcPr>
+                    </a:tc>
+                    <a:extLst>
+                      <a:ext uri="{0D108BD9-81ED-4DB2-BD59-A6C34878D82A}">
+                        <a16:rowId xmlns:a16="http://schemas.microsoft.com/office/drawing/2014/main" val="364840804"/>
+                      </a:ext>
+                    </a:extLst>
+                  </a:tr>
+                  <a:tr h="257019">
+                    <a:tc>
+                      <a:txBody>
+                        <a:bodyPr/>
+                        <a:lstStyle/>
+                        <a:p>
+                          <a:pPr algn="r"/>
+                          <a:r>
+                            <a:rPr kumimoji="1" lang="ja-JP" altLang="en-US" sz="2000" b="0" dirty="0">
+                              <a:solidFill>
+                                <a:schemeClr val="tx1"/>
+                              </a:solidFill>
+                              <a:cs typeface="Arial" panose="020B0604020202020204" pitchFamily="34" charset="0"/>
+                            </a:rPr>
+                            <a:t>　</a:t>
+                          </a:r>
+                          <a14:m>
+                            <m:oMath xmlns:m="http://schemas.openxmlformats.org/officeDocument/2006/math">
+                              <m:r>
+                                <a:rPr kumimoji="1" lang="en-US" altLang="ja-JP" sz="2000" b="0" i="1" dirty="0" smtClean="0">
+                                  <a:solidFill>
+                                    <a:schemeClr val="tx1"/>
+                                  </a:solidFill>
+                                  <a:latin typeface="Cambria Math" panose="02040503050406030204" pitchFamily="18" charset="0"/>
+                                  <a:cs typeface="Arial" panose="020B0604020202020204" pitchFamily="34" charset="0"/>
+                                </a:rPr>
+                                <m:t>5</m:t>
+                              </m:r>
+                            </m:oMath>
+                          </a14:m>
+                          <a:r>
+                            <a:rPr kumimoji="1" lang="en-US" altLang="ja-JP" sz="2000" b="0" dirty="0">
+                              <a:solidFill>
+                                <a:schemeClr val="tx1"/>
+                              </a:solidFill>
+                              <a:latin typeface="Arial" panose="020B0604020202020204" pitchFamily="34" charset="0"/>
+                              <a:cs typeface="Arial" panose="020B0604020202020204" pitchFamily="34" charset="0"/>
+                            </a:rPr>
+                            <a:t> </a:t>
+                          </a:r>
+                          <a:endParaRPr kumimoji="1" lang="ja-JP" altLang="en-US" sz="2000" b="0">
+                            <a:solidFill>
+                              <a:schemeClr val="tx1"/>
+                            </a:solidFill>
+                            <a:latin typeface="Arial" panose="020B0604020202020204" pitchFamily="34" charset="0"/>
+                            <a:cs typeface="Arial" panose="020B0604020202020204" pitchFamily="34" charset="0"/>
+                          </a:endParaRPr>
+                        </a:p>
+                      </a:txBody>
+                      <a:tcPr marL="45720" marR="45720">
+                        <a:lnL w="19050" cap="flat" cmpd="sng" algn="ctr">
+                          <a:solidFill>
+                            <a:schemeClr val="tx1"/>
+                          </a:solidFill>
+                          <a:prstDash val="solid"/>
+                          <a:round/>
+                          <a:headEnd type="none" w="med" len="med"/>
+                          <a:tailEnd type="none" w="med" len="med"/>
+                        </a:lnL>
+                        <a:lnR w="19050" cap="flat" cmpd="sng" algn="ctr">
+                          <a:solidFill>
+                            <a:schemeClr val="tx1"/>
+                          </a:solidFill>
+                          <a:prstDash val="solid"/>
+                          <a:round/>
+                          <a:headEnd type="none" w="med" len="med"/>
+                          <a:tailEnd type="none" w="med" len="med"/>
+                        </a:lnR>
+                        <a:lnT w="19050" cap="flat" cmpd="sng" algn="ctr">
+                          <a:solidFill>
+                            <a:schemeClr val="tx1"/>
+                          </a:solidFill>
+                          <a:prstDash val="solid"/>
+                          <a:round/>
+                          <a:headEnd type="none" w="med" len="med"/>
+                          <a:tailEnd type="none" w="med" len="med"/>
+                        </a:lnT>
+                        <a:lnB w="19050" cap="flat" cmpd="sng" algn="ctr">
+                          <a:solidFill>
+                            <a:schemeClr val="tx1"/>
+                          </a:solidFill>
+                          <a:prstDash val="solid"/>
+                          <a:round/>
+                          <a:headEnd type="none" w="med" len="med"/>
+                          <a:tailEnd type="none" w="med" len="med"/>
+                        </a:lnB>
+                        <a:solidFill>
+                          <a:schemeClr val="bg1"/>
+                        </a:solidFill>
+                      </a:tcPr>
+                    </a:tc>
+                    <a:tc>
+                      <a:txBody>
+                        <a:bodyPr/>
+                        <a:lstStyle/>
+                        <a:p>
+                          <a:pPr algn="r"/>
+                          <a14:m>
+                            <m:oMath xmlns:m="http://schemas.openxmlformats.org/officeDocument/2006/math">
+                              <m:r>
+                                <a:rPr lang="en-US" altLang="ja-JP" sz="2000" i="1" dirty="0" smtClean="0">
+                                  <a:latin typeface="Cambria Math" panose="02040503050406030204" pitchFamily="18" charset="0"/>
+                                </a:rPr>
+                                <m:t>0</m:t>
+                              </m:r>
+                            </m:oMath>
+                          </a14:m>
+                          <a:r>
+                            <a:rPr lang="en-US" altLang="ja-JP" sz="2000" dirty="0"/>
+                            <a:t> </a:t>
+                          </a:r>
+                        </a:p>
+                      </a:txBody>
+                      <a:tcPr anchor="ctr">
+                        <a:lnL w="19050" cap="flat" cmpd="sng" algn="ctr">
+                          <a:solidFill>
+                            <a:schemeClr val="tx1"/>
+                          </a:solidFill>
+                          <a:prstDash val="solid"/>
+                          <a:round/>
+                          <a:headEnd type="none" w="med" len="med"/>
+                          <a:tailEnd type="none" w="med" len="med"/>
+                        </a:lnL>
+                        <a:lnR w="19050" cap="flat" cmpd="sng" algn="ctr">
+                          <a:solidFill>
+                            <a:schemeClr val="tx1"/>
+                          </a:solidFill>
+                          <a:prstDash val="solid"/>
+                          <a:round/>
+                          <a:headEnd type="none" w="med" len="med"/>
+                          <a:tailEnd type="none" w="med" len="med"/>
+                        </a:lnR>
+                        <a:lnT w="19050" cap="flat" cmpd="sng" algn="ctr">
+                          <a:solidFill>
+                            <a:schemeClr val="tx1"/>
+                          </a:solidFill>
+                          <a:prstDash val="solid"/>
+                          <a:round/>
+                          <a:headEnd type="none" w="med" len="med"/>
+                          <a:tailEnd type="none" w="med" len="med"/>
+                        </a:lnT>
+                        <a:lnB w="19050" cap="flat" cmpd="sng" algn="ctr">
+                          <a:solidFill>
+                            <a:schemeClr val="tx1"/>
+                          </a:solidFill>
+                          <a:prstDash val="solid"/>
+                          <a:round/>
+                          <a:headEnd type="none" w="med" len="med"/>
+                          <a:tailEnd type="none" w="med" len="med"/>
+                        </a:lnB>
+                        <a:solidFill>
+                          <a:schemeClr val="bg1"/>
+                        </a:solidFill>
+                      </a:tcPr>
+                    </a:tc>
+                    <a:extLst>
+                      <a:ext uri="{0D108BD9-81ED-4DB2-BD59-A6C34878D82A}">
+                        <a16:rowId xmlns:a16="http://schemas.microsoft.com/office/drawing/2014/main" val="3525191963"/>
+                      </a:ext>
+                    </a:extLst>
+                  </a:tr>
+                  <a:tr h="257019">
+                    <a:tc>
+                      <a:txBody>
+                        <a:bodyPr/>
+                        <a:lstStyle/>
+                        <a:p>
+                          <a:pPr algn="r"/>
+                          <a14:m>
+                            <m:oMath xmlns:m="http://schemas.openxmlformats.org/officeDocument/2006/math">
+                              <m:r>
+                                <a:rPr kumimoji="1" lang="en-US" altLang="ja-JP" sz="2000" b="0" i="1" dirty="0" smtClean="0">
+                                  <a:solidFill>
+                                    <a:schemeClr val="tx1"/>
+                                  </a:solidFill>
+                                  <a:latin typeface="Cambria Math" panose="02040503050406030204" pitchFamily="18" charset="0"/>
+                                  <a:cs typeface="Arial" panose="020B0604020202020204" pitchFamily="34" charset="0"/>
+                                </a:rPr>
+                                <m:t>6</m:t>
+                              </m:r>
+                            </m:oMath>
+                          </a14:m>
+                          <a:r>
+                            <a:rPr kumimoji="1" lang="en-US" altLang="ja-JP" sz="2000" b="0" dirty="0">
+                              <a:solidFill>
+                                <a:schemeClr val="tx1"/>
+                              </a:solidFill>
+                              <a:latin typeface="Arial" panose="020B0604020202020204" pitchFamily="34" charset="0"/>
+                              <a:cs typeface="Arial" panose="020B0604020202020204" pitchFamily="34" charset="0"/>
+                            </a:rPr>
+                            <a:t> </a:t>
+                          </a:r>
+                          <a:endParaRPr kumimoji="1" lang="ja-JP" altLang="en-US" sz="2000" b="0">
+                            <a:solidFill>
+                              <a:schemeClr val="tx1"/>
+                            </a:solidFill>
+                            <a:latin typeface="Arial" panose="020B0604020202020204" pitchFamily="34" charset="0"/>
+                            <a:cs typeface="Arial" panose="020B0604020202020204" pitchFamily="34" charset="0"/>
+                          </a:endParaRPr>
+                        </a:p>
+                      </a:txBody>
+                      <a:tcPr marL="45720" marR="45720">
+                        <a:lnL w="19050" cap="flat" cmpd="sng" algn="ctr">
+                          <a:solidFill>
+                            <a:schemeClr val="tx1"/>
+                          </a:solidFill>
+                          <a:prstDash val="solid"/>
+                          <a:round/>
+                          <a:headEnd type="none" w="med" len="med"/>
+                          <a:tailEnd type="none" w="med" len="med"/>
+                        </a:lnL>
+                        <a:lnR w="19050" cap="flat" cmpd="sng" algn="ctr">
+                          <a:solidFill>
+                            <a:schemeClr val="tx1"/>
+                          </a:solidFill>
+                          <a:prstDash val="solid"/>
+                          <a:round/>
+                          <a:headEnd type="none" w="med" len="med"/>
+                          <a:tailEnd type="none" w="med" len="med"/>
+                        </a:lnR>
+                        <a:lnT w="19050" cap="flat" cmpd="sng" algn="ctr">
+                          <a:solidFill>
+                            <a:schemeClr val="tx1"/>
+                          </a:solidFill>
+                          <a:prstDash val="solid"/>
+                          <a:round/>
+                          <a:headEnd type="none" w="med" len="med"/>
+                          <a:tailEnd type="none" w="med" len="med"/>
+                        </a:lnT>
+                        <a:lnB w="19050" cap="flat" cmpd="sng" algn="ctr">
+                          <a:solidFill>
+                            <a:schemeClr val="tx1"/>
+                          </a:solidFill>
+                          <a:prstDash val="solid"/>
+                          <a:round/>
+                          <a:headEnd type="none" w="med" len="med"/>
+                          <a:tailEnd type="none" w="med" len="med"/>
+                        </a:lnB>
+                        <a:solidFill>
+                          <a:schemeClr val="bg1"/>
+                        </a:solidFill>
+                      </a:tcPr>
+                    </a:tc>
+                    <a:tc>
+                      <a:txBody>
+                        <a:bodyPr/>
+                        <a:lstStyle/>
+                        <a:p>
+                          <a:pPr algn="r"/>
+                          <a14:m>
+                            <m:oMath xmlns:m="http://schemas.openxmlformats.org/officeDocument/2006/math">
+                              <m:r>
+                                <a:rPr lang="en-US" altLang="ja-JP" sz="2000" i="1" dirty="0" smtClean="0">
+                                  <a:latin typeface="Cambria Math" panose="02040503050406030204" pitchFamily="18" charset="0"/>
+                                </a:rPr>
+                                <m:t>1</m:t>
+                              </m:r>
+                            </m:oMath>
+                          </a14:m>
+                          <a:r>
+                            <a:rPr lang="en-US" altLang="ja-JP" sz="2000" dirty="0"/>
+                            <a:t> </a:t>
+                          </a:r>
+                        </a:p>
+                      </a:txBody>
+                      <a:tcPr anchor="ctr">
+                        <a:lnL w="19050" cap="flat" cmpd="sng" algn="ctr">
+                          <a:solidFill>
+                            <a:schemeClr val="tx1"/>
+                          </a:solidFill>
+                          <a:prstDash val="solid"/>
+                          <a:round/>
+                          <a:headEnd type="none" w="med" len="med"/>
+                          <a:tailEnd type="none" w="med" len="med"/>
+                        </a:lnL>
+                        <a:lnR w="19050" cap="flat" cmpd="sng" algn="ctr">
+                          <a:solidFill>
+                            <a:schemeClr val="tx1"/>
+                          </a:solidFill>
+                          <a:prstDash val="solid"/>
+                          <a:round/>
+                          <a:headEnd type="none" w="med" len="med"/>
+                          <a:tailEnd type="none" w="med" len="med"/>
+                        </a:lnR>
+                        <a:lnT w="19050" cap="flat" cmpd="sng" algn="ctr">
+                          <a:solidFill>
+                            <a:schemeClr val="tx1"/>
+                          </a:solidFill>
+                          <a:prstDash val="solid"/>
+                          <a:round/>
+                          <a:headEnd type="none" w="med" len="med"/>
+                          <a:tailEnd type="none" w="med" len="med"/>
+                        </a:lnT>
+                        <a:lnB w="19050" cap="flat" cmpd="sng" algn="ctr">
+                          <a:solidFill>
+                            <a:schemeClr val="tx1"/>
+                          </a:solidFill>
+                          <a:prstDash val="solid"/>
+                          <a:round/>
+                          <a:headEnd type="none" w="med" len="med"/>
+                          <a:tailEnd type="none" w="med" len="med"/>
+                        </a:lnB>
+                        <a:solidFill>
+                          <a:schemeClr val="bg1"/>
+                        </a:solidFill>
+                      </a:tcPr>
+                    </a:tc>
+                    <a:extLst>
+                      <a:ext uri="{0D108BD9-81ED-4DB2-BD59-A6C34878D82A}">
+                        <a16:rowId xmlns:a16="http://schemas.microsoft.com/office/drawing/2014/main" val="3569909037"/>
+                      </a:ext>
+                    </a:extLst>
+                  </a:tr>
+                  <a:tr h="257019">
+                    <a:tc>
+                      <a:txBody>
+                        <a:bodyPr/>
+                        <a:lstStyle/>
+                        <a:p>
+                          <a:pPr algn="r"/>
+                          <a14:m>
+                            <m:oMath xmlns:m="http://schemas.openxmlformats.org/officeDocument/2006/math">
+                              <m:r>
+                                <a:rPr kumimoji="1" lang="en-US" altLang="ja-JP" sz="2000" b="0" i="1" dirty="0" smtClean="0">
+                                  <a:solidFill>
+                                    <a:schemeClr val="tx1"/>
+                                  </a:solidFill>
+                                  <a:latin typeface="Cambria Math" panose="02040503050406030204" pitchFamily="18" charset="0"/>
+                                  <a:cs typeface="Arial" panose="020B0604020202020204" pitchFamily="34" charset="0"/>
+                                </a:rPr>
+                                <m:t>7</m:t>
+                              </m:r>
+                            </m:oMath>
+                          </a14:m>
+                          <a:r>
+                            <a:rPr kumimoji="1" lang="en-US" altLang="ja-JP" sz="2000" b="0" dirty="0">
+                              <a:solidFill>
+                                <a:schemeClr val="tx1"/>
+                              </a:solidFill>
+                              <a:latin typeface="Arial" panose="020B0604020202020204" pitchFamily="34" charset="0"/>
+                              <a:cs typeface="Arial" panose="020B0604020202020204" pitchFamily="34" charset="0"/>
+                            </a:rPr>
+                            <a:t> </a:t>
+                          </a:r>
+                          <a:endParaRPr kumimoji="1" lang="ja-JP" altLang="en-US" sz="2000" b="0">
+                            <a:solidFill>
+                              <a:schemeClr val="tx1"/>
+                            </a:solidFill>
+                            <a:latin typeface="Arial" panose="020B0604020202020204" pitchFamily="34" charset="0"/>
+                            <a:cs typeface="Arial" panose="020B0604020202020204" pitchFamily="34" charset="0"/>
+                          </a:endParaRPr>
+                        </a:p>
+                      </a:txBody>
+                      <a:tcPr marL="45720" marR="45720">
+                        <a:lnL w="19050" cap="flat" cmpd="sng" algn="ctr">
+                          <a:solidFill>
+                            <a:schemeClr val="tx1"/>
+                          </a:solidFill>
+                          <a:prstDash val="solid"/>
+                          <a:round/>
+                          <a:headEnd type="none" w="med" len="med"/>
+                          <a:tailEnd type="none" w="med" len="med"/>
+                        </a:lnL>
+                        <a:lnR w="19050" cap="flat" cmpd="sng" algn="ctr">
+                          <a:solidFill>
+                            <a:schemeClr val="tx1"/>
+                          </a:solidFill>
+                          <a:prstDash val="solid"/>
+                          <a:round/>
+                          <a:headEnd type="none" w="med" len="med"/>
+                          <a:tailEnd type="none" w="med" len="med"/>
+                        </a:lnR>
+                        <a:lnT w="19050" cap="flat" cmpd="sng" algn="ctr">
+                          <a:solidFill>
+                            <a:schemeClr val="tx1"/>
+                          </a:solidFill>
+                          <a:prstDash val="solid"/>
+                          <a:round/>
+                          <a:headEnd type="none" w="med" len="med"/>
+                          <a:tailEnd type="none" w="med" len="med"/>
+                        </a:lnT>
+                        <a:lnB w="19050" cap="flat" cmpd="sng" algn="ctr">
+                          <a:solidFill>
+                            <a:schemeClr val="tx1"/>
+                          </a:solidFill>
+                          <a:prstDash val="solid"/>
+                          <a:round/>
+                          <a:headEnd type="none" w="med" len="med"/>
+                          <a:tailEnd type="none" w="med" len="med"/>
+                        </a:lnB>
+                        <a:solidFill>
+                          <a:schemeClr val="bg1"/>
+                        </a:solidFill>
+                      </a:tcPr>
+                    </a:tc>
+                    <a:tc>
+                      <a:txBody>
+                        <a:bodyPr/>
+                        <a:lstStyle/>
+                        <a:p>
+                          <a:pPr algn="r"/>
+                          <a14:m>
+                            <m:oMath xmlns:m="http://schemas.openxmlformats.org/officeDocument/2006/math">
+                              <m:r>
+                                <a:rPr lang="en-US" altLang="ja-JP" sz="2000" i="1" dirty="0" smtClean="0">
+                                  <a:latin typeface="Cambria Math" panose="02040503050406030204" pitchFamily="18" charset="0"/>
+                                </a:rPr>
+                                <m:t>1</m:t>
+                              </m:r>
+                            </m:oMath>
+                          </a14:m>
+                          <a:r>
+                            <a:rPr lang="en-US" altLang="ja-JP" sz="2000" dirty="0"/>
+                            <a:t> </a:t>
+                          </a:r>
+                        </a:p>
+                      </a:txBody>
+                      <a:tcPr anchor="ctr">
+                        <a:lnL w="19050" cap="flat" cmpd="sng" algn="ctr">
+                          <a:solidFill>
+                            <a:schemeClr val="tx1"/>
+                          </a:solidFill>
+                          <a:prstDash val="solid"/>
+                          <a:round/>
+                          <a:headEnd type="none" w="med" len="med"/>
+                          <a:tailEnd type="none" w="med" len="med"/>
+                        </a:lnL>
+                        <a:lnR w="19050" cap="flat" cmpd="sng" algn="ctr">
+                          <a:solidFill>
+                            <a:schemeClr val="tx1"/>
+                          </a:solidFill>
+                          <a:prstDash val="solid"/>
+                          <a:round/>
+                          <a:headEnd type="none" w="med" len="med"/>
+                          <a:tailEnd type="none" w="med" len="med"/>
+                        </a:lnR>
+                        <a:lnT w="19050" cap="flat" cmpd="sng" algn="ctr">
+                          <a:solidFill>
+                            <a:schemeClr val="tx1"/>
+                          </a:solidFill>
+                          <a:prstDash val="solid"/>
+                          <a:round/>
+                          <a:headEnd type="none" w="med" len="med"/>
+                          <a:tailEnd type="none" w="med" len="med"/>
+                        </a:lnT>
+                        <a:lnB w="19050" cap="flat" cmpd="sng" algn="ctr">
+                          <a:solidFill>
+                            <a:schemeClr val="tx1"/>
+                          </a:solidFill>
+                          <a:prstDash val="solid"/>
+                          <a:round/>
+                          <a:headEnd type="none" w="med" len="med"/>
+                          <a:tailEnd type="none" w="med" len="med"/>
+                        </a:lnB>
+                        <a:solidFill>
+                          <a:schemeClr val="bg1"/>
+                        </a:solidFill>
+                      </a:tcPr>
+                    </a:tc>
+                    <a:extLst>
+                      <a:ext uri="{0D108BD9-81ED-4DB2-BD59-A6C34878D82A}">
+                        <a16:rowId xmlns:a16="http://schemas.microsoft.com/office/drawing/2014/main" val="3327895223"/>
+                      </a:ext>
+                    </a:extLst>
+                  </a:tr>
+                  <a:tr h="257019">
+                    <a:tc>
+                      <a:txBody>
+                        <a:bodyPr/>
+                        <a:lstStyle/>
+                        <a:p>
+                          <a:pPr algn="r"/>
+                          <a14:m>
+                            <m:oMath xmlns:m="http://schemas.openxmlformats.org/officeDocument/2006/math">
+                              <m:r>
+                                <a:rPr kumimoji="1" lang="en-US" altLang="ja-JP" sz="2000" b="0" i="1" dirty="0" smtClean="0">
+                                  <a:solidFill>
+                                    <a:schemeClr val="tx1"/>
+                                  </a:solidFill>
+                                  <a:latin typeface="Cambria Math" panose="02040503050406030204" pitchFamily="18" charset="0"/>
+                                  <a:cs typeface="Arial" panose="020B0604020202020204" pitchFamily="34" charset="0"/>
+                                </a:rPr>
+                                <m:t>8</m:t>
+                              </m:r>
+                            </m:oMath>
+                          </a14:m>
+                          <a:r>
+                            <a:rPr kumimoji="1" lang="en-US" altLang="ja-JP" sz="2000" b="0" dirty="0">
+                              <a:solidFill>
+                                <a:srgbClr val="FF0000"/>
+                              </a:solidFill>
+                              <a:latin typeface="Arial" panose="020B0604020202020204" pitchFamily="34" charset="0"/>
+                              <a:cs typeface="Arial" panose="020B0604020202020204" pitchFamily="34" charset="0"/>
+                            </a:rPr>
+                            <a:t> </a:t>
+                          </a:r>
+                          <a:endParaRPr kumimoji="1" lang="ja-JP" altLang="en-US" sz="2000" b="0">
+                            <a:solidFill>
+                              <a:srgbClr val="FF0000"/>
+                            </a:solidFill>
+                            <a:latin typeface="Arial" panose="020B0604020202020204" pitchFamily="34" charset="0"/>
+                            <a:cs typeface="Arial" panose="020B0604020202020204" pitchFamily="34" charset="0"/>
+                          </a:endParaRPr>
+                        </a:p>
+                      </a:txBody>
+                      <a:tcPr marL="45720" marR="45720">
+                        <a:lnL w="19050" cap="flat" cmpd="sng" algn="ctr">
+                          <a:solidFill>
+                            <a:schemeClr val="tx1"/>
+                          </a:solidFill>
+                          <a:prstDash val="solid"/>
+                          <a:round/>
+                          <a:headEnd type="none" w="med" len="med"/>
+                          <a:tailEnd type="none" w="med" len="med"/>
+                        </a:lnL>
+                        <a:lnR w="19050" cap="flat" cmpd="sng" algn="ctr">
+                          <a:solidFill>
+                            <a:schemeClr val="tx1"/>
+                          </a:solidFill>
+                          <a:prstDash val="solid"/>
+                          <a:round/>
+                          <a:headEnd type="none" w="med" len="med"/>
+                          <a:tailEnd type="none" w="med" len="med"/>
+                        </a:lnR>
+                        <a:lnT w="19050" cap="flat" cmpd="sng" algn="ctr">
+                          <a:solidFill>
+                            <a:schemeClr val="tx1"/>
+                          </a:solidFill>
+                          <a:prstDash val="solid"/>
+                          <a:round/>
+                          <a:headEnd type="none" w="med" len="med"/>
+                          <a:tailEnd type="none" w="med" len="med"/>
+                        </a:lnT>
+                        <a:lnB w="19050" cap="flat" cmpd="sng" algn="ctr">
+                          <a:solidFill>
+                            <a:schemeClr val="tx1"/>
+                          </a:solidFill>
+                          <a:prstDash val="solid"/>
+                          <a:round/>
+                          <a:headEnd type="none" w="med" len="med"/>
+                          <a:tailEnd type="none" w="med" len="med"/>
+                        </a:lnB>
+                        <a:solidFill>
+                          <a:schemeClr val="bg1"/>
+                        </a:solidFill>
+                      </a:tcPr>
+                    </a:tc>
+                    <a:tc>
+                      <a:txBody>
+                        <a:bodyPr/>
+                        <a:lstStyle/>
+                        <a:p>
+                          <a:pPr algn="r"/>
+                          <a14:m>
+                            <m:oMath xmlns:m="http://schemas.openxmlformats.org/officeDocument/2006/math">
+                              <m:r>
+                                <a:rPr lang="en-US" altLang="ja-JP" sz="2000" i="1" dirty="0" smtClean="0">
+                                  <a:latin typeface="Cambria Math" panose="02040503050406030204" pitchFamily="18" charset="0"/>
+                                </a:rPr>
+                                <m:t>3</m:t>
+                              </m:r>
+                            </m:oMath>
+                          </a14:m>
+                          <a:r>
+                            <a:rPr lang="en-US" altLang="ja-JP" sz="2000" dirty="0"/>
+                            <a:t> </a:t>
+                          </a:r>
+                        </a:p>
+                      </a:txBody>
+                      <a:tcPr anchor="ctr">
+                        <a:lnL w="19050" cap="flat" cmpd="sng" algn="ctr">
+                          <a:solidFill>
+                            <a:schemeClr val="tx1"/>
+                          </a:solidFill>
+                          <a:prstDash val="solid"/>
+                          <a:round/>
+                          <a:headEnd type="none" w="med" len="med"/>
+                          <a:tailEnd type="none" w="med" len="med"/>
+                        </a:lnL>
+                        <a:lnR w="19050" cap="flat" cmpd="sng" algn="ctr">
+                          <a:solidFill>
+                            <a:schemeClr val="tx1"/>
+                          </a:solidFill>
+                          <a:prstDash val="solid"/>
+                          <a:round/>
+                          <a:headEnd type="none" w="med" len="med"/>
+                          <a:tailEnd type="none" w="med" len="med"/>
+                        </a:lnR>
+                        <a:lnT w="19050" cap="flat" cmpd="sng" algn="ctr">
+                          <a:solidFill>
+                            <a:schemeClr val="tx1"/>
+                          </a:solidFill>
+                          <a:prstDash val="solid"/>
+                          <a:round/>
+                          <a:headEnd type="none" w="med" len="med"/>
+                          <a:tailEnd type="none" w="med" len="med"/>
+                        </a:lnT>
+                        <a:lnB w="19050" cap="flat" cmpd="sng" algn="ctr">
+                          <a:solidFill>
+                            <a:schemeClr val="tx1"/>
+                          </a:solidFill>
+                          <a:prstDash val="solid"/>
+                          <a:round/>
+                          <a:headEnd type="none" w="med" len="med"/>
+                          <a:tailEnd type="none" w="med" len="med"/>
+                        </a:lnB>
+                        <a:solidFill>
+                          <a:schemeClr val="bg1"/>
+                        </a:solidFill>
+                      </a:tcPr>
+                    </a:tc>
+                    <a:extLst>
+                      <a:ext uri="{0D108BD9-81ED-4DB2-BD59-A6C34878D82A}">
+                        <a16:rowId xmlns:a16="http://schemas.microsoft.com/office/drawing/2014/main" val="472790633"/>
+                      </a:ext>
+                    </a:extLst>
+                  </a:tr>
+                  <a:tr h="257019">
+                    <a:tc>
+                      <a:txBody>
+                        <a:bodyPr/>
+                        <a:lstStyle/>
+                        <a:p>
+                          <a:pPr algn="r"/>
+                          <a14:m>
+                            <m:oMath xmlns:m="http://schemas.openxmlformats.org/officeDocument/2006/math">
+                              <m:r>
+                                <a:rPr kumimoji="1" lang="en-US" altLang="ja-JP" sz="2000" b="0" i="1" dirty="0" smtClean="0">
+                                  <a:solidFill>
+                                    <a:schemeClr val="tx1"/>
+                                  </a:solidFill>
+                                  <a:latin typeface="Cambria Math" panose="02040503050406030204" pitchFamily="18" charset="0"/>
+                                  <a:cs typeface="Arial" panose="020B0604020202020204" pitchFamily="34" charset="0"/>
+                                </a:rPr>
+                                <m:t>9</m:t>
+                              </m:r>
+                            </m:oMath>
+                          </a14:m>
+                          <a:r>
+                            <a:rPr kumimoji="1" lang="en-US" altLang="ja-JP" sz="2000" b="0" dirty="0">
+                              <a:solidFill>
+                                <a:schemeClr val="tx1"/>
+                              </a:solidFill>
+                              <a:latin typeface="Arial" panose="020B0604020202020204" pitchFamily="34" charset="0"/>
+                              <a:cs typeface="Arial" panose="020B0604020202020204" pitchFamily="34" charset="0"/>
+                            </a:rPr>
+                            <a:t> </a:t>
+                          </a:r>
+                          <a:endParaRPr kumimoji="1" lang="ja-JP" altLang="en-US" sz="2000" b="0">
+                            <a:solidFill>
+                              <a:schemeClr val="tx1"/>
+                            </a:solidFill>
+                            <a:latin typeface="Arial" panose="020B0604020202020204" pitchFamily="34" charset="0"/>
+                            <a:cs typeface="Arial" panose="020B0604020202020204" pitchFamily="34" charset="0"/>
+                          </a:endParaRPr>
+                        </a:p>
+                      </a:txBody>
+                      <a:tcPr marL="45720" marR="45720">
+                        <a:lnL w="19050" cap="flat" cmpd="sng" algn="ctr">
+                          <a:solidFill>
+                            <a:schemeClr val="tx1"/>
+                          </a:solidFill>
+                          <a:prstDash val="solid"/>
+                          <a:round/>
+                          <a:headEnd type="none" w="med" len="med"/>
+                          <a:tailEnd type="none" w="med" len="med"/>
+                        </a:lnL>
+                        <a:lnR w="19050" cap="flat" cmpd="sng" algn="ctr">
+                          <a:solidFill>
+                            <a:schemeClr val="tx1"/>
+                          </a:solidFill>
+                          <a:prstDash val="solid"/>
+                          <a:round/>
+                          <a:headEnd type="none" w="med" len="med"/>
+                          <a:tailEnd type="none" w="med" len="med"/>
+                        </a:lnR>
+                        <a:lnT w="19050" cap="flat" cmpd="sng" algn="ctr">
+                          <a:solidFill>
+                            <a:schemeClr val="tx1"/>
+                          </a:solidFill>
+                          <a:prstDash val="solid"/>
+                          <a:round/>
+                          <a:headEnd type="none" w="med" len="med"/>
+                          <a:tailEnd type="none" w="med" len="med"/>
+                        </a:lnT>
+                        <a:lnB w="19050" cap="flat" cmpd="sng" algn="ctr">
+                          <a:solidFill>
+                            <a:schemeClr val="tx1"/>
+                          </a:solidFill>
+                          <a:prstDash val="solid"/>
+                          <a:round/>
+                          <a:headEnd type="none" w="med" len="med"/>
+                          <a:tailEnd type="none" w="med" len="med"/>
+                        </a:lnB>
+                        <a:solidFill>
+                          <a:schemeClr val="bg1"/>
+                        </a:solidFill>
+                      </a:tcPr>
+                    </a:tc>
+                    <a:tc>
+                      <a:txBody>
+                        <a:bodyPr/>
+                        <a:lstStyle/>
+                        <a:p>
+                          <a:pPr algn="r"/>
+                          <a14:m>
+                            <m:oMath xmlns:m="http://schemas.openxmlformats.org/officeDocument/2006/math">
+                              <m:r>
+                                <a:rPr lang="en-US" altLang="ja-JP" sz="2000" i="1" dirty="0" smtClean="0">
+                                  <a:latin typeface="Cambria Math" panose="02040503050406030204" pitchFamily="18" charset="0"/>
+                                </a:rPr>
+                                <m:t>4</m:t>
+                              </m:r>
+                            </m:oMath>
+                          </a14:m>
+                          <a:r>
+                            <a:rPr lang="en-US" altLang="ja-JP" sz="2000" dirty="0"/>
+                            <a:t> </a:t>
+                          </a:r>
+                        </a:p>
+                      </a:txBody>
+                      <a:tcPr anchor="ctr">
+                        <a:lnL w="19050" cap="flat" cmpd="sng" algn="ctr">
+                          <a:solidFill>
+                            <a:schemeClr val="tx1"/>
+                          </a:solidFill>
+                          <a:prstDash val="solid"/>
+                          <a:round/>
+                          <a:headEnd type="none" w="med" len="med"/>
+                          <a:tailEnd type="none" w="med" len="med"/>
+                        </a:lnL>
+                        <a:lnR w="19050" cap="flat" cmpd="sng" algn="ctr">
+                          <a:solidFill>
+                            <a:schemeClr val="tx1"/>
+                          </a:solidFill>
+                          <a:prstDash val="solid"/>
+                          <a:round/>
+                          <a:headEnd type="none" w="med" len="med"/>
+                          <a:tailEnd type="none" w="med" len="med"/>
+                        </a:lnR>
+                        <a:lnT w="19050" cap="flat" cmpd="sng" algn="ctr">
+                          <a:solidFill>
+                            <a:schemeClr val="tx1"/>
+                          </a:solidFill>
+                          <a:prstDash val="solid"/>
+                          <a:round/>
+                          <a:headEnd type="none" w="med" len="med"/>
+                          <a:tailEnd type="none" w="med" len="med"/>
+                        </a:lnT>
+                        <a:lnB w="19050" cap="flat" cmpd="sng" algn="ctr">
+                          <a:solidFill>
+                            <a:schemeClr val="tx1"/>
+                          </a:solidFill>
+                          <a:prstDash val="solid"/>
+                          <a:round/>
+                          <a:headEnd type="none" w="med" len="med"/>
+                          <a:tailEnd type="none" w="med" len="med"/>
+                        </a:lnB>
+                        <a:solidFill>
+                          <a:schemeClr val="bg1"/>
+                        </a:solidFill>
+                      </a:tcPr>
+                    </a:tc>
+                    <a:extLst>
+                      <a:ext uri="{0D108BD9-81ED-4DB2-BD59-A6C34878D82A}">
+                        <a16:rowId xmlns:a16="http://schemas.microsoft.com/office/drawing/2014/main" val="706877952"/>
+                      </a:ext>
+                    </a:extLst>
+                  </a:tr>
+                  <a:tr h="257019">
+                    <a:tc>
+                      <a:txBody>
+                        <a:bodyPr/>
+                        <a:lstStyle/>
+                        <a:p>
+                          <a:pPr algn="r"/>
+                          <a14:m>
+                            <m:oMath xmlns:m="http://schemas.openxmlformats.org/officeDocument/2006/math">
+                              <m:r>
+                                <a:rPr kumimoji="1" lang="en-US" altLang="ja-JP" sz="2000" b="0" i="1" dirty="0" smtClean="0">
+                                  <a:solidFill>
+                                    <a:schemeClr val="tx1"/>
+                                  </a:solidFill>
+                                  <a:latin typeface="Cambria Math" panose="02040503050406030204" pitchFamily="18" charset="0"/>
+                                  <a:cs typeface="Arial" panose="020B0604020202020204" pitchFamily="34" charset="0"/>
+                                </a:rPr>
+                                <m:t>10</m:t>
+                              </m:r>
+                            </m:oMath>
+                          </a14:m>
+                          <a:r>
+                            <a:rPr kumimoji="1" lang="en-US" altLang="ja-JP" sz="2000" b="0" dirty="0">
+                              <a:solidFill>
+                                <a:schemeClr val="tx1"/>
+                              </a:solidFill>
+                              <a:latin typeface="Arial" panose="020B0604020202020204" pitchFamily="34" charset="0"/>
+                              <a:cs typeface="Arial" panose="020B0604020202020204" pitchFamily="34" charset="0"/>
+                            </a:rPr>
+                            <a:t> </a:t>
+                          </a:r>
+                          <a:endParaRPr kumimoji="1" lang="ja-JP" altLang="en-US" sz="2000" b="0">
+                            <a:solidFill>
+                              <a:schemeClr val="tx1"/>
+                            </a:solidFill>
+                            <a:latin typeface="Arial" panose="020B0604020202020204" pitchFamily="34" charset="0"/>
+                            <a:cs typeface="Arial" panose="020B0604020202020204" pitchFamily="34" charset="0"/>
+                          </a:endParaRPr>
+                        </a:p>
+                      </a:txBody>
+                      <a:tcPr marL="45720" marR="45720">
+                        <a:lnL w="19050" cap="flat" cmpd="sng" algn="ctr">
+                          <a:solidFill>
+                            <a:schemeClr val="tx1"/>
+                          </a:solidFill>
+                          <a:prstDash val="solid"/>
+                          <a:round/>
+                          <a:headEnd type="none" w="med" len="med"/>
+                          <a:tailEnd type="none" w="med" len="med"/>
+                        </a:lnL>
+                        <a:lnR w="19050" cap="flat" cmpd="sng" algn="ctr">
+                          <a:solidFill>
+                            <a:schemeClr val="tx1"/>
+                          </a:solidFill>
+                          <a:prstDash val="solid"/>
+                          <a:round/>
+                          <a:headEnd type="none" w="med" len="med"/>
+                          <a:tailEnd type="none" w="med" len="med"/>
+                        </a:lnR>
+                        <a:lnT w="19050" cap="flat" cmpd="sng" algn="ctr">
+                          <a:solidFill>
+                            <a:schemeClr val="tx1"/>
+                          </a:solidFill>
+                          <a:prstDash val="solid"/>
+                          <a:round/>
+                          <a:headEnd type="none" w="med" len="med"/>
+                          <a:tailEnd type="none" w="med" len="med"/>
+                        </a:lnT>
+                        <a:lnB w="19050" cap="flat" cmpd="sng" algn="ctr">
+                          <a:solidFill>
+                            <a:schemeClr val="tx1"/>
+                          </a:solidFill>
+                          <a:prstDash val="solid"/>
+                          <a:round/>
+                          <a:headEnd type="none" w="med" len="med"/>
+                          <a:tailEnd type="none" w="med" len="med"/>
+                        </a:lnB>
+                        <a:solidFill>
+                          <a:schemeClr val="bg1"/>
+                        </a:solidFill>
+                      </a:tcPr>
+                    </a:tc>
+                    <a:tc>
+                      <a:txBody>
+                        <a:bodyPr/>
+                        <a:lstStyle/>
+                        <a:p>
+                          <a:pPr algn="r"/>
+                          <a14:m>
+                            <m:oMath xmlns:m="http://schemas.openxmlformats.org/officeDocument/2006/math">
+                              <m:r>
+                                <a:rPr lang="en-US" altLang="ja-JP" sz="2000" i="1" dirty="0" smtClean="0">
+                                  <a:latin typeface="Cambria Math" panose="02040503050406030204" pitchFamily="18" charset="0"/>
+                                </a:rPr>
+                                <m:t>2</m:t>
+                              </m:r>
+                            </m:oMath>
+                          </a14:m>
+                          <a:r>
+                            <a:rPr lang="en-US" altLang="ja-JP" sz="2000" dirty="0"/>
+                            <a:t> </a:t>
+                          </a:r>
+                        </a:p>
+                      </a:txBody>
+                      <a:tcPr anchor="ctr">
+                        <a:lnL w="19050" cap="flat" cmpd="sng" algn="ctr">
+                          <a:solidFill>
+                            <a:schemeClr val="tx1"/>
+                          </a:solidFill>
+                          <a:prstDash val="solid"/>
+                          <a:round/>
+                          <a:headEnd type="none" w="med" len="med"/>
+                          <a:tailEnd type="none" w="med" len="med"/>
+                        </a:lnL>
+                        <a:lnR w="19050" cap="flat" cmpd="sng" algn="ctr">
+                          <a:solidFill>
+                            <a:schemeClr val="tx1"/>
+                          </a:solidFill>
+                          <a:prstDash val="solid"/>
+                          <a:round/>
+                          <a:headEnd type="none" w="med" len="med"/>
+                          <a:tailEnd type="none" w="med" len="med"/>
+                        </a:lnR>
+                        <a:lnT w="19050" cap="flat" cmpd="sng" algn="ctr">
+                          <a:solidFill>
+                            <a:schemeClr val="tx1"/>
+                          </a:solidFill>
+                          <a:prstDash val="solid"/>
+                          <a:round/>
+                          <a:headEnd type="none" w="med" len="med"/>
+                          <a:tailEnd type="none" w="med" len="med"/>
+                        </a:lnT>
+                        <a:lnB w="19050" cap="flat" cmpd="sng" algn="ctr">
+                          <a:solidFill>
+                            <a:schemeClr val="tx1"/>
+                          </a:solidFill>
+                          <a:prstDash val="solid"/>
+                          <a:round/>
+                          <a:headEnd type="none" w="med" len="med"/>
+                          <a:tailEnd type="none" w="med" len="med"/>
+                        </a:lnB>
+                        <a:solidFill>
+                          <a:schemeClr val="bg1"/>
+                        </a:solidFill>
+                      </a:tcPr>
+                    </a:tc>
+                    <a:extLst>
+                      <a:ext uri="{0D108BD9-81ED-4DB2-BD59-A6C34878D82A}">
+                        <a16:rowId xmlns:a16="http://schemas.microsoft.com/office/drawing/2014/main" val="3250368543"/>
+                      </a:ext>
+                    </a:extLst>
+                  </a:tr>
+                </a:tbl>
+              </a:graphicData>
+            </a:graphic>
+          </p:graphicFrame>
+        </mc:Choice>
+        <mc:Fallback>
+          <p:graphicFrame>
+            <p:nvGraphicFramePr>
+              <p:cNvPr id="18" name="コンテンツ プレースホルダー 16">
+                <a:extLst>
+                  <a:ext uri="{FF2B5EF4-FFF2-40B4-BE49-F238E27FC236}">
+                    <a16:creationId xmlns:a16="http://schemas.microsoft.com/office/drawing/2014/main" id="{19911353-4A90-0D30-ADA5-9DBFF0E1E6A8}"/>
+                  </a:ext>
+                </a:extLst>
+              </p:cNvPr>
+              <p:cNvGraphicFramePr>
+                <a:graphicFrameLocks/>
+              </p:cNvGraphicFramePr>
+              <p:nvPr>
+                <p:extLst>
+                  <p:ext uri="{D42A27DB-BD31-4B8C-83A1-F6EECF244321}">
+                    <p14:modId xmlns:p14="http://schemas.microsoft.com/office/powerpoint/2010/main" val="2624135554"/>
+                  </p:ext>
+                </p:extLst>
+              </p:nvPr>
+            </p:nvGraphicFramePr>
+            <p:xfrm>
+              <a:off x="4903081" y="2300583"/>
+              <a:ext cx="1791089" cy="3114480"/>
+            </p:xfrm>
+            <a:graphic>
+              <a:graphicData uri="http://schemas.openxmlformats.org/drawingml/2006/table">
+                <a:tbl>
+                  <a:tblPr firstRow="1" bandRow="1">
+                    <a:tableStyleId>{5C22544A-7EE6-4342-B048-85BDC9FD1C3A}</a:tableStyleId>
+                  </a:tblPr>
+                  <a:tblGrid>
+                    <a:gridCol w="401661">
+                      <a:extLst>
+                        <a:ext uri="{9D8B030D-6E8A-4147-A177-3AD203B41FA5}">
+                          <a16:colId xmlns:a16="http://schemas.microsoft.com/office/drawing/2014/main" val="215306376"/>
+                        </a:ext>
+                      </a:extLst>
+                    </a:gridCol>
+                    <a:gridCol w="1389428">
+                      <a:extLst>
+                        <a:ext uri="{9D8B030D-6E8A-4147-A177-3AD203B41FA5}">
+                          <a16:colId xmlns:a16="http://schemas.microsoft.com/office/drawing/2014/main" val="879464118"/>
+                        </a:ext>
+                      </a:extLst>
+                    </a:gridCol>
+                  </a:tblGrid>
+                  <a:tr h="340800">
+                    <a:tc>
+                      <a:txBody>
+                        <a:bodyPr/>
+                        <a:lstStyle/>
+                        <a:p>
+                          <a:endParaRPr lang="ja-JP"/>
+                        </a:p>
+                      </a:txBody>
+                      <a:tcPr marL="81720" marR="10800" marT="18000" marB="18000">
+                        <a:lnL w="19050" cap="flat" cmpd="sng" algn="ctr">
+                          <a:solidFill>
+                            <a:schemeClr val="tx1"/>
+                          </a:solidFill>
+                          <a:prstDash val="solid"/>
+                          <a:round/>
+                          <a:headEnd type="none" w="med" len="med"/>
+                          <a:tailEnd type="none" w="med" len="med"/>
+                        </a:lnL>
+                        <a:lnR w="19050" cap="flat" cmpd="sng" algn="ctr">
+                          <a:solidFill>
+                            <a:schemeClr val="tx1"/>
+                          </a:solidFill>
+                          <a:prstDash val="solid"/>
+                          <a:round/>
+                          <a:headEnd type="none" w="med" len="med"/>
+                          <a:tailEnd type="none" w="med" len="med"/>
+                        </a:lnR>
+                        <a:lnT w="19050" cap="flat" cmpd="sng" algn="ctr">
+                          <a:solidFill>
+                            <a:schemeClr val="tx1"/>
+                          </a:solidFill>
+                          <a:prstDash val="solid"/>
+                          <a:round/>
+                          <a:headEnd type="none" w="med" len="med"/>
+                          <a:tailEnd type="none" w="med" len="med"/>
+                        </a:lnT>
+                        <a:lnB w="19050" cap="flat" cmpd="sng" algn="ctr">
+                          <a:solidFill>
+                            <a:schemeClr val="tx1"/>
+                          </a:solidFill>
+                          <a:prstDash val="solid"/>
+                          <a:round/>
+                          <a:headEnd type="none" w="med" len="med"/>
+                          <a:tailEnd type="none" w="med" len="med"/>
+                        </a:lnB>
+                        <a:blipFill>
+                          <a:blip r:embed="rId4"/>
+                          <a:stretch>
+                            <a:fillRect l="-6250" t="-18519" r="-346875" b="-818519"/>
+                          </a:stretch>
+                        </a:blipFill>
+                      </a:tcPr>
+                    </a:tc>
+                    <a:tc>
+                      <a:txBody>
+                        <a:bodyPr/>
+                        <a:lstStyle/>
+                        <a:p>
+                          <a:pPr algn="ctr"/>
+                          <a:r>
+                            <a:rPr kumimoji="1" lang="en-US" altLang="ja-JP" sz="2000" b="1" dirty="0">
+                              <a:solidFill>
+                                <a:schemeClr val="tx1"/>
+                              </a:solidFill>
+                              <a:latin typeface="Arial" panose="020B0604020202020204" pitchFamily="34" charset="0"/>
+                              <a:cs typeface="Arial" panose="020B0604020202020204" pitchFamily="34" charset="0"/>
+                            </a:rPr>
+                            <a:t># graph</a:t>
+                          </a:r>
+                          <a:endParaRPr kumimoji="1" lang="ja-JP" altLang="en-US" sz="2000" b="1">
+                            <a:solidFill>
+                              <a:schemeClr val="tx1"/>
+                            </a:solidFill>
+                            <a:latin typeface="Arial" panose="020B0604020202020204" pitchFamily="34" charset="0"/>
+                            <a:cs typeface="Arial" panose="020B0604020202020204" pitchFamily="34" charset="0"/>
+                          </a:endParaRPr>
+                        </a:p>
+                      </a:txBody>
+                      <a:tcPr marL="45720" marR="46800" marT="18000" marB="18000">
+                        <a:lnL w="19050" cap="flat" cmpd="sng" algn="ctr">
+                          <a:solidFill>
+                            <a:schemeClr val="tx1"/>
+                          </a:solidFill>
+                          <a:prstDash val="solid"/>
+                          <a:round/>
+                          <a:headEnd type="none" w="med" len="med"/>
+                          <a:tailEnd type="none" w="med" len="med"/>
+                        </a:lnL>
+                        <a:lnR w="19050" cap="flat" cmpd="sng" algn="ctr">
+                          <a:solidFill>
+                            <a:schemeClr val="tx1"/>
+                          </a:solidFill>
+                          <a:prstDash val="solid"/>
+                          <a:round/>
+                          <a:headEnd type="none" w="med" len="med"/>
+                          <a:tailEnd type="none" w="med" len="med"/>
+                        </a:lnR>
+                        <a:lnT w="19050" cap="flat" cmpd="sng" algn="ctr">
+                          <a:solidFill>
+                            <a:schemeClr val="tx1"/>
+                          </a:solidFill>
+                          <a:prstDash val="solid"/>
+                          <a:round/>
+                          <a:headEnd type="none" w="med" len="med"/>
+                          <a:tailEnd type="none" w="med" len="med"/>
+                        </a:lnT>
+                        <a:lnB w="19050" cap="flat" cmpd="sng" algn="ctr">
+                          <a:solidFill>
+                            <a:schemeClr val="tx1"/>
+                          </a:solidFill>
+                          <a:prstDash val="solid"/>
+                          <a:round/>
+                          <a:headEnd type="none" w="med" len="med"/>
+                          <a:tailEnd type="none" w="med" len="med"/>
+                        </a:lnB>
+                        <a:solidFill>
+                          <a:schemeClr val="accent2"/>
+                        </a:solidFill>
+                      </a:tcPr>
+                    </a:tc>
+                    <a:extLst>
+                      <a:ext uri="{0D108BD9-81ED-4DB2-BD59-A6C34878D82A}">
+                        <a16:rowId xmlns:a16="http://schemas.microsoft.com/office/drawing/2014/main" val="3359987910"/>
+                      </a:ext>
+                    </a:extLst>
+                  </a:tr>
+                  <a:tr h="396240">
+                    <a:tc>
+                      <a:txBody>
+                        <a:bodyPr/>
+                        <a:lstStyle/>
+                        <a:p>
+                          <a:endParaRPr lang="ja-JP"/>
+                        </a:p>
+                      </a:txBody>
+                      <a:tcPr marL="45720" marR="45720">
+                        <a:lnL w="19050" cap="flat" cmpd="sng" algn="ctr">
+                          <a:solidFill>
+                            <a:schemeClr val="tx1"/>
+                          </a:solidFill>
+                          <a:prstDash val="solid"/>
+                          <a:round/>
+                          <a:headEnd type="none" w="med" len="med"/>
+                          <a:tailEnd type="none" w="med" len="med"/>
+                        </a:lnL>
+                        <a:lnR w="19050" cap="flat" cmpd="sng" algn="ctr">
+                          <a:solidFill>
+                            <a:schemeClr val="tx1"/>
+                          </a:solidFill>
+                          <a:prstDash val="solid"/>
+                          <a:round/>
+                          <a:headEnd type="none" w="med" len="med"/>
+                          <a:tailEnd type="none" w="med" len="med"/>
+                        </a:lnR>
+                        <a:lnT w="19050" cap="flat" cmpd="sng" algn="ctr">
+                          <a:solidFill>
+                            <a:schemeClr val="tx1"/>
+                          </a:solidFill>
+                          <a:prstDash val="solid"/>
+                          <a:round/>
+                          <a:headEnd type="none" w="med" len="med"/>
+                          <a:tailEnd type="none" w="med" len="med"/>
+                        </a:lnT>
+                        <a:lnB w="19050" cap="flat" cmpd="sng" algn="ctr">
+                          <a:solidFill>
+                            <a:schemeClr val="tx1"/>
+                          </a:solidFill>
+                          <a:prstDash val="solid"/>
+                          <a:round/>
+                          <a:headEnd type="none" w="med" len="med"/>
+                          <a:tailEnd type="none" w="med" len="med"/>
+                        </a:lnB>
+                        <a:blipFill>
+                          <a:blip r:embed="rId4"/>
+                          <a:stretch>
+                            <a:fillRect l="-6250" t="-103226" r="-346875" b="-612903"/>
+                          </a:stretch>
+                        </a:blipFill>
+                      </a:tcPr>
+                    </a:tc>
+                    <a:tc>
+                      <a:txBody>
+                        <a:bodyPr/>
+                        <a:lstStyle/>
+                        <a:p>
+                          <a:endParaRPr lang="ja-JP"/>
+                        </a:p>
+                      </a:txBody>
+                      <a:tcPr anchor="ctr">
+                        <a:lnL w="19050" cap="flat" cmpd="sng" algn="ctr">
+                          <a:solidFill>
+                            <a:schemeClr val="tx1"/>
+                          </a:solidFill>
+                          <a:prstDash val="solid"/>
+                          <a:round/>
+                          <a:headEnd type="none" w="med" len="med"/>
+                          <a:tailEnd type="none" w="med" len="med"/>
+                        </a:lnL>
+                        <a:lnR w="19050" cap="flat" cmpd="sng" algn="ctr">
+                          <a:solidFill>
+                            <a:schemeClr val="tx1"/>
+                          </a:solidFill>
+                          <a:prstDash val="solid"/>
+                          <a:round/>
+                          <a:headEnd type="none" w="med" len="med"/>
+                          <a:tailEnd type="none" w="med" len="med"/>
+                        </a:lnR>
+                        <a:lnT w="19050" cap="flat" cmpd="sng" algn="ctr">
+                          <a:solidFill>
+                            <a:schemeClr val="tx1"/>
+                          </a:solidFill>
+                          <a:prstDash val="solid"/>
+                          <a:round/>
+                          <a:headEnd type="none" w="med" len="med"/>
+                          <a:tailEnd type="none" w="med" len="med"/>
+                        </a:lnT>
+                        <a:lnB w="19050" cap="flat" cmpd="sng" algn="ctr">
+                          <a:solidFill>
+                            <a:schemeClr val="tx1"/>
+                          </a:solidFill>
+                          <a:prstDash val="solid"/>
+                          <a:round/>
+                          <a:headEnd type="none" w="med" len="med"/>
+                          <a:tailEnd type="none" w="med" len="med"/>
+                        </a:lnB>
+                        <a:blipFill>
+                          <a:blip r:embed="rId4"/>
+                          <a:stretch>
+                            <a:fillRect l="-30909" t="-103226" r="-909" b="-612903"/>
+                          </a:stretch>
+                        </a:blipFill>
+                      </a:tcPr>
+                    </a:tc>
+                    <a:extLst>
+                      <a:ext uri="{0D108BD9-81ED-4DB2-BD59-A6C34878D82A}">
+                        <a16:rowId xmlns:a16="http://schemas.microsoft.com/office/drawing/2014/main" val="364840804"/>
+                      </a:ext>
+                    </a:extLst>
+                  </a:tr>
+                  <a:tr h="396240">
+                    <a:tc>
+                      <a:txBody>
+                        <a:bodyPr/>
+                        <a:lstStyle/>
+                        <a:p>
+                          <a:endParaRPr lang="ja-JP"/>
+                        </a:p>
+                      </a:txBody>
+                      <a:tcPr marL="45720" marR="45720">
+                        <a:lnL w="19050" cap="flat" cmpd="sng" algn="ctr">
+                          <a:solidFill>
+                            <a:schemeClr val="tx1"/>
+                          </a:solidFill>
+                          <a:prstDash val="solid"/>
+                          <a:round/>
+                          <a:headEnd type="none" w="med" len="med"/>
+                          <a:tailEnd type="none" w="med" len="med"/>
+                        </a:lnL>
+                        <a:lnR w="19050" cap="flat" cmpd="sng" algn="ctr">
+                          <a:solidFill>
+                            <a:schemeClr val="tx1"/>
+                          </a:solidFill>
+                          <a:prstDash val="solid"/>
+                          <a:round/>
+                          <a:headEnd type="none" w="med" len="med"/>
+                          <a:tailEnd type="none" w="med" len="med"/>
+                        </a:lnR>
+                        <a:lnT w="19050" cap="flat" cmpd="sng" algn="ctr">
+                          <a:solidFill>
+                            <a:schemeClr val="tx1"/>
+                          </a:solidFill>
+                          <a:prstDash val="solid"/>
+                          <a:round/>
+                          <a:headEnd type="none" w="med" len="med"/>
+                          <a:tailEnd type="none" w="med" len="med"/>
+                        </a:lnT>
+                        <a:lnB w="19050" cap="flat" cmpd="sng" algn="ctr">
+                          <a:solidFill>
+                            <a:schemeClr val="tx1"/>
+                          </a:solidFill>
+                          <a:prstDash val="solid"/>
+                          <a:round/>
+                          <a:headEnd type="none" w="med" len="med"/>
+                          <a:tailEnd type="none" w="med" len="med"/>
+                        </a:lnB>
+                        <a:blipFill>
+                          <a:blip r:embed="rId4"/>
+                          <a:stretch>
+                            <a:fillRect l="-6250" t="-196875" r="-346875" b="-493750"/>
+                          </a:stretch>
+                        </a:blipFill>
+                      </a:tcPr>
+                    </a:tc>
+                    <a:tc>
+                      <a:txBody>
+                        <a:bodyPr/>
+                        <a:lstStyle/>
+                        <a:p>
+                          <a:endParaRPr lang="ja-JP"/>
+                        </a:p>
+                      </a:txBody>
+                      <a:tcPr anchor="ctr">
+                        <a:lnL w="19050" cap="flat" cmpd="sng" algn="ctr">
+                          <a:solidFill>
+                            <a:schemeClr val="tx1"/>
+                          </a:solidFill>
+                          <a:prstDash val="solid"/>
+                          <a:round/>
+                          <a:headEnd type="none" w="med" len="med"/>
+                          <a:tailEnd type="none" w="med" len="med"/>
+                        </a:lnL>
+                        <a:lnR w="19050" cap="flat" cmpd="sng" algn="ctr">
+                          <a:solidFill>
+                            <a:schemeClr val="tx1"/>
+                          </a:solidFill>
+                          <a:prstDash val="solid"/>
+                          <a:round/>
+                          <a:headEnd type="none" w="med" len="med"/>
+                          <a:tailEnd type="none" w="med" len="med"/>
+                        </a:lnR>
+                        <a:lnT w="19050" cap="flat" cmpd="sng" algn="ctr">
+                          <a:solidFill>
+                            <a:schemeClr val="tx1"/>
+                          </a:solidFill>
+                          <a:prstDash val="solid"/>
+                          <a:round/>
+                          <a:headEnd type="none" w="med" len="med"/>
+                          <a:tailEnd type="none" w="med" len="med"/>
+                        </a:lnT>
+                        <a:lnB w="19050" cap="flat" cmpd="sng" algn="ctr">
+                          <a:solidFill>
+                            <a:schemeClr val="tx1"/>
+                          </a:solidFill>
+                          <a:prstDash val="solid"/>
+                          <a:round/>
+                          <a:headEnd type="none" w="med" len="med"/>
+                          <a:tailEnd type="none" w="med" len="med"/>
+                        </a:lnB>
+                        <a:blipFill>
+                          <a:blip r:embed="rId4"/>
+                          <a:stretch>
+                            <a:fillRect l="-30909" t="-196875" r="-909" b="-493750"/>
+                          </a:stretch>
+                        </a:blipFill>
+                      </a:tcPr>
+                    </a:tc>
+                    <a:extLst>
+                      <a:ext uri="{0D108BD9-81ED-4DB2-BD59-A6C34878D82A}">
+                        <a16:rowId xmlns:a16="http://schemas.microsoft.com/office/drawing/2014/main" val="3525191963"/>
+                      </a:ext>
+                    </a:extLst>
+                  </a:tr>
+                  <a:tr h="396240">
+                    <a:tc>
+                      <a:txBody>
+                        <a:bodyPr/>
+                        <a:lstStyle/>
+                        <a:p>
+                          <a:endParaRPr lang="ja-JP"/>
+                        </a:p>
+                      </a:txBody>
+                      <a:tcPr marL="45720" marR="45720">
+                        <a:lnL w="19050" cap="flat" cmpd="sng" algn="ctr">
+                          <a:solidFill>
+                            <a:schemeClr val="tx1"/>
+                          </a:solidFill>
+                          <a:prstDash val="solid"/>
+                          <a:round/>
+                          <a:headEnd type="none" w="med" len="med"/>
+                          <a:tailEnd type="none" w="med" len="med"/>
+                        </a:lnL>
+                        <a:lnR w="19050" cap="flat" cmpd="sng" algn="ctr">
+                          <a:solidFill>
+                            <a:schemeClr val="tx1"/>
+                          </a:solidFill>
+                          <a:prstDash val="solid"/>
+                          <a:round/>
+                          <a:headEnd type="none" w="med" len="med"/>
+                          <a:tailEnd type="none" w="med" len="med"/>
+                        </a:lnR>
+                        <a:lnT w="19050" cap="flat" cmpd="sng" algn="ctr">
+                          <a:solidFill>
+                            <a:schemeClr val="tx1"/>
+                          </a:solidFill>
+                          <a:prstDash val="solid"/>
+                          <a:round/>
+                          <a:headEnd type="none" w="med" len="med"/>
+                          <a:tailEnd type="none" w="med" len="med"/>
+                        </a:lnT>
+                        <a:lnB w="19050" cap="flat" cmpd="sng" algn="ctr">
+                          <a:solidFill>
+                            <a:schemeClr val="tx1"/>
+                          </a:solidFill>
+                          <a:prstDash val="solid"/>
+                          <a:round/>
+                          <a:headEnd type="none" w="med" len="med"/>
+                          <a:tailEnd type="none" w="med" len="med"/>
+                        </a:lnB>
+                        <a:blipFill>
+                          <a:blip r:embed="rId4"/>
+                          <a:stretch>
+                            <a:fillRect l="-6250" t="-306452" r="-346875" b="-409677"/>
+                          </a:stretch>
+                        </a:blipFill>
+                      </a:tcPr>
+                    </a:tc>
+                    <a:tc>
+                      <a:txBody>
+                        <a:bodyPr/>
+                        <a:lstStyle/>
+                        <a:p>
+                          <a:endParaRPr lang="ja-JP"/>
+                        </a:p>
+                      </a:txBody>
+                      <a:tcPr anchor="ctr">
+                        <a:lnL w="19050" cap="flat" cmpd="sng" algn="ctr">
+                          <a:solidFill>
+                            <a:schemeClr val="tx1"/>
+                          </a:solidFill>
+                          <a:prstDash val="solid"/>
+                          <a:round/>
+                          <a:headEnd type="none" w="med" len="med"/>
+                          <a:tailEnd type="none" w="med" len="med"/>
+                        </a:lnL>
+                        <a:lnR w="19050" cap="flat" cmpd="sng" algn="ctr">
+                          <a:solidFill>
+                            <a:schemeClr val="tx1"/>
+                          </a:solidFill>
+                          <a:prstDash val="solid"/>
+                          <a:round/>
+                          <a:headEnd type="none" w="med" len="med"/>
+                          <a:tailEnd type="none" w="med" len="med"/>
+                        </a:lnR>
+                        <a:lnT w="19050" cap="flat" cmpd="sng" algn="ctr">
+                          <a:solidFill>
+                            <a:schemeClr val="tx1"/>
+                          </a:solidFill>
+                          <a:prstDash val="solid"/>
+                          <a:round/>
+                          <a:headEnd type="none" w="med" len="med"/>
+                          <a:tailEnd type="none" w="med" len="med"/>
+                        </a:lnT>
+                        <a:lnB w="19050" cap="flat" cmpd="sng" algn="ctr">
+                          <a:solidFill>
+                            <a:schemeClr val="tx1"/>
+                          </a:solidFill>
+                          <a:prstDash val="solid"/>
+                          <a:round/>
+                          <a:headEnd type="none" w="med" len="med"/>
+                          <a:tailEnd type="none" w="med" len="med"/>
+                        </a:lnB>
+                        <a:blipFill>
+                          <a:blip r:embed="rId4"/>
+                          <a:stretch>
+                            <a:fillRect l="-30909" t="-306452" r="-909" b="-409677"/>
+                          </a:stretch>
+                        </a:blipFill>
+                      </a:tcPr>
+                    </a:tc>
+                    <a:extLst>
+                      <a:ext uri="{0D108BD9-81ED-4DB2-BD59-A6C34878D82A}">
+                        <a16:rowId xmlns:a16="http://schemas.microsoft.com/office/drawing/2014/main" val="3569909037"/>
+                      </a:ext>
+                    </a:extLst>
+                  </a:tr>
+                  <a:tr h="396240">
+                    <a:tc>
+                      <a:txBody>
+                        <a:bodyPr/>
+                        <a:lstStyle/>
+                        <a:p>
+                          <a:endParaRPr lang="ja-JP"/>
+                        </a:p>
+                      </a:txBody>
+                      <a:tcPr marL="45720" marR="45720">
+                        <a:lnL w="19050" cap="flat" cmpd="sng" algn="ctr">
+                          <a:solidFill>
+                            <a:schemeClr val="tx1"/>
+                          </a:solidFill>
+                          <a:prstDash val="solid"/>
+                          <a:round/>
+                          <a:headEnd type="none" w="med" len="med"/>
+                          <a:tailEnd type="none" w="med" len="med"/>
+                        </a:lnL>
+                        <a:lnR w="19050" cap="flat" cmpd="sng" algn="ctr">
+                          <a:solidFill>
+                            <a:schemeClr val="tx1"/>
+                          </a:solidFill>
+                          <a:prstDash val="solid"/>
+                          <a:round/>
+                          <a:headEnd type="none" w="med" len="med"/>
+                          <a:tailEnd type="none" w="med" len="med"/>
+                        </a:lnR>
+                        <a:lnT w="19050" cap="flat" cmpd="sng" algn="ctr">
+                          <a:solidFill>
+                            <a:schemeClr val="tx1"/>
+                          </a:solidFill>
+                          <a:prstDash val="solid"/>
+                          <a:round/>
+                          <a:headEnd type="none" w="med" len="med"/>
+                          <a:tailEnd type="none" w="med" len="med"/>
+                        </a:lnT>
+                        <a:lnB w="19050" cap="flat" cmpd="sng" algn="ctr">
+                          <a:solidFill>
+                            <a:schemeClr val="tx1"/>
+                          </a:solidFill>
+                          <a:prstDash val="solid"/>
+                          <a:round/>
+                          <a:headEnd type="none" w="med" len="med"/>
+                          <a:tailEnd type="none" w="med" len="med"/>
+                        </a:lnB>
+                        <a:blipFill>
+                          <a:blip r:embed="rId4"/>
+                          <a:stretch>
+                            <a:fillRect l="-6250" t="-406452" r="-346875" b="-309677"/>
+                          </a:stretch>
+                        </a:blipFill>
+                      </a:tcPr>
+                    </a:tc>
+                    <a:tc>
+                      <a:txBody>
+                        <a:bodyPr/>
+                        <a:lstStyle/>
+                        <a:p>
+                          <a:endParaRPr lang="ja-JP"/>
+                        </a:p>
+                      </a:txBody>
+                      <a:tcPr anchor="ctr">
+                        <a:lnL w="19050" cap="flat" cmpd="sng" algn="ctr">
+                          <a:solidFill>
+                            <a:schemeClr val="tx1"/>
+                          </a:solidFill>
+                          <a:prstDash val="solid"/>
+                          <a:round/>
+                          <a:headEnd type="none" w="med" len="med"/>
+                          <a:tailEnd type="none" w="med" len="med"/>
+                        </a:lnL>
+                        <a:lnR w="19050" cap="flat" cmpd="sng" algn="ctr">
+                          <a:solidFill>
+                            <a:schemeClr val="tx1"/>
+                          </a:solidFill>
+                          <a:prstDash val="solid"/>
+                          <a:round/>
+                          <a:headEnd type="none" w="med" len="med"/>
+                          <a:tailEnd type="none" w="med" len="med"/>
+                        </a:lnR>
+                        <a:lnT w="19050" cap="flat" cmpd="sng" algn="ctr">
+                          <a:solidFill>
+                            <a:schemeClr val="tx1"/>
+                          </a:solidFill>
+                          <a:prstDash val="solid"/>
+                          <a:round/>
+                          <a:headEnd type="none" w="med" len="med"/>
+                          <a:tailEnd type="none" w="med" len="med"/>
+                        </a:lnT>
+                        <a:lnB w="19050" cap="flat" cmpd="sng" algn="ctr">
+                          <a:solidFill>
+                            <a:schemeClr val="tx1"/>
+                          </a:solidFill>
+                          <a:prstDash val="solid"/>
+                          <a:round/>
+                          <a:headEnd type="none" w="med" len="med"/>
+                          <a:tailEnd type="none" w="med" len="med"/>
+                        </a:lnB>
+                        <a:blipFill>
+                          <a:blip r:embed="rId4"/>
+                          <a:stretch>
+                            <a:fillRect l="-30909" t="-406452" r="-909" b="-309677"/>
+                          </a:stretch>
+                        </a:blipFill>
+                      </a:tcPr>
+                    </a:tc>
+                    <a:extLst>
+                      <a:ext uri="{0D108BD9-81ED-4DB2-BD59-A6C34878D82A}">
+                        <a16:rowId xmlns:a16="http://schemas.microsoft.com/office/drawing/2014/main" val="3327895223"/>
+                      </a:ext>
+                    </a:extLst>
+                  </a:tr>
+                  <a:tr h="396240">
+                    <a:tc>
+                      <a:txBody>
+                        <a:bodyPr/>
+                        <a:lstStyle/>
+                        <a:p>
+                          <a:endParaRPr lang="ja-JP"/>
+                        </a:p>
+                      </a:txBody>
+                      <a:tcPr marL="45720" marR="45720">
+                        <a:lnL w="19050" cap="flat" cmpd="sng" algn="ctr">
+                          <a:solidFill>
+                            <a:schemeClr val="tx1"/>
+                          </a:solidFill>
+                          <a:prstDash val="solid"/>
+                          <a:round/>
+                          <a:headEnd type="none" w="med" len="med"/>
+                          <a:tailEnd type="none" w="med" len="med"/>
+                        </a:lnL>
+                        <a:lnR w="19050" cap="flat" cmpd="sng" algn="ctr">
+                          <a:solidFill>
+                            <a:schemeClr val="tx1"/>
+                          </a:solidFill>
+                          <a:prstDash val="solid"/>
+                          <a:round/>
+                          <a:headEnd type="none" w="med" len="med"/>
+                          <a:tailEnd type="none" w="med" len="med"/>
+                        </a:lnR>
+                        <a:lnT w="19050" cap="flat" cmpd="sng" algn="ctr">
+                          <a:solidFill>
+                            <a:schemeClr val="tx1"/>
+                          </a:solidFill>
+                          <a:prstDash val="solid"/>
+                          <a:round/>
+                          <a:headEnd type="none" w="med" len="med"/>
+                          <a:tailEnd type="none" w="med" len="med"/>
+                        </a:lnT>
+                        <a:lnB w="19050" cap="flat" cmpd="sng" algn="ctr">
+                          <a:solidFill>
+                            <a:schemeClr val="tx1"/>
+                          </a:solidFill>
+                          <a:prstDash val="solid"/>
+                          <a:round/>
+                          <a:headEnd type="none" w="med" len="med"/>
+                          <a:tailEnd type="none" w="med" len="med"/>
+                        </a:lnB>
+                        <a:blipFill>
+                          <a:blip r:embed="rId4"/>
+                          <a:stretch>
+                            <a:fillRect l="-6250" t="-506452" r="-346875" b="-209677"/>
+                          </a:stretch>
+                        </a:blipFill>
+                      </a:tcPr>
+                    </a:tc>
+                    <a:tc>
+                      <a:txBody>
+                        <a:bodyPr/>
+                        <a:lstStyle/>
+                        <a:p>
+                          <a:endParaRPr lang="ja-JP"/>
+                        </a:p>
+                      </a:txBody>
+                      <a:tcPr anchor="ctr">
+                        <a:lnL w="19050" cap="flat" cmpd="sng" algn="ctr">
+                          <a:solidFill>
+                            <a:schemeClr val="tx1"/>
+                          </a:solidFill>
+                          <a:prstDash val="solid"/>
+                          <a:round/>
+                          <a:headEnd type="none" w="med" len="med"/>
+                          <a:tailEnd type="none" w="med" len="med"/>
+                        </a:lnL>
+                        <a:lnR w="19050" cap="flat" cmpd="sng" algn="ctr">
+                          <a:solidFill>
+                            <a:schemeClr val="tx1"/>
+                          </a:solidFill>
+                          <a:prstDash val="solid"/>
+                          <a:round/>
+                          <a:headEnd type="none" w="med" len="med"/>
+                          <a:tailEnd type="none" w="med" len="med"/>
+                        </a:lnR>
+                        <a:lnT w="19050" cap="flat" cmpd="sng" algn="ctr">
+                          <a:solidFill>
+                            <a:schemeClr val="tx1"/>
+                          </a:solidFill>
+                          <a:prstDash val="solid"/>
+                          <a:round/>
+                          <a:headEnd type="none" w="med" len="med"/>
+                          <a:tailEnd type="none" w="med" len="med"/>
+                        </a:lnT>
+                        <a:lnB w="19050" cap="flat" cmpd="sng" algn="ctr">
+                          <a:solidFill>
+                            <a:schemeClr val="tx1"/>
+                          </a:solidFill>
+                          <a:prstDash val="solid"/>
+                          <a:round/>
+                          <a:headEnd type="none" w="med" len="med"/>
+                          <a:tailEnd type="none" w="med" len="med"/>
+                        </a:lnB>
+                        <a:blipFill>
+                          <a:blip r:embed="rId4"/>
+                          <a:stretch>
+                            <a:fillRect l="-30909" t="-506452" r="-909" b="-209677"/>
+                          </a:stretch>
+                        </a:blipFill>
+                      </a:tcPr>
+                    </a:tc>
+                    <a:extLst>
+                      <a:ext uri="{0D108BD9-81ED-4DB2-BD59-A6C34878D82A}">
+                        <a16:rowId xmlns:a16="http://schemas.microsoft.com/office/drawing/2014/main" val="472790633"/>
+                      </a:ext>
+                    </a:extLst>
+                  </a:tr>
+                  <a:tr h="396240">
+                    <a:tc>
+                      <a:txBody>
+                        <a:bodyPr/>
+                        <a:lstStyle/>
+                        <a:p>
+                          <a:endParaRPr lang="ja-JP"/>
+                        </a:p>
+                      </a:txBody>
+                      <a:tcPr marL="45720" marR="45720">
+                        <a:lnL w="19050" cap="flat" cmpd="sng" algn="ctr">
+                          <a:solidFill>
+                            <a:schemeClr val="tx1"/>
+                          </a:solidFill>
+                          <a:prstDash val="solid"/>
+                          <a:round/>
+                          <a:headEnd type="none" w="med" len="med"/>
+                          <a:tailEnd type="none" w="med" len="med"/>
+                        </a:lnL>
+                        <a:lnR w="19050" cap="flat" cmpd="sng" algn="ctr">
+                          <a:solidFill>
+                            <a:schemeClr val="tx1"/>
+                          </a:solidFill>
+                          <a:prstDash val="solid"/>
+                          <a:round/>
+                          <a:headEnd type="none" w="med" len="med"/>
+                          <a:tailEnd type="none" w="med" len="med"/>
+                        </a:lnR>
+                        <a:lnT w="19050" cap="flat" cmpd="sng" algn="ctr">
+                          <a:solidFill>
+                            <a:schemeClr val="tx1"/>
+                          </a:solidFill>
+                          <a:prstDash val="solid"/>
+                          <a:round/>
+                          <a:headEnd type="none" w="med" len="med"/>
+                          <a:tailEnd type="none" w="med" len="med"/>
+                        </a:lnT>
+                        <a:lnB w="19050" cap="flat" cmpd="sng" algn="ctr">
+                          <a:solidFill>
+                            <a:schemeClr val="tx1"/>
+                          </a:solidFill>
+                          <a:prstDash val="solid"/>
+                          <a:round/>
+                          <a:headEnd type="none" w="med" len="med"/>
+                          <a:tailEnd type="none" w="med" len="med"/>
+                        </a:lnB>
+                        <a:blipFill>
+                          <a:blip r:embed="rId4"/>
+                          <a:stretch>
+                            <a:fillRect l="-6250" t="-587500" r="-346875" b="-103125"/>
+                          </a:stretch>
+                        </a:blipFill>
+                      </a:tcPr>
+                    </a:tc>
+                    <a:tc>
+                      <a:txBody>
+                        <a:bodyPr/>
+                        <a:lstStyle/>
+                        <a:p>
+                          <a:endParaRPr lang="ja-JP"/>
+                        </a:p>
+                      </a:txBody>
+                      <a:tcPr anchor="ctr">
+                        <a:lnL w="19050" cap="flat" cmpd="sng" algn="ctr">
+                          <a:solidFill>
+                            <a:schemeClr val="tx1"/>
+                          </a:solidFill>
+                          <a:prstDash val="solid"/>
+                          <a:round/>
+                          <a:headEnd type="none" w="med" len="med"/>
+                          <a:tailEnd type="none" w="med" len="med"/>
+                        </a:lnL>
+                        <a:lnR w="19050" cap="flat" cmpd="sng" algn="ctr">
+                          <a:solidFill>
+                            <a:schemeClr val="tx1"/>
+                          </a:solidFill>
+                          <a:prstDash val="solid"/>
+                          <a:round/>
+                          <a:headEnd type="none" w="med" len="med"/>
+                          <a:tailEnd type="none" w="med" len="med"/>
+                        </a:lnR>
+                        <a:lnT w="19050" cap="flat" cmpd="sng" algn="ctr">
+                          <a:solidFill>
+                            <a:schemeClr val="tx1"/>
+                          </a:solidFill>
+                          <a:prstDash val="solid"/>
+                          <a:round/>
+                          <a:headEnd type="none" w="med" len="med"/>
+                          <a:tailEnd type="none" w="med" len="med"/>
+                        </a:lnT>
+                        <a:lnB w="19050" cap="flat" cmpd="sng" algn="ctr">
+                          <a:solidFill>
+                            <a:schemeClr val="tx1"/>
+                          </a:solidFill>
+                          <a:prstDash val="solid"/>
+                          <a:round/>
+                          <a:headEnd type="none" w="med" len="med"/>
+                          <a:tailEnd type="none" w="med" len="med"/>
+                        </a:lnB>
+                        <a:blipFill>
+                          <a:blip r:embed="rId4"/>
+                          <a:stretch>
+                            <a:fillRect l="-30909" t="-587500" r="-909" b="-103125"/>
+                          </a:stretch>
+                        </a:blipFill>
+                      </a:tcPr>
+                    </a:tc>
+                    <a:extLst>
+                      <a:ext uri="{0D108BD9-81ED-4DB2-BD59-A6C34878D82A}">
+                        <a16:rowId xmlns:a16="http://schemas.microsoft.com/office/drawing/2014/main" val="706877952"/>
+                      </a:ext>
+                    </a:extLst>
+                  </a:tr>
+                  <a:tr h="396240">
+                    <a:tc>
+                      <a:txBody>
+                        <a:bodyPr/>
+                        <a:lstStyle/>
+                        <a:p>
+                          <a:endParaRPr lang="ja-JP"/>
+                        </a:p>
+                      </a:txBody>
+                      <a:tcPr marL="45720" marR="45720">
+                        <a:lnL w="19050" cap="flat" cmpd="sng" algn="ctr">
+                          <a:solidFill>
+                            <a:schemeClr val="tx1"/>
+                          </a:solidFill>
+                          <a:prstDash val="solid"/>
+                          <a:round/>
+                          <a:headEnd type="none" w="med" len="med"/>
+                          <a:tailEnd type="none" w="med" len="med"/>
+                        </a:lnL>
+                        <a:lnR w="19050" cap="flat" cmpd="sng" algn="ctr">
+                          <a:solidFill>
+                            <a:schemeClr val="tx1"/>
+                          </a:solidFill>
+                          <a:prstDash val="solid"/>
+                          <a:round/>
+                          <a:headEnd type="none" w="med" len="med"/>
+                          <a:tailEnd type="none" w="med" len="med"/>
+                        </a:lnR>
+                        <a:lnT w="19050" cap="flat" cmpd="sng" algn="ctr">
+                          <a:solidFill>
+                            <a:schemeClr val="tx1"/>
+                          </a:solidFill>
+                          <a:prstDash val="solid"/>
+                          <a:round/>
+                          <a:headEnd type="none" w="med" len="med"/>
+                          <a:tailEnd type="none" w="med" len="med"/>
+                        </a:lnT>
+                        <a:lnB w="19050" cap="flat" cmpd="sng" algn="ctr">
+                          <a:solidFill>
+                            <a:schemeClr val="tx1"/>
+                          </a:solidFill>
+                          <a:prstDash val="solid"/>
+                          <a:round/>
+                          <a:headEnd type="none" w="med" len="med"/>
+                          <a:tailEnd type="none" w="med" len="med"/>
+                        </a:lnB>
+                        <a:blipFill>
+                          <a:blip r:embed="rId4"/>
+                          <a:stretch>
+                            <a:fillRect l="-6250" t="-709677" r="-346875" b="-6452"/>
+                          </a:stretch>
+                        </a:blipFill>
+                      </a:tcPr>
+                    </a:tc>
+                    <a:tc>
+                      <a:txBody>
+                        <a:bodyPr/>
+                        <a:lstStyle/>
+                        <a:p>
+                          <a:endParaRPr lang="ja-JP"/>
+                        </a:p>
+                      </a:txBody>
+                      <a:tcPr anchor="ctr">
+                        <a:lnL w="19050" cap="flat" cmpd="sng" algn="ctr">
+                          <a:solidFill>
+                            <a:schemeClr val="tx1"/>
+                          </a:solidFill>
+                          <a:prstDash val="solid"/>
+                          <a:round/>
+                          <a:headEnd type="none" w="med" len="med"/>
+                          <a:tailEnd type="none" w="med" len="med"/>
+                        </a:lnL>
+                        <a:lnR w="19050" cap="flat" cmpd="sng" algn="ctr">
+                          <a:solidFill>
+                            <a:schemeClr val="tx1"/>
+                          </a:solidFill>
+                          <a:prstDash val="solid"/>
+                          <a:round/>
+                          <a:headEnd type="none" w="med" len="med"/>
+                          <a:tailEnd type="none" w="med" len="med"/>
+                        </a:lnR>
+                        <a:lnT w="19050" cap="flat" cmpd="sng" algn="ctr">
+                          <a:solidFill>
+                            <a:schemeClr val="tx1"/>
+                          </a:solidFill>
+                          <a:prstDash val="solid"/>
+                          <a:round/>
+                          <a:headEnd type="none" w="med" len="med"/>
+                          <a:tailEnd type="none" w="med" len="med"/>
+                        </a:lnT>
+                        <a:lnB w="19050" cap="flat" cmpd="sng" algn="ctr">
+                          <a:solidFill>
+                            <a:schemeClr val="tx1"/>
+                          </a:solidFill>
+                          <a:prstDash val="solid"/>
+                          <a:round/>
+                          <a:headEnd type="none" w="med" len="med"/>
+                          <a:tailEnd type="none" w="med" len="med"/>
+                        </a:lnB>
+                        <a:blipFill>
+                          <a:blip r:embed="rId4"/>
+                          <a:stretch>
+                            <a:fillRect l="-30909" t="-709677" r="-909" b="-6452"/>
+                          </a:stretch>
+                        </a:blipFill>
+                      </a:tcPr>
+                    </a:tc>
+                    <a:extLst>
+                      <a:ext uri="{0D108BD9-81ED-4DB2-BD59-A6C34878D82A}">
+                        <a16:rowId xmlns:a16="http://schemas.microsoft.com/office/drawing/2014/main" val="3250368543"/>
+                      </a:ext>
+                    </a:extLst>
+                  </a:tr>
+                </a:tbl>
+              </a:graphicData>
+            </a:graphic>
+          </p:graphicFrame>
+        </mc:Fallback>
+      </mc:AlternateContent>
+      <mc:AlternateContent xmlns:mc="http://schemas.openxmlformats.org/markup-compatibility/2006">
+        <mc:Choice xmlns:a14="http://schemas.microsoft.com/office/drawing/2010/main" Requires="a14">
+          <p:graphicFrame>
+            <p:nvGraphicFramePr>
+              <p:cNvPr id="19" name="コンテンツ プレースホルダー 16">
+                <a:extLst>
+                  <a:ext uri="{FF2B5EF4-FFF2-40B4-BE49-F238E27FC236}">
+                    <a16:creationId xmlns:a16="http://schemas.microsoft.com/office/drawing/2014/main" id="{115496F6-3965-0757-E116-0BD5F16F005E}"/>
+                  </a:ext>
+                </a:extLst>
+              </p:cNvPr>
+              <p:cNvGraphicFramePr>
+                <a:graphicFrameLocks/>
+              </p:cNvGraphicFramePr>
+              <p:nvPr>
+                <p:extLst>
+                  <p:ext uri="{D42A27DB-BD31-4B8C-83A1-F6EECF244321}">
+                    <p14:modId xmlns:p14="http://schemas.microsoft.com/office/powerpoint/2010/main" val="3088467524"/>
+                  </p:ext>
+                </p:extLst>
+              </p:nvPr>
+            </p:nvGraphicFramePr>
+            <p:xfrm>
+              <a:off x="6861421" y="2300583"/>
+              <a:ext cx="1791089" cy="3114480"/>
+            </p:xfrm>
+            <a:graphic>
+              <a:graphicData uri="http://schemas.openxmlformats.org/drawingml/2006/table">
+                <a:tbl>
+                  <a:tblPr firstRow="1" bandRow="1">
+                    <a:tableStyleId>{5C22544A-7EE6-4342-B048-85BDC9FD1C3A}</a:tableStyleId>
+                  </a:tblPr>
+                  <a:tblGrid>
+                    <a:gridCol w="401661">
+                      <a:extLst>
+                        <a:ext uri="{9D8B030D-6E8A-4147-A177-3AD203B41FA5}">
+                          <a16:colId xmlns:a16="http://schemas.microsoft.com/office/drawing/2014/main" val="215306376"/>
+                        </a:ext>
+                      </a:extLst>
+                    </a:gridCol>
+                    <a:gridCol w="1389428">
+                      <a:extLst>
+                        <a:ext uri="{9D8B030D-6E8A-4147-A177-3AD203B41FA5}">
+                          <a16:colId xmlns:a16="http://schemas.microsoft.com/office/drawing/2014/main" val="879464118"/>
+                        </a:ext>
+                      </a:extLst>
+                    </a:gridCol>
+                  </a:tblGrid>
+                  <a:tr h="257019">
+                    <a:tc>
+                      <a:txBody>
+                        <a:bodyPr/>
+                        <a:lstStyle/>
+                        <a:p>
+                          <a:pPr algn="ctr"/>
+                          <a14:m>
+                            <m:oMathPara xmlns:m="http://schemas.openxmlformats.org/officeDocument/2006/math">
+                              <m:oMathParaPr>
+                                <m:jc m:val="centerGroup"/>
+                              </m:oMathParaPr>
+                              <m:oMath xmlns:m="http://schemas.openxmlformats.org/officeDocument/2006/math">
+                                <m:r>
+                                  <a:rPr kumimoji="1" lang="en-US" altLang="ja-JP" sz="2000" b="1" i="1" dirty="0" smtClean="0">
+                                    <a:solidFill>
+                                      <a:schemeClr val="tx1"/>
+                                    </a:solidFill>
+                                    <a:latin typeface="Cambria Math" panose="02040503050406030204" pitchFamily="18" charset="0"/>
+                                    <a:cs typeface="Arial" panose="020B0604020202020204" pitchFamily="34" charset="0"/>
+                                  </a:rPr>
+                                  <m:t>𝒏</m:t>
+                                </m:r>
+                              </m:oMath>
+                            </m:oMathPara>
+                          </a14:m>
+                          <a:endParaRPr kumimoji="1" lang="ja-JP" altLang="en-US" sz="2000" b="1">
+                            <a:solidFill>
+                              <a:schemeClr val="tx1"/>
+                            </a:solidFill>
+                            <a:latin typeface="Arial" panose="020B0604020202020204" pitchFamily="34" charset="0"/>
+                            <a:cs typeface="Arial" panose="020B0604020202020204" pitchFamily="34" charset="0"/>
+                          </a:endParaRPr>
+                        </a:p>
+                      </a:txBody>
+                      <a:tcPr marL="81720" marR="10800" marT="18000" marB="18000">
+                        <a:lnL w="19050" cap="flat" cmpd="sng" algn="ctr">
+                          <a:solidFill>
+                            <a:schemeClr val="tx1"/>
+                          </a:solidFill>
+                          <a:prstDash val="solid"/>
+                          <a:round/>
+                          <a:headEnd type="none" w="med" len="med"/>
+                          <a:tailEnd type="none" w="med" len="med"/>
+                        </a:lnL>
+                        <a:lnR w="19050" cap="flat" cmpd="sng" algn="ctr">
+                          <a:solidFill>
+                            <a:schemeClr val="tx1"/>
+                          </a:solidFill>
+                          <a:prstDash val="solid"/>
+                          <a:round/>
+                          <a:headEnd type="none" w="med" len="med"/>
+                          <a:tailEnd type="none" w="med" len="med"/>
+                        </a:lnR>
+                        <a:lnT w="19050" cap="flat" cmpd="sng" algn="ctr">
+                          <a:solidFill>
+                            <a:schemeClr val="tx1"/>
+                          </a:solidFill>
+                          <a:prstDash val="solid"/>
+                          <a:round/>
+                          <a:headEnd type="none" w="med" len="med"/>
+                          <a:tailEnd type="none" w="med" len="med"/>
+                        </a:lnT>
+                        <a:lnB w="19050" cap="flat" cmpd="sng" algn="ctr">
+                          <a:solidFill>
+                            <a:schemeClr val="tx1"/>
+                          </a:solidFill>
+                          <a:prstDash val="solid"/>
+                          <a:round/>
+                          <a:headEnd type="none" w="med" len="med"/>
+                          <a:tailEnd type="none" w="med" len="med"/>
+                        </a:lnB>
+                        <a:solidFill>
+                          <a:schemeClr val="accent2"/>
+                        </a:solidFill>
+                      </a:tcPr>
+                    </a:tc>
+                    <a:tc>
+                      <a:txBody>
+                        <a:bodyPr/>
+                        <a:lstStyle/>
+                        <a:p>
+                          <a:pPr algn="ctr"/>
+                          <a:r>
+                            <a:rPr kumimoji="1" lang="en-US" altLang="ja-JP" sz="2000" b="1" dirty="0">
+                              <a:solidFill>
+                                <a:schemeClr val="tx1"/>
+                              </a:solidFill>
+                              <a:latin typeface="Arial" panose="020B0604020202020204" pitchFamily="34" charset="0"/>
+                              <a:cs typeface="Arial" panose="020B0604020202020204" pitchFamily="34" charset="0"/>
+                            </a:rPr>
+                            <a:t># graph</a:t>
+                          </a:r>
+                          <a:endParaRPr kumimoji="1" lang="ja-JP" altLang="en-US" sz="2000" b="1">
+                            <a:solidFill>
+                              <a:schemeClr val="tx1"/>
+                            </a:solidFill>
+                            <a:latin typeface="Arial" panose="020B0604020202020204" pitchFamily="34" charset="0"/>
+                            <a:cs typeface="Arial" panose="020B0604020202020204" pitchFamily="34" charset="0"/>
+                          </a:endParaRPr>
+                        </a:p>
+                      </a:txBody>
+                      <a:tcPr marL="45720" marR="46800" marT="18000" marB="18000">
+                        <a:lnL w="19050" cap="flat" cmpd="sng" algn="ctr">
+                          <a:solidFill>
+                            <a:schemeClr val="tx1"/>
+                          </a:solidFill>
+                          <a:prstDash val="solid"/>
+                          <a:round/>
+                          <a:headEnd type="none" w="med" len="med"/>
+                          <a:tailEnd type="none" w="med" len="med"/>
+                        </a:lnL>
+                        <a:lnR w="19050" cap="flat" cmpd="sng" algn="ctr">
+                          <a:solidFill>
+                            <a:schemeClr val="tx1"/>
+                          </a:solidFill>
+                          <a:prstDash val="solid"/>
+                          <a:round/>
+                          <a:headEnd type="none" w="med" len="med"/>
+                          <a:tailEnd type="none" w="med" len="med"/>
+                        </a:lnR>
+                        <a:lnT w="19050" cap="flat" cmpd="sng" algn="ctr">
+                          <a:solidFill>
+                            <a:schemeClr val="tx1"/>
+                          </a:solidFill>
+                          <a:prstDash val="solid"/>
+                          <a:round/>
+                          <a:headEnd type="none" w="med" len="med"/>
+                          <a:tailEnd type="none" w="med" len="med"/>
+                        </a:lnT>
+                        <a:lnB w="19050" cap="flat" cmpd="sng" algn="ctr">
+                          <a:solidFill>
+                            <a:schemeClr val="tx1"/>
+                          </a:solidFill>
+                          <a:prstDash val="solid"/>
+                          <a:round/>
+                          <a:headEnd type="none" w="med" len="med"/>
+                          <a:tailEnd type="none" w="med" len="med"/>
+                        </a:lnB>
+                        <a:solidFill>
+                          <a:schemeClr val="accent2"/>
+                        </a:solidFill>
+                      </a:tcPr>
+                    </a:tc>
+                    <a:extLst>
+                      <a:ext uri="{0D108BD9-81ED-4DB2-BD59-A6C34878D82A}">
+                        <a16:rowId xmlns:a16="http://schemas.microsoft.com/office/drawing/2014/main" val="3359987910"/>
+                      </a:ext>
+                    </a:extLst>
+                  </a:tr>
+                  <a:tr h="257019">
+                    <a:tc>
+                      <a:txBody>
+                        <a:bodyPr/>
+                        <a:lstStyle/>
+                        <a:p>
+                          <a:pPr algn="r"/>
+                          <a14:m>
+                            <m:oMath xmlns:m="http://schemas.openxmlformats.org/officeDocument/2006/math">
+                              <m:r>
+                                <a:rPr kumimoji="1" lang="en-US" altLang="ja-JP" sz="2000" b="0" i="1" dirty="0" smtClean="0">
+                                  <a:solidFill>
+                                    <a:schemeClr val="tx1"/>
+                                  </a:solidFill>
+                                  <a:latin typeface="Cambria Math" panose="02040503050406030204" pitchFamily="18" charset="0"/>
+                                  <a:cs typeface="Arial" panose="020B0604020202020204" pitchFamily="34" charset="0"/>
+                                </a:rPr>
+                                <m:t>11</m:t>
+                              </m:r>
+                            </m:oMath>
+                          </a14:m>
+                          <a:r>
+                            <a:rPr kumimoji="1" lang="en-US" altLang="ja-JP" sz="2000" b="0" dirty="0">
+                              <a:solidFill>
+                                <a:schemeClr val="tx1"/>
+                              </a:solidFill>
+                              <a:latin typeface="Arial" panose="020B0604020202020204" pitchFamily="34" charset="0"/>
+                              <a:cs typeface="Arial" panose="020B0604020202020204" pitchFamily="34" charset="0"/>
+                            </a:rPr>
+                            <a:t> </a:t>
+                          </a:r>
+                        </a:p>
+                      </a:txBody>
+                      <a:tcPr marL="45720" marR="45720">
+                        <a:lnL w="19050" cap="flat" cmpd="sng" algn="ctr">
+                          <a:solidFill>
+                            <a:schemeClr val="tx1"/>
+                          </a:solidFill>
+                          <a:prstDash val="solid"/>
+                          <a:round/>
+                          <a:headEnd type="none" w="med" len="med"/>
+                          <a:tailEnd type="none" w="med" len="med"/>
+                        </a:lnL>
+                        <a:lnR w="19050" cap="flat" cmpd="sng" algn="ctr">
+                          <a:solidFill>
+                            <a:schemeClr val="tx1"/>
+                          </a:solidFill>
+                          <a:prstDash val="solid"/>
+                          <a:round/>
+                          <a:headEnd type="none" w="med" len="med"/>
+                          <a:tailEnd type="none" w="med" len="med"/>
+                        </a:lnR>
+                        <a:lnT w="19050" cap="flat" cmpd="sng" algn="ctr">
+                          <a:solidFill>
+                            <a:schemeClr val="tx1"/>
+                          </a:solidFill>
+                          <a:prstDash val="solid"/>
+                          <a:round/>
+                          <a:headEnd type="none" w="med" len="med"/>
+                          <a:tailEnd type="none" w="med" len="med"/>
+                        </a:lnT>
+                        <a:lnB w="19050" cap="flat" cmpd="sng" algn="ctr">
+                          <a:solidFill>
+                            <a:schemeClr val="tx1"/>
+                          </a:solidFill>
+                          <a:prstDash val="solid"/>
+                          <a:round/>
+                          <a:headEnd type="none" w="med" len="med"/>
+                          <a:tailEnd type="none" w="med" len="med"/>
+                        </a:lnB>
+                        <a:solidFill>
+                          <a:schemeClr val="bg1"/>
+                        </a:solidFill>
+                      </a:tcPr>
+                    </a:tc>
+                    <a:tc>
+                      <a:txBody>
+                        <a:bodyPr/>
+                        <a:lstStyle/>
+                        <a:p>
+                          <a:pPr algn="r"/>
+                          <a14:m>
+                            <m:oMath xmlns:m="http://schemas.openxmlformats.org/officeDocument/2006/math">
+                              <m:r>
+                                <a:rPr lang="en-US" altLang="ja-JP" sz="2000" i="1" dirty="0" smtClean="0">
+                                  <a:latin typeface="Cambria Math" panose="02040503050406030204" pitchFamily="18" charset="0"/>
+                                </a:rPr>
+                                <m:t>1</m:t>
+                              </m:r>
+                            </m:oMath>
+                          </a14:m>
+                          <a:r>
+                            <a:rPr lang="en-US" altLang="ja-JP" sz="2000" dirty="0"/>
+                            <a:t> </a:t>
+                          </a:r>
+                        </a:p>
+                      </a:txBody>
+                      <a:tcPr anchor="ctr">
+                        <a:lnL w="19050" cap="flat" cmpd="sng" algn="ctr">
+                          <a:solidFill>
+                            <a:schemeClr val="tx1"/>
+                          </a:solidFill>
+                          <a:prstDash val="solid"/>
+                          <a:round/>
+                          <a:headEnd type="none" w="med" len="med"/>
+                          <a:tailEnd type="none" w="med" len="med"/>
+                        </a:lnL>
+                        <a:lnR w="19050" cap="flat" cmpd="sng" algn="ctr">
+                          <a:solidFill>
+                            <a:schemeClr val="tx1"/>
+                          </a:solidFill>
+                          <a:prstDash val="solid"/>
+                          <a:round/>
+                          <a:headEnd type="none" w="med" len="med"/>
+                          <a:tailEnd type="none" w="med" len="med"/>
+                        </a:lnR>
+                        <a:lnT w="19050" cap="flat" cmpd="sng" algn="ctr">
+                          <a:solidFill>
+                            <a:schemeClr val="tx1"/>
+                          </a:solidFill>
+                          <a:prstDash val="solid"/>
+                          <a:round/>
+                          <a:headEnd type="none" w="med" len="med"/>
+                          <a:tailEnd type="none" w="med" len="med"/>
+                        </a:lnT>
+                        <a:lnB w="19050" cap="flat" cmpd="sng" algn="ctr">
+                          <a:solidFill>
+                            <a:schemeClr val="tx1"/>
+                          </a:solidFill>
+                          <a:prstDash val="solid"/>
+                          <a:round/>
+                          <a:headEnd type="none" w="med" len="med"/>
+                          <a:tailEnd type="none" w="med" len="med"/>
+                        </a:lnB>
+                        <a:solidFill>
+                          <a:schemeClr val="bg1"/>
+                        </a:solidFill>
+                      </a:tcPr>
+                    </a:tc>
+                    <a:extLst>
+                      <a:ext uri="{0D108BD9-81ED-4DB2-BD59-A6C34878D82A}">
+                        <a16:rowId xmlns:a16="http://schemas.microsoft.com/office/drawing/2014/main" val="364840804"/>
+                      </a:ext>
+                    </a:extLst>
+                  </a:tr>
+                  <a:tr h="257019">
+                    <a:tc>
+                      <a:txBody>
+                        <a:bodyPr/>
+                        <a:lstStyle/>
+                        <a:p>
+                          <a:pPr algn="r"/>
+                          <a14:m>
+                            <m:oMath xmlns:m="http://schemas.openxmlformats.org/officeDocument/2006/math">
+                              <m:r>
+                                <a:rPr kumimoji="1" lang="en-US" altLang="ja-JP" sz="2000" b="0" i="1" dirty="0" smtClean="0">
+                                  <a:solidFill>
+                                    <a:schemeClr val="tx1"/>
+                                  </a:solidFill>
+                                  <a:latin typeface="Cambria Math" panose="02040503050406030204" pitchFamily="18" charset="0"/>
+                                  <a:cs typeface="Arial" panose="020B0604020202020204" pitchFamily="34" charset="0"/>
+                                </a:rPr>
+                                <m:t>12</m:t>
+                              </m:r>
+                            </m:oMath>
+                          </a14:m>
+                          <a:r>
+                            <a:rPr kumimoji="1" lang="en-US" altLang="ja-JP" sz="2000" b="0" dirty="0">
+                              <a:solidFill>
+                                <a:schemeClr val="tx1"/>
+                              </a:solidFill>
+                              <a:latin typeface="Arial" panose="020B0604020202020204" pitchFamily="34" charset="0"/>
+                              <a:cs typeface="Arial" panose="020B0604020202020204" pitchFamily="34" charset="0"/>
+                            </a:rPr>
+                            <a:t> </a:t>
+                          </a:r>
+                          <a:endParaRPr kumimoji="1" lang="ja-JP" altLang="en-US" sz="2000" b="0">
+                            <a:solidFill>
+                              <a:schemeClr val="tx1"/>
+                            </a:solidFill>
+                            <a:latin typeface="Arial" panose="020B0604020202020204" pitchFamily="34" charset="0"/>
+                            <a:cs typeface="Arial" panose="020B0604020202020204" pitchFamily="34" charset="0"/>
+                          </a:endParaRPr>
+                        </a:p>
+                      </a:txBody>
+                      <a:tcPr marL="45720" marR="45720">
+                        <a:lnL w="19050" cap="flat" cmpd="sng" algn="ctr">
+                          <a:solidFill>
+                            <a:schemeClr val="tx1"/>
+                          </a:solidFill>
+                          <a:prstDash val="solid"/>
+                          <a:round/>
+                          <a:headEnd type="none" w="med" len="med"/>
+                          <a:tailEnd type="none" w="med" len="med"/>
+                        </a:lnL>
+                        <a:lnR w="19050" cap="flat" cmpd="sng" algn="ctr">
+                          <a:solidFill>
+                            <a:schemeClr val="tx1"/>
+                          </a:solidFill>
+                          <a:prstDash val="solid"/>
+                          <a:round/>
+                          <a:headEnd type="none" w="med" len="med"/>
+                          <a:tailEnd type="none" w="med" len="med"/>
+                        </a:lnR>
+                        <a:lnT w="19050" cap="flat" cmpd="sng" algn="ctr">
+                          <a:solidFill>
+                            <a:schemeClr val="tx1"/>
+                          </a:solidFill>
+                          <a:prstDash val="solid"/>
+                          <a:round/>
+                          <a:headEnd type="none" w="med" len="med"/>
+                          <a:tailEnd type="none" w="med" len="med"/>
+                        </a:lnT>
+                        <a:lnB w="19050" cap="flat" cmpd="sng" algn="ctr">
+                          <a:solidFill>
+                            <a:schemeClr val="tx1"/>
+                          </a:solidFill>
+                          <a:prstDash val="solid"/>
+                          <a:round/>
+                          <a:headEnd type="none" w="med" len="med"/>
+                          <a:tailEnd type="none" w="med" len="med"/>
+                        </a:lnB>
+                        <a:solidFill>
+                          <a:schemeClr val="bg1"/>
+                        </a:solidFill>
+                      </a:tcPr>
+                    </a:tc>
+                    <a:tc>
+                      <a:txBody>
+                        <a:bodyPr/>
+                        <a:lstStyle/>
+                        <a:p>
+                          <a:pPr algn="r"/>
+                          <a14:m>
+                            <m:oMath xmlns:m="http://schemas.openxmlformats.org/officeDocument/2006/math">
+                              <m:r>
+                                <a:rPr lang="en-US" altLang="ja-JP" sz="2000" i="1" dirty="0" smtClean="0">
+                                  <a:latin typeface="Cambria Math" panose="02040503050406030204" pitchFamily="18" charset="0"/>
+                                </a:rPr>
+                                <m:t>4</m:t>
+                              </m:r>
+                            </m:oMath>
+                          </a14:m>
+                          <a:r>
+                            <a:rPr lang="en-US" altLang="ja-JP" sz="2000" dirty="0"/>
+                            <a:t> </a:t>
+                          </a:r>
+                        </a:p>
+                      </a:txBody>
+                      <a:tcPr anchor="ctr">
+                        <a:lnL w="19050" cap="flat" cmpd="sng" algn="ctr">
+                          <a:solidFill>
+                            <a:schemeClr val="tx1"/>
+                          </a:solidFill>
+                          <a:prstDash val="solid"/>
+                          <a:round/>
+                          <a:headEnd type="none" w="med" len="med"/>
+                          <a:tailEnd type="none" w="med" len="med"/>
+                        </a:lnL>
+                        <a:lnR w="19050" cap="flat" cmpd="sng" algn="ctr">
+                          <a:solidFill>
+                            <a:schemeClr val="tx1"/>
+                          </a:solidFill>
+                          <a:prstDash val="solid"/>
+                          <a:round/>
+                          <a:headEnd type="none" w="med" len="med"/>
+                          <a:tailEnd type="none" w="med" len="med"/>
+                        </a:lnR>
+                        <a:lnT w="19050" cap="flat" cmpd="sng" algn="ctr">
+                          <a:solidFill>
+                            <a:schemeClr val="tx1"/>
+                          </a:solidFill>
+                          <a:prstDash val="solid"/>
+                          <a:round/>
+                          <a:headEnd type="none" w="med" len="med"/>
+                          <a:tailEnd type="none" w="med" len="med"/>
+                        </a:lnT>
+                        <a:lnB w="19050" cap="flat" cmpd="sng" algn="ctr">
+                          <a:solidFill>
+                            <a:schemeClr val="tx1"/>
+                          </a:solidFill>
+                          <a:prstDash val="solid"/>
+                          <a:round/>
+                          <a:headEnd type="none" w="med" len="med"/>
+                          <a:tailEnd type="none" w="med" len="med"/>
+                        </a:lnB>
+                        <a:solidFill>
+                          <a:schemeClr val="bg1"/>
+                        </a:solidFill>
+                      </a:tcPr>
+                    </a:tc>
+                    <a:extLst>
+                      <a:ext uri="{0D108BD9-81ED-4DB2-BD59-A6C34878D82A}">
+                        <a16:rowId xmlns:a16="http://schemas.microsoft.com/office/drawing/2014/main" val="3525191963"/>
+                      </a:ext>
+                    </a:extLst>
+                  </a:tr>
+                  <a:tr h="257019">
+                    <a:tc>
+                      <a:txBody>
+                        <a:bodyPr/>
+                        <a:lstStyle/>
+                        <a:p>
+                          <a:pPr algn="r"/>
+                          <a14:m>
+                            <m:oMath xmlns:m="http://schemas.openxmlformats.org/officeDocument/2006/math">
+                              <m:r>
+                                <a:rPr kumimoji="1" lang="en-US" altLang="ja-JP" sz="2000" b="0" i="1" dirty="0" smtClean="0">
+                                  <a:solidFill>
+                                    <a:schemeClr val="tx1"/>
+                                  </a:solidFill>
+                                  <a:latin typeface="Cambria Math" panose="02040503050406030204" pitchFamily="18" charset="0"/>
+                                  <a:cs typeface="Arial" panose="020B0604020202020204" pitchFamily="34" charset="0"/>
+                                </a:rPr>
+                                <m:t>13</m:t>
+                              </m:r>
+                            </m:oMath>
+                          </a14:m>
+                          <a:r>
+                            <a:rPr kumimoji="1" lang="en-US" altLang="ja-JP" sz="2000" b="0" dirty="0">
+                              <a:solidFill>
+                                <a:schemeClr val="tx1"/>
+                              </a:solidFill>
+                              <a:latin typeface="Arial" panose="020B0604020202020204" pitchFamily="34" charset="0"/>
+                              <a:cs typeface="Arial" panose="020B0604020202020204" pitchFamily="34" charset="0"/>
+                            </a:rPr>
+                            <a:t> </a:t>
+                          </a:r>
+                          <a:endParaRPr kumimoji="1" lang="ja-JP" altLang="en-US" sz="2000" b="0">
+                            <a:solidFill>
+                              <a:schemeClr val="tx1"/>
+                            </a:solidFill>
+                            <a:latin typeface="Arial" panose="020B0604020202020204" pitchFamily="34" charset="0"/>
+                            <a:cs typeface="Arial" panose="020B0604020202020204" pitchFamily="34" charset="0"/>
+                          </a:endParaRPr>
+                        </a:p>
+                      </a:txBody>
+                      <a:tcPr marL="45720" marR="45720">
+                        <a:lnL w="19050" cap="flat" cmpd="sng" algn="ctr">
+                          <a:solidFill>
+                            <a:schemeClr val="tx1"/>
+                          </a:solidFill>
+                          <a:prstDash val="solid"/>
+                          <a:round/>
+                          <a:headEnd type="none" w="med" len="med"/>
+                          <a:tailEnd type="none" w="med" len="med"/>
+                        </a:lnL>
+                        <a:lnR w="19050" cap="flat" cmpd="sng" algn="ctr">
+                          <a:solidFill>
+                            <a:schemeClr val="tx1"/>
+                          </a:solidFill>
+                          <a:prstDash val="solid"/>
+                          <a:round/>
+                          <a:headEnd type="none" w="med" len="med"/>
+                          <a:tailEnd type="none" w="med" len="med"/>
+                        </a:lnR>
+                        <a:lnT w="19050" cap="flat" cmpd="sng" algn="ctr">
+                          <a:solidFill>
+                            <a:schemeClr val="tx1"/>
+                          </a:solidFill>
+                          <a:prstDash val="solid"/>
+                          <a:round/>
+                          <a:headEnd type="none" w="med" len="med"/>
+                          <a:tailEnd type="none" w="med" len="med"/>
+                        </a:lnT>
+                        <a:lnB w="19050" cap="flat" cmpd="sng" algn="ctr">
+                          <a:solidFill>
+                            <a:schemeClr val="tx1"/>
+                          </a:solidFill>
+                          <a:prstDash val="solid"/>
+                          <a:round/>
+                          <a:headEnd type="none" w="med" len="med"/>
+                          <a:tailEnd type="none" w="med" len="med"/>
+                        </a:lnB>
+                        <a:solidFill>
+                          <a:schemeClr val="bg1"/>
+                        </a:solidFill>
+                      </a:tcPr>
+                    </a:tc>
+                    <a:tc>
+                      <a:txBody>
+                        <a:bodyPr/>
+                        <a:lstStyle/>
+                        <a:p>
+                          <a:pPr algn="r"/>
+                          <a14:m>
+                            <m:oMath xmlns:m="http://schemas.openxmlformats.org/officeDocument/2006/math">
+                              <m:r>
+                                <a:rPr lang="en-US" altLang="ja-JP" sz="2000" i="1" dirty="0" smtClean="0">
+                                  <a:latin typeface="Cambria Math" panose="02040503050406030204" pitchFamily="18" charset="0"/>
+                                </a:rPr>
+                                <m:t>0</m:t>
+                              </m:r>
+                            </m:oMath>
+                          </a14:m>
+                          <a:r>
+                            <a:rPr lang="en-US" altLang="ja-JP" sz="2000" dirty="0"/>
+                            <a:t> </a:t>
+                          </a:r>
+                        </a:p>
+                      </a:txBody>
+                      <a:tcPr anchor="ctr">
+                        <a:lnL w="19050" cap="flat" cmpd="sng" algn="ctr">
+                          <a:solidFill>
+                            <a:schemeClr val="tx1"/>
+                          </a:solidFill>
+                          <a:prstDash val="solid"/>
+                          <a:round/>
+                          <a:headEnd type="none" w="med" len="med"/>
+                          <a:tailEnd type="none" w="med" len="med"/>
+                        </a:lnL>
+                        <a:lnR w="19050" cap="flat" cmpd="sng" algn="ctr">
+                          <a:solidFill>
+                            <a:schemeClr val="tx1"/>
+                          </a:solidFill>
+                          <a:prstDash val="solid"/>
+                          <a:round/>
+                          <a:headEnd type="none" w="med" len="med"/>
+                          <a:tailEnd type="none" w="med" len="med"/>
+                        </a:lnR>
+                        <a:lnT w="19050" cap="flat" cmpd="sng" algn="ctr">
+                          <a:solidFill>
+                            <a:schemeClr val="tx1"/>
+                          </a:solidFill>
+                          <a:prstDash val="solid"/>
+                          <a:round/>
+                          <a:headEnd type="none" w="med" len="med"/>
+                          <a:tailEnd type="none" w="med" len="med"/>
+                        </a:lnT>
+                        <a:lnB w="19050" cap="flat" cmpd="sng" algn="ctr">
+                          <a:solidFill>
+                            <a:schemeClr val="tx1"/>
+                          </a:solidFill>
+                          <a:prstDash val="solid"/>
+                          <a:round/>
+                          <a:headEnd type="none" w="med" len="med"/>
+                          <a:tailEnd type="none" w="med" len="med"/>
+                        </a:lnB>
+                        <a:solidFill>
+                          <a:schemeClr val="bg1"/>
+                        </a:solidFill>
+                      </a:tcPr>
+                    </a:tc>
+                    <a:extLst>
+                      <a:ext uri="{0D108BD9-81ED-4DB2-BD59-A6C34878D82A}">
+                        <a16:rowId xmlns:a16="http://schemas.microsoft.com/office/drawing/2014/main" val="3569909037"/>
+                      </a:ext>
+                    </a:extLst>
+                  </a:tr>
+                  <a:tr h="257019">
+                    <a:tc>
+                      <a:txBody>
+                        <a:bodyPr/>
+                        <a:lstStyle/>
+                        <a:p>
+                          <a:pPr algn="r"/>
+                          <a14:m>
+                            <m:oMath xmlns:m="http://schemas.openxmlformats.org/officeDocument/2006/math">
+                              <m:r>
+                                <a:rPr kumimoji="1" lang="en-US" altLang="ja-JP" sz="2000" b="0" i="1" dirty="0" smtClean="0">
+                                  <a:solidFill>
+                                    <a:schemeClr val="tx1"/>
+                                  </a:solidFill>
+                                  <a:latin typeface="Cambria Math" panose="02040503050406030204" pitchFamily="18" charset="0"/>
+                                  <a:cs typeface="Arial" panose="020B0604020202020204" pitchFamily="34" charset="0"/>
+                                </a:rPr>
+                                <m:t>14</m:t>
+                              </m:r>
+                            </m:oMath>
+                          </a14:m>
+                          <a:r>
+                            <a:rPr kumimoji="1" lang="en-US" altLang="ja-JP" sz="2000" b="0" dirty="0">
+                              <a:solidFill>
+                                <a:schemeClr val="tx1"/>
+                              </a:solidFill>
+                              <a:latin typeface="Arial" panose="020B0604020202020204" pitchFamily="34" charset="0"/>
+                              <a:cs typeface="Arial" panose="020B0604020202020204" pitchFamily="34" charset="0"/>
+                            </a:rPr>
+                            <a:t> </a:t>
+                          </a:r>
+                          <a:endParaRPr kumimoji="1" lang="ja-JP" altLang="en-US" sz="2000" b="0">
+                            <a:solidFill>
+                              <a:schemeClr val="tx1"/>
+                            </a:solidFill>
+                            <a:latin typeface="Arial" panose="020B0604020202020204" pitchFamily="34" charset="0"/>
+                            <a:cs typeface="Arial" panose="020B0604020202020204" pitchFamily="34" charset="0"/>
+                          </a:endParaRPr>
+                        </a:p>
+                      </a:txBody>
+                      <a:tcPr marL="45720" marR="45720">
+                        <a:lnL w="19050" cap="flat" cmpd="sng" algn="ctr">
+                          <a:solidFill>
+                            <a:schemeClr val="tx1"/>
+                          </a:solidFill>
+                          <a:prstDash val="solid"/>
+                          <a:round/>
+                          <a:headEnd type="none" w="med" len="med"/>
+                          <a:tailEnd type="none" w="med" len="med"/>
+                        </a:lnL>
+                        <a:lnR w="19050" cap="flat" cmpd="sng" algn="ctr">
+                          <a:solidFill>
+                            <a:schemeClr val="tx1"/>
+                          </a:solidFill>
+                          <a:prstDash val="solid"/>
+                          <a:round/>
+                          <a:headEnd type="none" w="med" len="med"/>
+                          <a:tailEnd type="none" w="med" len="med"/>
+                        </a:lnR>
+                        <a:lnT w="19050" cap="flat" cmpd="sng" algn="ctr">
+                          <a:solidFill>
+                            <a:schemeClr val="tx1"/>
+                          </a:solidFill>
+                          <a:prstDash val="solid"/>
+                          <a:round/>
+                          <a:headEnd type="none" w="med" len="med"/>
+                          <a:tailEnd type="none" w="med" len="med"/>
+                        </a:lnT>
+                        <a:lnB w="19050" cap="flat" cmpd="sng" algn="ctr">
+                          <a:solidFill>
+                            <a:schemeClr val="tx1"/>
+                          </a:solidFill>
+                          <a:prstDash val="solid"/>
+                          <a:round/>
+                          <a:headEnd type="none" w="med" len="med"/>
+                          <a:tailEnd type="none" w="med" len="med"/>
+                        </a:lnB>
+                        <a:solidFill>
+                          <a:schemeClr val="bg1"/>
+                        </a:solidFill>
+                      </a:tcPr>
+                    </a:tc>
+                    <a:tc>
+                      <a:txBody>
+                        <a:bodyPr/>
+                        <a:lstStyle/>
+                        <a:p>
+                          <a:pPr algn="r"/>
+                          <a14:m>
+                            <m:oMath xmlns:m="http://schemas.openxmlformats.org/officeDocument/2006/math">
+                              <m:r>
+                                <a:rPr lang="en-US" altLang="ja-JP" sz="2000" i="1" dirty="0" smtClean="0">
+                                  <a:latin typeface="Cambria Math" panose="02040503050406030204" pitchFamily="18" charset="0"/>
+                                </a:rPr>
+                                <m:t>1</m:t>
+                              </m:r>
+                            </m:oMath>
+                          </a14:m>
+                          <a:r>
+                            <a:rPr lang="en-US" altLang="ja-JP" sz="2000" dirty="0"/>
+                            <a:t> </a:t>
+                          </a:r>
+                        </a:p>
+                      </a:txBody>
+                      <a:tcPr anchor="ctr">
+                        <a:lnL w="19050" cap="flat" cmpd="sng" algn="ctr">
+                          <a:solidFill>
+                            <a:schemeClr val="tx1"/>
+                          </a:solidFill>
+                          <a:prstDash val="solid"/>
+                          <a:round/>
+                          <a:headEnd type="none" w="med" len="med"/>
+                          <a:tailEnd type="none" w="med" len="med"/>
+                        </a:lnL>
+                        <a:lnR w="19050" cap="flat" cmpd="sng" algn="ctr">
+                          <a:solidFill>
+                            <a:schemeClr val="tx1"/>
+                          </a:solidFill>
+                          <a:prstDash val="solid"/>
+                          <a:round/>
+                          <a:headEnd type="none" w="med" len="med"/>
+                          <a:tailEnd type="none" w="med" len="med"/>
+                        </a:lnR>
+                        <a:lnT w="19050" cap="flat" cmpd="sng" algn="ctr">
+                          <a:solidFill>
+                            <a:schemeClr val="tx1"/>
+                          </a:solidFill>
+                          <a:prstDash val="solid"/>
+                          <a:round/>
+                          <a:headEnd type="none" w="med" len="med"/>
+                          <a:tailEnd type="none" w="med" len="med"/>
+                        </a:lnT>
+                        <a:lnB w="19050" cap="flat" cmpd="sng" algn="ctr">
+                          <a:solidFill>
+                            <a:schemeClr val="tx1"/>
+                          </a:solidFill>
+                          <a:prstDash val="solid"/>
+                          <a:round/>
+                          <a:headEnd type="none" w="med" len="med"/>
+                          <a:tailEnd type="none" w="med" len="med"/>
+                        </a:lnB>
+                        <a:solidFill>
+                          <a:schemeClr val="bg1"/>
+                        </a:solidFill>
+                      </a:tcPr>
+                    </a:tc>
+                    <a:extLst>
+                      <a:ext uri="{0D108BD9-81ED-4DB2-BD59-A6C34878D82A}">
+                        <a16:rowId xmlns:a16="http://schemas.microsoft.com/office/drawing/2014/main" val="3327895223"/>
+                      </a:ext>
+                    </a:extLst>
+                  </a:tr>
+                  <a:tr h="257019">
+                    <a:tc>
+                      <a:txBody>
+                        <a:bodyPr/>
+                        <a:lstStyle/>
+                        <a:p>
+                          <a:pPr algn="r"/>
+                          <a14:m>
+                            <m:oMath xmlns:m="http://schemas.openxmlformats.org/officeDocument/2006/math">
+                              <m:r>
+                                <a:rPr kumimoji="1" lang="en-US" altLang="ja-JP" sz="2000" b="0" i="1" dirty="0" smtClean="0">
+                                  <a:solidFill>
+                                    <a:schemeClr val="tx1"/>
+                                  </a:solidFill>
+                                  <a:latin typeface="Cambria Math" panose="02040503050406030204" pitchFamily="18" charset="0"/>
+                                  <a:cs typeface="Arial" panose="020B0604020202020204" pitchFamily="34" charset="0"/>
+                                </a:rPr>
+                                <m:t>15</m:t>
+                              </m:r>
+                            </m:oMath>
+                          </a14:m>
+                          <a:r>
+                            <a:rPr kumimoji="1" lang="en-US" altLang="ja-JP" sz="2000" b="0" dirty="0">
+                              <a:solidFill>
+                                <a:schemeClr val="tx1"/>
+                              </a:solidFill>
+                              <a:latin typeface="Arial" panose="020B0604020202020204" pitchFamily="34" charset="0"/>
+                              <a:cs typeface="Arial" panose="020B0604020202020204" pitchFamily="34" charset="0"/>
+                            </a:rPr>
+                            <a:t> </a:t>
+                          </a:r>
+                          <a:endParaRPr kumimoji="1" lang="ja-JP" altLang="en-US" sz="2000" b="0">
+                            <a:solidFill>
+                              <a:schemeClr val="tx1"/>
+                            </a:solidFill>
+                            <a:latin typeface="Arial" panose="020B0604020202020204" pitchFamily="34" charset="0"/>
+                            <a:cs typeface="Arial" panose="020B0604020202020204" pitchFamily="34" charset="0"/>
+                          </a:endParaRPr>
+                        </a:p>
+                      </a:txBody>
+                      <a:tcPr marL="45720" marR="45720">
+                        <a:lnL w="19050" cap="flat" cmpd="sng" algn="ctr">
+                          <a:solidFill>
+                            <a:schemeClr val="tx1"/>
+                          </a:solidFill>
+                          <a:prstDash val="solid"/>
+                          <a:round/>
+                          <a:headEnd type="none" w="med" len="med"/>
+                          <a:tailEnd type="none" w="med" len="med"/>
+                        </a:lnL>
+                        <a:lnR w="19050" cap="flat" cmpd="sng" algn="ctr">
+                          <a:solidFill>
+                            <a:schemeClr val="tx1"/>
+                          </a:solidFill>
+                          <a:prstDash val="solid"/>
+                          <a:round/>
+                          <a:headEnd type="none" w="med" len="med"/>
+                          <a:tailEnd type="none" w="med" len="med"/>
+                        </a:lnR>
+                        <a:lnT w="19050" cap="flat" cmpd="sng" algn="ctr">
+                          <a:solidFill>
+                            <a:schemeClr val="tx1"/>
+                          </a:solidFill>
+                          <a:prstDash val="solid"/>
+                          <a:round/>
+                          <a:headEnd type="none" w="med" len="med"/>
+                          <a:tailEnd type="none" w="med" len="med"/>
+                        </a:lnT>
+                        <a:lnB w="19050" cap="flat" cmpd="sng" algn="ctr">
+                          <a:solidFill>
+                            <a:schemeClr val="tx1"/>
+                          </a:solidFill>
+                          <a:prstDash val="solid"/>
+                          <a:round/>
+                          <a:headEnd type="none" w="med" len="med"/>
+                          <a:tailEnd type="none" w="med" len="med"/>
+                        </a:lnB>
+                        <a:solidFill>
+                          <a:schemeClr val="bg1"/>
+                        </a:solidFill>
+                      </a:tcPr>
+                    </a:tc>
+                    <a:tc>
+                      <a:txBody>
+                        <a:bodyPr/>
+                        <a:lstStyle/>
+                        <a:p>
+                          <a:pPr algn="r"/>
+                          <a14:m>
+                            <m:oMath xmlns:m="http://schemas.openxmlformats.org/officeDocument/2006/math">
+                              <m:r>
+                                <a:rPr lang="en-US" altLang="ja-JP" sz="2000" i="1" dirty="0" smtClean="0">
+                                  <a:latin typeface="Cambria Math" panose="02040503050406030204" pitchFamily="18" charset="0"/>
+                                </a:rPr>
+                                <m:t>5</m:t>
+                              </m:r>
+                            </m:oMath>
+                          </a14:m>
+                          <a:r>
+                            <a:rPr lang="en-US" altLang="ja-JP" sz="2000" dirty="0"/>
+                            <a:t> </a:t>
+                          </a:r>
+                        </a:p>
+                      </a:txBody>
+                      <a:tcPr anchor="ctr">
+                        <a:lnL w="19050" cap="flat" cmpd="sng" algn="ctr">
+                          <a:solidFill>
+                            <a:schemeClr val="tx1"/>
+                          </a:solidFill>
+                          <a:prstDash val="solid"/>
+                          <a:round/>
+                          <a:headEnd type="none" w="med" len="med"/>
+                          <a:tailEnd type="none" w="med" len="med"/>
+                        </a:lnL>
+                        <a:lnR w="19050" cap="flat" cmpd="sng" algn="ctr">
+                          <a:solidFill>
+                            <a:schemeClr val="tx1"/>
+                          </a:solidFill>
+                          <a:prstDash val="solid"/>
+                          <a:round/>
+                          <a:headEnd type="none" w="med" len="med"/>
+                          <a:tailEnd type="none" w="med" len="med"/>
+                        </a:lnR>
+                        <a:lnT w="19050" cap="flat" cmpd="sng" algn="ctr">
+                          <a:solidFill>
+                            <a:schemeClr val="tx1"/>
+                          </a:solidFill>
+                          <a:prstDash val="solid"/>
+                          <a:round/>
+                          <a:headEnd type="none" w="med" len="med"/>
+                          <a:tailEnd type="none" w="med" len="med"/>
+                        </a:lnT>
+                        <a:lnB w="19050" cap="flat" cmpd="sng" algn="ctr">
+                          <a:solidFill>
+                            <a:schemeClr val="tx1"/>
+                          </a:solidFill>
+                          <a:prstDash val="solid"/>
+                          <a:round/>
+                          <a:headEnd type="none" w="med" len="med"/>
+                          <a:tailEnd type="none" w="med" len="med"/>
+                        </a:lnB>
+                        <a:solidFill>
+                          <a:schemeClr val="bg1"/>
+                        </a:solidFill>
+                      </a:tcPr>
+                    </a:tc>
+                    <a:extLst>
+                      <a:ext uri="{0D108BD9-81ED-4DB2-BD59-A6C34878D82A}">
+                        <a16:rowId xmlns:a16="http://schemas.microsoft.com/office/drawing/2014/main" val="472790633"/>
+                      </a:ext>
+                    </a:extLst>
+                  </a:tr>
+                  <a:tr h="257019">
+                    <a:tc>
+                      <a:txBody>
+                        <a:bodyPr/>
+                        <a:lstStyle/>
+                        <a:p>
+                          <a:pPr algn="r"/>
+                          <a14:m>
+                            <m:oMath xmlns:m="http://schemas.openxmlformats.org/officeDocument/2006/math">
+                              <m:r>
+                                <a:rPr kumimoji="1" lang="en-US" altLang="ja-JP" sz="2000" b="0" i="1" dirty="0" smtClean="0">
+                                  <a:solidFill>
+                                    <a:schemeClr val="tx1"/>
+                                  </a:solidFill>
+                                  <a:latin typeface="Cambria Math" panose="02040503050406030204" pitchFamily="18" charset="0"/>
+                                  <a:cs typeface="Arial" panose="020B0604020202020204" pitchFamily="34" charset="0"/>
+                                </a:rPr>
+                                <m:t>16</m:t>
+                              </m:r>
+                            </m:oMath>
+                          </a14:m>
+                          <a:r>
+                            <a:rPr kumimoji="1" lang="en-US" altLang="ja-JP" sz="2000" b="0" dirty="0">
+                              <a:solidFill>
+                                <a:schemeClr val="tx1"/>
+                              </a:solidFill>
+                              <a:latin typeface="Arial" panose="020B0604020202020204" pitchFamily="34" charset="0"/>
+                              <a:cs typeface="Arial" panose="020B0604020202020204" pitchFamily="34" charset="0"/>
+                            </a:rPr>
+                            <a:t> </a:t>
+                          </a:r>
+                          <a:endParaRPr kumimoji="1" lang="ja-JP" altLang="en-US" sz="2000" b="0">
+                            <a:solidFill>
+                              <a:schemeClr val="tx1"/>
+                            </a:solidFill>
+                            <a:latin typeface="Arial" panose="020B0604020202020204" pitchFamily="34" charset="0"/>
+                            <a:cs typeface="Arial" panose="020B0604020202020204" pitchFamily="34" charset="0"/>
+                          </a:endParaRPr>
+                        </a:p>
+                      </a:txBody>
+                      <a:tcPr marL="45720" marR="45720">
+                        <a:lnL w="19050" cap="flat" cmpd="sng" algn="ctr">
+                          <a:solidFill>
+                            <a:schemeClr val="tx1"/>
+                          </a:solidFill>
+                          <a:prstDash val="solid"/>
+                          <a:round/>
+                          <a:headEnd type="none" w="med" len="med"/>
+                          <a:tailEnd type="none" w="med" len="med"/>
+                        </a:lnL>
+                        <a:lnR w="19050" cap="flat" cmpd="sng" algn="ctr">
+                          <a:solidFill>
+                            <a:schemeClr val="tx1"/>
+                          </a:solidFill>
+                          <a:prstDash val="solid"/>
+                          <a:round/>
+                          <a:headEnd type="none" w="med" len="med"/>
+                          <a:tailEnd type="none" w="med" len="med"/>
+                        </a:lnR>
+                        <a:lnT w="19050" cap="flat" cmpd="sng" algn="ctr">
+                          <a:solidFill>
+                            <a:schemeClr val="tx1"/>
+                          </a:solidFill>
+                          <a:prstDash val="solid"/>
+                          <a:round/>
+                          <a:headEnd type="none" w="med" len="med"/>
+                          <a:tailEnd type="none" w="med" len="med"/>
+                        </a:lnT>
+                        <a:lnB w="19050" cap="flat" cmpd="sng" algn="ctr">
+                          <a:solidFill>
+                            <a:schemeClr val="tx1"/>
+                          </a:solidFill>
+                          <a:prstDash val="solid"/>
+                          <a:round/>
+                          <a:headEnd type="none" w="med" len="med"/>
+                          <a:tailEnd type="none" w="med" len="med"/>
+                        </a:lnB>
+                        <a:solidFill>
+                          <a:schemeClr val="bg1"/>
+                        </a:solidFill>
+                      </a:tcPr>
+                    </a:tc>
+                    <a:tc>
+                      <a:txBody>
+                        <a:bodyPr/>
+                        <a:lstStyle/>
+                        <a:p>
+                          <a:pPr algn="r"/>
+                          <a14:m>
+                            <m:oMath xmlns:m="http://schemas.openxmlformats.org/officeDocument/2006/math">
+                              <m:r>
+                                <a:rPr lang="en-US" altLang="ja-JP" sz="2000" i="1" dirty="0" smtClean="0">
+                                  <a:latin typeface="Cambria Math" panose="02040503050406030204" pitchFamily="18" charset="0"/>
+                                </a:rPr>
+                                <m:t>1</m:t>
+                              </m:r>
+                            </m:oMath>
+                          </a14:m>
+                          <a:r>
+                            <a:rPr lang="en-US" altLang="ja-JP" sz="2000" dirty="0"/>
+                            <a:t> </a:t>
+                          </a:r>
+                        </a:p>
+                      </a:txBody>
+                      <a:tcPr anchor="ctr">
+                        <a:lnL w="19050" cap="flat" cmpd="sng" algn="ctr">
+                          <a:solidFill>
+                            <a:schemeClr val="tx1"/>
+                          </a:solidFill>
+                          <a:prstDash val="solid"/>
+                          <a:round/>
+                          <a:headEnd type="none" w="med" len="med"/>
+                          <a:tailEnd type="none" w="med" len="med"/>
+                        </a:lnL>
+                        <a:lnR w="19050" cap="flat" cmpd="sng" algn="ctr">
+                          <a:solidFill>
+                            <a:schemeClr val="tx1"/>
+                          </a:solidFill>
+                          <a:prstDash val="solid"/>
+                          <a:round/>
+                          <a:headEnd type="none" w="med" len="med"/>
+                          <a:tailEnd type="none" w="med" len="med"/>
+                        </a:lnR>
+                        <a:lnT w="19050" cap="flat" cmpd="sng" algn="ctr">
+                          <a:solidFill>
+                            <a:schemeClr val="tx1"/>
+                          </a:solidFill>
+                          <a:prstDash val="solid"/>
+                          <a:round/>
+                          <a:headEnd type="none" w="med" len="med"/>
+                          <a:tailEnd type="none" w="med" len="med"/>
+                        </a:lnT>
+                        <a:lnB w="19050" cap="flat" cmpd="sng" algn="ctr">
+                          <a:solidFill>
+                            <a:schemeClr val="tx1"/>
+                          </a:solidFill>
+                          <a:prstDash val="solid"/>
+                          <a:round/>
+                          <a:headEnd type="none" w="med" len="med"/>
+                          <a:tailEnd type="none" w="med" len="med"/>
+                        </a:lnB>
+                        <a:solidFill>
+                          <a:schemeClr val="bg1"/>
+                        </a:solidFill>
+                      </a:tcPr>
+                    </a:tc>
+                    <a:extLst>
+                      <a:ext uri="{0D108BD9-81ED-4DB2-BD59-A6C34878D82A}">
+                        <a16:rowId xmlns:a16="http://schemas.microsoft.com/office/drawing/2014/main" val="706877952"/>
+                      </a:ext>
+                    </a:extLst>
+                  </a:tr>
+                  <a:tr h="257019">
+                    <a:tc>
+                      <a:txBody>
+                        <a:bodyPr/>
+                        <a:lstStyle/>
+                        <a:p>
+                          <a:pPr algn="r"/>
+                          <a14:m>
+                            <m:oMath xmlns:m="http://schemas.openxmlformats.org/officeDocument/2006/math">
+                              <m:r>
+                                <a:rPr kumimoji="1" lang="en-US" altLang="ja-JP" sz="2000" b="0" i="1" dirty="0" smtClean="0">
+                                  <a:solidFill>
+                                    <a:schemeClr val="tx1"/>
+                                  </a:solidFill>
+                                  <a:latin typeface="Cambria Math" panose="02040503050406030204" pitchFamily="18" charset="0"/>
+                                  <a:cs typeface="Arial" panose="020B0604020202020204" pitchFamily="34" charset="0"/>
+                                </a:rPr>
+                                <m:t>17</m:t>
+                              </m:r>
+                            </m:oMath>
+                          </a14:m>
+                          <a:r>
+                            <a:rPr kumimoji="1" lang="en-US" altLang="ja-JP" sz="2000" b="0" dirty="0">
+                              <a:solidFill>
+                                <a:schemeClr val="tx1"/>
+                              </a:solidFill>
+                              <a:latin typeface="Arial" panose="020B0604020202020204" pitchFamily="34" charset="0"/>
+                              <a:cs typeface="Arial" panose="020B0604020202020204" pitchFamily="34" charset="0"/>
+                            </a:rPr>
+                            <a:t> </a:t>
+                          </a:r>
+                          <a:endParaRPr kumimoji="1" lang="ja-JP" altLang="en-US" sz="2000" b="0">
+                            <a:solidFill>
+                              <a:schemeClr val="tx1"/>
+                            </a:solidFill>
+                            <a:latin typeface="Arial" panose="020B0604020202020204" pitchFamily="34" charset="0"/>
+                            <a:cs typeface="Arial" panose="020B0604020202020204" pitchFamily="34" charset="0"/>
+                          </a:endParaRPr>
+                        </a:p>
+                      </a:txBody>
+                      <a:tcPr marL="45720" marR="45720">
+                        <a:lnL w="19050" cap="flat" cmpd="sng" algn="ctr">
+                          <a:solidFill>
+                            <a:schemeClr val="tx1"/>
+                          </a:solidFill>
+                          <a:prstDash val="solid"/>
+                          <a:round/>
+                          <a:headEnd type="none" w="med" len="med"/>
+                          <a:tailEnd type="none" w="med" len="med"/>
+                        </a:lnL>
+                        <a:lnR w="19050" cap="flat" cmpd="sng" algn="ctr">
+                          <a:solidFill>
+                            <a:schemeClr val="tx1"/>
+                          </a:solidFill>
+                          <a:prstDash val="solid"/>
+                          <a:round/>
+                          <a:headEnd type="none" w="med" len="med"/>
+                          <a:tailEnd type="none" w="med" len="med"/>
+                        </a:lnR>
+                        <a:lnT w="19050" cap="flat" cmpd="sng" algn="ctr">
+                          <a:solidFill>
+                            <a:schemeClr val="tx1"/>
+                          </a:solidFill>
+                          <a:prstDash val="solid"/>
+                          <a:round/>
+                          <a:headEnd type="none" w="med" len="med"/>
+                          <a:tailEnd type="none" w="med" len="med"/>
+                        </a:lnT>
+                        <a:lnB w="19050" cap="flat" cmpd="sng" algn="ctr">
+                          <a:solidFill>
+                            <a:schemeClr val="tx1"/>
+                          </a:solidFill>
+                          <a:prstDash val="solid"/>
+                          <a:round/>
+                          <a:headEnd type="none" w="med" len="med"/>
+                          <a:tailEnd type="none" w="med" len="med"/>
+                        </a:lnB>
+                        <a:solidFill>
+                          <a:schemeClr val="bg1"/>
+                        </a:solidFill>
+                      </a:tcPr>
+                    </a:tc>
+                    <a:tc>
+                      <a:txBody>
+                        <a:bodyPr/>
+                        <a:lstStyle/>
+                        <a:p>
+                          <a:pPr algn="r"/>
+                          <a14:m>
+                            <m:oMath xmlns:m="http://schemas.openxmlformats.org/officeDocument/2006/math">
+                              <m:r>
+                                <a:rPr lang="en-US" altLang="ja-JP" sz="2000" i="1" dirty="0" smtClean="0">
+                                  <a:latin typeface="Cambria Math" panose="02040503050406030204" pitchFamily="18" charset="0"/>
+                                </a:rPr>
+                                <m:t>0</m:t>
+                              </m:r>
+                            </m:oMath>
+                          </a14:m>
+                          <a:r>
+                            <a:rPr lang="en-US" altLang="ja-JP" sz="2000" dirty="0"/>
+                            <a:t> </a:t>
+                          </a:r>
+                        </a:p>
+                      </a:txBody>
+                      <a:tcPr anchor="ctr">
+                        <a:lnL w="19050" cap="flat" cmpd="sng" algn="ctr">
+                          <a:solidFill>
+                            <a:schemeClr val="tx1"/>
+                          </a:solidFill>
+                          <a:prstDash val="solid"/>
+                          <a:round/>
+                          <a:headEnd type="none" w="med" len="med"/>
+                          <a:tailEnd type="none" w="med" len="med"/>
+                        </a:lnL>
+                        <a:lnR w="19050" cap="flat" cmpd="sng" algn="ctr">
+                          <a:solidFill>
+                            <a:schemeClr val="tx1"/>
+                          </a:solidFill>
+                          <a:prstDash val="solid"/>
+                          <a:round/>
+                          <a:headEnd type="none" w="med" len="med"/>
+                          <a:tailEnd type="none" w="med" len="med"/>
+                        </a:lnR>
+                        <a:lnT w="19050" cap="flat" cmpd="sng" algn="ctr">
+                          <a:solidFill>
+                            <a:schemeClr val="tx1"/>
+                          </a:solidFill>
+                          <a:prstDash val="solid"/>
+                          <a:round/>
+                          <a:headEnd type="none" w="med" len="med"/>
+                          <a:tailEnd type="none" w="med" len="med"/>
+                        </a:lnT>
+                        <a:lnB w="19050" cap="flat" cmpd="sng" algn="ctr">
+                          <a:solidFill>
+                            <a:schemeClr val="tx1"/>
+                          </a:solidFill>
+                          <a:prstDash val="solid"/>
+                          <a:round/>
+                          <a:headEnd type="none" w="med" len="med"/>
+                          <a:tailEnd type="none" w="med" len="med"/>
+                        </a:lnB>
+                        <a:solidFill>
+                          <a:schemeClr val="bg1"/>
+                        </a:solidFill>
+                      </a:tcPr>
+                    </a:tc>
+                    <a:extLst>
+                      <a:ext uri="{0D108BD9-81ED-4DB2-BD59-A6C34878D82A}">
+                        <a16:rowId xmlns:a16="http://schemas.microsoft.com/office/drawing/2014/main" val="3250368543"/>
+                      </a:ext>
+                    </a:extLst>
+                  </a:tr>
+                </a:tbl>
+              </a:graphicData>
+            </a:graphic>
+          </p:graphicFrame>
+        </mc:Choice>
+        <mc:Fallback>
+          <p:graphicFrame>
+            <p:nvGraphicFramePr>
+              <p:cNvPr id="19" name="コンテンツ プレースホルダー 16">
+                <a:extLst>
+                  <a:ext uri="{FF2B5EF4-FFF2-40B4-BE49-F238E27FC236}">
+                    <a16:creationId xmlns:a16="http://schemas.microsoft.com/office/drawing/2014/main" id="{115496F6-3965-0757-E116-0BD5F16F005E}"/>
+                  </a:ext>
+                </a:extLst>
+              </p:cNvPr>
+              <p:cNvGraphicFramePr>
+                <a:graphicFrameLocks/>
+              </p:cNvGraphicFramePr>
+              <p:nvPr>
+                <p:extLst>
+                  <p:ext uri="{D42A27DB-BD31-4B8C-83A1-F6EECF244321}">
+                    <p14:modId xmlns:p14="http://schemas.microsoft.com/office/powerpoint/2010/main" val="3088467524"/>
+                  </p:ext>
+                </p:extLst>
+              </p:nvPr>
+            </p:nvGraphicFramePr>
+            <p:xfrm>
+              <a:off x="6861421" y="2300583"/>
+              <a:ext cx="1791089" cy="3114480"/>
+            </p:xfrm>
+            <a:graphic>
+              <a:graphicData uri="http://schemas.openxmlformats.org/drawingml/2006/table">
+                <a:tbl>
+                  <a:tblPr firstRow="1" bandRow="1">
+                    <a:tableStyleId>{5C22544A-7EE6-4342-B048-85BDC9FD1C3A}</a:tableStyleId>
+                  </a:tblPr>
+                  <a:tblGrid>
+                    <a:gridCol w="401661">
+                      <a:extLst>
+                        <a:ext uri="{9D8B030D-6E8A-4147-A177-3AD203B41FA5}">
+                          <a16:colId xmlns:a16="http://schemas.microsoft.com/office/drawing/2014/main" val="215306376"/>
+                        </a:ext>
+                      </a:extLst>
+                    </a:gridCol>
+                    <a:gridCol w="1389428">
+                      <a:extLst>
+                        <a:ext uri="{9D8B030D-6E8A-4147-A177-3AD203B41FA5}">
+                          <a16:colId xmlns:a16="http://schemas.microsoft.com/office/drawing/2014/main" val="879464118"/>
+                        </a:ext>
+                      </a:extLst>
+                    </a:gridCol>
+                  </a:tblGrid>
+                  <a:tr h="340800">
+                    <a:tc>
+                      <a:txBody>
+                        <a:bodyPr/>
+                        <a:lstStyle/>
+                        <a:p>
+                          <a:endParaRPr lang="ja-JP"/>
+                        </a:p>
+                      </a:txBody>
+                      <a:tcPr marL="81720" marR="10800" marT="18000" marB="18000">
+                        <a:lnL w="19050" cap="flat" cmpd="sng" algn="ctr">
+                          <a:solidFill>
+                            <a:schemeClr val="tx1"/>
+                          </a:solidFill>
+                          <a:prstDash val="solid"/>
+                          <a:round/>
+                          <a:headEnd type="none" w="med" len="med"/>
+                          <a:tailEnd type="none" w="med" len="med"/>
+                        </a:lnL>
+                        <a:lnR w="19050" cap="flat" cmpd="sng" algn="ctr">
+                          <a:solidFill>
+                            <a:schemeClr val="tx1"/>
+                          </a:solidFill>
+                          <a:prstDash val="solid"/>
+                          <a:round/>
+                          <a:headEnd type="none" w="med" len="med"/>
+                          <a:tailEnd type="none" w="med" len="med"/>
+                        </a:lnR>
+                        <a:lnT w="19050" cap="flat" cmpd="sng" algn="ctr">
+                          <a:solidFill>
+                            <a:schemeClr val="tx1"/>
+                          </a:solidFill>
+                          <a:prstDash val="solid"/>
+                          <a:round/>
+                          <a:headEnd type="none" w="med" len="med"/>
+                          <a:tailEnd type="none" w="med" len="med"/>
+                        </a:lnT>
+                        <a:lnB w="19050" cap="flat" cmpd="sng" algn="ctr">
+                          <a:solidFill>
+                            <a:schemeClr val="tx1"/>
+                          </a:solidFill>
+                          <a:prstDash val="solid"/>
+                          <a:round/>
+                          <a:headEnd type="none" w="med" len="med"/>
+                          <a:tailEnd type="none" w="med" len="med"/>
+                        </a:lnB>
+                        <a:blipFill>
+                          <a:blip r:embed="rId5"/>
+                          <a:stretch>
+                            <a:fillRect l="-3125" t="-18519" r="-350000" b="-818519"/>
+                          </a:stretch>
+                        </a:blipFill>
+                      </a:tcPr>
+                    </a:tc>
+                    <a:tc>
+                      <a:txBody>
+                        <a:bodyPr/>
+                        <a:lstStyle/>
+                        <a:p>
+                          <a:pPr algn="ctr"/>
+                          <a:r>
+                            <a:rPr kumimoji="1" lang="en-US" altLang="ja-JP" sz="2000" b="1" dirty="0">
+                              <a:solidFill>
+                                <a:schemeClr val="tx1"/>
+                              </a:solidFill>
+                              <a:latin typeface="Arial" panose="020B0604020202020204" pitchFamily="34" charset="0"/>
+                              <a:cs typeface="Arial" panose="020B0604020202020204" pitchFamily="34" charset="0"/>
+                            </a:rPr>
+                            <a:t># graph</a:t>
+                          </a:r>
+                          <a:endParaRPr kumimoji="1" lang="ja-JP" altLang="en-US" sz="2000" b="1">
+                            <a:solidFill>
+                              <a:schemeClr val="tx1"/>
+                            </a:solidFill>
+                            <a:latin typeface="Arial" panose="020B0604020202020204" pitchFamily="34" charset="0"/>
+                            <a:cs typeface="Arial" panose="020B0604020202020204" pitchFamily="34" charset="0"/>
+                          </a:endParaRPr>
+                        </a:p>
+                      </a:txBody>
+                      <a:tcPr marL="45720" marR="46800" marT="18000" marB="18000">
+                        <a:lnL w="19050" cap="flat" cmpd="sng" algn="ctr">
+                          <a:solidFill>
+                            <a:schemeClr val="tx1"/>
+                          </a:solidFill>
+                          <a:prstDash val="solid"/>
+                          <a:round/>
+                          <a:headEnd type="none" w="med" len="med"/>
+                          <a:tailEnd type="none" w="med" len="med"/>
+                        </a:lnL>
+                        <a:lnR w="19050" cap="flat" cmpd="sng" algn="ctr">
+                          <a:solidFill>
+                            <a:schemeClr val="tx1"/>
+                          </a:solidFill>
+                          <a:prstDash val="solid"/>
+                          <a:round/>
+                          <a:headEnd type="none" w="med" len="med"/>
+                          <a:tailEnd type="none" w="med" len="med"/>
+                        </a:lnR>
+                        <a:lnT w="19050" cap="flat" cmpd="sng" algn="ctr">
+                          <a:solidFill>
+                            <a:schemeClr val="tx1"/>
+                          </a:solidFill>
+                          <a:prstDash val="solid"/>
+                          <a:round/>
+                          <a:headEnd type="none" w="med" len="med"/>
+                          <a:tailEnd type="none" w="med" len="med"/>
+                        </a:lnT>
+                        <a:lnB w="19050" cap="flat" cmpd="sng" algn="ctr">
+                          <a:solidFill>
+                            <a:schemeClr val="tx1"/>
+                          </a:solidFill>
+                          <a:prstDash val="solid"/>
+                          <a:round/>
+                          <a:headEnd type="none" w="med" len="med"/>
+                          <a:tailEnd type="none" w="med" len="med"/>
+                        </a:lnB>
+                        <a:solidFill>
+                          <a:schemeClr val="accent2"/>
+                        </a:solidFill>
+                      </a:tcPr>
+                    </a:tc>
+                    <a:extLst>
+                      <a:ext uri="{0D108BD9-81ED-4DB2-BD59-A6C34878D82A}">
+                        <a16:rowId xmlns:a16="http://schemas.microsoft.com/office/drawing/2014/main" val="3359987910"/>
+                      </a:ext>
+                    </a:extLst>
+                  </a:tr>
+                  <a:tr h="396240">
+                    <a:tc>
+                      <a:txBody>
+                        <a:bodyPr/>
+                        <a:lstStyle/>
+                        <a:p>
+                          <a:endParaRPr lang="ja-JP"/>
+                        </a:p>
+                      </a:txBody>
+                      <a:tcPr marL="45720" marR="45720">
+                        <a:lnL w="19050" cap="flat" cmpd="sng" algn="ctr">
+                          <a:solidFill>
+                            <a:schemeClr val="tx1"/>
+                          </a:solidFill>
+                          <a:prstDash val="solid"/>
+                          <a:round/>
+                          <a:headEnd type="none" w="med" len="med"/>
+                          <a:tailEnd type="none" w="med" len="med"/>
+                        </a:lnL>
+                        <a:lnR w="19050" cap="flat" cmpd="sng" algn="ctr">
+                          <a:solidFill>
+                            <a:schemeClr val="tx1"/>
+                          </a:solidFill>
+                          <a:prstDash val="solid"/>
+                          <a:round/>
+                          <a:headEnd type="none" w="med" len="med"/>
+                          <a:tailEnd type="none" w="med" len="med"/>
+                        </a:lnR>
+                        <a:lnT w="19050" cap="flat" cmpd="sng" algn="ctr">
+                          <a:solidFill>
+                            <a:schemeClr val="tx1"/>
+                          </a:solidFill>
+                          <a:prstDash val="solid"/>
+                          <a:round/>
+                          <a:headEnd type="none" w="med" len="med"/>
+                          <a:tailEnd type="none" w="med" len="med"/>
+                        </a:lnT>
+                        <a:lnB w="19050" cap="flat" cmpd="sng" algn="ctr">
+                          <a:solidFill>
+                            <a:schemeClr val="tx1"/>
+                          </a:solidFill>
+                          <a:prstDash val="solid"/>
+                          <a:round/>
+                          <a:headEnd type="none" w="med" len="med"/>
+                          <a:tailEnd type="none" w="med" len="med"/>
+                        </a:lnB>
+                        <a:blipFill>
+                          <a:blip r:embed="rId5"/>
+                          <a:stretch>
+                            <a:fillRect l="-3125" t="-103226" r="-350000" b="-612903"/>
+                          </a:stretch>
+                        </a:blipFill>
+                      </a:tcPr>
+                    </a:tc>
+                    <a:tc>
+                      <a:txBody>
+                        <a:bodyPr/>
+                        <a:lstStyle/>
+                        <a:p>
+                          <a:endParaRPr lang="ja-JP"/>
+                        </a:p>
+                      </a:txBody>
+                      <a:tcPr anchor="ctr">
+                        <a:lnL w="19050" cap="flat" cmpd="sng" algn="ctr">
+                          <a:solidFill>
+                            <a:schemeClr val="tx1"/>
+                          </a:solidFill>
+                          <a:prstDash val="solid"/>
+                          <a:round/>
+                          <a:headEnd type="none" w="med" len="med"/>
+                          <a:tailEnd type="none" w="med" len="med"/>
+                        </a:lnL>
+                        <a:lnR w="19050" cap="flat" cmpd="sng" algn="ctr">
+                          <a:solidFill>
+                            <a:schemeClr val="tx1"/>
+                          </a:solidFill>
+                          <a:prstDash val="solid"/>
+                          <a:round/>
+                          <a:headEnd type="none" w="med" len="med"/>
+                          <a:tailEnd type="none" w="med" len="med"/>
+                        </a:lnR>
+                        <a:lnT w="19050" cap="flat" cmpd="sng" algn="ctr">
+                          <a:solidFill>
+                            <a:schemeClr val="tx1"/>
+                          </a:solidFill>
+                          <a:prstDash val="solid"/>
+                          <a:round/>
+                          <a:headEnd type="none" w="med" len="med"/>
+                          <a:tailEnd type="none" w="med" len="med"/>
+                        </a:lnT>
+                        <a:lnB w="19050" cap="flat" cmpd="sng" algn="ctr">
+                          <a:solidFill>
+                            <a:schemeClr val="tx1"/>
+                          </a:solidFill>
+                          <a:prstDash val="solid"/>
+                          <a:round/>
+                          <a:headEnd type="none" w="med" len="med"/>
+                          <a:tailEnd type="none" w="med" len="med"/>
+                        </a:lnB>
+                        <a:blipFill>
+                          <a:blip r:embed="rId5"/>
+                          <a:stretch>
+                            <a:fillRect l="-30000" t="-103226" r="-1818" b="-612903"/>
+                          </a:stretch>
+                        </a:blipFill>
+                      </a:tcPr>
+                    </a:tc>
+                    <a:extLst>
+                      <a:ext uri="{0D108BD9-81ED-4DB2-BD59-A6C34878D82A}">
+                        <a16:rowId xmlns:a16="http://schemas.microsoft.com/office/drawing/2014/main" val="364840804"/>
+                      </a:ext>
+                    </a:extLst>
+                  </a:tr>
+                  <a:tr h="396240">
+                    <a:tc>
+                      <a:txBody>
+                        <a:bodyPr/>
+                        <a:lstStyle/>
+                        <a:p>
+                          <a:endParaRPr lang="ja-JP"/>
+                        </a:p>
+                      </a:txBody>
+                      <a:tcPr marL="45720" marR="45720">
+                        <a:lnL w="19050" cap="flat" cmpd="sng" algn="ctr">
+                          <a:solidFill>
+                            <a:schemeClr val="tx1"/>
+                          </a:solidFill>
+                          <a:prstDash val="solid"/>
+                          <a:round/>
+                          <a:headEnd type="none" w="med" len="med"/>
+                          <a:tailEnd type="none" w="med" len="med"/>
+                        </a:lnL>
+                        <a:lnR w="19050" cap="flat" cmpd="sng" algn="ctr">
+                          <a:solidFill>
+                            <a:schemeClr val="tx1"/>
+                          </a:solidFill>
+                          <a:prstDash val="solid"/>
+                          <a:round/>
+                          <a:headEnd type="none" w="med" len="med"/>
+                          <a:tailEnd type="none" w="med" len="med"/>
+                        </a:lnR>
+                        <a:lnT w="19050" cap="flat" cmpd="sng" algn="ctr">
+                          <a:solidFill>
+                            <a:schemeClr val="tx1"/>
+                          </a:solidFill>
+                          <a:prstDash val="solid"/>
+                          <a:round/>
+                          <a:headEnd type="none" w="med" len="med"/>
+                          <a:tailEnd type="none" w="med" len="med"/>
+                        </a:lnT>
+                        <a:lnB w="19050" cap="flat" cmpd="sng" algn="ctr">
+                          <a:solidFill>
+                            <a:schemeClr val="tx1"/>
+                          </a:solidFill>
+                          <a:prstDash val="solid"/>
+                          <a:round/>
+                          <a:headEnd type="none" w="med" len="med"/>
+                          <a:tailEnd type="none" w="med" len="med"/>
+                        </a:lnB>
+                        <a:blipFill>
+                          <a:blip r:embed="rId5"/>
+                          <a:stretch>
+                            <a:fillRect l="-3125" t="-196875" r="-350000" b="-493750"/>
+                          </a:stretch>
+                        </a:blipFill>
+                      </a:tcPr>
+                    </a:tc>
+                    <a:tc>
+                      <a:txBody>
+                        <a:bodyPr/>
+                        <a:lstStyle/>
+                        <a:p>
+                          <a:endParaRPr lang="ja-JP"/>
+                        </a:p>
+                      </a:txBody>
+                      <a:tcPr anchor="ctr">
+                        <a:lnL w="19050" cap="flat" cmpd="sng" algn="ctr">
+                          <a:solidFill>
+                            <a:schemeClr val="tx1"/>
+                          </a:solidFill>
+                          <a:prstDash val="solid"/>
+                          <a:round/>
+                          <a:headEnd type="none" w="med" len="med"/>
+                          <a:tailEnd type="none" w="med" len="med"/>
+                        </a:lnL>
+                        <a:lnR w="19050" cap="flat" cmpd="sng" algn="ctr">
+                          <a:solidFill>
+                            <a:schemeClr val="tx1"/>
+                          </a:solidFill>
+                          <a:prstDash val="solid"/>
+                          <a:round/>
+                          <a:headEnd type="none" w="med" len="med"/>
+                          <a:tailEnd type="none" w="med" len="med"/>
+                        </a:lnR>
+                        <a:lnT w="19050" cap="flat" cmpd="sng" algn="ctr">
+                          <a:solidFill>
+                            <a:schemeClr val="tx1"/>
+                          </a:solidFill>
+                          <a:prstDash val="solid"/>
+                          <a:round/>
+                          <a:headEnd type="none" w="med" len="med"/>
+                          <a:tailEnd type="none" w="med" len="med"/>
+                        </a:lnT>
+                        <a:lnB w="19050" cap="flat" cmpd="sng" algn="ctr">
+                          <a:solidFill>
+                            <a:schemeClr val="tx1"/>
+                          </a:solidFill>
+                          <a:prstDash val="solid"/>
+                          <a:round/>
+                          <a:headEnd type="none" w="med" len="med"/>
+                          <a:tailEnd type="none" w="med" len="med"/>
+                        </a:lnB>
+                        <a:blipFill>
+                          <a:blip r:embed="rId5"/>
+                          <a:stretch>
+                            <a:fillRect l="-30000" t="-196875" r="-1818" b="-493750"/>
+                          </a:stretch>
+                        </a:blipFill>
+                      </a:tcPr>
+                    </a:tc>
+                    <a:extLst>
+                      <a:ext uri="{0D108BD9-81ED-4DB2-BD59-A6C34878D82A}">
+                        <a16:rowId xmlns:a16="http://schemas.microsoft.com/office/drawing/2014/main" val="3525191963"/>
+                      </a:ext>
+                    </a:extLst>
+                  </a:tr>
+                  <a:tr h="396240">
+                    <a:tc>
+                      <a:txBody>
+                        <a:bodyPr/>
+                        <a:lstStyle/>
+                        <a:p>
+                          <a:endParaRPr lang="ja-JP"/>
+                        </a:p>
+                      </a:txBody>
+                      <a:tcPr marL="45720" marR="45720">
+                        <a:lnL w="19050" cap="flat" cmpd="sng" algn="ctr">
+                          <a:solidFill>
+                            <a:schemeClr val="tx1"/>
+                          </a:solidFill>
+                          <a:prstDash val="solid"/>
+                          <a:round/>
+                          <a:headEnd type="none" w="med" len="med"/>
+                          <a:tailEnd type="none" w="med" len="med"/>
+                        </a:lnL>
+                        <a:lnR w="19050" cap="flat" cmpd="sng" algn="ctr">
+                          <a:solidFill>
+                            <a:schemeClr val="tx1"/>
+                          </a:solidFill>
+                          <a:prstDash val="solid"/>
+                          <a:round/>
+                          <a:headEnd type="none" w="med" len="med"/>
+                          <a:tailEnd type="none" w="med" len="med"/>
+                        </a:lnR>
+                        <a:lnT w="19050" cap="flat" cmpd="sng" algn="ctr">
+                          <a:solidFill>
+                            <a:schemeClr val="tx1"/>
+                          </a:solidFill>
+                          <a:prstDash val="solid"/>
+                          <a:round/>
+                          <a:headEnd type="none" w="med" len="med"/>
+                          <a:tailEnd type="none" w="med" len="med"/>
+                        </a:lnT>
+                        <a:lnB w="19050" cap="flat" cmpd="sng" algn="ctr">
+                          <a:solidFill>
+                            <a:schemeClr val="tx1"/>
+                          </a:solidFill>
+                          <a:prstDash val="solid"/>
+                          <a:round/>
+                          <a:headEnd type="none" w="med" len="med"/>
+                          <a:tailEnd type="none" w="med" len="med"/>
+                        </a:lnB>
+                        <a:blipFill>
+                          <a:blip r:embed="rId5"/>
+                          <a:stretch>
+                            <a:fillRect l="-3125" t="-306452" r="-350000" b="-409677"/>
+                          </a:stretch>
+                        </a:blipFill>
+                      </a:tcPr>
+                    </a:tc>
+                    <a:tc>
+                      <a:txBody>
+                        <a:bodyPr/>
+                        <a:lstStyle/>
+                        <a:p>
+                          <a:endParaRPr lang="ja-JP"/>
+                        </a:p>
+                      </a:txBody>
+                      <a:tcPr anchor="ctr">
+                        <a:lnL w="19050" cap="flat" cmpd="sng" algn="ctr">
+                          <a:solidFill>
+                            <a:schemeClr val="tx1"/>
+                          </a:solidFill>
+                          <a:prstDash val="solid"/>
+                          <a:round/>
+                          <a:headEnd type="none" w="med" len="med"/>
+                          <a:tailEnd type="none" w="med" len="med"/>
+                        </a:lnL>
+                        <a:lnR w="19050" cap="flat" cmpd="sng" algn="ctr">
+                          <a:solidFill>
+                            <a:schemeClr val="tx1"/>
+                          </a:solidFill>
+                          <a:prstDash val="solid"/>
+                          <a:round/>
+                          <a:headEnd type="none" w="med" len="med"/>
+                          <a:tailEnd type="none" w="med" len="med"/>
+                        </a:lnR>
+                        <a:lnT w="19050" cap="flat" cmpd="sng" algn="ctr">
+                          <a:solidFill>
+                            <a:schemeClr val="tx1"/>
+                          </a:solidFill>
+                          <a:prstDash val="solid"/>
+                          <a:round/>
+                          <a:headEnd type="none" w="med" len="med"/>
+                          <a:tailEnd type="none" w="med" len="med"/>
+                        </a:lnT>
+                        <a:lnB w="19050" cap="flat" cmpd="sng" algn="ctr">
+                          <a:solidFill>
+                            <a:schemeClr val="tx1"/>
+                          </a:solidFill>
+                          <a:prstDash val="solid"/>
+                          <a:round/>
+                          <a:headEnd type="none" w="med" len="med"/>
+                          <a:tailEnd type="none" w="med" len="med"/>
+                        </a:lnB>
+                        <a:blipFill>
+                          <a:blip r:embed="rId5"/>
+                          <a:stretch>
+                            <a:fillRect l="-30000" t="-306452" r="-1818" b="-409677"/>
+                          </a:stretch>
+                        </a:blipFill>
+                      </a:tcPr>
+                    </a:tc>
+                    <a:extLst>
+                      <a:ext uri="{0D108BD9-81ED-4DB2-BD59-A6C34878D82A}">
+                        <a16:rowId xmlns:a16="http://schemas.microsoft.com/office/drawing/2014/main" val="3569909037"/>
+                      </a:ext>
+                    </a:extLst>
+                  </a:tr>
+                  <a:tr h="396240">
+                    <a:tc>
+                      <a:txBody>
+                        <a:bodyPr/>
+                        <a:lstStyle/>
+                        <a:p>
+                          <a:endParaRPr lang="ja-JP"/>
+                        </a:p>
+                      </a:txBody>
+                      <a:tcPr marL="45720" marR="45720">
+                        <a:lnL w="19050" cap="flat" cmpd="sng" algn="ctr">
+                          <a:solidFill>
+                            <a:schemeClr val="tx1"/>
+                          </a:solidFill>
+                          <a:prstDash val="solid"/>
+                          <a:round/>
+                          <a:headEnd type="none" w="med" len="med"/>
+                          <a:tailEnd type="none" w="med" len="med"/>
+                        </a:lnL>
+                        <a:lnR w="19050" cap="flat" cmpd="sng" algn="ctr">
+                          <a:solidFill>
+                            <a:schemeClr val="tx1"/>
+                          </a:solidFill>
+                          <a:prstDash val="solid"/>
+                          <a:round/>
+                          <a:headEnd type="none" w="med" len="med"/>
+                          <a:tailEnd type="none" w="med" len="med"/>
+                        </a:lnR>
+                        <a:lnT w="19050" cap="flat" cmpd="sng" algn="ctr">
+                          <a:solidFill>
+                            <a:schemeClr val="tx1"/>
+                          </a:solidFill>
+                          <a:prstDash val="solid"/>
+                          <a:round/>
+                          <a:headEnd type="none" w="med" len="med"/>
+                          <a:tailEnd type="none" w="med" len="med"/>
+                        </a:lnT>
+                        <a:lnB w="19050" cap="flat" cmpd="sng" algn="ctr">
+                          <a:solidFill>
+                            <a:schemeClr val="tx1"/>
+                          </a:solidFill>
+                          <a:prstDash val="solid"/>
+                          <a:round/>
+                          <a:headEnd type="none" w="med" len="med"/>
+                          <a:tailEnd type="none" w="med" len="med"/>
+                        </a:lnB>
+                        <a:blipFill>
+                          <a:blip r:embed="rId5"/>
+                          <a:stretch>
+                            <a:fillRect l="-3125" t="-406452" r="-350000" b="-309677"/>
+                          </a:stretch>
+                        </a:blipFill>
+                      </a:tcPr>
+                    </a:tc>
+                    <a:tc>
+                      <a:txBody>
+                        <a:bodyPr/>
+                        <a:lstStyle/>
+                        <a:p>
+                          <a:endParaRPr lang="ja-JP"/>
+                        </a:p>
+                      </a:txBody>
+                      <a:tcPr anchor="ctr">
+                        <a:lnL w="19050" cap="flat" cmpd="sng" algn="ctr">
+                          <a:solidFill>
+                            <a:schemeClr val="tx1"/>
+                          </a:solidFill>
+                          <a:prstDash val="solid"/>
+                          <a:round/>
+                          <a:headEnd type="none" w="med" len="med"/>
+                          <a:tailEnd type="none" w="med" len="med"/>
+                        </a:lnL>
+                        <a:lnR w="19050" cap="flat" cmpd="sng" algn="ctr">
+                          <a:solidFill>
+                            <a:schemeClr val="tx1"/>
+                          </a:solidFill>
+                          <a:prstDash val="solid"/>
+                          <a:round/>
+                          <a:headEnd type="none" w="med" len="med"/>
+                          <a:tailEnd type="none" w="med" len="med"/>
+                        </a:lnR>
+                        <a:lnT w="19050" cap="flat" cmpd="sng" algn="ctr">
+                          <a:solidFill>
+                            <a:schemeClr val="tx1"/>
+                          </a:solidFill>
+                          <a:prstDash val="solid"/>
+                          <a:round/>
+                          <a:headEnd type="none" w="med" len="med"/>
+                          <a:tailEnd type="none" w="med" len="med"/>
+                        </a:lnT>
+                        <a:lnB w="19050" cap="flat" cmpd="sng" algn="ctr">
+                          <a:solidFill>
+                            <a:schemeClr val="tx1"/>
+                          </a:solidFill>
+                          <a:prstDash val="solid"/>
+                          <a:round/>
+                          <a:headEnd type="none" w="med" len="med"/>
+                          <a:tailEnd type="none" w="med" len="med"/>
+                        </a:lnB>
+                        <a:blipFill>
+                          <a:blip r:embed="rId5"/>
+                          <a:stretch>
+                            <a:fillRect l="-30000" t="-406452" r="-1818" b="-309677"/>
+                          </a:stretch>
+                        </a:blipFill>
+                      </a:tcPr>
+                    </a:tc>
+                    <a:extLst>
+                      <a:ext uri="{0D108BD9-81ED-4DB2-BD59-A6C34878D82A}">
+                        <a16:rowId xmlns:a16="http://schemas.microsoft.com/office/drawing/2014/main" val="3327895223"/>
+                      </a:ext>
+                    </a:extLst>
+                  </a:tr>
+                  <a:tr h="396240">
+                    <a:tc>
+                      <a:txBody>
+                        <a:bodyPr/>
+                        <a:lstStyle/>
+                        <a:p>
+                          <a:endParaRPr lang="ja-JP"/>
+                        </a:p>
+                      </a:txBody>
+                      <a:tcPr marL="45720" marR="45720">
+                        <a:lnL w="19050" cap="flat" cmpd="sng" algn="ctr">
+                          <a:solidFill>
+                            <a:schemeClr val="tx1"/>
+                          </a:solidFill>
+                          <a:prstDash val="solid"/>
+                          <a:round/>
+                          <a:headEnd type="none" w="med" len="med"/>
+                          <a:tailEnd type="none" w="med" len="med"/>
+                        </a:lnL>
+                        <a:lnR w="19050" cap="flat" cmpd="sng" algn="ctr">
+                          <a:solidFill>
+                            <a:schemeClr val="tx1"/>
+                          </a:solidFill>
+                          <a:prstDash val="solid"/>
+                          <a:round/>
+                          <a:headEnd type="none" w="med" len="med"/>
+                          <a:tailEnd type="none" w="med" len="med"/>
+                        </a:lnR>
+                        <a:lnT w="19050" cap="flat" cmpd="sng" algn="ctr">
+                          <a:solidFill>
+                            <a:schemeClr val="tx1"/>
+                          </a:solidFill>
+                          <a:prstDash val="solid"/>
+                          <a:round/>
+                          <a:headEnd type="none" w="med" len="med"/>
+                          <a:tailEnd type="none" w="med" len="med"/>
+                        </a:lnT>
+                        <a:lnB w="19050" cap="flat" cmpd="sng" algn="ctr">
+                          <a:solidFill>
+                            <a:schemeClr val="tx1"/>
+                          </a:solidFill>
+                          <a:prstDash val="solid"/>
+                          <a:round/>
+                          <a:headEnd type="none" w="med" len="med"/>
+                          <a:tailEnd type="none" w="med" len="med"/>
+                        </a:lnB>
+                        <a:blipFill>
+                          <a:blip r:embed="rId5"/>
+                          <a:stretch>
+                            <a:fillRect l="-3125" t="-506452" r="-350000" b="-209677"/>
+                          </a:stretch>
+                        </a:blipFill>
+                      </a:tcPr>
+                    </a:tc>
+                    <a:tc>
+                      <a:txBody>
+                        <a:bodyPr/>
+                        <a:lstStyle/>
+                        <a:p>
+                          <a:endParaRPr lang="ja-JP"/>
+                        </a:p>
+                      </a:txBody>
+                      <a:tcPr anchor="ctr">
+                        <a:lnL w="19050" cap="flat" cmpd="sng" algn="ctr">
+                          <a:solidFill>
+                            <a:schemeClr val="tx1"/>
+                          </a:solidFill>
+                          <a:prstDash val="solid"/>
+                          <a:round/>
+                          <a:headEnd type="none" w="med" len="med"/>
+                          <a:tailEnd type="none" w="med" len="med"/>
+                        </a:lnL>
+                        <a:lnR w="19050" cap="flat" cmpd="sng" algn="ctr">
+                          <a:solidFill>
+                            <a:schemeClr val="tx1"/>
+                          </a:solidFill>
+                          <a:prstDash val="solid"/>
+                          <a:round/>
+                          <a:headEnd type="none" w="med" len="med"/>
+                          <a:tailEnd type="none" w="med" len="med"/>
+                        </a:lnR>
+                        <a:lnT w="19050" cap="flat" cmpd="sng" algn="ctr">
+                          <a:solidFill>
+                            <a:schemeClr val="tx1"/>
+                          </a:solidFill>
+                          <a:prstDash val="solid"/>
+                          <a:round/>
+                          <a:headEnd type="none" w="med" len="med"/>
+                          <a:tailEnd type="none" w="med" len="med"/>
+                        </a:lnT>
+                        <a:lnB w="19050" cap="flat" cmpd="sng" algn="ctr">
+                          <a:solidFill>
+                            <a:schemeClr val="tx1"/>
+                          </a:solidFill>
+                          <a:prstDash val="solid"/>
+                          <a:round/>
+                          <a:headEnd type="none" w="med" len="med"/>
+                          <a:tailEnd type="none" w="med" len="med"/>
+                        </a:lnB>
+                        <a:blipFill>
+                          <a:blip r:embed="rId5"/>
+                          <a:stretch>
+                            <a:fillRect l="-30000" t="-506452" r="-1818" b="-209677"/>
+                          </a:stretch>
+                        </a:blipFill>
+                      </a:tcPr>
+                    </a:tc>
+                    <a:extLst>
+                      <a:ext uri="{0D108BD9-81ED-4DB2-BD59-A6C34878D82A}">
+                        <a16:rowId xmlns:a16="http://schemas.microsoft.com/office/drawing/2014/main" val="472790633"/>
+                      </a:ext>
+                    </a:extLst>
+                  </a:tr>
+                  <a:tr h="396240">
+                    <a:tc>
+                      <a:txBody>
+                        <a:bodyPr/>
+                        <a:lstStyle/>
+                        <a:p>
+                          <a:endParaRPr lang="ja-JP"/>
+                        </a:p>
+                      </a:txBody>
+                      <a:tcPr marL="45720" marR="45720">
+                        <a:lnL w="19050" cap="flat" cmpd="sng" algn="ctr">
+                          <a:solidFill>
+                            <a:schemeClr val="tx1"/>
+                          </a:solidFill>
+                          <a:prstDash val="solid"/>
+                          <a:round/>
+                          <a:headEnd type="none" w="med" len="med"/>
+                          <a:tailEnd type="none" w="med" len="med"/>
+                        </a:lnL>
+                        <a:lnR w="19050" cap="flat" cmpd="sng" algn="ctr">
+                          <a:solidFill>
+                            <a:schemeClr val="tx1"/>
+                          </a:solidFill>
+                          <a:prstDash val="solid"/>
+                          <a:round/>
+                          <a:headEnd type="none" w="med" len="med"/>
+                          <a:tailEnd type="none" w="med" len="med"/>
+                        </a:lnR>
+                        <a:lnT w="19050" cap="flat" cmpd="sng" algn="ctr">
+                          <a:solidFill>
+                            <a:schemeClr val="tx1"/>
+                          </a:solidFill>
+                          <a:prstDash val="solid"/>
+                          <a:round/>
+                          <a:headEnd type="none" w="med" len="med"/>
+                          <a:tailEnd type="none" w="med" len="med"/>
+                        </a:lnT>
+                        <a:lnB w="19050" cap="flat" cmpd="sng" algn="ctr">
+                          <a:solidFill>
+                            <a:schemeClr val="tx1"/>
+                          </a:solidFill>
+                          <a:prstDash val="solid"/>
+                          <a:round/>
+                          <a:headEnd type="none" w="med" len="med"/>
+                          <a:tailEnd type="none" w="med" len="med"/>
+                        </a:lnB>
+                        <a:blipFill>
+                          <a:blip r:embed="rId5"/>
+                          <a:stretch>
+                            <a:fillRect l="-3125" t="-587500" r="-350000" b="-103125"/>
+                          </a:stretch>
+                        </a:blipFill>
+                      </a:tcPr>
+                    </a:tc>
+                    <a:tc>
+                      <a:txBody>
+                        <a:bodyPr/>
+                        <a:lstStyle/>
+                        <a:p>
+                          <a:endParaRPr lang="ja-JP"/>
+                        </a:p>
+                      </a:txBody>
+                      <a:tcPr anchor="ctr">
+                        <a:lnL w="19050" cap="flat" cmpd="sng" algn="ctr">
+                          <a:solidFill>
+                            <a:schemeClr val="tx1"/>
+                          </a:solidFill>
+                          <a:prstDash val="solid"/>
+                          <a:round/>
+                          <a:headEnd type="none" w="med" len="med"/>
+                          <a:tailEnd type="none" w="med" len="med"/>
+                        </a:lnL>
+                        <a:lnR w="19050" cap="flat" cmpd="sng" algn="ctr">
+                          <a:solidFill>
+                            <a:schemeClr val="tx1"/>
+                          </a:solidFill>
+                          <a:prstDash val="solid"/>
+                          <a:round/>
+                          <a:headEnd type="none" w="med" len="med"/>
+                          <a:tailEnd type="none" w="med" len="med"/>
+                        </a:lnR>
+                        <a:lnT w="19050" cap="flat" cmpd="sng" algn="ctr">
+                          <a:solidFill>
+                            <a:schemeClr val="tx1"/>
+                          </a:solidFill>
+                          <a:prstDash val="solid"/>
+                          <a:round/>
+                          <a:headEnd type="none" w="med" len="med"/>
+                          <a:tailEnd type="none" w="med" len="med"/>
+                        </a:lnT>
+                        <a:lnB w="19050" cap="flat" cmpd="sng" algn="ctr">
+                          <a:solidFill>
+                            <a:schemeClr val="tx1"/>
+                          </a:solidFill>
+                          <a:prstDash val="solid"/>
+                          <a:round/>
+                          <a:headEnd type="none" w="med" len="med"/>
+                          <a:tailEnd type="none" w="med" len="med"/>
+                        </a:lnB>
+                        <a:blipFill>
+                          <a:blip r:embed="rId5"/>
+                          <a:stretch>
+                            <a:fillRect l="-30000" t="-587500" r="-1818" b="-103125"/>
+                          </a:stretch>
+                        </a:blipFill>
+                      </a:tcPr>
+                    </a:tc>
+                    <a:extLst>
+                      <a:ext uri="{0D108BD9-81ED-4DB2-BD59-A6C34878D82A}">
+                        <a16:rowId xmlns:a16="http://schemas.microsoft.com/office/drawing/2014/main" val="706877952"/>
+                      </a:ext>
+                    </a:extLst>
+                  </a:tr>
+                  <a:tr h="396240">
+                    <a:tc>
+                      <a:txBody>
+                        <a:bodyPr/>
+                        <a:lstStyle/>
+                        <a:p>
+                          <a:endParaRPr lang="ja-JP"/>
+                        </a:p>
+                      </a:txBody>
+                      <a:tcPr marL="45720" marR="45720">
+                        <a:lnL w="19050" cap="flat" cmpd="sng" algn="ctr">
+                          <a:solidFill>
+                            <a:schemeClr val="tx1"/>
+                          </a:solidFill>
+                          <a:prstDash val="solid"/>
+                          <a:round/>
+                          <a:headEnd type="none" w="med" len="med"/>
+                          <a:tailEnd type="none" w="med" len="med"/>
+                        </a:lnL>
+                        <a:lnR w="19050" cap="flat" cmpd="sng" algn="ctr">
+                          <a:solidFill>
+                            <a:schemeClr val="tx1"/>
+                          </a:solidFill>
+                          <a:prstDash val="solid"/>
+                          <a:round/>
+                          <a:headEnd type="none" w="med" len="med"/>
+                          <a:tailEnd type="none" w="med" len="med"/>
+                        </a:lnR>
+                        <a:lnT w="19050" cap="flat" cmpd="sng" algn="ctr">
+                          <a:solidFill>
+                            <a:schemeClr val="tx1"/>
+                          </a:solidFill>
+                          <a:prstDash val="solid"/>
+                          <a:round/>
+                          <a:headEnd type="none" w="med" len="med"/>
+                          <a:tailEnd type="none" w="med" len="med"/>
+                        </a:lnT>
+                        <a:lnB w="19050" cap="flat" cmpd="sng" algn="ctr">
+                          <a:solidFill>
+                            <a:schemeClr val="tx1"/>
+                          </a:solidFill>
+                          <a:prstDash val="solid"/>
+                          <a:round/>
+                          <a:headEnd type="none" w="med" len="med"/>
+                          <a:tailEnd type="none" w="med" len="med"/>
+                        </a:lnB>
+                        <a:blipFill>
+                          <a:blip r:embed="rId5"/>
+                          <a:stretch>
+                            <a:fillRect l="-3125" t="-709677" r="-350000" b="-6452"/>
+                          </a:stretch>
+                        </a:blipFill>
+                      </a:tcPr>
+                    </a:tc>
+                    <a:tc>
+                      <a:txBody>
+                        <a:bodyPr/>
+                        <a:lstStyle/>
+                        <a:p>
+                          <a:endParaRPr lang="ja-JP"/>
+                        </a:p>
+                      </a:txBody>
+                      <a:tcPr anchor="ctr">
+                        <a:lnL w="19050" cap="flat" cmpd="sng" algn="ctr">
+                          <a:solidFill>
+                            <a:schemeClr val="tx1"/>
+                          </a:solidFill>
+                          <a:prstDash val="solid"/>
+                          <a:round/>
+                          <a:headEnd type="none" w="med" len="med"/>
+                          <a:tailEnd type="none" w="med" len="med"/>
+                        </a:lnL>
+                        <a:lnR w="19050" cap="flat" cmpd="sng" algn="ctr">
+                          <a:solidFill>
+                            <a:schemeClr val="tx1"/>
+                          </a:solidFill>
+                          <a:prstDash val="solid"/>
+                          <a:round/>
+                          <a:headEnd type="none" w="med" len="med"/>
+                          <a:tailEnd type="none" w="med" len="med"/>
+                        </a:lnR>
+                        <a:lnT w="19050" cap="flat" cmpd="sng" algn="ctr">
+                          <a:solidFill>
+                            <a:schemeClr val="tx1"/>
+                          </a:solidFill>
+                          <a:prstDash val="solid"/>
+                          <a:round/>
+                          <a:headEnd type="none" w="med" len="med"/>
+                          <a:tailEnd type="none" w="med" len="med"/>
+                        </a:lnT>
+                        <a:lnB w="19050" cap="flat" cmpd="sng" algn="ctr">
+                          <a:solidFill>
+                            <a:schemeClr val="tx1"/>
+                          </a:solidFill>
+                          <a:prstDash val="solid"/>
+                          <a:round/>
+                          <a:headEnd type="none" w="med" len="med"/>
+                          <a:tailEnd type="none" w="med" len="med"/>
+                        </a:lnB>
+                        <a:blipFill>
+                          <a:blip r:embed="rId5"/>
+                          <a:stretch>
+                            <a:fillRect l="-30000" t="-709677" r="-1818" b="-6452"/>
+                          </a:stretch>
+                        </a:blipFill>
+                      </a:tcPr>
+                    </a:tc>
+                    <a:extLst>
+                      <a:ext uri="{0D108BD9-81ED-4DB2-BD59-A6C34878D82A}">
+                        <a16:rowId xmlns:a16="http://schemas.microsoft.com/office/drawing/2014/main" val="3250368543"/>
+                      </a:ext>
+                    </a:extLst>
+                  </a:tr>
+                </a:tbl>
+              </a:graphicData>
+            </a:graphic>
+          </p:graphicFrame>
+        </mc:Fallback>
+      </mc:AlternateContent>
+      <mc:AlternateContent xmlns:mc="http://schemas.openxmlformats.org/markup-compatibility/2006">
+        <mc:Choice xmlns:a14="http://schemas.microsoft.com/office/drawing/2010/main" Requires="a14">
+          <p:sp>
+            <p:nvSpPr>
+              <p:cNvPr id="20" name="テキスト ボックス 19">
+                <a:extLst>
+                  <a:ext uri="{FF2B5EF4-FFF2-40B4-BE49-F238E27FC236}">
+                    <a16:creationId xmlns:a16="http://schemas.microsoft.com/office/drawing/2014/main" id="{191BC319-5939-60FB-DA4A-37F9927F1071}"/>
+                  </a:ext>
+                </a:extLst>
+              </p:cNvPr>
+              <p:cNvSpPr txBox="1"/>
+              <p:nvPr/>
+            </p:nvSpPr>
+            <p:spPr>
+              <a:xfrm>
+                <a:off x="205667" y="1781768"/>
+                <a:ext cx="1747017" cy="461665"/>
+              </a:xfrm>
+              <a:prstGeom prst="rect">
+                <a:avLst/>
+              </a:prstGeom>
+              <a:noFill/>
+            </p:spPr>
+            <p:txBody>
+              <a:bodyPr wrap="none" rtlCol="0">
+                <a:spAutoFit/>
+              </a:bodyPr>
+              <a:lstStyle/>
+              <a:p>
+                <a14:m>
+                  <m:oMathPara xmlns:m="http://schemas.openxmlformats.org/officeDocument/2006/math">
+                    <m:oMathParaPr>
+                      <m:jc m:val="centerGroup"/>
+                    </m:oMathParaPr>
+                    <m:oMath xmlns:m="http://schemas.openxmlformats.org/officeDocument/2006/math">
+                      <m:func>
+                        <m:funcPr>
+                          <m:ctrlPr>
+                            <a:rPr kumimoji="1" lang="en-US" altLang="ja-JP" sz="2400" b="0" i="1" smtClean="0">
+                              <a:latin typeface="Cambria Math" panose="02040503050406030204" pitchFamily="18" charset="0"/>
+                            </a:rPr>
+                          </m:ctrlPr>
+                        </m:funcPr>
+                        <m:fName>
+                          <m:r>
+                            <m:rPr>
+                              <m:sty m:val="p"/>
+                            </m:rPr>
+                            <a:rPr kumimoji="1" lang="en-US" altLang="ja-JP" sz="2400" b="0" i="0" smtClean="0">
+                              <a:latin typeface="Cambria Math" panose="02040503050406030204" pitchFamily="18" charset="0"/>
+                            </a:rPr>
+                            <m:t>deg</m:t>
+                          </m:r>
+                        </m:fName>
+                        <m:e>
+                          <m:d>
+                            <m:dPr>
+                              <m:ctrlPr>
+                                <a:rPr kumimoji="1" lang="en-US" altLang="ja-JP" sz="2400" b="0" i="1" smtClean="0">
+                                  <a:latin typeface="Cambria Math" panose="02040503050406030204" pitchFamily="18" charset="0"/>
+                                </a:rPr>
+                              </m:ctrlPr>
+                            </m:dPr>
+                            <m:e>
+                              <m:r>
+                                <a:rPr kumimoji="1" lang="en-US" altLang="ja-JP" sz="2400" b="0" i="1" smtClean="0">
+                                  <a:latin typeface="Cambria Math" panose="02040503050406030204" pitchFamily="18" charset="0"/>
+                                </a:rPr>
+                                <m:t>𝑣</m:t>
+                              </m:r>
+                            </m:e>
+                          </m:d>
+                        </m:e>
+                      </m:func>
+                      <m:r>
+                        <a:rPr kumimoji="1" lang="en-US" altLang="ja-JP" sz="2400" b="0" i="1" smtClean="0">
+                          <a:latin typeface="Cambria Math" panose="02040503050406030204" pitchFamily="18" charset="0"/>
+                        </a:rPr>
+                        <m:t>≥3</m:t>
+                      </m:r>
+                    </m:oMath>
+                  </m:oMathPara>
+                </a14:m>
+                <a:endParaRPr kumimoji="1" lang="ja-JP" altLang="en-US" sz="2400"/>
+              </a:p>
+            </p:txBody>
+          </p:sp>
+        </mc:Choice>
+        <mc:Fallback>
+          <p:sp>
+            <p:nvSpPr>
+              <p:cNvPr id="20" name="テキスト ボックス 19">
+                <a:extLst>
+                  <a:ext uri="{FF2B5EF4-FFF2-40B4-BE49-F238E27FC236}">
+                    <a16:creationId xmlns:a16="http://schemas.microsoft.com/office/drawing/2014/main" id="{191BC319-5939-60FB-DA4A-37F9927F1071}"/>
+                  </a:ext>
+                </a:extLst>
+              </p:cNvPr>
+              <p:cNvSpPr txBox="1">
+                <a:spLocks noRot="1" noChangeAspect="1" noMove="1" noResize="1" noEditPoints="1" noAdjustHandles="1" noChangeArrowheads="1" noChangeShapeType="1" noTextEdit="1"/>
+              </p:cNvSpPr>
+              <p:nvPr/>
+            </p:nvSpPr>
+            <p:spPr>
+              <a:xfrm>
+                <a:off x="205667" y="1781768"/>
+                <a:ext cx="1747017" cy="461665"/>
+              </a:xfrm>
+              <a:prstGeom prst="rect">
+                <a:avLst/>
+              </a:prstGeom>
+              <a:blipFill>
+                <a:blip r:embed="rId6"/>
+                <a:stretch>
+                  <a:fillRect b="-18919"/>
+                </a:stretch>
+              </a:blipFill>
+            </p:spPr>
+            <p:txBody>
+              <a:bodyPr/>
+              <a:lstStyle/>
+              <a:p>
+                <a:r>
+                  <a:rPr lang="ja-JP" altLang="en-US">
+                    <a:noFill/>
+                  </a:rPr>
+                  <a:t> </a:t>
+                </a:r>
+              </a:p>
+            </p:txBody>
+          </p:sp>
+        </mc:Fallback>
+      </mc:AlternateContent>
+      <mc:AlternateContent xmlns:mc="http://schemas.openxmlformats.org/markup-compatibility/2006">
+        <mc:Choice xmlns:a14="http://schemas.microsoft.com/office/drawing/2010/main" Requires="a14">
+          <p:sp>
+            <p:nvSpPr>
+              <p:cNvPr id="21" name="テキスト ボックス 20">
+                <a:extLst>
+                  <a:ext uri="{FF2B5EF4-FFF2-40B4-BE49-F238E27FC236}">
+                    <a16:creationId xmlns:a16="http://schemas.microsoft.com/office/drawing/2014/main" id="{7AA4F6B3-3558-ECEF-E04C-BCD25532A9A9}"/>
+                  </a:ext>
+                </a:extLst>
+              </p:cNvPr>
+              <p:cNvSpPr txBox="1"/>
+              <p:nvPr/>
+            </p:nvSpPr>
+            <p:spPr>
+              <a:xfrm>
+                <a:off x="4617210" y="1781768"/>
+                <a:ext cx="1747017" cy="461665"/>
+              </a:xfrm>
+              <a:prstGeom prst="rect">
+                <a:avLst/>
+              </a:prstGeom>
+              <a:noFill/>
+            </p:spPr>
+            <p:txBody>
+              <a:bodyPr wrap="none" rtlCol="0">
+                <a:spAutoFit/>
+              </a:bodyPr>
+              <a:lstStyle/>
+              <a:p>
+                <a14:m>
+                  <m:oMathPara xmlns:m="http://schemas.openxmlformats.org/officeDocument/2006/math">
+                    <m:oMathParaPr>
+                      <m:jc m:val="centerGroup"/>
+                    </m:oMathParaPr>
+                    <m:oMath xmlns:m="http://schemas.openxmlformats.org/officeDocument/2006/math">
+                      <m:func>
+                        <m:funcPr>
+                          <m:ctrlPr>
+                            <a:rPr kumimoji="1" lang="en-US" altLang="ja-JP" sz="2400" b="0" i="1" smtClean="0">
+                              <a:latin typeface="Cambria Math" panose="02040503050406030204" pitchFamily="18" charset="0"/>
+                            </a:rPr>
+                          </m:ctrlPr>
+                        </m:funcPr>
+                        <m:fName>
+                          <m:r>
+                            <m:rPr>
+                              <m:sty m:val="p"/>
+                            </m:rPr>
+                            <a:rPr kumimoji="1" lang="en-US" altLang="ja-JP" sz="2400" b="0" i="0" smtClean="0">
+                              <a:latin typeface="Cambria Math" panose="02040503050406030204" pitchFamily="18" charset="0"/>
+                            </a:rPr>
+                            <m:t>deg</m:t>
+                          </m:r>
+                        </m:fName>
+                        <m:e>
+                          <m:d>
+                            <m:dPr>
+                              <m:ctrlPr>
+                                <a:rPr kumimoji="1" lang="en-US" altLang="ja-JP" sz="2400" b="0" i="1" smtClean="0">
+                                  <a:latin typeface="Cambria Math" panose="02040503050406030204" pitchFamily="18" charset="0"/>
+                                </a:rPr>
+                              </m:ctrlPr>
+                            </m:dPr>
+                            <m:e>
+                              <m:r>
+                                <a:rPr kumimoji="1" lang="en-US" altLang="ja-JP" sz="2400" b="0" i="1" smtClean="0">
+                                  <a:latin typeface="Cambria Math" panose="02040503050406030204" pitchFamily="18" charset="0"/>
+                                </a:rPr>
+                                <m:t>𝑣</m:t>
+                              </m:r>
+                            </m:e>
+                          </m:d>
+                        </m:e>
+                      </m:func>
+                      <m:r>
+                        <a:rPr kumimoji="1" lang="en-US" altLang="ja-JP" sz="2400" b="0" i="1" smtClean="0">
+                          <a:latin typeface="Cambria Math" panose="02040503050406030204" pitchFamily="18" charset="0"/>
+                        </a:rPr>
+                        <m:t>≥4</m:t>
+                      </m:r>
+                    </m:oMath>
+                  </m:oMathPara>
+                </a14:m>
+                <a:endParaRPr kumimoji="1" lang="ja-JP" altLang="en-US" sz="2400"/>
+              </a:p>
+            </p:txBody>
+          </p:sp>
+        </mc:Choice>
+        <mc:Fallback>
+          <p:sp>
+            <p:nvSpPr>
+              <p:cNvPr id="21" name="テキスト ボックス 20">
+                <a:extLst>
+                  <a:ext uri="{FF2B5EF4-FFF2-40B4-BE49-F238E27FC236}">
+                    <a16:creationId xmlns:a16="http://schemas.microsoft.com/office/drawing/2014/main" id="{7AA4F6B3-3558-ECEF-E04C-BCD25532A9A9}"/>
+                  </a:ext>
+                </a:extLst>
+              </p:cNvPr>
+              <p:cNvSpPr txBox="1">
+                <a:spLocks noRot="1" noChangeAspect="1" noMove="1" noResize="1" noEditPoints="1" noAdjustHandles="1" noChangeArrowheads="1" noChangeShapeType="1" noTextEdit="1"/>
+              </p:cNvSpPr>
+              <p:nvPr/>
+            </p:nvSpPr>
+            <p:spPr>
+              <a:xfrm>
+                <a:off x="4617210" y="1781768"/>
+                <a:ext cx="1747017" cy="461665"/>
+              </a:xfrm>
+              <a:prstGeom prst="rect">
+                <a:avLst/>
+              </a:prstGeom>
+              <a:blipFill>
+                <a:blip r:embed="rId7"/>
+                <a:stretch>
+                  <a:fillRect b="-18919"/>
+                </a:stretch>
+              </a:blipFill>
+            </p:spPr>
+            <p:txBody>
+              <a:bodyPr/>
+              <a:lstStyle/>
+              <a:p>
+                <a:r>
+                  <a:rPr lang="ja-JP" altLang="en-US">
+                    <a:noFill/>
+                  </a:rPr>
+                  <a:t> </a:t>
+                </a:r>
+              </a:p>
+            </p:txBody>
+          </p:sp>
+        </mc:Fallback>
+      </mc:AlternateContent>
+      <mc:AlternateContent xmlns:mc="http://schemas.openxmlformats.org/markup-compatibility/2006">
+        <mc:Choice xmlns:a14="http://schemas.microsoft.com/office/drawing/2010/main" Requires="a14">
+          <p:sp>
+            <p:nvSpPr>
+              <p:cNvPr id="22" name="コンテンツ プレースホルダー 2">
+                <a:extLst>
+                  <a:ext uri="{FF2B5EF4-FFF2-40B4-BE49-F238E27FC236}">
+                    <a16:creationId xmlns:a16="http://schemas.microsoft.com/office/drawing/2014/main" id="{5DF7FD5B-AC55-E070-6715-0170D943E9E9}"/>
+                  </a:ext>
+                </a:extLst>
+              </p:cNvPr>
+              <p:cNvSpPr>
+                <a:spLocks noGrp="1"/>
+              </p:cNvSpPr>
+              <p:nvPr>
+                <p:ph sz="quarter" idx="13"/>
+              </p:nvPr>
+            </p:nvSpPr>
+            <p:spPr>
+              <a:xfrm>
+                <a:off x="218004" y="5454532"/>
+                <a:ext cx="8734328" cy="968046"/>
+              </a:xfrm>
+            </p:spPr>
+            <p:txBody>
+              <a:bodyPr/>
+              <a:lstStyle/>
+              <a:p>
+                <a:pPr>
+                  <a:lnSpc>
+                    <a:spcPct val="100000"/>
+                  </a:lnSpc>
+                </a:pPr>
+                <a:r>
+                  <a:rPr kumimoji="1" lang="en-US" altLang="ja-JP" b="1" dirty="0">
+                    <a:solidFill>
+                      <a:schemeClr val="tx2"/>
+                    </a:solidFill>
+                  </a:rPr>
+                  <a:t>Comments</a:t>
+                </a:r>
+              </a:p>
+              <a:p>
+                <a:pPr marL="342900" indent="-342900">
+                  <a:lnSpc>
+                    <a:spcPct val="100000"/>
+                  </a:lnSpc>
+                  <a:buClr>
+                    <a:schemeClr val="tx2"/>
+                  </a:buClr>
+                  <a:buFont typeface="Wingdings" pitchFamily="2" charset="2"/>
+                  <a:buChar char="p"/>
+                </a:pPr>
+                <a:r>
+                  <a:rPr kumimoji="1" lang="en-US" altLang="ja-JP" dirty="0"/>
+                  <a:t>Graphs with</a:t>
+                </a:r>
+                <a:r>
+                  <a:rPr kumimoji="1" lang="en-US" altLang="ja-JP" sz="2400" b="0" dirty="0"/>
+                  <a:t> </a:t>
+                </a:r>
+                <a14:m>
+                  <m:oMath xmlns:m="http://schemas.openxmlformats.org/officeDocument/2006/math">
+                    <m:func>
+                      <m:funcPr>
+                        <m:ctrlPr>
+                          <a:rPr kumimoji="1" lang="en-US" altLang="ja-JP" sz="2400" b="0" i="1" smtClean="0">
+                            <a:latin typeface="Cambria Math" panose="02040503050406030204" pitchFamily="18" charset="0"/>
+                          </a:rPr>
+                        </m:ctrlPr>
+                      </m:funcPr>
+                      <m:fName>
+                        <m:r>
+                          <m:rPr>
+                            <m:sty m:val="p"/>
+                          </m:rPr>
+                          <a:rPr kumimoji="1" lang="en-US" altLang="ja-JP" sz="2400" b="0" i="0" smtClean="0">
+                            <a:latin typeface="Cambria Math" panose="02040503050406030204" pitchFamily="18" charset="0"/>
+                          </a:rPr>
+                          <m:t>deg</m:t>
+                        </m:r>
+                      </m:fName>
+                      <m:e>
+                        <m:d>
+                          <m:dPr>
+                            <m:ctrlPr>
+                              <a:rPr kumimoji="1" lang="en-US" altLang="ja-JP" sz="2400" b="0" i="1" smtClean="0">
+                                <a:latin typeface="Cambria Math" panose="02040503050406030204" pitchFamily="18" charset="0"/>
+                              </a:rPr>
+                            </m:ctrlPr>
+                          </m:dPr>
+                          <m:e>
+                            <m:r>
+                              <a:rPr kumimoji="1" lang="en-US" altLang="ja-JP" sz="2400" b="0" i="1" smtClean="0">
+                                <a:latin typeface="Cambria Math" panose="02040503050406030204" pitchFamily="18" charset="0"/>
+                              </a:rPr>
+                              <m:t>𝑣</m:t>
+                            </m:r>
+                          </m:e>
+                        </m:d>
+                      </m:e>
+                    </m:func>
+                    <m:r>
+                      <a:rPr kumimoji="1" lang="en-US" altLang="ja-JP" sz="2400" b="0" i="1" smtClean="0">
+                        <a:latin typeface="Cambria Math" panose="02040503050406030204" pitchFamily="18" charset="0"/>
+                      </a:rPr>
+                      <m:t>≥4</m:t>
+                    </m:r>
+                  </m:oMath>
+                </a14:m>
+                <a:r>
+                  <a:rPr kumimoji="1" lang="en-US" altLang="ja-JP" dirty="0"/>
+                  <a:t> include the antiprism.</a:t>
+                </a:r>
+                <a:endParaRPr kumimoji="1" lang="ja-JP" altLang="en-US"/>
+              </a:p>
+            </p:txBody>
+          </p:sp>
+        </mc:Choice>
+        <mc:Fallback>
+          <p:sp>
+            <p:nvSpPr>
+              <p:cNvPr id="22" name="コンテンツ プレースホルダー 2">
+                <a:extLst>
+                  <a:ext uri="{FF2B5EF4-FFF2-40B4-BE49-F238E27FC236}">
+                    <a16:creationId xmlns:a16="http://schemas.microsoft.com/office/drawing/2014/main" id="{5DF7FD5B-AC55-E070-6715-0170D943E9E9}"/>
+                  </a:ext>
+                </a:extLst>
+              </p:cNvPr>
+              <p:cNvSpPr>
+                <a:spLocks noGrp="1" noRot="1" noChangeAspect="1" noMove="1" noResize="1" noEditPoints="1" noAdjustHandles="1" noChangeArrowheads="1" noChangeShapeType="1" noTextEdit="1"/>
+              </p:cNvSpPr>
+              <p:nvPr>
+                <p:ph sz="quarter" idx="13"/>
+              </p:nvPr>
+            </p:nvSpPr>
+            <p:spPr>
+              <a:xfrm>
+                <a:off x="218004" y="5454532"/>
+                <a:ext cx="8734328" cy="968046"/>
+              </a:xfrm>
+              <a:blipFill>
+                <a:blip r:embed="rId8"/>
+                <a:stretch>
+                  <a:fillRect l="-1161" t="-5195" b="-12987"/>
+                </a:stretch>
+              </a:blipFill>
+            </p:spPr>
+            <p:txBody>
+              <a:bodyPr/>
+              <a:lstStyle/>
+              <a:p>
+                <a:r>
+                  <a:rPr lang="ja-JP" altLang="en-US">
+                    <a:noFill/>
+                  </a:rPr>
+                  <a:t> </a:t>
+                </a:r>
+              </a:p>
+            </p:txBody>
+          </p:sp>
+        </mc:Fallback>
+      </mc:AlternateContent>
+    </p:spTree>
+    <p:extLst>
+      <p:ext uri="{BB962C8B-B14F-4D97-AF65-F5344CB8AC3E}">
+        <p14:creationId xmlns:p14="http://schemas.microsoft.com/office/powerpoint/2010/main" val="1636102695"/>
       </p:ext>
     </p:extLst>
   </p:cSld>
